--- a/Lectures/Game AI 3.pptx
+++ b/Lectures/Game AI 3.pptx
@@ -5,11 +5,34 @@
     <p:sldMasterId id="2147483648" r:id="rId1"/>
   </p:sldMasterIdLst>
   <p:notesMasterIdLst>
-    <p:notesMasterId r:id="rId4"/>
+    <p:notesMasterId r:id="rId27"/>
   </p:notesMasterIdLst>
   <p:sldIdLst>
     <p:sldId id="256" r:id="rId2"/>
     <p:sldId id="257" r:id="rId3"/>
+    <p:sldId id="258" r:id="rId4"/>
+    <p:sldId id="259" r:id="rId5"/>
+    <p:sldId id="260" r:id="rId6"/>
+    <p:sldId id="261" r:id="rId7"/>
+    <p:sldId id="262" r:id="rId8"/>
+    <p:sldId id="263" r:id="rId9"/>
+    <p:sldId id="264" r:id="rId10"/>
+    <p:sldId id="265" r:id="rId11"/>
+    <p:sldId id="266" r:id="rId12"/>
+    <p:sldId id="267" r:id="rId13"/>
+    <p:sldId id="268" r:id="rId14"/>
+    <p:sldId id="269" r:id="rId15"/>
+    <p:sldId id="270" r:id="rId16"/>
+    <p:sldId id="271" r:id="rId17"/>
+    <p:sldId id="272" r:id="rId18"/>
+    <p:sldId id="273" r:id="rId19"/>
+    <p:sldId id="275" r:id="rId20"/>
+    <p:sldId id="276" r:id="rId21"/>
+    <p:sldId id="274" r:id="rId22"/>
+    <p:sldId id="280" r:id="rId23"/>
+    <p:sldId id="277" r:id="rId24"/>
+    <p:sldId id="278" r:id="rId25"/>
+    <p:sldId id="279" r:id="rId26"/>
   </p:sldIdLst>
   <p:sldSz cx="9144000" cy="6858000" type="screen4x3"/>
   <p:notesSz cx="6858000" cy="9144000"/>
@@ -209,7 +232,7 @@
           <a:p>
             <a:fld id="{8B5F6ADF-76BE-4E67-B3A7-E4E519D3E160}" type="datetimeFigureOut">
               <a:rPr lang="en-IE" smtClean="0"/>
-              <a:t>11/02/2014</a:t>
+              <a:t>12/02/2014</a:t>
             </a:fld>
             <a:endParaRPr lang="en-IE"/>
           </a:p>
@@ -477,6 +500,708 @@
 </p:notesMaster>
 </file>
 
+<file path=ppt/notesSlides/notesSlide1.xml><?xml version="1.0" encoding="utf-8"?>
+<p:notes xmlns:a="http://schemas.openxmlformats.org/drawingml/2006/main" xmlns:r="http://schemas.openxmlformats.org/officeDocument/2006/relationships" xmlns:p="http://schemas.openxmlformats.org/presentationml/2006/main">
+  <p:cSld>
+    <p:spTree>
+      <p:nvGrpSpPr>
+        <p:cNvPr id="1" name=""/>
+        <p:cNvGrpSpPr/>
+        <p:nvPr/>
+      </p:nvGrpSpPr>
+      <p:grpSpPr>
+        <a:xfrm>
+          <a:off x="0" y="0"/>
+          <a:ext cx="0" cy="0"/>
+          <a:chOff x="0" y="0"/>
+          <a:chExt cx="0" cy="0"/>
+        </a:xfrm>
+      </p:grpSpPr>
+      <p:sp>
+        <p:nvSpPr>
+          <p:cNvPr id="37890" name="Rectangle 7"/>
+          <p:cNvSpPr>
+            <a:spLocks noGrp="1" noChangeArrowheads="1"/>
+          </p:cNvSpPr>
+          <p:nvPr>
+            <p:ph type="sldNum" sz="quarter" idx="5"/>
+          </p:nvPr>
+        </p:nvSpPr>
+        <p:spPr>
+          <a:noFill/>
+          <a:ln/>
+          <a:extLst>
+            <a:ext uri="{909E8E84-426E-40DD-AFC4-6F175D3DCCD1}">
+              <a14:hiddenFill xmlns:a14="http://schemas.microsoft.com/office/drawing/2010/main">
+                <a:solidFill>
+                  <a:srgbClr val="FFFFFF"/>
+                </a:solidFill>
+              </a14:hiddenFill>
+            </a:ext>
+            <a:ext uri="{91240B29-F687-4F45-9708-019B960494DF}">
+              <a14:hiddenLine xmlns:a14="http://schemas.microsoft.com/office/drawing/2010/main" w="9525">
+                <a:solidFill>
+                  <a:srgbClr val="000000"/>
+                </a:solidFill>
+                <a:miter lim="800000"/>
+                <a:headEnd/>
+                <a:tailEnd/>
+              </a14:hiddenLine>
+            </a:ext>
+          </a:extLst>
+        </p:spPr>
+        <p:txBody>
+          <a:bodyPr/>
+          <a:lstStyle>
+            <a:lvl1pPr eaLnBrk="0" hangingPunct="0">
+              <a:defRPr sz="2400">
+                <a:solidFill>
+                  <a:schemeClr val="tx1"/>
+                </a:solidFill>
+                <a:latin typeface="Tahoma" panose="020B0604030504040204" pitchFamily="34" charset="0"/>
+              </a:defRPr>
+            </a:lvl1pPr>
+            <a:lvl2pPr marL="742950" indent="-285750" eaLnBrk="0" hangingPunct="0">
+              <a:defRPr sz="2400">
+                <a:solidFill>
+                  <a:schemeClr val="tx1"/>
+                </a:solidFill>
+                <a:latin typeface="Tahoma" panose="020B0604030504040204" pitchFamily="34" charset="0"/>
+              </a:defRPr>
+            </a:lvl2pPr>
+            <a:lvl3pPr marL="1143000" indent="-228600" eaLnBrk="0" hangingPunct="0">
+              <a:defRPr sz="2400">
+                <a:solidFill>
+                  <a:schemeClr val="tx1"/>
+                </a:solidFill>
+                <a:latin typeface="Tahoma" panose="020B0604030504040204" pitchFamily="34" charset="0"/>
+              </a:defRPr>
+            </a:lvl3pPr>
+            <a:lvl4pPr marL="1600200" indent="-228600" eaLnBrk="0" hangingPunct="0">
+              <a:defRPr sz="2400">
+                <a:solidFill>
+                  <a:schemeClr val="tx1"/>
+                </a:solidFill>
+                <a:latin typeface="Tahoma" panose="020B0604030504040204" pitchFamily="34" charset="0"/>
+              </a:defRPr>
+            </a:lvl4pPr>
+            <a:lvl5pPr marL="2057400" indent="-228600" eaLnBrk="0" hangingPunct="0">
+              <a:defRPr sz="2400">
+                <a:solidFill>
+                  <a:schemeClr val="tx1"/>
+                </a:solidFill>
+                <a:latin typeface="Tahoma" panose="020B0604030504040204" pitchFamily="34" charset="0"/>
+              </a:defRPr>
+            </a:lvl5pPr>
+            <a:lvl6pPr marL="2514600" indent="-228600" algn="ctr" eaLnBrk="0" fontAlgn="base" hangingPunct="0">
+              <a:spcBef>
+                <a:spcPct val="0"/>
+              </a:spcBef>
+              <a:spcAft>
+                <a:spcPct val="0"/>
+              </a:spcAft>
+              <a:defRPr sz="2400">
+                <a:solidFill>
+                  <a:schemeClr val="tx1"/>
+                </a:solidFill>
+                <a:latin typeface="Tahoma" panose="020B0604030504040204" pitchFamily="34" charset="0"/>
+              </a:defRPr>
+            </a:lvl6pPr>
+            <a:lvl7pPr marL="2971800" indent="-228600" algn="ctr" eaLnBrk="0" fontAlgn="base" hangingPunct="0">
+              <a:spcBef>
+                <a:spcPct val="0"/>
+              </a:spcBef>
+              <a:spcAft>
+                <a:spcPct val="0"/>
+              </a:spcAft>
+              <a:defRPr sz="2400">
+                <a:solidFill>
+                  <a:schemeClr val="tx1"/>
+                </a:solidFill>
+                <a:latin typeface="Tahoma" panose="020B0604030504040204" pitchFamily="34" charset="0"/>
+              </a:defRPr>
+            </a:lvl7pPr>
+            <a:lvl8pPr marL="3429000" indent="-228600" algn="ctr" eaLnBrk="0" fontAlgn="base" hangingPunct="0">
+              <a:spcBef>
+                <a:spcPct val="0"/>
+              </a:spcBef>
+              <a:spcAft>
+                <a:spcPct val="0"/>
+              </a:spcAft>
+              <a:defRPr sz="2400">
+                <a:solidFill>
+                  <a:schemeClr val="tx1"/>
+                </a:solidFill>
+                <a:latin typeface="Tahoma" panose="020B0604030504040204" pitchFamily="34" charset="0"/>
+              </a:defRPr>
+            </a:lvl8pPr>
+            <a:lvl9pPr marL="3886200" indent="-228600" algn="ctr" eaLnBrk="0" fontAlgn="base" hangingPunct="0">
+              <a:spcBef>
+                <a:spcPct val="0"/>
+              </a:spcBef>
+              <a:spcAft>
+                <a:spcPct val="0"/>
+              </a:spcAft>
+              <a:defRPr sz="2400">
+                <a:solidFill>
+                  <a:schemeClr val="tx1"/>
+                </a:solidFill>
+                <a:latin typeface="Tahoma" panose="020B0604030504040204" pitchFamily="34" charset="0"/>
+              </a:defRPr>
+            </a:lvl9pPr>
+          </a:lstStyle>
+          <a:p>
+            <a:pPr eaLnBrk="1" hangingPunct="1"/>
+            <a:fld id="{602E12EA-CE46-4775-8925-33B4B3F27F57}" type="slidenum">
+              <a:rPr lang="en-IE" sz="1200">
+                <a:latin typeface="Times New Roman" panose="02020603050405020304" pitchFamily="18" charset="0"/>
+              </a:rPr>
+              <a:pPr eaLnBrk="1" hangingPunct="1"/>
+              <a:t>23</a:t>
+            </a:fld>
+            <a:endParaRPr lang="en-IE" sz="1200">
+              <a:latin typeface="Times New Roman" panose="02020603050405020304" pitchFamily="18" charset="0"/>
+            </a:endParaRPr>
+          </a:p>
+        </p:txBody>
+      </p:sp>
+      <p:sp>
+        <p:nvSpPr>
+          <p:cNvPr id="37891" name="Rectangle 2"/>
+          <p:cNvSpPr>
+            <a:spLocks noRot="1" noChangeArrowheads="1" noTextEdit="1"/>
+          </p:cNvSpPr>
+          <p:nvPr>
+            <p:ph type="sldImg"/>
+          </p:nvPr>
+        </p:nvSpPr>
+        <p:spPr>
+          <a:ln/>
+        </p:spPr>
+      </p:sp>
+      <p:sp>
+        <p:nvSpPr>
+          <p:cNvPr id="37892" name="Rectangle 3"/>
+          <p:cNvSpPr>
+            <a:spLocks noGrp="1" noChangeArrowheads="1"/>
+          </p:cNvSpPr>
+          <p:nvPr>
+            <p:ph type="body" idx="1"/>
+          </p:nvPr>
+        </p:nvSpPr>
+        <p:spPr>
+          <a:noFill/>
+          <a:ln/>
+          <a:extLst>
+            <a:ext uri="{909E8E84-426E-40DD-AFC4-6F175D3DCCD1}">
+              <a14:hiddenFill xmlns:a14="http://schemas.microsoft.com/office/drawing/2010/main">
+                <a:solidFill>
+                  <a:srgbClr val="FFFFFF"/>
+                </a:solidFill>
+              </a14:hiddenFill>
+            </a:ext>
+            <a:ext uri="{91240B29-F687-4F45-9708-019B960494DF}">
+              <a14:hiddenLine xmlns:a14="http://schemas.microsoft.com/office/drawing/2010/main" w="9525">
+                <a:solidFill>
+                  <a:srgbClr val="000000"/>
+                </a:solidFill>
+                <a:miter lim="800000"/>
+                <a:headEnd/>
+                <a:tailEnd/>
+              </a14:hiddenLine>
+            </a:ext>
+          </a:extLst>
+        </p:spPr>
+        <p:txBody>
+          <a:bodyPr/>
+          <a:lstStyle/>
+          <a:p>
+            <a:pPr eaLnBrk="1" hangingPunct="1"/>
+            <a:endParaRPr lang="en-IE" smtClean="0"/>
+          </a:p>
+        </p:txBody>
+      </p:sp>
+    </p:spTree>
+    <p:extLst>
+      <p:ext uri="{BB962C8B-B14F-4D97-AF65-F5344CB8AC3E}">
+        <p14:creationId xmlns:p14="http://schemas.microsoft.com/office/powerpoint/2010/main" val="932499054"/>
+      </p:ext>
+    </p:extLst>
+  </p:cSld>
+  <p:clrMapOvr>
+    <a:masterClrMapping/>
+  </p:clrMapOvr>
+</p:notes>
+</file>
+
+<file path=ppt/notesSlides/notesSlide2.xml><?xml version="1.0" encoding="utf-8"?>
+<p:notes xmlns:a="http://schemas.openxmlformats.org/drawingml/2006/main" xmlns:r="http://schemas.openxmlformats.org/officeDocument/2006/relationships" xmlns:p="http://schemas.openxmlformats.org/presentationml/2006/main">
+  <p:cSld>
+    <p:spTree>
+      <p:nvGrpSpPr>
+        <p:cNvPr id="1" name=""/>
+        <p:cNvGrpSpPr/>
+        <p:nvPr/>
+      </p:nvGrpSpPr>
+      <p:grpSpPr>
+        <a:xfrm>
+          <a:off x="0" y="0"/>
+          <a:ext cx="0" cy="0"/>
+          <a:chOff x="0" y="0"/>
+          <a:chExt cx="0" cy="0"/>
+        </a:xfrm>
+      </p:grpSpPr>
+      <p:sp>
+        <p:nvSpPr>
+          <p:cNvPr id="38914" name="Rectangle 7"/>
+          <p:cNvSpPr>
+            <a:spLocks noGrp="1" noChangeArrowheads="1"/>
+          </p:cNvSpPr>
+          <p:nvPr>
+            <p:ph type="sldNum" sz="quarter" idx="5"/>
+          </p:nvPr>
+        </p:nvSpPr>
+        <p:spPr>
+          <a:noFill/>
+          <a:ln/>
+          <a:extLst>
+            <a:ext uri="{909E8E84-426E-40DD-AFC4-6F175D3DCCD1}">
+              <a14:hiddenFill xmlns:a14="http://schemas.microsoft.com/office/drawing/2010/main">
+                <a:solidFill>
+                  <a:srgbClr val="FFFFFF"/>
+                </a:solidFill>
+              </a14:hiddenFill>
+            </a:ext>
+            <a:ext uri="{91240B29-F687-4F45-9708-019B960494DF}">
+              <a14:hiddenLine xmlns:a14="http://schemas.microsoft.com/office/drawing/2010/main" w="9525">
+                <a:solidFill>
+                  <a:srgbClr val="000000"/>
+                </a:solidFill>
+                <a:miter lim="800000"/>
+                <a:headEnd/>
+                <a:tailEnd/>
+              </a14:hiddenLine>
+            </a:ext>
+          </a:extLst>
+        </p:spPr>
+        <p:txBody>
+          <a:bodyPr/>
+          <a:lstStyle>
+            <a:lvl1pPr eaLnBrk="0" hangingPunct="0">
+              <a:defRPr sz="2400">
+                <a:solidFill>
+                  <a:schemeClr val="tx1"/>
+                </a:solidFill>
+                <a:latin typeface="Tahoma" panose="020B0604030504040204" pitchFamily="34" charset="0"/>
+              </a:defRPr>
+            </a:lvl1pPr>
+            <a:lvl2pPr marL="742950" indent="-285750" eaLnBrk="0" hangingPunct="0">
+              <a:defRPr sz="2400">
+                <a:solidFill>
+                  <a:schemeClr val="tx1"/>
+                </a:solidFill>
+                <a:latin typeface="Tahoma" panose="020B0604030504040204" pitchFamily="34" charset="0"/>
+              </a:defRPr>
+            </a:lvl2pPr>
+            <a:lvl3pPr marL="1143000" indent="-228600" eaLnBrk="0" hangingPunct="0">
+              <a:defRPr sz="2400">
+                <a:solidFill>
+                  <a:schemeClr val="tx1"/>
+                </a:solidFill>
+                <a:latin typeface="Tahoma" panose="020B0604030504040204" pitchFamily="34" charset="0"/>
+              </a:defRPr>
+            </a:lvl3pPr>
+            <a:lvl4pPr marL="1600200" indent="-228600" eaLnBrk="0" hangingPunct="0">
+              <a:defRPr sz="2400">
+                <a:solidFill>
+                  <a:schemeClr val="tx1"/>
+                </a:solidFill>
+                <a:latin typeface="Tahoma" panose="020B0604030504040204" pitchFamily="34" charset="0"/>
+              </a:defRPr>
+            </a:lvl4pPr>
+            <a:lvl5pPr marL="2057400" indent="-228600" eaLnBrk="0" hangingPunct="0">
+              <a:defRPr sz="2400">
+                <a:solidFill>
+                  <a:schemeClr val="tx1"/>
+                </a:solidFill>
+                <a:latin typeface="Tahoma" panose="020B0604030504040204" pitchFamily="34" charset="0"/>
+              </a:defRPr>
+            </a:lvl5pPr>
+            <a:lvl6pPr marL="2514600" indent="-228600" algn="ctr" eaLnBrk="0" fontAlgn="base" hangingPunct="0">
+              <a:spcBef>
+                <a:spcPct val="0"/>
+              </a:spcBef>
+              <a:spcAft>
+                <a:spcPct val="0"/>
+              </a:spcAft>
+              <a:defRPr sz="2400">
+                <a:solidFill>
+                  <a:schemeClr val="tx1"/>
+                </a:solidFill>
+                <a:latin typeface="Tahoma" panose="020B0604030504040204" pitchFamily="34" charset="0"/>
+              </a:defRPr>
+            </a:lvl6pPr>
+            <a:lvl7pPr marL="2971800" indent="-228600" algn="ctr" eaLnBrk="0" fontAlgn="base" hangingPunct="0">
+              <a:spcBef>
+                <a:spcPct val="0"/>
+              </a:spcBef>
+              <a:spcAft>
+                <a:spcPct val="0"/>
+              </a:spcAft>
+              <a:defRPr sz="2400">
+                <a:solidFill>
+                  <a:schemeClr val="tx1"/>
+                </a:solidFill>
+                <a:latin typeface="Tahoma" panose="020B0604030504040204" pitchFamily="34" charset="0"/>
+              </a:defRPr>
+            </a:lvl7pPr>
+            <a:lvl8pPr marL="3429000" indent="-228600" algn="ctr" eaLnBrk="0" fontAlgn="base" hangingPunct="0">
+              <a:spcBef>
+                <a:spcPct val="0"/>
+              </a:spcBef>
+              <a:spcAft>
+                <a:spcPct val="0"/>
+              </a:spcAft>
+              <a:defRPr sz="2400">
+                <a:solidFill>
+                  <a:schemeClr val="tx1"/>
+                </a:solidFill>
+                <a:latin typeface="Tahoma" panose="020B0604030504040204" pitchFamily="34" charset="0"/>
+              </a:defRPr>
+            </a:lvl8pPr>
+            <a:lvl9pPr marL="3886200" indent="-228600" algn="ctr" eaLnBrk="0" fontAlgn="base" hangingPunct="0">
+              <a:spcBef>
+                <a:spcPct val="0"/>
+              </a:spcBef>
+              <a:spcAft>
+                <a:spcPct val="0"/>
+              </a:spcAft>
+              <a:defRPr sz="2400">
+                <a:solidFill>
+                  <a:schemeClr val="tx1"/>
+                </a:solidFill>
+                <a:latin typeface="Tahoma" panose="020B0604030504040204" pitchFamily="34" charset="0"/>
+              </a:defRPr>
+            </a:lvl9pPr>
+          </a:lstStyle>
+          <a:p>
+            <a:pPr eaLnBrk="1" hangingPunct="1"/>
+            <a:fld id="{E54142A0-F00D-4F94-AAB4-C3ECA8EE83CE}" type="slidenum">
+              <a:rPr lang="en-IE" sz="1200">
+                <a:latin typeface="Times New Roman" panose="02020603050405020304" pitchFamily="18" charset="0"/>
+              </a:rPr>
+              <a:pPr eaLnBrk="1" hangingPunct="1"/>
+              <a:t>24</a:t>
+            </a:fld>
+            <a:endParaRPr lang="en-IE" sz="1200">
+              <a:latin typeface="Times New Roman" panose="02020603050405020304" pitchFamily="18" charset="0"/>
+            </a:endParaRPr>
+          </a:p>
+        </p:txBody>
+      </p:sp>
+      <p:sp>
+        <p:nvSpPr>
+          <p:cNvPr id="38915" name="Rectangle 2"/>
+          <p:cNvSpPr>
+            <a:spLocks noRot="1" noChangeArrowheads="1" noTextEdit="1"/>
+          </p:cNvSpPr>
+          <p:nvPr>
+            <p:ph type="sldImg"/>
+          </p:nvPr>
+        </p:nvSpPr>
+        <p:spPr>
+          <a:ln/>
+        </p:spPr>
+      </p:sp>
+      <p:sp>
+        <p:nvSpPr>
+          <p:cNvPr id="38916" name="Rectangle 3"/>
+          <p:cNvSpPr>
+            <a:spLocks noGrp="1" noChangeArrowheads="1"/>
+          </p:cNvSpPr>
+          <p:nvPr>
+            <p:ph type="body" idx="1"/>
+          </p:nvPr>
+        </p:nvSpPr>
+        <p:spPr>
+          <a:noFill/>
+          <a:ln/>
+          <a:extLst>
+            <a:ext uri="{909E8E84-426E-40DD-AFC4-6F175D3DCCD1}">
+              <a14:hiddenFill xmlns:a14="http://schemas.microsoft.com/office/drawing/2010/main">
+                <a:solidFill>
+                  <a:srgbClr val="FFFFFF"/>
+                </a:solidFill>
+              </a14:hiddenFill>
+            </a:ext>
+            <a:ext uri="{91240B29-F687-4F45-9708-019B960494DF}">
+              <a14:hiddenLine xmlns:a14="http://schemas.microsoft.com/office/drawing/2010/main" w="9525">
+                <a:solidFill>
+                  <a:srgbClr val="000000"/>
+                </a:solidFill>
+                <a:miter lim="800000"/>
+                <a:headEnd/>
+                <a:tailEnd/>
+              </a14:hiddenLine>
+            </a:ext>
+          </a:extLst>
+        </p:spPr>
+        <p:txBody>
+          <a:bodyPr/>
+          <a:lstStyle/>
+          <a:p>
+            <a:pPr eaLnBrk="1" hangingPunct="1"/>
+            <a:endParaRPr lang="en-IE" smtClean="0"/>
+          </a:p>
+        </p:txBody>
+      </p:sp>
+    </p:spTree>
+    <p:extLst>
+      <p:ext uri="{BB962C8B-B14F-4D97-AF65-F5344CB8AC3E}">
+        <p14:creationId xmlns:p14="http://schemas.microsoft.com/office/powerpoint/2010/main" val="968730709"/>
+      </p:ext>
+    </p:extLst>
+  </p:cSld>
+  <p:clrMapOvr>
+    <a:masterClrMapping/>
+  </p:clrMapOvr>
+</p:notes>
+</file>
+
+<file path=ppt/notesSlides/notesSlide3.xml><?xml version="1.0" encoding="utf-8"?>
+<p:notes xmlns:a="http://schemas.openxmlformats.org/drawingml/2006/main" xmlns:r="http://schemas.openxmlformats.org/officeDocument/2006/relationships" xmlns:p="http://schemas.openxmlformats.org/presentationml/2006/main">
+  <p:cSld>
+    <p:spTree>
+      <p:nvGrpSpPr>
+        <p:cNvPr id="1" name=""/>
+        <p:cNvGrpSpPr/>
+        <p:nvPr/>
+      </p:nvGrpSpPr>
+      <p:grpSpPr>
+        <a:xfrm>
+          <a:off x="0" y="0"/>
+          <a:ext cx="0" cy="0"/>
+          <a:chOff x="0" y="0"/>
+          <a:chExt cx="0" cy="0"/>
+        </a:xfrm>
+      </p:grpSpPr>
+      <p:sp>
+        <p:nvSpPr>
+          <p:cNvPr id="39938" name="Rectangle 7"/>
+          <p:cNvSpPr>
+            <a:spLocks noGrp="1" noChangeArrowheads="1"/>
+          </p:cNvSpPr>
+          <p:nvPr>
+            <p:ph type="sldNum" sz="quarter" idx="5"/>
+          </p:nvPr>
+        </p:nvSpPr>
+        <p:spPr>
+          <a:noFill/>
+          <a:ln/>
+          <a:extLst>
+            <a:ext uri="{909E8E84-426E-40DD-AFC4-6F175D3DCCD1}">
+              <a14:hiddenFill xmlns:a14="http://schemas.microsoft.com/office/drawing/2010/main">
+                <a:solidFill>
+                  <a:srgbClr val="FFFFFF"/>
+                </a:solidFill>
+              </a14:hiddenFill>
+            </a:ext>
+            <a:ext uri="{91240B29-F687-4F45-9708-019B960494DF}">
+              <a14:hiddenLine xmlns:a14="http://schemas.microsoft.com/office/drawing/2010/main" w="9525">
+                <a:solidFill>
+                  <a:srgbClr val="000000"/>
+                </a:solidFill>
+                <a:miter lim="800000"/>
+                <a:headEnd/>
+                <a:tailEnd/>
+              </a14:hiddenLine>
+            </a:ext>
+          </a:extLst>
+        </p:spPr>
+        <p:txBody>
+          <a:bodyPr/>
+          <a:lstStyle>
+            <a:lvl1pPr eaLnBrk="0" hangingPunct="0">
+              <a:defRPr sz="2400">
+                <a:solidFill>
+                  <a:schemeClr val="tx1"/>
+                </a:solidFill>
+                <a:latin typeface="Tahoma" panose="020B0604030504040204" pitchFamily="34" charset="0"/>
+              </a:defRPr>
+            </a:lvl1pPr>
+            <a:lvl2pPr marL="742950" indent="-285750" eaLnBrk="0" hangingPunct="0">
+              <a:defRPr sz="2400">
+                <a:solidFill>
+                  <a:schemeClr val="tx1"/>
+                </a:solidFill>
+                <a:latin typeface="Tahoma" panose="020B0604030504040204" pitchFamily="34" charset="0"/>
+              </a:defRPr>
+            </a:lvl2pPr>
+            <a:lvl3pPr marL="1143000" indent="-228600" eaLnBrk="0" hangingPunct="0">
+              <a:defRPr sz="2400">
+                <a:solidFill>
+                  <a:schemeClr val="tx1"/>
+                </a:solidFill>
+                <a:latin typeface="Tahoma" panose="020B0604030504040204" pitchFamily="34" charset="0"/>
+              </a:defRPr>
+            </a:lvl3pPr>
+            <a:lvl4pPr marL="1600200" indent="-228600" eaLnBrk="0" hangingPunct="0">
+              <a:defRPr sz="2400">
+                <a:solidFill>
+                  <a:schemeClr val="tx1"/>
+                </a:solidFill>
+                <a:latin typeface="Tahoma" panose="020B0604030504040204" pitchFamily="34" charset="0"/>
+              </a:defRPr>
+            </a:lvl4pPr>
+            <a:lvl5pPr marL="2057400" indent="-228600" eaLnBrk="0" hangingPunct="0">
+              <a:defRPr sz="2400">
+                <a:solidFill>
+                  <a:schemeClr val="tx1"/>
+                </a:solidFill>
+                <a:latin typeface="Tahoma" panose="020B0604030504040204" pitchFamily="34" charset="0"/>
+              </a:defRPr>
+            </a:lvl5pPr>
+            <a:lvl6pPr marL="2514600" indent="-228600" algn="ctr" eaLnBrk="0" fontAlgn="base" hangingPunct="0">
+              <a:spcBef>
+                <a:spcPct val="0"/>
+              </a:spcBef>
+              <a:spcAft>
+                <a:spcPct val="0"/>
+              </a:spcAft>
+              <a:defRPr sz="2400">
+                <a:solidFill>
+                  <a:schemeClr val="tx1"/>
+                </a:solidFill>
+                <a:latin typeface="Tahoma" panose="020B0604030504040204" pitchFamily="34" charset="0"/>
+              </a:defRPr>
+            </a:lvl6pPr>
+            <a:lvl7pPr marL="2971800" indent="-228600" algn="ctr" eaLnBrk="0" fontAlgn="base" hangingPunct="0">
+              <a:spcBef>
+                <a:spcPct val="0"/>
+              </a:spcBef>
+              <a:spcAft>
+                <a:spcPct val="0"/>
+              </a:spcAft>
+              <a:defRPr sz="2400">
+                <a:solidFill>
+                  <a:schemeClr val="tx1"/>
+                </a:solidFill>
+                <a:latin typeface="Tahoma" panose="020B0604030504040204" pitchFamily="34" charset="0"/>
+              </a:defRPr>
+            </a:lvl7pPr>
+            <a:lvl8pPr marL="3429000" indent="-228600" algn="ctr" eaLnBrk="0" fontAlgn="base" hangingPunct="0">
+              <a:spcBef>
+                <a:spcPct val="0"/>
+              </a:spcBef>
+              <a:spcAft>
+                <a:spcPct val="0"/>
+              </a:spcAft>
+              <a:defRPr sz="2400">
+                <a:solidFill>
+                  <a:schemeClr val="tx1"/>
+                </a:solidFill>
+                <a:latin typeface="Tahoma" panose="020B0604030504040204" pitchFamily="34" charset="0"/>
+              </a:defRPr>
+            </a:lvl8pPr>
+            <a:lvl9pPr marL="3886200" indent="-228600" algn="ctr" eaLnBrk="0" fontAlgn="base" hangingPunct="0">
+              <a:spcBef>
+                <a:spcPct val="0"/>
+              </a:spcBef>
+              <a:spcAft>
+                <a:spcPct val="0"/>
+              </a:spcAft>
+              <a:defRPr sz="2400">
+                <a:solidFill>
+                  <a:schemeClr val="tx1"/>
+                </a:solidFill>
+                <a:latin typeface="Tahoma" panose="020B0604030504040204" pitchFamily="34" charset="0"/>
+              </a:defRPr>
+            </a:lvl9pPr>
+          </a:lstStyle>
+          <a:p>
+            <a:pPr eaLnBrk="1" hangingPunct="1"/>
+            <a:fld id="{53D253D4-54FB-4330-826B-2DEB528EE2CD}" type="slidenum">
+              <a:rPr lang="en-IE" sz="1200">
+                <a:latin typeface="Times New Roman" panose="02020603050405020304" pitchFamily="18" charset="0"/>
+              </a:rPr>
+              <a:pPr eaLnBrk="1" hangingPunct="1"/>
+              <a:t>25</a:t>
+            </a:fld>
+            <a:endParaRPr lang="en-IE" sz="1200">
+              <a:latin typeface="Times New Roman" panose="02020603050405020304" pitchFamily="18" charset="0"/>
+            </a:endParaRPr>
+          </a:p>
+        </p:txBody>
+      </p:sp>
+      <p:sp>
+        <p:nvSpPr>
+          <p:cNvPr id="39939" name="Rectangle 2"/>
+          <p:cNvSpPr>
+            <a:spLocks noRot="1" noChangeArrowheads="1" noTextEdit="1"/>
+          </p:cNvSpPr>
+          <p:nvPr>
+            <p:ph type="sldImg"/>
+          </p:nvPr>
+        </p:nvSpPr>
+        <p:spPr>
+          <a:ln/>
+        </p:spPr>
+      </p:sp>
+      <p:sp>
+        <p:nvSpPr>
+          <p:cNvPr id="39940" name="Rectangle 3"/>
+          <p:cNvSpPr>
+            <a:spLocks noGrp="1" noChangeArrowheads="1"/>
+          </p:cNvSpPr>
+          <p:nvPr>
+            <p:ph type="body" idx="1"/>
+          </p:nvPr>
+        </p:nvSpPr>
+        <p:spPr>
+          <a:noFill/>
+          <a:ln/>
+          <a:extLst>
+            <a:ext uri="{909E8E84-426E-40DD-AFC4-6F175D3DCCD1}">
+              <a14:hiddenFill xmlns:a14="http://schemas.microsoft.com/office/drawing/2010/main">
+                <a:solidFill>
+                  <a:srgbClr val="FFFFFF"/>
+                </a:solidFill>
+              </a14:hiddenFill>
+            </a:ext>
+            <a:ext uri="{91240B29-F687-4F45-9708-019B960494DF}">
+              <a14:hiddenLine xmlns:a14="http://schemas.microsoft.com/office/drawing/2010/main" w="9525">
+                <a:solidFill>
+                  <a:srgbClr val="000000"/>
+                </a:solidFill>
+                <a:miter lim="800000"/>
+                <a:headEnd/>
+                <a:tailEnd/>
+              </a14:hiddenLine>
+            </a:ext>
+          </a:extLst>
+        </p:spPr>
+        <p:txBody>
+          <a:bodyPr/>
+          <a:lstStyle/>
+          <a:p>
+            <a:pPr eaLnBrk="1" hangingPunct="1"/>
+            <a:endParaRPr lang="en-IE" smtClean="0"/>
+          </a:p>
+        </p:txBody>
+      </p:sp>
+    </p:spTree>
+    <p:extLst>
+      <p:ext uri="{BB962C8B-B14F-4D97-AF65-F5344CB8AC3E}">
+        <p14:creationId xmlns:p14="http://schemas.microsoft.com/office/powerpoint/2010/main" val="2791426254"/>
+      </p:ext>
+    </p:extLst>
+  </p:cSld>
+  <p:clrMapOvr>
+    <a:masterClrMapping/>
+  </p:clrMapOvr>
+</p:notes>
+</file>
+
 <file path=ppt/slideLayouts/slideLayout1.xml><?xml version="1.0" encoding="utf-8"?>
 <p:sldLayout xmlns:a="http://schemas.openxmlformats.org/drawingml/2006/main" xmlns:r="http://schemas.openxmlformats.org/officeDocument/2006/relationships" xmlns:p="http://schemas.openxmlformats.org/presentationml/2006/main" type="title" preserve="1">
   <p:cSld name="Title Slide">
@@ -658,7 +1383,7 @@
           <a:p>
             <a:fld id="{6FA70D29-463A-43D6-BBEF-693D30580A1C}" type="datetimeFigureOut">
               <a:rPr lang="en-IE" smtClean="0"/>
-              <a:t>11/02/2014</a:t>
+              <a:t>12/02/2014</a:t>
             </a:fld>
             <a:endParaRPr lang="en-IE"/>
           </a:p>
@@ -828,7 +1553,7 @@
           <a:p>
             <a:fld id="{6FA70D29-463A-43D6-BBEF-693D30580A1C}" type="datetimeFigureOut">
               <a:rPr lang="en-IE" smtClean="0"/>
-              <a:t>11/02/2014</a:t>
+              <a:t>12/02/2014</a:t>
             </a:fld>
             <a:endParaRPr lang="en-IE"/>
           </a:p>
@@ -1008,7 +1733,7 @@
           <a:p>
             <a:fld id="{6FA70D29-463A-43D6-BBEF-693D30580A1C}" type="datetimeFigureOut">
               <a:rPr lang="en-IE" smtClean="0"/>
-              <a:t>11/02/2014</a:t>
+              <a:t>12/02/2014</a:t>
             </a:fld>
             <a:endParaRPr lang="en-IE"/>
           </a:p>
@@ -1178,7 +1903,7 @@
           <a:p>
             <a:fld id="{6FA70D29-463A-43D6-BBEF-693D30580A1C}" type="datetimeFigureOut">
               <a:rPr lang="en-IE" smtClean="0"/>
-              <a:t>11/02/2014</a:t>
+              <a:t>12/02/2014</a:t>
             </a:fld>
             <a:endParaRPr lang="en-IE"/>
           </a:p>
@@ -1424,7 +2149,7 @@
           <a:p>
             <a:fld id="{6FA70D29-463A-43D6-BBEF-693D30580A1C}" type="datetimeFigureOut">
               <a:rPr lang="en-IE" smtClean="0"/>
-              <a:t>11/02/2014</a:t>
+              <a:t>12/02/2014</a:t>
             </a:fld>
             <a:endParaRPr lang="en-IE"/>
           </a:p>
@@ -1712,7 +2437,7 @@
           <a:p>
             <a:fld id="{6FA70D29-463A-43D6-BBEF-693D30580A1C}" type="datetimeFigureOut">
               <a:rPr lang="en-IE" smtClean="0"/>
-              <a:t>11/02/2014</a:t>
+              <a:t>12/02/2014</a:t>
             </a:fld>
             <a:endParaRPr lang="en-IE"/>
           </a:p>
@@ -2134,7 +2859,7 @@
           <a:p>
             <a:fld id="{6FA70D29-463A-43D6-BBEF-693D30580A1C}" type="datetimeFigureOut">
               <a:rPr lang="en-IE" smtClean="0"/>
-              <a:t>11/02/2014</a:t>
+              <a:t>12/02/2014</a:t>
             </a:fld>
             <a:endParaRPr lang="en-IE"/>
           </a:p>
@@ -2252,7 +2977,7 @@
           <a:p>
             <a:fld id="{6FA70D29-463A-43D6-BBEF-693D30580A1C}" type="datetimeFigureOut">
               <a:rPr lang="en-IE" smtClean="0"/>
-              <a:t>11/02/2014</a:t>
+              <a:t>12/02/2014</a:t>
             </a:fld>
             <a:endParaRPr lang="en-IE"/>
           </a:p>
@@ -2347,7 +3072,7 @@
           <a:p>
             <a:fld id="{6FA70D29-463A-43D6-BBEF-693D30580A1C}" type="datetimeFigureOut">
               <a:rPr lang="en-IE" smtClean="0"/>
-              <a:t>11/02/2014</a:t>
+              <a:t>12/02/2014</a:t>
             </a:fld>
             <a:endParaRPr lang="en-IE"/>
           </a:p>
@@ -2624,7 +3349,7 @@
           <a:p>
             <a:fld id="{6FA70D29-463A-43D6-BBEF-693D30580A1C}" type="datetimeFigureOut">
               <a:rPr lang="en-IE" smtClean="0"/>
-              <a:t>11/02/2014</a:t>
+              <a:t>12/02/2014</a:t>
             </a:fld>
             <a:endParaRPr lang="en-IE"/>
           </a:p>
@@ -2877,7 +3602,7 @@
           <a:p>
             <a:fld id="{6FA70D29-463A-43D6-BBEF-693D30580A1C}" type="datetimeFigureOut">
               <a:rPr lang="en-IE" smtClean="0"/>
-              <a:t>11/02/2014</a:t>
+              <a:t>12/02/2014</a:t>
             </a:fld>
             <a:endParaRPr lang="en-IE"/>
           </a:p>
@@ -3090,7 +3815,7 @@
           <a:p>
             <a:fld id="{6FA70D29-463A-43D6-BBEF-693D30580A1C}" type="datetimeFigureOut">
               <a:rPr lang="en-IE" smtClean="0"/>
-              <a:t>11/02/2014</a:t>
+              <a:t>12/02/2014</a:t>
             </a:fld>
             <a:endParaRPr lang="en-IE"/>
           </a:p>
@@ -3626,6 +4351,2059 @@
 </p:sld>
 </file>
 
+<file path=ppt/slides/slide10.xml><?xml version="1.0" encoding="utf-8"?>
+<p:sld xmlns:a="http://schemas.openxmlformats.org/drawingml/2006/main" xmlns:r="http://schemas.openxmlformats.org/officeDocument/2006/relationships" xmlns:p="http://schemas.openxmlformats.org/presentationml/2006/main">
+  <p:cSld>
+    <p:spTree>
+      <p:nvGrpSpPr>
+        <p:cNvPr id="1" name=""/>
+        <p:cNvGrpSpPr/>
+        <p:nvPr/>
+      </p:nvGrpSpPr>
+      <p:grpSpPr>
+        <a:xfrm>
+          <a:off x="0" y="0"/>
+          <a:ext cx="0" cy="0"/>
+          <a:chOff x="0" y="0"/>
+          <a:chExt cx="0" cy="0"/>
+        </a:xfrm>
+      </p:grpSpPr>
+      <p:sp>
+        <p:nvSpPr>
+          <p:cNvPr id="2" name="Title 1"/>
+          <p:cNvSpPr>
+            <a:spLocks noGrp="1"/>
+          </p:cNvSpPr>
+          <p:nvPr>
+            <p:ph type="title"/>
+          </p:nvPr>
+        </p:nvSpPr>
+        <p:spPr/>
+        <p:txBody>
+          <a:bodyPr/>
+          <a:lstStyle/>
+          <a:p>
+            <a:r>
+              <a:rPr lang="en-IE" dirty="0" smtClean="0"/>
+              <a:t>Creating GameObjects in code..</a:t>
+            </a:r>
+            <a:endParaRPr lang="en-IE" dirty="0"/>
+          </a:p>
+        </p:txBody>
+      </p:sp>
+      <p:sp>
+        <p:nvSpPr>
+          <p:cNvPr id="3" name="Content Placeholder 2"/>
+          <p:cNvSpPr>
+            <a:spLocks noGrp="1"/>
+          </p:cNvSpPr>
+          <p:nvPr>
+            <p:ph idx="1"/>
+          </p:nvPr>
+        </p:nvSpPr>
+        <p:spPr/>
+        <p:txBody>
+          <a:bodyPr>
+            <a:normAutofit fontScale="85000" lnSpcReduction="20000"/>
+          </a:bodyPr>
+          <a:lstStyle/>
+          <a:p>
+            <a:r>
+              <a:rPr lang="en-IE" dirty="0" smtClean="0"/>
+              <a:t>Create a “prefab” (a game object with some components attached)</a:t>
+            </a:r>
+          </a:p>
+          <a:p>
+            <a:r>
+              <a:rPr lang="en-IE" dirty="0" smtClean="0"/>
+              <a:t>This is done automatically when you import a model</a:t>
+            </a:r>
+          </a:p>
+          <a:p>
+            <a:r>
+              <a:rPr lang="en-IE" dirty="0" smtClean="0"/>
+              <a:t>Create a public field in the game component</a:t>
+            </a:r>
+          </a:p>
+          <a:p>
+            <a:pPr lvl="1"/>
+            <a:r>
+              <a:rPr lang="en-IE" dirty="0" smtClean="0"/>
+              <a:t>This exposes the field to the Unity editor</a:t>
+            </a:r>
+          </a:p>
+          <a:p>
+            <a:r>
+              <a:rPr lang="en-IE" dirty="0" smtClean="0"/>
+              <a:t>Drag the prefab over to the field in the editor</a:t>
+            </a:r>
+          </a:p>
+          <a:p>
+            <a:r>
+              <a:rPr lang="en-IE" dirty="0" smtClean="0"/>
+              <a:t>Write code:</a:t>
+            </a:r>
+          </a:p>
+          <a:p>
+            <a:pPr lvl="1"/>
+            <a:r>
+              <a:rPr lang="en-IE" dirty="0">
+                <a:latin typeface="Consolas" panose="020B0609020204030204" pitchFamily="49" charset="0"/>
+              </a:rPr>
+              <a:t>boid = (</a:t>
+            </a:r>
+            <a:r>
+              <a:rPr lang="en-IE" dirty="0">
+                <a:solidFill>
+                  <a:srgbClr val="2B91AF"/>
+                </a:solidFill>
+                <a:latin typeface="Consolas" panose="020B0609020204030204" pitchFamily="49" charset="0"/>
+              </a:rPr>
+              <a:t>GameObject</a:t>
+            </a:r>
+            <a:r>
+              <a:rPr lang="en-IE" dirty="0" smtClean="0">
+                <a:solidFill>
+                  <a:prstClr val="black"/>
+                </a:solidFill>
+                <a:latin typeface="Consolas" panose="020B0609020204030204" pitchFamily="49" charset="0"/>
+              </a:rPr>
+              <a:t>)</a:t>
+            </a:r>
+            <a:r>
+              <a:rPr lang="en-IE" dirty="0"/>
+              <a:t> </a:t>
+            </a:r>
+            <a:r>
+              <a:rPr lang="en-IE" dirty="0">
+                <a:solidFill>
+                  <a:srgbClr val="2B91AF"/>
+                </a:solidFill>
+                <a:latin typeface="Consolas" panose="020B0609020204030204" pitchFamily="49" charset="0"/>
+              </a:rPr>
+              <a:t>GameObject</a:t>
+            </a:r>
+            <a:r>
+              <a:rPr lang="en-IE" dirty="0" smtClean="0"/>
+              <a:t>.</a:t>
+            </a:r>
+            <a:r>
+              <a:rPr lang="en-IE" dirty="0" smtClean="0">
+                <a:solidFill>
+                  <a:prstClr val="black"/>
+                </a:solidFill>
+                <a:latin typeface="Consolas" panose="020B0609020204030204" pitchFamily="49" charset="0"/>
+              </a:rPr>
+              <a:t>Instantiate(prefab</a:t>
+            </a:r>
+            <a:r>
+              <a:rPr lang="en-IE" dirty="0">
+                <a:solidFill>
+                  <a:prstClr val="black"/>
+                </a:solidFill>
+                <a:latin typeface="Consolas" panose="020B0609020204030204" pitchFamily="49" charset="0"/>
+              </a:rPr>
+              <a:t>);</a:t>
+            </a:r>
+          </a:p>
+          <a:p>
+            <a:pPr lvl="1"/>
+            <a:r>
+              <a:rPr lang="en-IE" dirty="0" smtClean="0">
+                <a:solidFill>
+                  <a:prstClr val="black"/>
+                </a:solidFill>
+                <a:latin typeface="Consolas" panose="020B0609020204030204" pitchFamily="49" charset="0"/>
+              </a:rPr>
+              <a:t>boid.tag </a:t>
+            </a:r>
+            <a:r>
+              <a:rPr lang="en-IE" dirty="0">
+                <a:solidFill>
+                  <a:prstClr val="black"/>
+                </a:solidFill>
+                <a:latin typeface="Consolas" panose="020B0609020204030204" pitchFamily="49" charset="0"/>
+              </a:rPr>
+              <a:t>= </a:t>
+            </a:r>
+            <a:r>
+              <a:rPr lang="en-IE" dirty="0">
+                <a:solidFill>
+                  <a:srgbClr val="A31515"/>
+                </a:solidFill>
+                <a:latin typeface="Consolas" panose="020B0609020204030204" pitchFamily="49" charset="0"/>
+              </a:rPr>
+              <a:t>"boid"</a:t>
+            </a:r>
+            <a:r>
+              <a:rPr lang="en-IE" dirty="0">
+                <a:solidFill>
+                  <a:prstClr val="black"/>
+                </a:solidFill>
+                <a:latin typeface="Consolas" panose="020B0609020204030204" pitchFamily="49" charset="0"/>
+              </a:rPr>
+              <a:t>;</a:t>
+            </a:r>
+          </a:p>
+          <a:p>
+            <a:pPr lvl="1"/>
+            <a:r>
+              <a:rPr lang="en-IE" dirty="0" smtClean="0">
+                <a:solidFill>
+                  <a:prstClr val="black"/>
+                </a:solidFill>
+                <a:latin typeface="Consolas" panose="020B0609020204030204" pitchFamily="49" charset="0"/>
+              </a:rPr>
+              <a:t>boid.AddComponent&lt;</a:t>
+            </a:r>
+            <a:r>
+              <a:rPr lang="en-IE" dirty="0" smtClean="0">
+                <a:solidFill>
+                  <a:srgbClr val="2B91AF"/>
+                </a:solidFill>
+                <a:latin typeface="Consolas" panose="020B0609020204030204" pitchFamily="49" charset="0"/>
+              </a:rPr>
+              <a:t>SteeringBehaviours</a:t>
+            </a:r>
+            <a:r>
+              <a:rPr lang="en-IE" dirty="0">
+                <a:solidFill>
+                  <a:prstClr val="black"/>
+                </a:solidFill>
+                <a:latin typeface="Consolas" panose="020B0609020204030204" pitchFamily="49" charset="0"/>
+              </a:rPr>
+              <a:t>&gt;();</a:t>
+            </a:r>
+          </a:p>
+          <a:p>
+            <a:pPr lvl="1"/>
+            <a:r>
+              <a:rPr lang="en-IE" dirty="0" smtClean="0">
+                <a:solidFill>
+                  <a:prstClr val="black"/>
+                </a:solidFill>
+                <a:latin typeface="Consolas" panose="020B0609020204030204" pitchFamily="49" charset="0"/>
+              </a:rPr>
+              <a:t>boid.transform.position </a:t>
+            </a:r>
+            <a:r>
+              <a:rPr lang="en-IE" dirty="0">
+                <a:solidFill>
+                  <a:prstClr val="black"/>
+                </a:solidFill>
+                <a:latin typeface="Consolas" panose="020B0609020204030204" pitchFamily="49" charset="0"/>
+              </a:rPr>
+              <a:t>= position;</a:t>
+            </a:r>
+          </a:p>
+          <a:p>
+            <a:endParaRPr lang="en-IE" dirty="0">
+              <a:solidFill>
+                <a:prstClr val="black"/>
+              </a:solidFill>
+              <a:latin typeface="Consolas" panose="020B0609020204030204" pitchFamily="49" charset="0"/>
+            </a:endParaRPr>
+          </a:p>
+          <a:p>
+            <a:pPr lvl="1"/>
+            <a:endParaRPr lang="en-IE" dirty="0" smtClean="0"/>
+          </a:p>
+          <a:p>
+            <a:pPr lvl="1"/>
+            <a:endParaRPr lang="en-IE" dirty="0"/>
+          </a:p>
+        </p:txBody>
+      </p:sp>
+    </p:spTree>
+    <p:extLst>
+      <p:ext uri="{BB962C8B-B14F-4D97-AF65-F5344CB8AC3E}">
+        <p14:creationId xmlns:p14="http://schemas.microsoft.com/office/powerpoint/2010/main" val="2306504885"/>
+      </p:ext>
+    </p:extLst>
+  </p:cSld>
+  <p:clrMapOvr>
+    <a:masterClrMapping/>
+  </p:clrMapOvr>
+  <p:timing>
+    <p:tnLst>
+      <p:par>
+        <p:cTn id="1" dur="indefinite" restart="never" nodeType="tmRoot"/>
+      </p:par>
+    </p:tnLst>
+  </p:timing>
+</p:sld>
+</file>
+
+<file path=ppt/slides/slide11.xml><?xml version="1.0" encoding="utf-8"?>
+<p:sld xmlns:a="http://schemas.openxmlformats.org/drawingml/2006/main" xmlns:r="http://schemas.openxmlformats.org/officeDocument/2006/relationships" xmlns:p="http://schemas.openxmlformats.org/presentationml/2006/main">
+  <p:cSld>
+    <p:spTree>
+      <p:nvGrpSpPr>
+        <p:cNvPr id="1" name=""/>
+        <p:cNvGrpSpPr/>
+        <p:nvPr/>
+      </p:nvGrpSpPr>
+      <p:grpSpPr>
+        <a:xfrm>
+          <a:off x="0" y="0"/>
+          <a:ext cx="0" cy="0"/>
+          <a:chOff x="0" y="0"/>
+          <a:chExt cx="0" cy="0"/>
+        </a:xfrm>
+      </p:grpSpPr>
+      <p:sp>
+        <p:nvSpPr>
+          <p:cNvPr id="2" name="Title 1"/>
+          <p:cNvSpPr>
+            <a:spLocks noGrp="1"/>
+          </p:cNvSpPr>
+          <p:nvPr>
+            <p:ph type="title"/>
+          </p:nvPr>
+        </p:nvSpPr>
+        <p:spPr/>
+        <p:txBody>
+          <a:bodyPr>
+            <a:normAutofit fontScale="90000"/>
+          </a:bodyPr>
+          <a:lstStyle/>
+          <a:p>
+            <a:r>
+              <a:rPr lang="en-IE" dirty="0" smtClean="0"/>
+              <a:t>Referencing other GameObjects/GameComponents</a:t>
+            </a:r>
+            <a:endParaRPr lang="en-IE" dirty="0"/>
+          </a:p>
+        </p:txBody>
+      </p:sp>
+      <p:sp>
+        <p:nvSpPr>
+          <p:cNvPr id="3" name="Content Placeholder 2"/>
+          <p:cNvSpPr>
+            <a:spLocks noGrp="1"/>
+          </p:cNvSpPr>
+          <p:nvPr>
+            <p:ph idx="1"/>
+          </p:nvPr>
+        </p:nvSpPr>
+        <p:spPr/>
+        <p:txBody>
+          <a:bodyPr>
+            <a:normAutofit fontScale="85000" lnSpcReduction="20000"/>
+          </a:bodyPr>
+          <a:lstStyle/>
+          <a:p>
+            <a:r>
+              <a:rPr lang="en-IE" dirty="0" smtClean="0"/>
+              <a:t>Use the tag to assign a string tag to the object</a:t>
+            </a:r>
+          </a:p>
+          <a:p>
+            <a:r>
+              <a:rPr lang="en-IE" dirty="0" smtClean="0"/>
+              <a:t>Use:</a:t>
+            </a:r>
+          </a:p>
+          <a:p>
+            <a:pPr lvl="1"/>
+            <a:r>
+              <a:rPr lang="en-IE" dirty="0">
+                <a:solidFill>
+                  <a:srgbClr val="2B91AF"/>
+                </a:solidFill>
+                <a:latin typeface="Consolas" panose="020B0609020204030204" pitchFamily="49" charset="0"/>
+              </a:rPr>
+              <a:t>GameObject</a:t>
+            </a:r>
+            <a:r>
+              <a:rPr lang="en-IE" dirty="0">
+                <a:solidFill>
+                  <a:prstClr val="black"/>
+                </a:solidFill>
+                <a:latin typeface="Consolas" panose="020B0609020204030204" pitchFamily="49" charset="0"/>
+              </a:rPr>
+              <a:t>[] obstacles = </a:t>
+            </a:r>
+            <a:r>
+              <a:rPr lang="en-IE" dirty="0">
+                <a:solidFill>
+                  <a:srgbClr val="2B91AF"/>
+                </a:solidFill>
+                <a:latin typeface="Consolas" panose="020B0609020204030204" pitchFamily="49" charset="0"/>
+              </a:rPr>
+              <a:t>GameObject</a:t>
+            </a:r>
+            <a:r>
+              <a:rPr lang="en-IE" dirty="0">
+                <a:solidFill>
+                  <a:prstClr val="black"/>
+                </a:solidFill>
+                <a:latin typeface="Consolas" panose="020B0609020204030204" pitchFamily="49" charset="0"/>
+              </a:rPr>
+              <a:t>.FindGameObjectsWithTag(</a:t>
+            </a:r>
+            <a:r>
+              <a:rPr lang="en-IE" dirty="0">
+                <a:solidFill>
+                  <a:srgbClr val="A31515"/>
+                </a:solidFill>
+                <a:latin typeface="Consolas" panose="020B0609020204030204" pitchFamily="49" charset="0"/>
+              </a:rPr>
+              <a:t>"obstacle</a:t>
+            </a:r>
+            <a:r>
+              <a:rPr lang="en-IE" dirty="0" smtClean="0">
+                <a:solidFill>
+                  <a:srgbClr val="A31515"/>
+                </a:solidFill>
+                <a:latin typeface="Consolas" panose="020B0609020204030204" pitchFamily="49" charset="0"/>
+              </a:rPr>
+              <a:t>"</a:t>
+            </a:r>
+            <a:r>
+              <a:rPr lang="en-IE" dirty="0" smtClean="0">
+                <a:solidFill>
+                  <a:prstClr val="black"/>
+                </a:solidFill>
+                <a:latin typeface="Consolas" panose="020B0609020204030204" pitchFamily="49" charset="0"/>
+              </a:rPr>
+              <a:t>);</a:t>
+            </a:r>
+          </a:p>
+          <a:p>
+            <a:pPr lvl="1"/>
+            <a:r>
+              <a:rPr lang="en-IE" dirty="0" smtClean="0">
+                <a:solidFill>
+                  <a:srgbClr val="2B91AF"/>
+                </a:solidFill>
+                <a:latin typeface="Consolas" panose="020B0609020204030204" pitchFamily="49" charset="0"/>
+              </a:rPr>
+              <a:t>GameObject</a:t>
+            </a:r>
+            <a:r>
+              <a:rPr lang="en-IE" dirty="0" smtClean="0">
+                <a:solidFill>
+                  <a:prstClr val="black"/>
+                </a:solidFill>
+                <a:latin typeface="Consolas" panose="020B0609020204030204" pitchFamily="49" charset="0"/>
+              </a:rPr>
+              <a:t> </a:t>
+            </a:r>
+            <a:r>
+              <a:rPr lang="en-IE" dirty="0">
+                <a:solidFill>
+                  <a:prstClr val="black"/>
+                </a:solidFill>
+                <a:latin typeface="Consolas" panose="020B0609020204030204" pitchFamily="49" charset="0"/>
+              </a:rPr>
+              <a:t>obstacles = </a:t>
+            </a:r>
+            <a:r>
+              <a:rPr lang="en-IE" dirty="0" smtClean="0">
+                <a:solidFill>
+                  <a:srgbClr val="2B91AF"/>
+                </a:solidFill>
+                <a:latin typeface="Consolas" panose="020B0609020204030204" pitchFamily="49" charset="0"/>
+              </a:rPr>
+              <a:t>GameObject</a:t>
+            </a:r>
+            <a:r>
+              <a:rPr lang="en-IE" dirty="0" smtClean="0">
+                <a:solidFill>
+                  <a:prstClr val="black"/>
+                </a:solidFill>
+                <a:latin typeface="Consolas" panose="020B0609020204030204" pitchFamily="49" charset="0"/>
+              </a:rPr>
+              <a:t>.FindGameObjectWithTag</a:t>
+            </a:r>
+            <a:r>
+              <a:rPr lang="en-IE" dirty="0">
+                <a:solidFill>
+                  <a:prstClr val="black"/>
+                </a:solidFill>
+                <a:latin typeface="Consolas" panose="020B0609020204030204" pitchFamily="49" charset="0"/>
+              </a:rPr>
+              <a:t>(</a:t>
+            </a:r>
+            <a:r>
+              <a:rPr lang="en-IE" dirty="0">
+                <a:solidFill>
+                  <a:srgbClr val="A31515"/>
+                </a:solidFill>
+                <a:latin typeface="Consolas" panose="020B0609020204030204" pitchFamily="49" charset="0"/>
+              </a:rPr>
+              <a:t>"obstacle</a:t>
+            </a:r>
+            <a:r>
+              <a:rPr lang="en-IE" dirty="0" smtClean="0">
+                <a:solidFill>
+                  <a:srgbClr val="A31515"/>
+                </a:solidFill>
+                <a:latin typeface="Consolas" panose="020B0609020204030204" pitchFamily="49" charset="0"/>
+              </a:rPr>
+              <a:t>"</a:t>
+            </a:r>
+            <a:r>
+              <a:rPr lang="en-IE" dirty="0" smtClean="0">
+                <a:solidFill>
+                  <a:prstClr val="black"/>
+                </a:solidFill>
+                <a:latin typeface="Consolas" panose="020B0609020204030204" pitchFamily="49" charset="0"/>
+              </a:rPr>
+              <a:t>);</a:t>
+            </a:r>
+          </a:p>
+          <a:p>
+            <a:r>
+              <a:rPr lang="en-IE" dirty="0" smtClean="0">
+                <a:solidFill>
+                  <a:prstClr val="black"/>
+                </a:solidFill>
+                <a:latin typeface="Consolas" panose="020B0609020204030204" pitchFamily="49" charset="0"/>
+              </a:rPr>
+              <a:t>Use:</a:t>
+            </a:r>
+          </a:p>
+          <a:p>
+            <a:pPr lvl="1"/>
+            <a:r>
+              <a:rPr lang="en-IE" dirty="0">
+                <a:latin typeface="Consolas" panose="020B0609020204030204" pitchFamily="49" charset="0"/>
+              </a:rPr>
+              <a:t>leader.GetComponent&lt;</a:t>
+            </a:r>
+            <a:r>
+              <a:rPr lang="en-IE" dirty="0">
+                <a:solidFill>
+                  <a:srgbClr val="2B91AF"/>
+                </a:solidFill>
+                <a:latin typeface="Consolas" panose="020B0609020204030204" pitchFamily="49" charset="0"/>
+              </a:rPr>
+              <a:t>SteeringBehaviours</a:t>
+            </a:r>
+            <a:r>
+              <a:rPr lang="en-IE" dirty="0">
+                <a:solidFill>
+                  <a:prstClr val="black"/>
+                </a:solidFill>
+                <a:latin typeface="Consolas" panose="020B0609020204030204" pitchFamily="49" charset="0"/>
+              </a:rPr>
+              <a:t>&gt;()</a:t>
+            </a:r>
+          </a:p>
+          <a:p>
+            <a:pPr lvl="1"/>
+            <a:r>
+              <a:rPr lang="en-IE" dirty="0" smtClean="0">
+                <a:solidFill>
+                  <a:prstClr val="black"/>
+                </a:solidFill>
+              </a:rPr>
+              <a:t>To get a component of a GameObject</a:t>
+            </a:r>
+          </a:p>
+          <a:p>
+            <a:pPr marL="0" indent="0">
+              <a:buNone/>
+            </a:pPr>
+            <a:r>
+              <a:rPr lang="en-IE" dirty="0" smtClean="0">
+                <a:solidFill>
+                  <a:prstClr val="black"/>
+                </a:solidFill>
+                <a:latin typeface="Consolas" panose="020B0609020204030204" pitchFamily="49" charset="0"/>
+              </a:rPr>
+              <a:t>            </a:t>
+            </a:r>
+            <a:endParaRPr lang="en-IE" dirty="0">
+              <a:solidFill>
+                <a:prstClr val="black"/>
+              </a:solidFill>
+              <a:latin typeface="Consolas" panose="020B0609020204030204" pitchFamily="49" charset="0"/>
+            </a:endParaRPr>
+          </a:p>
+          <a:p>
+            <a:pPr lvl="1"/>
+            <a:endParaRPr lang="en-IE" dirty="0"/>
+          </a:p>
+        </p:txBody>
+      </p:sp>
+    </p:spTree>
+    <p:extLst>
+      <p:ext uri="{BB962C8B-B14F-4D97-AF65-F5344CB8AC3E}">
+        <p14:creationId xmlns:p14="http://schemas.microsoft.com/office/powerpoint/2010/main" val="2077257601"/>
+      </p:ext>
+    </p:extLst>
+  </p:cSld>
+  <p:clrMapOvr>
+    <a:masterClrMapping/>
+  </p:clrMapOvr>
+  <p:timing>
+    <p:tnLst>
+      <p:par>
+        <p:cTn id="1" dur="indefinite" restart="never" nodeType="tmRoot"/>
+      </p:par>
+    </p:tnLst>
+  </p:timing>
+</p:sld>
+</file>
+
+<file path=ppt/slides/slide12.xml><?xml version="1.0" encoding="utf-8"?>
+<p:sld xmlns:a="http://schemas.openxmlformats.org/drawingml/2006/main" xmlns:r="http://schemas.openxmlformats.org/officeDocument/2006/relationships" xmlns:p="http://schemas.openxmlformats.org/presentationml/2006/main">
+  <p:cSld>
+    <p:spTree>
+      <p:nvGrpSpPr>
+        <p:cNvPr id="1" name=""/>
+        <p:cNvGrpSpPr/>
+        <p:nvPr/>
+      </p:nvGrpSpPr>
+      <p:grpSpPr>
+        <a:xfrm>
+          <a:off x="0" y="0"/>
+          <a:ext cx="0" cy="0"/>
+          <a:chOff x="0" y="0"/>
+          <a:chExt cx="0" cy="0"/>
+        </a:xfrm>
+      </p:grpSpPr>
+      <p:sp>
+        <p:nvSpPr>
+          <p:cNvPr id="2" name="Title 1"/>
+          <p:cNvSpPr>
+            <a:spLocks noGrp="1"/>
+          </p:cNvSpPr>
+          <p:nvPr>
+            <p:ph type="title"/>
+          </p:nvPr>
+        </p:nvSpPr>
+        <p:spPr/>
+        <p:txBody>
+          <a:bodyPr/>
+          <a:lstStyle/>
+          <a:p>
+            <a:r>
+              <a:rPr lang="en-IE" dirty="0" smtClean="0"/>
+              <a:t>Debugging C# Code</a:t>
+            </a:r>
+            <a:endParaRPr lang="en-IE" dirty="0"/>
+          </a:p>
+        </p:txBody>
+      </p:sp>
+      <p:sp>
+        <p:nvSpPr>
+          <p:cNvPr id="3" name="Content Placeholder 2"/>
+          <p:cNvSpPr>
+            <a:spLocks noGrp="1"/>
+          </p:cNvSpPr>
+          <p:nvPr>
+            <p:ph idx="1"/>
+          </p:nvPr>
+        </p:nvSpPr>
+        <p:spPr/>
+        <p:txBody>
+          <a:bodyPr>
+            <a:normAutofit fontScale="85000" lnSpcReduction="10000"/>
+          </a:bodyPr>
+          <a:lstStyle/>
+          <a:p>
+            <a:r>
+              <a:rPr lang="en-IE" dirty="0" smtClean="0"/>
+              <a:t>Can’t use VisualStudio without an expensive plugin</a:t>
+            </a:r>
+          </a:p>
+          <a:p>
+            <a:r>
+              <a:rPr lang="en-IE" dirty="0" smtClean="0"/>
+              <a:t>Instead use MonoDevelop</a:t>
+            </a:r>
+          </a:p>
+          <a:p>
+            <a:r>
+              <a:rPr lang="en-IE" dirty="0" smtClean="0"/>
+              <a:t>The .sln .csproj files get regenerated each time you build your project</a:t>
+            </a:r>
+          </a:p>
+          <a:p>
+            <a:r>
+              <a:rPr lang="en-IE" dirty="0" smtClean="0"/>
+              <a:t>Add these to your .gitignore file</a:t>
+            </a:r>
+          </a:p>
+          <a:p>
+            <a:pPr marL="514350" indent="-514350">
+              <a:buFont typeface="+mj-lt"/>
+              <a:buAutoNum type="arabicPeriod"/>
+            </a:pPr>
+            <a:r>
+              <a:rPr lang="en-IE" dirty="0" smtClean="0"/>
+              <a:t>Set breakpoints etc in MonoDevelop</a:t>
+            </a:r>
+          </a:p>
+          <a:p>
+            <a:pPr marL="514350" indent="-514350">
+              <a:buFont typeface="+mj-lt"/>
+              <a:buAutoNum type="arabicPeriod"/>
+            </a:pPr>
+            <a:r>
+              <a:rPr lang="en-IE" dirty="0" smtClean="0"/>
+              <a:t>Choose Run | Attach to Process in MonoDevelop</a:t>
+            </a:r>
+          </a:p>
+          <a:p>
+            <a:pPr marL="514350" indent="-514350">
+              <a:buFont typeface="+mj-lt"/>
+              <a:buAutoNum type="arabicPeriod"/>
+            </a:pPr>
+            <a:r>
+              <a:rPr lang="en-IE" dirty="0" smtClean="0"/>
+              <a:t>Unity must be already running but not running your project</a:t>
+            </a:r>
+          </a:p>
+          <a:p>
+            <a:pPr marL="514350" indent="-514350">
+              <a:buFont typeface="+mj-lt"/>
+              <a:buAutoNum type="arabicPeriod"/>
+            </a:pPr>
+            <a:r>
+              <a:rPr lang="en-IE" dirty="0" smtClean="0"/>
+              <a:t>Run the project in Unity</a:t>
+            </a:r>
+          </a:p>
+          <a:p>
+            <a:endParaRPr lang="en-IE" dirty="0"/>
+          </a:p>
+        </p:txBody>
+      </p:sp>
+    </p:spTree>
+    <p:extLst>
+      <p:ext uri="{BB962C8B-B14F-4D97-AF65-F5344CB8AC3E}">
+        <p14:creationId xmlns:p14="http://schemas.microsoft.com/office/powerpoint/2010/main" val="2381687152"/>
+      </p:ext>
+    </p:extLst>
+  </p:cSld>
+  <p:clrMapOvr>
+    <a:masterClrMapping/>
+  </p:clrMapOvr>
+  <p:timing>
+    <p:tnLst>
+      <p:par>
+        <p:cTn id="1" dur="indefinite" restart="never" nodeType="tmRoot"/>
+      </p:par>
+    </p:tnLst>
+  </p:timing>
+</p:sld>
+</file>
+
+<file path=ppt/slides/slide13.xml><?xml version="1.0" encoding="utf-8"?>
+<p:sld xmlns:a="http://schemas.openxmlformats.org/drawingml/2006/main" xmlns:r="http://schemas.openxmlformats.org/officeDocument/2006/relationships" xmlns:p="http://schemas.openxmlformats.org/presentationml/2006/main">
+  <p:cSld>
+    <p:spTree>
+      <p:nvGrpSpPr>
+        <p:cNvPr id="1" name=""/>
+        <p:cNvGrpSpPr/>
+        <p:nvPr/>
+      </p:nvGrpSpPr>
+      <p:grpSpPr>
+        <a:xfrm>
+          <a:off x="0" y="0"/>
+          <a:ext cx="0" cy="0"/>
+          <a:chOff x="0" y="0"/>
+          <a:chExt cx="0" cy="0"/>
+        </a:xfrm>
+      </p:grpSpPr>
+      <p:sp>
+        <p:nvSpPr>
+          <p:cNvPr id="2" name="Title 1"/>
+          <p:cNvSpPr>
+            <a:spLocks noGrp="1"/>
+          </p:cNvSpPr>
+          <p:nvPr>
+            <p:ph type="title"/>
+          </p:nvPr>
+        </p:nvSpPr>
+        <p:spPr/>
+        <p:txBody>
+          <a:bodyPr/>
+          <a:lstStyle/>
+          <a:p>
+            <a:r>
+              <a:rPr lang="en-IE" dirty="0" smtClean="0"/>
+              <a:t>My Game AI Framework!</a:t>
+            </a:r>
+            <a:endParaRPr lang="en-IE" dirty="0"/>
+          </a:p>
+        </p:txBody>
+      </p:sp>
+      <p:pic>
+        <p:nvPicPr>
+          <p:cNvPr id="4" name="Picture 3"/>
+          <p:cNvPicPr>
+            <a:picLocks noChangeAspect="1"/>
+          </p:cNvPicPr>
+          <p:nvPr/>
+        </p:nvPicPr>
+        <p:blipFill>
+          <a:blip r:embed="rId2"/>
+          <a:stretch>
+            <a:fillRect/>
+          </a:stretch>
+        </p:blipFill>
+        <p:spPr>
+          <a:xfrm>
+            <a:off x="838200" y="1412617"/>
+            <a:ext cx="7467600" cy="4352925"/>
+          </a:xfrm>
+          <a:prstGeom prst="rect">
+            <a:avLst/>
+          </a:prstGeom>
+        </p:spPr>
+      </p:pic>
+    </p:spTree>
+    <p:extLst>
+      <p:ext uri="{BB962C8B-B14F-4D97-AF65-F5344CB8AC3E}">
+        <p14:creationId xmlns:p14="http://schemas.microsoft.com/office/powerpoint/2010/main" val="3352833039"/>
+      </p:ext>
+    </p:extLst>
+  </p:cSld>
+  <p:clrMapOvr>
+    <a:masterClrMapping/>
+  </p:clrMapOvr>
+  <p:timing>
+    <p:tnLst>
+      <p:par>
+        <p:cTn id="1" dur="indefinite" restart="never" nodeType="tmRoot"/>
+      </p:par>
+    </p:tnLst>
+  </p:timing>
+</p:sld>
+</file>
+
+<file path=ppt/slides/slide14.xml><?xml version="1.0" encoding="utf-8"?>
+<p:sld xmlns:a="http://schemas.openxmlformats.org/drawingml/2006/main" xmlns:r="http://schemas.openxmlformats.org/officeDocument/2006/relationships" xmlns:p="http://schemas.openxmlformats.org/presentationml/2006/main">
+  <p:cSld>
+    <p:spTree>
+      <p:nvGrpSpPr>
+        <p:cNvPr id="1" name=""/>
+        <p:cNvGrpSpPr/>
+        <p:nvPr/>
+      </p:nvGrpSpPr>
+      <p:grpSpPr>
+        <a:xfrm>
+          <a:off x="0" y="0"/>
+          <a:ext cx="0" cy="0"/>
+          <a:chOff x="0" y="0"/>
+          <a:chExt cx="0" cy="0"/>
+        </a:xfrm>
+      </p:grpSpPr>
+      <p:sp>
+        <p:nvSpPr>
+          <p:cNvPr id="2" name="Title 1"/>
+          <p:cNvSpPr>
+            <a:spLocks noGrp="1"/>
+          </p:cNvSpPr>
+          <p:nvPr>
+            <p:ph type="title"/>
+          </p:nvPr>
+        </p:nvSpPr>
+        <p:spPr/>
+        <p:txBody>
+          <a:bodyPr/>
+          <a:lstStyle/>
+          <a:p>
+            <a:r>
+              <a:rPr lang="en-IE" dirty="0" smtClean="0"/>
+              <a:t>Main Classes</a:t>
+            </a:r>
+            <a:endParaRPr lang="en-IE" dirty="0"/>
+          </a:p>
+        </p:txBody>
+      </p:sp>
+      <p:sp>
+        <p:nvSpPr>
+          <p:cNvPr id="3" name="Content Placeholder 2"/>
+          <p:cNvSpPr>
+            <a:spLocks noGrp="1"/>
+          </p:cNvSpPr>
+          <p:nvPr>
+            <p:ph idx="1"/>
+          </p:nvPr>
+        </p:nvSpPr>
+        <p:spPr/>
+        <p:txBody>
+          <a:bodyPr>
+            <a:normAutofit fontScale="62500" lnSpcReduction="20000"/>
+          </a:bodyPr>
+          <a:lstStyle/>
+          <a:p>
+            <a:r>
+              <a:rPr lang="en-IE" dirty="0" smtClean="0"/>
+              <a:t>SteeringBehaviours</a:t>
+            </a:r>
+          </a:p>
+          <a:p>
+            <a:pPr lvl="1"/>
+            <a:r>
+              <a:rPr lang="en-IE" dirty="0" smtClean="0"/>
+              <a:t>A GameComponent </a:t>
+            </a:r>
+          </a:p>
+          <a:p>
+            <a:pPr lvl="1"/>
+            <a:r>
+              <a:rPr lang="en-IE" dirty="0" smtClean="0"/>
+              <a:t>Implements all the behaviours!</a:t>
+            </a:r>
+          </a:p>
+          <a:p>
+            <a:pPr lvl="1"/>
+            <a:r>
+              <a:rPr lang="en-IE" dirty="0" smtClean="0"/>
+              <a:t>You must call Params.Load before using</a:t>
+            </a:r>
+          </a:p>
+          <a:p>
+            <a:pPr lvl="1"/>
+            <a:r>
+              <a:rPr lang="en-IE" dirty="0" smtClean="0"/>
+              <a:t>Uses bit masking to control which behaviours are turned on</a:t>
+            </a:r>
+          </a:p>
+          <a:p>
+            <a:pPr lvl="1"/>
+            <a:r>
+              <a:rPr lang="en-IE" dirty="0" smtClean="0"/>
+              <a:t>Has properties that are exposed in Unity</a:t>
+            </a:r>
+          </a:p>
+          <a:p>
+            <a:r>
+              <a:rPr lang="en-IE" dirty="0" smtClean="0"/>
+              <a:t>SteeringManager</a:t>
+            </a:r>
+          </a:p>
+          <a:p>
+            <a:pPr lvl="1"/>
+            <a:r>
+              <a:rPr lang="en-IE" dirty="0" smtClean="0"/>
+              <a:t>A singleton</a:t>
+            </a:r>
+          </a:p>
+          <a:p>
+            <a:pPr lvl="1"/>
+            <a:r>
+              <a:rPr lang="en-IE" dirty="0" smtClean="0"/>
+              <a:t>Attached to a GameObject with no renderer</a:t>
+            </a:r>
+          </a:p>
+          <a:p>
+            <a:pPr lvl="1"/>
+            <a:r>
+              <a:rPr lang="en-IE" dirty="0" smtClean="0"/>
+              <a:t>Used to control which scenario is run</a:t>
+            </a:r>
+          </a:p>
+          <a:p>
+            <a:pPr lvl="1"/>
+            <a:r>
+              <a:rPr lang="en-IE" dirty="0" smtClean="0"/>
+              <a:t>Displays the HUD</a:t>
+            </a:r>
+          </a:p>
+          <a:p>
+            <a:pPr lvl="1"/>
+            <a:r>
+              <a:rPr lang="en-IE" dirty="0" smtClean="0"/>
+              <a:t>Handles turning on and off various display settings</a:t>
+            </a:r>
+          </a:p>
+          <a:p>
+            <a:pPr lvl="1"/>
+            <a:r>
+              <a:rPr lang="en-IE" dirty="0" smtClean="0"/>
+              <a:t>Exposes the prefabs required by the scenarios</a:t>
+            </a:r>
+          </a:p>
+          <a:p>
+            <a:pPr lvl="1"/>
+            <a:r>
+              <a:rPr lang="en-IE" dirty="0" smtClean="0"/>
+              <a:t>Should not be necessary if you are using the Unity editor to create scenes</a:t>
+            </a:r>
+            <a:endParaRPr lang="en-IE" dirty="0"/>
+          </a:p>
+        </p:txBody>
+      </p:sp>
+    </p:spTree>
+    <p:extLst>
+      <p:ext uri="{BB962C8B-B14F-4D97-AF65-F5344CB8AC3E}">
+        <p14:creationId xmlns:p14="http://schemas.microsoft.com/office/powerpoint/2010/main" val="2501137904"/>
+      </p:ext>
+    </p:extLst>
+  </p:cSld>
+  <p:clrMapOvr>
+    <a:masterClrMapping/>
+  </p:clrMapOvr>
+  <p:timing>
+    <p:tnLst>
+      <p:par>
+        <p:cTn id="1" dur="indefinite" restart="never" nodeType="tmRoot"/>
+      </p:par>
+    </p:tnLst>
+  </p:timing>
+</p:sld>
+</file>
+
+<file path=ppt/slides/slide15.xml><?xml version="1.0" encoding="utf-8"?>
+<p:sld xmlns:a="http://schemas.openxmlformats.org/drawingml/2006/main" xmlns:r="http://schemas.openxmlformats.org/officeDocument/2006/relationships" xmlns:p="http://schemas.openxmlformats.org/presentationml/2006/main">
+  <p:cSld>
+    <p:spTree>
+      <p:nvGrpSpPr>
+        <p:cNvPr id="1" name=""/>
+        <p:cNvGrpSpPr/>
+        <p:nvPr/>
+      </p:nvGrpSpPr>
+      <p:grpSpPr>
+        <a:xfrm>
+          <a:off x="0" y="0"/>
+          <a:ext cx="0" cy="0"/>
+          <a:chOff x="0" y="0"/>
+          <a:chExt cx="0" cy="0"/>
+        </a:xfrm>
+      </p:grpSpPr>
+      <p:sp>
+        <p:nvSpPr>
+          <p:cNvPr id="2" name="Title 1"/>
+          <p:cNvSpPr>
+            <a:spLocks noGrp="1"/>
+          </p:cNvSpPr>
+          <p:nvPr>
+            <p:ph type="title"/>
+          </p:nvPr>
+        </p:nvSpPr>
+        <p:spPr/>
+        <p:txBody>
+          <a:bodyPr/>
+          <a:lstStyle/>
+          <a:p>
+            <a:r>
+              <a:rPr lang="en-IE" dirty="0" smtClean="0"/>
+              <a:t>Main Classes</a:t>
+            </a:r>
+            <a:endParaRPr lang="en-IE" dirty="0"/>
+          </a:p>
+        </p:txBody>
+      </p:sp>
+      <p:sp>
+        <p:nvSpPr>
+          <p:cNvPr id="3" name="Content Placeholder 2"/>
+          <p:cNvSpPr>
+            <a:spLocks noGrp="1"/>
+          </p:cNvSpPr>
+          <p:nvPr>
+            <p:ph idx="1"/>
+          </p:nvPr>
+        </p:nvSpPr>
+        <p:spPr/>
+        <p:txBody>
+          <a:bodyPr>
+            <a:normAutofit lnSpcReduction="10000"/>
+          </a:bodyPr>
+          <a:lstStyle/>
+          <a:p>
+            <a:r>
+              <a:rPr lang="en-IE" dirty="0" smtClean="0"/>
+              <a:t>Scenario</a:t>
+            </a:r>
+          </a:p>
+          <a:p>
+            <a:pPr lvl="1"/>
+            <a:r>
+              <a:rPr lang="en-IE" dirty="0" smtClean="0"/>
+              <a:t>Base class for each of the demos</a:t>
+            </a:r>
+          </a:p>
+          <a:p>
+            <a:pPr lvl="1"/>
+            <a:r>
+              <a:rPr lang="en-IE" dirty="0" smtClean="0"/>
+              <a:t>Has Setup, Update and TearDown methods</a:t>
+            </a:r>
+          </a:p>
+          <a:p>
+            <a:pPr lvl="1"/>
+            <a:r>
+              <a:rPr lang="en-IE" dirty="0" smtClean="0"/>
+              <a:t>Handles mouse clicks to move the targetPos of the behaviours</a:t>
+            </a:r>
+          </a:p>
+          <a:p>
+            <a:pPr lvl="1"/>
+            <a:r>
+              <a:rPr lang="en-IE" dirty="0" smtClean="0"/>
+              <a:t>leader is a special game object</a:t>
+            </a:r>
+          </a:p>
+          <a:p>
+            <a:pPr lvl="1"/>
+            <a:r>
+              <a:rPr lang="en-IE" dirty="0" smtClean="0"/>
+              <a:t>TearDown removes all the objects from the scene</a:t>
+            </a:r>
+          </a:p>
+          <a:p>
+            <a:r>
+              <a:rPr lang="en-IE" dirty="0" smtClean="0"/>
+              <a:t>Special tags!</a:t>
+            </a:r>
+          </a:p>
+          <a:p>
+            <a:pPr lvl="1"/>
+            <a:r>
+              <a:rPr lang="en-IE" dirty="0" smtClean="0"/>
+              <a:t>Boid, obstacle, MainCamera</a:t>
+            </a:r>
+            <a:endParaRPr lang="en-IE" dirty="0"/>
+          </a:p>
+        </p:txBody>
+      </p:sp>
+    </p:spTree>
+    <p:extLst>
+      <p:ext uri="{BB962C8B-B14F-4D97-AF65-F5344CB8AC3E}">
+        <p14:creationId xmlns:p14="http://schemas.microsoft.com/office/powerpoint/2010/main" val="1815050942"/>
+      </p:ext>
+    </p:extLst>
+  </p:cSld>
+  <p:clrMapOvr>
+    <a:masterClrMapping/>
+  </p:clrMapOvr>
+  <p:timing>
+    <p:tnLst>
+      <p:par>
+        <p:cTn id="1" dur="indefinite" restart="never" nodeType="tmRoot"/>
+      </p:par>
+    </p:tnLst>
+  </p:timing>
+</p:sld>
+</file>
+
+<file path=ppt/slides/slide16.xml><?xml version="1.0" encoding="utf-8"?>
+<p:sld xmlns:a="http://schemas.openxmlformats.org/drawingml/2006/main" xmlns:r="http://schemas.openxmlformats.org/officeDocument/2006/relationships" xmlns:p="http://schemas.openxmlformats.org/presentationml/2006/main">
+  <p:cSld>
+    <p:spTree>
+      <p:nvGrpSpPr>
+        <p:cNvPr id="1" name=""/>
+        <p:cNvGrpSpPr/>
+        <p:nvPr/>
+      </p:nvGrpSpPr>
+      <p:grpSpPr>
+        <a:xfrm>
+          <a:off x="0" y="0"/>
+          <a:ext cx="0" cy="0"/>
+          <a:chOff x="0" y="0"/>
+          <a:chExt cx="0" cy="0"/>
+        </a:xfrm>
+      </p:grpSpPr>
+      <p:sp>
+        <p:nvSpPr>
+          <p:cNvPr id="2" name="Title 1"/>
+          <p:cNvSpPr>
+            <a:spLocks noGrp="1"/>
+          </p:cNvSpPr>
+          <p:nvPr>
+            <p:ph type="title"/>
+          </p:nvPr>
+        </p:nvSpPr>
+        <p:spPr/>
+        <p:txBody>
+          <a:bodyPr/>
+          <a:lstStyle/>
+          <a:p>
+            <a:r>
+              <a:rPr lang="en-IE" dirty="0" smtClean="0"/>
+              <a:t>Subclasses</a:t>
+            </a:r>
+            <a:endParaRPr lang="en-IE" dirty="0"/>
+          </a:p>
+        </p:txBody>
+      </p:sp>
+      <p:sp>
+        <p:nvSpPr>
+          <p:cNvPr id="3" name="Content Placeholder 2"/>
+          <p:cNvSpPr>
+            <a:spLocks noGrp="1"/>
+          </p:cNvSpPr>
+          <p:nvPr>
+            <p:ph idx="1"/>
+          </p:nvPr>
+        </p:nvSpPr>
+        <p:spPr/>
+        <p:txBody>
+          <a:bodyPr/>
+          <a:lstStyle/>
+          <a:p>
+            <a:r>
+              <a:rPr lang="en-IE" dirty="0" smtClean="0"/>
+              <a:t>SeekScenario</a:t>
+            </a:r>
+          </a:p>
+          <a:p>
+            <a:r>
+              <a:rPr lang="en-IE" dirty="0" smtClean="0"/>
+              <a:t>ArriveScenario</a:t>
+            </a:r>
+          </a:p>
+          <a:p>
+            <a:r>
+              <a:rPr lang="en-IE" dirty="0" smtClean="0"/>
+              <a:t>PursueScenario</a:t>
+            </a:r>
+          </a:p>
+          <a:p>
+            <a:r>
+              <a:rPr lang="en-IE" dirty="0" smtClean="0"/>
+              <a:t>StateMachineScenario</a:t>
+            </a:r>
+          </a:p>
+          <a:p>
+            <a:r>
+              <a:rPr lang="en-IE" dirty="0" smtClean="0"/>
+              <a:t>PathFollowingScenario</a:t>
+            </a:r>
+          </a:p>
+          <a:p>
+            <a:r>
+              <a:rPr lang="en-IE" dirty="0" smtClean="0"/>
+              <a:t>PathFindingScenario</a:t>
+            </a:r>
+          </a:p>
+          <a:p>
+            <a:r>
+              <a:rPr lang="en-IE" dirty="0" smtClean="0"/>
+              <a:t>ObstacleAvoidanceScenario</a:t>
+            </a:r>
+          </a:p>
+          <a:p>
+            <a:endParaRPr lang="en-IE" dirty="0"/>
+          </a:p>
+        </p:txBody>
+      </p:sp>
+    </p:spTree>
+    <p:extLst>
+      <p:ext uri="{BB962C8B-B14F-4D97-AF65-F5344CB8AC3E}">
+        <p14:creationId xmlns:p14="http://schemas.microsoft.com/office/powerpoint/2010/main" val="145951296"/>
+      </p:ext>
+    </p:extLst>
+  </p:cSld>
+  <p:clrMapOvr>
+    <a:masterClrMapping/>
+  </p:clrMapOvr>
+  <p:timing>
+    <p:tnLst>
+      <p:par>
+        <p:cTn id="1" dur="indefinite" restart="never" nodeType="tmRoot"/>
+      </p:par>
+    </p:tnLst>
+  </p:timing>
+</p:sld>
+</file>
+
+<file path=ppt/slides/slide17.xml><?xml version="1.0" encoding="utf-8"?>
+<p:sld xmlns:a="http://schemas.openxmlformats.org/drawingml/2006/main" xmlns:r="http://schemas.openxmlformats.org/officeDocument/2006/relationships" xmlns:p="http://schemas.openxmlformats.org/presentationml/2006/main">
+  <p:cSld>
+    <p:spTree>
+      <p:nvGrpSpPr>
+        <p:cNvPr id="1" name=""/>
+        <p:cNvGrpSpPr/>
+        <p:nvPr/>
+      </p:nvGrpSpPr>
+      <p:grpSpPr>
+        <a:xfrm>
+          <a:off x="0" y="0"/>
+          <a:ext cx="0" cy="0"/>
+          <a:chOff x="0" y="0"/>
+          <a:chExt cx="0" cy="0"/>
+        </a:xfrm>
+      </p:grpSpPr>
+      <p:sp>
+        <p:nvSpPr>
+          <p:cNvPr id="2" name="Title 1"/>
+          <p:cNvSpPr>
+            <a:spLocks noGrp="1"/>
+          </p:cNvSpPr>
+          <p:nvPr>
+            <p:ph type="title"/>
+          </p:nvPr>
+        </p:nvSpPr>
+        <p:spPr/>
+        <p:txBody>
+          <a:bodyPr/>
+          <a:lstStyle/>
+          <a:p>
+            <a:r>
+              <a:rPr lang="en-IE" dirty="0" smtClean="0"/>
+              <a:t>Bitmasking</a:t>
+            </a:r>
+            <a:endParaRPr lang="en-IE" dirty="0"/>
+          </a:p>
+        </p:txBody>
+      </p:sp>
+      <p:sp>
+        <p:nvSpPr>
+          <p:cNvPr id="3" name="Content Placeholder 2"/>
+          <p:cNvSpPr>
+            <a:spLocks noGrp="1"/>
+          </p:cNvSpPr>
+          <p:nvPr>
+            <p:ph idx="1"/>
+          </p:nvPr>
+        </p:nvSpPr>
+        <p:spPr/>
+        <p:txBody>
+          <a:bodyPr>
+            <a:normAutofit fontScale="85000" lnSpcReduction="20000"/>
+          </a:bodyPr>
+          <a:lstStyle/>
+          <a:p>
+            <a:r>
+              <a:rPr lang="en-IE" dirty="0" smtClean="0"/>
+              <a:t>Allows you to store lots of booleans in a single int value</a:t>
+            </a:r>
+          </a:p>
+          <a:p>
+            <a:r>
+              <a:rPr lang="en-IE" dirty="0" smtClean="0"/>
+              <a:t>First create a mask with the bit you want</a:t>
+            </a:r>
+          </a:p>
+          <a:p>
+            <a:pPr lvl="1"/>
+            <a:r>
+              <a:rPr lang="en-IE" dirty="0" smtClean="0"/>
+              <a:t>int mask = 1 &lt;&lt; 5</a:t>
+            </a:r>
+          </a:p>
+          <a:p>
+            <a:r>
+              <a:rPr lang="en-IE" dirty="0" smtClean="0"/>
+              <a:t>Operations</a:t>
+            </a:r>
+          </a:p>
+          <a:p>
+            <a:pPr lvl="1"/>
+            <a:r>
+              <a:rPr lang="en-IE" dirty="0" smtClean="0"/>
+              <a:t>Set a bit</a:t>
+            </a:r>
+          </a:p>
+          <a:p>
+            <a:pPr lvl="2"/>
+            <a:r>
+              <a:rPr lang="en-IE" dirty="0" smtClean="0"/>
+              <a:t>OR with the mask</a:t>
+            </a:r>
+          </a:p>
+          <a:p>
+            <a:pPr lvl="1"/>
+            <a:r>
+              <a:rPr lang="en-IE" dirty="0" smtClean="0"/>
+              <a:t>Clear a bit</a:t>
+            </a:r>
+          </a:p>
+          <a:p>
+            <a:pPr lvl="2"/>
+            <a:r>
+              <a:rPr lang="en-IE" dirty="0" smtClean="0"/>
+              <a:t>AND with the inverse of the mask</a:t>
+            </a:r>
+          </a:p>
+          <a:p>
+            <a:pPr lvl="1"/>
+            <a:r>
+              <a:rPr lang="en-IE" dirty="0" smtClean="0"/>
+              <a:t>Toggle a bit</a:t>
+            </a:r>
+          </a:p>
+          <a:p>
+            <a:pPr lvl="2"/>
+            <a:r>
+              <a:rPr lang="en-IE" dirty="0" smtClean="0"/>
+              <a:t>XOR with the mask</a:t>
+            </a:r>
+          </a:p>
+          <a:p>
+            <a:pPr lvl="1"/>
+            <a:r>
+              <a:rPr lang="en-IE" dirty="0" smtClean="0"/>
+              <a:t>Read a bit</a:t>
+            </a:r>
+          </a:p>
+          <a:p>
+            <a:pPr lvl="2"/>
+            <a:r>
+              <a:rPr lang="en-IE" dirty="0" smtClean="0"/>
+              <a:t>AND with the mask and check for non zero</a:t>
+            </a:r>
+            <a:endParaRPr lang="en-IE" dirty="0"/>
+          </a:p>
+        </p:txBody>
+      </p:sp>
+    </p:spTree>
+    <p:extLst>
+      <p:ext uri="{BB962C8B-B14F-4D97-AF65-F5344CB8AC3E}">
+        <p14:creationId xmlns:p14="http://schemas.microsoft.com/office/powerpoint/2010/main" val="1032764505"/>
+      </p:ext>
+    </p:extLst>
+  </p:cSld>
+  <p:clrMapOvr>
+    <a:masterClrMapping/>
+  </p:clrMapOvr>
+  <p:timing>
+    <p:tnLst>
+      <p:par>
+        <p:cTn id="1" dur="indefinite" restart="never" nodeType="tmRoot"/>
+      </p:par>
+    </p:tnLst>
+  </p:timing>
+</p:sld>
+</file>
+
+<file path=ppt/slides/slide18.xml><?xml version="1.0" encoding="utf-8"?>
+<p:sld xmlns:a="http://schemas.openxmlformats.org/drawingml/2006/main" xmlns:r="http://schemas.openxmlformats.org/officeDocument/2006/relationships" xmlns:p="http://schemas.openxmlformats.org/presentationml/2006/main">
+  <p:cSld>
+    <p:spTree>
+      <p:nvGrpSpPr>
+        <p:cNvPr id="1" name=""/>
+        <p:cNvGrpSpPr/>
+        <p:nvPr/>
+      </p:nvGrpSpPr>
+      <p:grpSpPr>
+        <a:xfrm>
+          <a:off x="0" y="0"/>
+          <a:ext cx="0" cy="0"/>
+          <a:chOff x="0" y="0"/>
+          <a:chExt cx="0" cy="0"/>
+        </a:xfrm>
+      </p:grpSpPr>
+      <p:sp>
+        <p:nvSpPr>
+          <p:cNvPr id="2" name="Title 1"/>
+          <p:cNvSpPr>
+            <a:spLocks noGrp="1"/>
+          </p:cNvSpPr>
+          <p:nvPr>
+            <p:ph type="title"/>
+          </p:nvPr>
+        </p:nvSpPr>
+        <p:spPr/>
+        <p:txBody>
+          <a:bodyPr/>
+          <a:lstStyle/>
+          <a:p>
+            <a:r>
+              <a:rPr lang="en-IE" dirty="0" smtClean="0"/>
+              <a:t>In code:</a:t>
+            </a:r>
+            <a:endParaRPr lang="en-IE" dirty="0"/>
+          </a:p>
+        </p:txBody>
+      </p:sp>
+      <p:sp>
+        <p:nvSpPr>
+          <p:cNvPr id="3" name="Content Placeholder 2"/>
+          <p:cNvSpPr>
+            <a:spLocks noGrp="1"/>
+          </p:cNvSpPr>
+          <p:nvPr>
+            <p:ph idx="1"/>
+          </p:nvPr>
+        </p:nvSpPr>
+        <p:spPr/>
+        <p:txBody>
+          <a:bodyPr>
+            <a:normAutofit fontScale="55000" lnSpcReduction="20000"/>
+          </a:bodyPr>
+          <a:lstStyle/>
+          <a:p>
+            <a:pPr marL="0" indent="0">
+              <a:buNone/>
+            </a:pPr>
+            <a:r>
+              <a:rPr lang="en-IE" dirty="0" smtClean="0">
+                <a:solidFill>
+                  <a:srgbClr val="0000FF"/>
+                </a:solidFill>
+                <a:latin typeface="Consolas" panose="020B0609020204030204" pitchFamily="49" charset="0"/>
+              </a:rPr>
+              <a:t>        public</a:t>
+            </a:r>
+            <a:r>
+              <a:rPr lang="en-IE" dirty="0" smtClean="0">
+                <a:solidFill>
+                  <a:prstClr val="black"/>
+                </a:solidFill>
+                <a:latin typeface="Consolas" panose="020B0609020204030204" pitchFamily="49" charset="0"/>
+              </a:rPr>
+              <a:t> </a:t>
+            </a:r>
+            <a:r>
+              <a:rPr lang="en-IE" dirty="0">
+                <a:solidFill>
+                  <a:srgbClr val="0000FF"/>
+                </a:solidFill>
+                <a:latin typeface="Consolas" panose="020B0609020204030204" pitchFamily="49" charset="0"/>
+              </a:rPr>
+              <a:t>bool</a:t>
+            </a:r>
+            <a:r>
+              <a:rPr lang="en-IE" dirty="0">
+                <a:solidFill>
+                  <a:prstClr val="black"/>
+                </a:solidFill>
+                <a:latin typeface="Consolas" panose="020B0609020204030204" pitchFamily="49" charset="0"/>
+              </a:rPr>
+              <a:t> isOn(</a:t>
+            </a:r>
+            <a:r>
+              <a:rPr lang="en-IE" dirty="0">
+                <a:solidFill>
+                  <a:srgbClr val="2B91AF"/>
+                </a:solidFill>
+                <a:latin typeface="Consolas" panose="020B0609020204030204" pitchFamily="49" charset="0"/>
+              </a:rPr>
+              <a:t>behaviour_type</a:t>
+            </a:r>
+            <a:r>
+              <a:rPr lang="en-IE" dirty="0">
+                <a:solidFill>
+                  <a:prstClr val="black"/>
+                </a:solidFill>
+                <a:latin typeface="Consolas" panose="020B0609020204030204" pitchFamily="49" charset="0"/>
+              </a:rPr>
+              <a:t> behaviour)</a:t>
+            </a:r>
+          </a:p>
+          <a:p>
+            <a:pPr marL="0" indent="0">
+              <a:buNone/>
+            </a:pPr>
+            <a:r>
+              <a:rPr lang="en-IE" dirty="0">
+                <a:solidFill>
+                  <a:prstClr val="black"/>
+                </a:solidFill>
+                <a:latin typeface="Consolas" panose="020B0609020204030204" pitchFamily="49" charset="0"/>
+              </a:rPr>
+              <a:t>        {</a:t>
+            </a:r>
+          </a:p>
+          <a:p>
+            <a:pPr marL="0" indent="0">
+              <a:buNone/>
+            </a:pPr>
+            <a:r>
+              <a:rPr lang="en-IE" dirty="0">
+                <a:solidFill>
+                  <a:prstClr val="black"/>
+                </a:solidFill>
+                <a:latin typeface="Consolas" panose="020B0609020204030204" pitchFamily="49" charset="0"/>
+              </a:rPr>
+              <a:t>            </a:t>
+            </a:r>
+            <a:r>
+              <a:rPr lang="en-IE" dirty="0">
+                <a:solidFill>
+                  <a:srgbClr val="0000FF"/>
+                </a:solidFill>
+                <a:latin typeface="Consolas" panose="020B0609020204030204" pitchFamily="49" charset="0"/>
+              </a:rPr>
+              <a:t>return</a:t>
+            </a:r>
+            <a:r>
+              <a:rPr lang="en-IE" dirty="0">
+                <a:solidFill>
+                  <a:prstClr val="black"/>
+                </a:solidFill>
+                <a:latin typeface="Consolas" panose="020B0609020204030204" pitchFamily="49" charset="0"/>
+              </a:rPr>
+              <a:t> ((flags &amp; (</a:t>
+            </a:r>
+            <a:r>
+              <a:rPr lang="en-IE" dirty="0">
+                <a:solidFill>
+                  <a:srgbClr val="0000FF"/>
+                </a:solidFill>
+                <a:latin typeface="Consolas" panose="020B0609020204030204" pitchFamily="49" charset="0"/>
+              </a:rPr>
+              <a:t>int</a:t>
+            </a:r>
+            <a:r>
+              <a:rPr lang="en-IE" dirty="0">
+                <a:solidFill>
+                  <a:prstClr val="black"/>
+                </a:solidFill>
+                <a:latin typeface="Consolas" panose="020B0609020204030204" pitchFamily="49" charset="0"/>
+              </a:rPr>
+              <a:t>)behaviour) == (</a:t>
+            </a:r>
+            <a:r>
+              <a:rPr lang="en-IE" dirty="0">
+                <a:solidFill>
+                  <a:srgbClr val="0000FF"/>
+                </a:solidFill>
+                <a:latin typeface="Consolas" panose="020B0609020204030204" pitchFamily="49" charset="0"/>
+              </a:rPr>
+              <a:t>int</a:t>
+            </a:r>
+            <a:r>
+              <a:rPr lang="en-IE" dirty="0">
+                <a:solidFill>
+                  <a:prstClr val="black"/>
+                </a:solidFill>
+                <a:latin typeface="Consolas" panose="020B0609020204030204" pitchFamily="49" charset="0"/>
+              </a:rPr>
+              <a:t>)behaviour);</a:t>
+            </a:r>
+          </a:p>
+          <a:p>
+            <a:pPr marL="0" indent="0">
+              <a:buNone/>
+            </a:pPr>
+            <a:r>
+              <a:rPr lang="en-IE" dirty="0">
+                <a:solidFill>
+                  <a:prstClr val="black"/>
+                </a:solidFill>
+                <a:latin typeface="Consolas" panose="020B0609020204030204" pitchFamily="49" charset="0"/>
+              </a:rPr>
+              <a:t>        }</a:t>
+            </a:r>
+          </a:p>
+          <a:p>
+            <a:pPr marL="0" indent="0">
+              <a:buNone/>
+            </a:pPr>
+            <a:endParaRPr lang="en-IE" dirty="0">
+              <a:solidFill>
+                <a:prstClr val="black"/>
+              </a:solidFill>
+              <a:latin typeface="Consolas" panose="020B0609020204030204" pitchFamily="49" charset="0"/>
+            </a:endParaRPr>
+          </a:p>
+          <a:p>
+            <a:pPr marL="0" indent="0">
+              <a:buNone/>
+            </a:pPr>
+            <a:r>
+              <a:rPr lang="en-IE" dirty="0">
+                <a:solidFill>
+                  <a:prstClr val="black"/>
+                </a:solidFill>
+                <a:latin typeface="Consolas" panose="020B0609020204030204" pitchFamily="49" charset="0"/>
+              </a:rPr>
+              <a:t>        </a:t>
+            </a:r>
+            <a:r>
+              <a:rPr lang="en-IE" dirty="0">
+                <a:solidFill>
+                  <a:srgbClr val="0000FF"/>
+                </a:solidFill>
+                <a:latin typeface="Consolas" panose="020B0609020204030204" pitchFamily="49" charset="0"/>
+              </a:rPr>
+              <a:t>public</a:t>
+            </a:r>
+            <a:r>
+              <a:rPr lang="en-IE" dirty="0">
+                <a:solidFill>
+                  <a:prstClr val="black"/>
+                </a:solidFill>
+                <a:latin typeface="Consolas" panose="020B0609020204030204" pitchFamily="49" charset="0"/>
+              </a:rPr>
+              <a:t> </a:t>
+            </a:r>
+            <a:r>
+              <a:rPr lang="en-IE" dirty="0">
+                <a:solidFill>
+                  <a:srgbClr val="0000FF"/>
+                </a:solidFill>
+                <a:latin typeface="Consolas" panose="020B0609020204030204" pitchFamily="49" charset="0"/>
+              </a:rPr>
+              <a:t>void</a:t>
+            </a:r>
+            <a:r>
+              <a:rPr lang="en-IE" dirty="0">
+                <a:solidFill>
+                  <a:prstClr val="black"/>
+                </a:solidFill>
+                <a:latin typeface="Consolas" panose="020B0609020204030204" pitchFamily="49" charset="0"/>
+              </a:rPr>
+              <a:t> turnOn(</a:t>
+            </a:r>
+            <a:r>
+              <a:rPr lang="en-IE" dirty="0">
+                <a:solidFill>
+                  <a:srgbClr val="2B91AF"/>
+                </a:solidFill>
+                <a:latin typeface="Consolas" panose="020B0609020204030204" pitchFamily="49" charset="0"/>
+              </a:rPr>
+              <a:t>behaviour_type</a:t>
+            </a:r>
+            <a:r>
+              <a:rPr lang="en-IE" dirty="0">
+                <a:solidFill>
+                  <a:prstClr val="black"/>
+                </a:solidFill>
+                <a:latin typeface="Consolas" panose="020B0609020204030204" pitchFamily="49" charset="0"/>
+              </a:rPr>
+              <a:t> behaviour)</a:t>
+            </a:r>
+          </a:p>
+          <a:p>
+            <a:pPr marL="0" indent="0">
+              <a:buNone/>
+            </a:pPr>
+            <a:r>
+              <a:rPr lang="en-IE" dirty="0">
+                <a:solidFill>
+                  <a:prstClr val="black"/>
+                </a:solidFill>
+                <a:latin typeface="Consolas" panose="020B0609020204030204" pitchFamily="49" charset="0"/>
+              </a:rPr>
+              <a:t>        {</a:t>
+            </a:r>
+          </a:p>
+          <a:p>
+            <a:pPr marL="0" indent="0">
+              <a:buNone/>
+            </a:pPr>
+            <a:r>
+              <a:rPr lang="en-IE" dirty="0">
+                <a:solidFill>
+                  <a:prstClr val="black"/>
+                </a:solidFill>
+                <a:latin typeface="Consolas" panose="020B0609020204030204" pitchFamily="49" charset="0"/>
+              </a:rPr>
+              <a:t>            flags |= ((</a:t>
+            </a:r>
+            <a:r>
+              <a:rPr lang="en-IE" dirty="0">
+                <a:solidFill>
+                  <a:srgbClr val="0000FF"/>
+                </a:solidFill>
+                <a:latin typeface="Consolas" panose="020B0609020204030204" pitchFamily="49" charset="0"/>
+              </a:rPr>
+              <a:t>int</a:t>
+            </a:r>
+            <a:r>
+              <a:rPr lang="en-IE" dirty="0">
+                <a:solidFill>
+                  <a:prstClr val="black"/>
+                </a:solidFill>
+                <a:latin typeface="Consolas" panose="020B0609020204030204" pitchFamily="49" charset="0"/>
+              </a:rPr>
+              <a:t>)behaviour);</a:t>
+            </a:r>
+          </a:p>
+          <a:p>
+            <a:pPr marL="0" indent="0">
+              <a:buNone/>
+            </a:pPr>
+            <a:r>
+              <a:rPr lang="en-IE" dirty="0">
+                <a:solidFill>
+                  <a:prstClr val="black"/>
+                </a:solidFill>
+                <a:latin typeface="Consolas" panose="020B0609020204030204" pitchFamily="49" charset="0"/>
+              </a:rPr>
+              <a:t>        }</a:t>
+            </a:r>
+          </a:p>
+          <a:p>
+            <a:pPr marL="0" indent="0">
+              <a:buNone/>
+            </a:pPr>
+            <a:r>
+              <a:rPr lang="en-IE" dirty="0">
+                <a:solidFill>
+                  <a:prstClr val="black"/>
+                </a:solidFill>
+                <a:latin typeface="Consolas" panose="020B0609020204030204" pitchFamily="49" charset="0"/>
+              </a:rPr>
+              <a:t>        </a:t>
+            </a:r>
+          </a:p>
+          <a:p>
+            <a:pPr marL="0" indent="0">
+              <a:buNone/>
+            </a:pPr>
+            <a:r>
+              <a:rPr lang="en-IE" dirty="0">
+                <a:solidFill>
+                  <a:prstClr val="black"/>
+                </a:solidFill>
+                <a:latin typeface="Consolas" panose="020B0609020204030204" pitchFamily="49" charset="0"/>
+              </a:rPr>
+              <a:t>        </a:t>
+            </a:r>
+            <a:r>
+              <a:rPr lang="en-IE" dirty="0">
+                <a:solidFill>
+                  <a:srgbClr val="0000FF"/>
+                </a:solidFill>
+                <a:latin typeface="Consolas" panose="020B0609020204030204" pitchFamily="49" charset="0"/>
+              </a:rPr>
+              <a:t>public</a:t>
+            </a:r>
+            <a:r>
+              <a:rPr lang="en-IE" dirty="0">
+                <a:solidFill>
+                  <a:prstClr val="black"/>
+                </a:solidFill>
+                <a:latin typeface="Consolas" panose="020B0609020204030204" pitchFamily="49" charset="0"/>
+              </a:rPr>
+              <a:t> </a:t>
+            </a:r>
+            <a:r>
+              <a:rPr lang="en-IE" dirty="0">
+                <a:solidFill>
+                  <a:srgbClr val="0000FF"/>
+                </a:solidFill>
+                <a:latin typeface="Consolas" panose="020B0609020204030204" pitchFamily="49" charset="0"/>
+              </a:rPr>
+              <a:t>void</a:t>
+            </a:r>
+            <a:r>
+              <a:rPr lang="en-IE" dirty="0">
+                <a:solidFill>
+                  <a:prstClr val="black"/>
+                </a:solidFill>
+                <a:latin typeface="Consolas" panose="020B0609020204030204" pitchFamily="49" charset="0"/>
+              </a:rPr>
+              <a:t> turnOff(</a:t>
+            </a:r>
+            <a:r>
+              <a:rPr lang="en-IE" dirty="0">
+                <a:solidFill>
+                  <a:srgbClr val="2B91AF"/>
+                </a:solidFill>
+                <a:latin typeface="Consolas" panose="020B0609020204030204" pitchFamily="49" charset="0"/>
+              </a:rPr>
+              <a:t>behaviour_type</a:t>
+            </a:r>
+            <a:r>
+              <a:rPr lang="en-IE" dirty="0">
+                <a:solidFill>
+                  <a:prstClr val="black"/>
+                </a:solidFill>
+                <a:latin typeface="Consolas" panose="020B0609020204030204" pitchFamily="49" charset="0"/>
+              </a:rPr>
+              <a:t> behaviour)</a:t>
+            </a:r>
+          </a:p>
+          <a:p>
+            <a:pPr marL="0" indent="0">
+              <a:buNone/>
+            </a:pPr>
+            <a:r>
+              <a:rPr lang="en-IE" dirty="0">
+                <a:solidFill>
+                  <a:prstClr val="black"/>
+                </a:solidFill>
+                <a:latin typeface="Consolas" panose="020B0609020204030204" pitchFamily="49" charset="0"/>
+              </a:rPr>
+              <a:t>        {</a:t>
+            </a:r>
+          </a:p>
+          <a:p>
+            <a:pPr marL="0" indent="0">
+              <a:buNone/>
+            </a:pPr>
+            <a:r>
+              <a:rPr lang="en-IE" dirty="0">
+                <a:solidFill>
+                  <a:prstClr val="black"/>
+                </a:solidFill>
+                <a:latin typeface="Consolas" panose="020B0609020204030204" pitchFamily="49" charset="0"/>
+              </a:rPr>
+              <a:t>            flags &amp;= ( ~ (</a:t>
+            </a:r>
+            <a:r>
+              <a:rPr lang="en-IE" dirty="0">
+                <a:solidFill>
+                  <a:srgbClr val="0000FF"/>
+                </a:solidFill>
+                <a:latin typeface="Consolas" panose="020B0609020204030204" pitchFamily="49" charset="0"/>
+              </a:rPr>
+              <a:t>int</a:t>
+            </a:r>
+            <a:r>
+              <a:rPr lang="en-IE" dirty="0">
+                <a:solidFill>
+                  <a:prstClr val="black"/>
+                </a:solidFill>
+                <a:latin typeface="Consolas" panose="020B0609020204030204" pitchFamily="49" charset="0"/>
+              </a:rPr>
+              <a:t>)behaviour);</a:t>
+            </a:r>
+          </a:p>
+          <a:p>
+            <a:pPr marL="0" indent="0">
+              <a:buNone/>
+            </a:pPr>
+            <a:r>
+              <a:rPr lang="en-IE" dirty="0">
+                <a:solidFill>
+                  <a:prstClr val="black"/>
+                </a:solidFill>
+                <a:latin typeface="Consolas" panose="020B0609020204030204" pitchFamily="49" charset="0"/>
+              </a:rPr>
+              <a:t>        }</a:t>
+            </a:r>
+          </a:p>
+          <a:p>
+            <a:pPr marL="0" indent="0">
+              <a:buNone/>
+            </a:pPr>
+            <a:endParaRPr lang="en-IE" dirty="0"/>
+          </a:p>
+        </p:txBody>
+      </p:sp>
+    </p:spTree>
+    <p:extLst>
+      <p:ext uri="{BB962C8B-B14F-4D97-AF65-F5344CB8AC3E}">
+        <p14:creationId xmlns:p14="http://schemas.microsoft.com/office/powerpoint/2010/main" val="1007456313"/>
+      </p:ext>
+    </p:extLst>
+  </p:cSld>
+  <p:clrMapOvr>
+    <a:masterClrMapping/>
+  </p:clrMapOvr>
+  <p:timing>
+    <p:tnLst>
+      <p:par>
+        <p:cTn id="1" dur="indefinite" restart="never" nodeType="tmRoot"/>
+      </p:par>
+    </p:tnLst>
+  </p:timing>
+</p:sld>
+</file>
+
+<file path=ppt/slides/slide19.xml><?xml version="1.0" encoding="utf-8"?>
+<p:sld xmlns:a="http://schemas.openxmlformats.org/drawingml/2006/main" xmlns:r="http://schemas.openxmlformats.org/officeDocument/2006/relationships" xmlns:p="http://schemas.openxmlformats.org/presentationml/2006/main">
+  <p:cSld>
+    <p:spTree>
+      <p:nvGrpSpPr>
+        <p:cNvPr id="1" name=""/>
+        <p:cNvGrpSpPr/>
+        <p:nvPr/>
+      </p:nvGrpSpPr>
+      <p:grpSpPr>
+        <a:xfrm>
+          <a:off x="0" y="0"/>
+          <a:ext cx="0" cy="0"/>
+          <a:chOff x="0" y="0"/>
+          <a:chExt cx="0" cy="0"/>
+        </a:xfrm>
+      </p:grpSpPr>
+      <p:sp>
+        <p:nvSpPr>
+          <p:cNvPr id="2" name="Title 1"/>
+          <p:cNvSpPr>
+            <a:spLocks noGrp="1"/>
+          </p:cNvSpPr>
+          <p:nvPr>
+            <p:ph type="title"/>
+          </p:nvPr>
+        </p:nvSpPr>
+        <p:spPr/>
+        <p:txBody>
+          <a:bodyPr/>
+          <a:lstStyle/>
+          <a:p>
+            <a:r>
+              <a:rPr lang="en-IE" dirty="0" smtClean="0"/>
+              <a:t>Offset pursuit (3D)</a:t>
+            </a:r>
+            <a:endParaRPr lang="en-IE" dirty="0"/>
+          </a:p>
+        </p:txBody>
+      </p:sp>
+      <p:sp>
+        <p:nvSpPr>
+          <p:cNvPr id="3" name="Content Placeholder 2"/>
+          <p:cNvSpPr>
+            <a:spLocks noGrp="1"/>
+          </p:cNvSpPr>
+          <p:nvPr>
+            <p:ph idx="1"/>
+          </p:nvPr>
+        </p:nvSpPr>
+        <p:spPr/>
+        <p:txBody>
+          <a:bodyPr/>
+          <a:lstStyle/>
+          <a:p>
+            <a:r>
+              <a:rPr lang="en-IE" dirty="0" smtClean="0"/>
+              <a:t>Used to program fleets (amongst other things)</a:t>
+            </a:r>
+          </a:p>
+          <a:p>
+            <a:r>
+              <a:rPr lang="en-IE" dirty="0" smtClean="0"/>
+              <a:t>Similar to pursue but with 2 differences</a:t>
+            </a:r>
+          </a:p>
+          <a:p>
+            <a:pPr lvl="1"/>
+            <a:r>
+              <a:rPr lang="en-IE" dirty="0" smtClean="0"/>
+              <a:t>The agent pursues an offset (in local space) of the target agent</a:t>
+            </a:r>
+          </a:p>
+          <a:p>
+            <a:pPr lvl="1"/>
+            <a:r>
+              <a:rPr lang="en-IE" dirty="0" smtClean="0"/>
+              <a:t>Transform the offset by the target agents Transform object to get the target</a:t>
+            </a:r>
+          </a:p>
+          <a:p>
+            <a:pPr lvl="1"/>
+            <a:r>
+              <a:rPr lang="en-IE" dirty="0" smtClean="0"/>
+              <a:t>Use dead reckoning same as pursue</a:t>
+            </a:r>
+          </a:p>
+          <a:p>
+            <a:pPr lvl="1"/>
+            <a:r>
+              <a:rPr lang="en-IE" dirty="0" smtClean="0"/>
+              <a:t>We use arrive instead of seek to keek in formation</a:t>
+            </a:r>
+            <a:endParaRPr lang="en-IE" dirty="0"/>
+          </a:p>
+        </p:txBody>
+      </p:sp>
+    </p:spTree>
+    <p:extLst>
+      <p:ext uri="{BB962C8B-B14F-4D97-AF65-F5344CB8AC3E}">
+        <p14:creationId xmlns:p14="http://schemas.microsoft.com/office/powerpoint/2010/main" val="2714654213"/>
+      </p:ext>
+    </p:extLst>
+  </p:cSld>
+  <p:clrMapOvr>
+    <a:masterClrMapping/>
+  </p:clrMapOvr>
+  <p:timing>
+    <p:tnLst>
+      <p:par>
+        <p:cTn id="1" dur="indefinite" restart="never" nodeType="tmRoot"/>
+      </p:par>
+    </p:tnLst>
+  </p:timing>
+</p:sld>
+</file>
+
 <file path=ppt/slides/slide2.xml><?xml version="1.0" encoding="utf-8"?>
 <p:sld xmlns:a="http://schemas.openxmlformats.org/drawingml/2006/main" xmlns:r="http://schemas.openxmlformats.org/officeDocument/2006/relationships" xmlns:p="http://schemas.openxmlformats.org/presentationml/2006/main">
   <p:cSld>
@@ -3705,6 +6483,3233 @@
     <p:extLst>
       <p:ext uri="{BB962C8B-B14F-4D97-AF65-F5344CB8AC3E}">
         <p14:creationId xmlns:p14="http://schemas.microsoft.com/office/powerpoint/2010/main" val="1635325985"/>
+      </p:ext>
+    </p:extLst>
+  </p:cSld>
+  <p:clrMapOvr>
+    <a:masterClrMapping/>
+  </p:clrMapOvr>
+  <p:timing>
+    <p:tnLst>
+      <p:par>
+        <p:cTn id="1" dur="indefinite" restart="never" nodeType="tmRoot"/>
+      </p:par>
+    </p:tnLst>
+  </p:timing>
+</p:sld>
+</file>
+
+<file path=ppt/slides/slide20.xml><?xml version="1.0" encoding="utf-8"?>
+<p:sld xmlns:a="http://schemas.openxmlformats.org/drawingml/2006/main" xmlns:r="http://schemas.openxmlformats.org/officeDocument/2006/relationships" xmlns:p="http://schemas.openxmlformats.org/presentationml/2006/main">
+  <p:cSld>
+    <p:spTree>
+      <p:nvGrpSpPr>
+        <p:cNvPr id="1" name=""/>
+        <p:cNvGrpSpPr/>
+        <p:nvPr/>
+      </p:nvGrpSpPr>
+      <p:grpSpPr>
+        <a:xfrm>
+          <a:off x="0" y="0"/>
+          <a:ext cx="0" cy="0"/>
+          <a:chOff x="0" y="0"/>
+          <a:chExt cx="0" cy="0"/>
+        </a:xfrm>
+      </p:grpSpPr>
+      <p:sp>
+        <p:nvSpPr>
+          <p:cNvPr id="2" name="Title 1"/>
+          <p:cNvSpPr>
+            <a:spLocks noGrp="1"/>
+          </p:cNvSpPr>
+          <p:nvPr>
+            <p:ph type="title"/>
+          </p:nvPr>
+        </p:nvSpPr>
+        <p:spPr/>
+        <p:txBody>
+          <a:bodyPr/>
+          <a:lstStyle/>
+          <a:p>
+            <a:r>
+              <a:rPr lang="en-IE" dirty="0" smtClean="0"/>
+              <a:t>Code...</a:t>
+            </a:r>
+            <a:endParaRPr lang="en-IE" dirty="0"/>
+          </a:p>
+        </p:txBody>
+      </p:sp>
+      <p:sp>
+        <p:nvSpPr>
+          <p:cNvPr id="3" name="Content Placeholder 2"/>
+          <p:cNvSpPr>
+            <a:spLocks noGrp="1"/>
+          </p:cNvSpPr>
+          <p:nvPr>
+            <p:ph idx="1"/>
+          </p:nvPr>
+        </p:nvSpPr>
+        <p:spPr>
+          <a:xfrm>
+            <a:off x="0" y="1600200"/>
+            <a:ext cx="9144000" cy="4525963"/>
+          </a:xfrm>
+        </p:spPr>
+        <p:txBody>
+          <a:bodyPr>
+            <a:normAutofit fontScale="55000" lnSpcReduction="20000"/>
+          </a:bodyPr>
+          <a:lstStyle/>
+          <a:p>
+            <a:pPr marL="0" indent="0">
+              <a:buNone/>
+            </a:pPr>
+            <a:r>
+              <a:rPr lang="en-IE" dirty="0">
+                <a:solidFill>
+                  <a:srgbClr val="2B91AF"/>
+                </a:solidFill>
+                <a:latin typeface="Consolas" panose="020B0609020204030204" pitchFamily="49" charset="0"/>
+              </a:rPr>
+              <a:t>Vector3</a:t>
+            </a:r>
+            <a:r>
+              <a:rPr lang="en-IE" dirty="0">
+                <a:solidFill>
+                  <a:prstClr val="black"/>
+                </a:solidFill>
+                <a:latin typeface="Consolas" panose="020B0609020204030204" pitchFamily="49" charset="0"/>
+              </a:rPr>
+              <a:t> OffsetPursuit(</a:t>
+            </a:r>
+            <a:r>
+              <a:rPr lang="en-IE" dirty="0">
+                <a:solidFill>
+                  <a:srgbClr val="2B91AF"/>
+                </a:solidFill>
+                <a:latin typeface="Consolas" panose="020B0609020204030204" pitchFamily="49" charset="0"/>
+              </a:rPr>
+              <a:t>Vector3</a:t>
+            </a:r>
+            <a:r>
+              <a:rPr lang="en-IE" dirty="0">
+                <a:solidFill>
+                  <a:prstClr val="black"/>
+                </a:solidFill>
+                <a:latin typeface="Consolas" panose="020B0609020204030204" pitchFamily="49" charset="0"/>
+              </a:rPr>
+              <a:t> offset)</a:t>
+            </a:r>
+          </a:p>
+          <a:p>
+            <a:pPr marL="0" indent="0">
+              <a:buNone/>
+            </a:pPr>
+            <a:r>
+              <a:rPr lang="en-IE" dirty="0">
+                <a:solidFill>
+                  <a:prstClr val="black"/>
+                </a:solidFill>
+                <a:latin typeface="Consolas" panose="020B0609020204030204" pitchFamily="49" charset="0"/>
+              </a:rPr>
+              <a:t>        {</a:t>
+            </a:r>
+          </a:p>
+          <a:p>
+            <a:pPr marL="0" indent="0">
+              <a:buNone/>
+            </a:pPr>
+            <a:r>
+              <a:rPr lang="en-IE" dirty="0">
+                <a:solidFill>
+                  <a:prstClr val="black"/>
+                </a:solidFill>
+                <a:latin typeface="Consolas" panose="020B0609020204030204" pitchFamily="49" charset="0"/>
+              </a:rPr>
+              <a:t>            </a:t>
+            </a:r>
+            <a:r>
+              <a:rPr lang="en-IE" dirty="0">
+                <a:solidFill>
+                  <a:srgbClr val="2B91AF"/>
+                </a:solidFill>
+                <a:latin typeface="Consolas" panose="020B0609020204030204" pitchFamily="49" charset="0"/>
+              </a:rPr>
+              <a:t>Vector3</a:t>
+            </a:r>
+            <a:r>
+              <a:rPr lang="en-IE" dirty="0">
+                <a:solidFill>
+                  <a:prstClr val="black"/>
+                </a:solidFill>
+                <a:latin typeface="Consolas" panose="020B0609020204030204" pitchFamily="49" charset="0"/>
+              </a:rPr>
+              <a:t> target = </a:t>
+            </a:r>
+            <a:r>
+              <a:rPr lang="en-IE" dirty="0">
+                <a:solidFill>
+                  <a:srgbClr val="2B91AF"/>
+                </a:solidFill>
+                <a:latin typeface="Consolas" panose="020B0609020204030204" pitchFamily="49" charset="0"/>
+              </a:rPr>
+              <a:t>Vector3</a:t>
+            </a:r>
+            <a:r>
+              <a:rPr lang="en-IE" dirty="0">
+                <a:solidFill>
+                  <a:prstClr val="black"/>
+                </a:solidFill>
+                <a:latin typeface="Consolas" panose="020B0609020204030204" pitchFamily="49" charset="0"/>
+              </a:rPr>
+              <a:t>.zero;</a:t>
+            </a:r>
+          </a:p>
+          <a:p>
+            <a:pPr marL="0" indent="0">
+              <a:buNone/>
+            </a:pPr>
+            <a:r>
+              <a:rPr lang="en-IE" dirty="0">
+                <a:solidFill>
+                  <a:prstClr val="black"/>
+                </a:solidFill>
+                <a:latin typeface="Consolas" panose="020B0609020204030204" pitchFamily="49" charset="0"/>
+              </a:rPr>
+              <a:t>            target = leader.transform.TransformPoint(offset);</a:t>
+            </a:r>
+          </a:p>
+          <a:p>
+            <a:pPr marL="0" indent="0">
+              <a:buNone/>
+            </a:pPr>
+            <a:r>
+              <a:rPr lang="en-IE" dirty="0">
+                <a:solidFill>
+                  <a:prstClr val="black"/>
+                </a:solidFill>
+                <a:latin typeface="Consolas" panose="020B0609020204030204" pitchFamily="49" charset="0"/>
+              </a:rPr>
+              <a:t>         </a:t>
+            </a:r>
+          </a:p>
+          <a:p>
+            <a:pPr marL="0" indent="0">
+              <a:buNone/>
+            </a:pPr>
+            <a:r>
+              <a:rPr lang="en-IE" dirty="0">
+                <a:solidFill>
+                  <a:prstClr val="black"/>
+                </a:solidFill>
+                <a:latin typeface="Consolas" panose="020B0609020204030204" pitchFamily="49" charset="0"/>
+              </a:rPr>
+              <a:t>            </a:t>
+            </a:r>
+            <a:r>
+              <a:rPr lang="en-IE" dirty="0">
+                <a:solidFill>
+                  <a:srgbClr val="0000FF"/>
+                </a:solidFill>
+                <a:latin typeface="Consolas" panose="020B0609020204030204" pitchFamily="49" charset="0"/>
+              </a:rPr>
+              <a:t>float</a:t>
+            </a:r>
+            <a:r>
+              <a:rPr lang="en-IE" dirty="0">
+                <a:solidFill>
+                  <a:prstClr val="black"/>
+                </a:solidFill>
+                <a:latin typeface="Consolas" panose="020B0609020204030204" pitchFamily="49" charset="0"/>
+              </a:rPr>
+              <a:t> dist = (target - transform.position).magnitude;</a:t>
+            </a:r>
+          </a:p>
+          <a:p>
+            <a:pPr marL="0" indent="0">
+              <a:buNone/>
+            </a:pPr>
+            <a:endParaRPr lang="en-IE" dirty="0">
+              <a:solidFill>
+                <a:prstClr val="black"/>
+              </a:solidFill>
+              <a:latin typeface="Consolas" panose="020B0609020204030204" pitchFamily="49" charset="0"/>
+            </a:endParaRPr>
+          </a:p>
+          <a:p>
+            <a:pPr marL="0" indent="0">
+              <a:buNone/>
+            </a:pPr>
+            <a:r>
+              <a:rPr lang="en-IE" dirty="0">
+                <a:solidFill>
+                  <a:prstClr val="black"/>
+                </a:solidFill>
+                <a:latin typeface="Consolas" panose="020B0609020204030204" pitchFamily="49" charset="0"/>
+              </a:rPr>
+              <a:t>            </a:t>
+            </a:r>
+            <a:r>
+              <a:rPr lang="en-IE" dirty="0">
+                <a:solidFill>
+                  <a:srgbClr val="0000FF"/>
+                </a:solidFill>
+                <a:latin typeface="Consolas" panose="020B0609020204030204" pitchFamily="49" charset="0"/>
+              </a:rPr>
+              <a:t>float</a:t>
+            </a:r>
+            <a:r>
+              <a:rPr lang="en-IE" dirty="0">
+                <a:solidFill>
+                  <a:prstClr val="black"/>
+                </a:solidFill>
+                <a:latin typeface="Consolas" panose="020B0609020204030204" pitchFamily="49" charset="0"/>
+              </a:rPr>
+              <a:t> lookAhead = (dist / </a:t>
+            </a:r>
+            <a:r>
+              <a:rPr lang="en-IE" dirty="0">
+                <a:solidFill>
+                  <a:srgbClr val="2B91AF"/>
+                </a:solidFill>
+                <a:latin typeface="Consolas" panose="020B0609020204030204" pitchFamily="49" charset="0"/>
+              </a:rPr>
+              <a:t>Params</a:t>
+            </a:r>
+            <a:r>
+              <a:rPr lang="en-IE" dirty="0">
+                <a:solidFill>
+                  <a:prstClr val="black"/>
+                </a:solidFill>
+                <a:latin typeface="Consolas" panose="020B0609020204030204" pitchFamily="49" charset="0"/>
+              </a:rPr>
+              <a:t>.GetFloat(</a:t>
+            </a:r>
+            <a:r>
+              <a:rPr lang="en-IE" dirty="0">
+                <a:solidFill>
+                  <a:srgbClr val="A31515"/>
+                </a:solidFill>
+                <a:latin typeface="Consolas" panose="020B0609020204030204" pitchFamily="49" charset="0"/>
+              </a:rPr>
+              <a:t>"max_speed"</a:t>
+            </a:r>
+            <a:r>
+              <a:rPr lang="en-IE" dirty="0">
+                <a:solidFill>
+                  <a:prstClr val="black"/>
+                </a:solidFill>
+                <a:latin typeface="Consolas" panose="020B0609020204030204" pitchFamily="49" charset="0"/>
+              </a:rPr>
+              <a:t>));</a:t>
+            </a:r>
+          </a:p>
+          <a:p>
+            <a:pPr marL="0" indent="0">
+              <a:buNone/>
+            </a:pPr>
+            <a:endParaRPr lang="en-IE" dirty="0">
+              <a:solidFill>
+                <a:prstClr val="black"/>
+              </a:solidFill>
+              <a:latin typeface="Consolas" panose="020B0609020204030204" pitchFamily="49" charset="0"/>
+            </a:endParaRPr>
+          </a:p>
+          <a:p>
+            <a:pPr marL="0" indent="0">
+              <a:buNone/>
+            </a:pPr>
+            <a:r>
+              <a:rPr lang="en-IE" dirty="0">
+                <a:solidFill>
+                  <a:prstClr val="black"/>
+                </a:solidFill>
+                <a:latin typeface="Consolas" panose="020B0609020204030204" pitchFamily="49" charset="0"/>
+              </a:rPr>
+              <a:t>            target = target + (lookAhead * leader.GetComponent&lt;</a:t>
+            </a:r>
+            <a:r>
+              <a:rPr lang="en-IE" dirty="0">
+                <a:solidFill>
+                  <a:srgbClr val="2B91AF"/>
+                </a:solidFill>
+                <a:latin typeface="Consolas" panose="020B0609020204030204" pitchFamily="49" charset="0"/>
+              </a:rPr>
+              <a:t>SteeringBehaviours</a:t>
+            </a:r>
+            <a:r>
+              <a:rPr lang="en-IE" dirty="0">
+                <a:solidFill>
+                  <a:prstClr val="black"/>
+                </a:solidFill>
+                <a:latin typeface="Consolas" panose="020B0609020204030204" pitchFamily="49" charset="0"/>
+              </a:rPr>
+              <a:t>&gt;().velocity);</a:t>
+            </a:r>
+          </a:p>
+          <a:p>
+            <a:pPr marL="0" indent="0">
+              <a:buNone/>
+            </a:pPr>
+            <a:endParaRPr lang="en-IE" dirty="0">
+              <a:solidFill>
+                <a:prstClr val="black"/>
+              </a:solidFill>
+              <a:latin typeface="Consolas" panose="020B0609020204030204" pitchFamily="49" charset="0"/>
+            </a:endParaRPr>
+          </a:p>
+          <a:p>
+            <a:pPr marL="0" indent="0">
+              <a:buNone/>
+            </a:pPr>
+            <a:r>
+              <a:rPr lang="en-IE" dirty="0">
+                <a:solidFill>
+                  <a:prstClr val="black"/>
+                </a:solidFill>
+                <a:latin typeface="Consolas" panose="020B0609020204030204" pitchFamily="49" charset="0"/>
+              </a:rPr>
+              <a:t>            checkNaN(target);</a:t>
+            </a:r>
+          </a:p>
+          <a:p>
+            <a:pPr marL="0" indent="0">
+              <a:buNone/>
+            </a:pPr>
+            <a:r>
+              <a:rPr lang="en-IE" dirty="0">
+                <a:solidFill>
+                  <a:prstClr val="black"/>
+                </a:solidFill>
+                <a:latin typeface="Consolas" panose="020B0609020204030204" pitchFamily="49" charset="0"/>
+              </a:rPr>
+              <a:t>            </a:t>
+            </a:r>
+            <a:r>
+              <a:rPr lang="en-IE" dirty="0">
+                <a:solidFill>
+                  <a:srgbClr val="0000FF"/>
+                </a:solidFill>
+                <a:latin typeface="Consolas" panose="020B0609020204030204" pitchFamily="49" charset="0"/>
+              </a:rPr>
+              <a:t>return</a:t>
+            </a:r>
+            <a:r>
+              <a:rPr lang="en-IE" dirty="0">
+                <a:solidFill>
+                  <a:prstClr val="black"/>
+                </a:solidFill>
+                <a:latin typeface="Consolas" panose="020B0609020204030204" pitchFamily="49" charset="0"/>
+              </a:rPr>
+              <a:t> Arrive(target);</a:t>
+            </a:r>
+          </a:p>
+          <a:p>
+            <a:pPr marL="0" indent="0">
+              <a:buNone/>
+            </a:pPr>
+            <a:r>
+              <a:rPr lang="en-IE" dirty="0">
+                <a:solidFill>
+                  <a:prstClr val="black"/>
+                </a:solidFill>
+                <a:latin typeface="Consolas" panose="020B0609020204030204" pitchFamily="49" charset="0"/>
+              </a:rPr>
+              <a:t>        }</a:t>
+            </a:r>
+          </a:p>
+          <a:p>
+            <a:pPr marL="0" indent="0">
+              <a:buNone/>
+            </a:pPr>
+            <a:endParaRPr lang="en-IE" dirty="0"/>
+          </a:p>
+        </p:txBody>
+      </p:sp>
+    </p:spTree>
+    <p:extLst>
+      <p:ext uri="{BB962C8B-B14F-4D97-AF65-F5344CB8AC3E}">
+        <p14:creationId xmlns:p14="http://schemas.microsoft.com/office/powerpoint/2010/main" val="3264086508"/>
+      </p:ext>
+    </p:extLst>
+  </p:cSld>
+  <p:clrMapOvr>
+    <a:masterClrMapping/>
+  </p:clrMapOvr>
+  <p:timing>
+    <p:tnLst>
+      <p:par>
+        <p:cTn id="1" dur="indefinite" restart="never" nodeType="tmRoot"/>
+      </p:par>
+    </p:tnLst>
+  </p:timing>
+</p:sld>
+</file>
+
+<file path=ppt/slides/slide21.xml><?xml version="1.0" encoding="utf-8"?>
+<p:sld xmlns:a="http://schemas.openxmlformats.org/drawingml/2006/main" xmlns:r="http://schemas.openxmlformats.org/officeDocument/2006/relationships" xmlns:p="http://schemas.openxmlformats.org/presentationml/2006/main">
+  <p:cSld>
+    <p:spTree>
+      <p:nvGrpSpPr>
+        <p:cNvPr id="1" name=""/>
+        <p:cNvGrpSpPr/>
+        <p:nvPr/>
+      </p:nvGrpSpPr>
+      <p:grpSpPr>
+        <a:xfrm>
+          <a:off x="0" y="0"/>
+          <a:ext cx="0" cy="0"/>
+          <a:chOff x="0" y="0"/>
+          <a:chExt cx="0" cy="0"/>
+        </a:xfrm>
+      </p:grpSpPr>
+      <p:sp>
+        <p:nvSpPr>
+          <p:cNvPr id="2" name="Title 1"/>
+          <p:cNvSpPr>
+            <a:spLocks noGrp="1"/>
+          </p:cNvSpPr>
+          <p:nvPr>
+            <p:ph type="title"/>
+          </p:nvPr>
+        </p:nvSpPr>
+        <p:spPr/>
+        <p:txBody>
+          <a:bodyPr/>
+          <a:lstStyle/>
+          <a:p>
+            <a:r>
+              <a:rPr lang="en-IE" dirty="0" smtClean="0"/>
+              <a:t>Wall Avoidance (3D)</a:t>
+            </a:r>
+            <a:endParaRPr lang="en-IE" dirty="0"/>
+          </a:p>
+        </p:txBody>
+      </p:sp>
+      <p:sp>
+        <p:nvSpPr>
+          <p:cNvPr id="3" name="Content Placeholder 2"/>
+          <p:cNvSpPr>
+            <a:spLocks noGrp="1"/>
+          </p:cNvSpPr>
+          <p:nvPr>
+            <p:ph idx="1"/>
+          </p:nvPr>
+        </p:nvSpPr>
+        <p:spPr>
+          <a:xfrm>
+            <a:off x="457200" y="1600200"/>
+            <a:ext cx="4330824" cy="4525963"/>
+          </a:xfrm>
+        </p:spPr>
+        <p:txBody>
+          <a:bodyPr>
+            <a:normAutofit fontScale="92500" lnSpcReduction="20000"/>
+          </a:bodyPr>
+          <a:lstStyle/>
+          <a:p>
+            <a:r>
+              <a:rPr lang="en-IE" dirty="0" smtClean="0"/>
+              <a:t>Uses “feelers”</a:t>
+            </a:r>
+          </a:p>
+          <a:p>
+            <a:pPr lvl="1"/>
+            <a:r>
+              <a:rPr lang="en-IE" dirty="0" smtClean="0"/>
+              <a:t>Points projected in front of the agent</a:t>
+            </a:r>
+          </a:p>
+          <a:p>
+            <a:pPr lvl="1"/>
+            <a:r>
+              <a:rPr lang="en-IE" dirty="0" smtClean="0"/>
+              <a:t>3 for 2D 5 for 3D</a:t>
+            </a:r>
+          </a:p>
+          <a:p>
+            <a:pPr lvl="1"/>
+            <a:r>
+              <a:rPr lang="en-IE" dirty="0" smtClean="0"/>
+              <a:t>Make them in local space</a:t>
+            </a:r>
+          </a:p>
+          <a:p>
+            <a:pPr lvl="1"/>
+            <a:r>
+              <a:rPr lang="en-IE" dirty="0" smtClean="0"/>
+              <a:t>Use the forward basis vector and a quaternion to make them</a:t>
+            </a:r>
+          </a:p>
+          <a:p>
+            <a:pPr lvl="1"/>
+            <a:r>
+              <a:rPr lang="en-IE" dirty="0" smtClean="0"/>
+              <a:t>Transform to world space</a:t>
+            </a:r>
+          </a:p>
+          <a:p>
+            <a:pPr lvl="1"/>
+            <a:r>
+              <a:rPr lang="en-IE" dirty="0" smtClean="0"/>
+              <a:t>Can use Plane geometry to check the points</a:t>
+            </a:r>
+            <a:endParaRPr lang="en-IE" dirty="0"/>
+          </a:p>
+        </p:txBody>
+      </p:sp>
+      <p:pic>
+        <p:nvPicPr>
+          <p:cNvPr id="4" name="Picture 3"/>
+          <p:cNvPicPr>
+            <a:picLocks noChangeAspect="1"/>
+          </p:cNvPicPr>
+          <p:nvPr/>
+        </p:nvPicPr>
+        <p:blipFill>
+          <a:blip r:embed="rId2"/>
+          <a:stretch>
+            <a:fillRect/>
+          </a:stretch>
+        </p:blipFill>
+        <p:spPr>
+          <a:xfrm>
+            <a:off x="5364088" y="1340768"/>
+            <a:ext cx="3543300" cy="4276725"/>
+          </a:xfrm>
+          <a:prstGeom prst="rect">
+            <a:avLst/>
+          </a:prstGeom>
+        </p:spPr>
+      </p:pic>
+    </p:spTree>
+    <p:extLst>
+      <p:ext uri="{BB962C8B-B14F-4D97-AF65-F5344CB8AC3E}">
+        <p14:creationId xmlns:p14="http://schemas.microsoft.com/office/powerpoint/2010/main" val="3830443563"/>
+      </p:ext>
+    </p:extLst>
+  </p:cSld>
+  <p:clrMapOvr>
+    <a:masterClrMapping/>
+  </p:clrMapOvr>
+  <p:timing>
+    <p:tnLst>
+      <p:par>
+        <p:cTn id="1" dur="indefinite" restart="never" nodeType="tmRoot"/>
+      </p:par>
+    </p:tnLst>
+  </p:timing>
+</p:sld>
+</file>
+
+<file path=ppt/slides/slide22.xml><?xml version="1.0" encoding="utf-8"?>
+<p:sld xmlns:a="http://schemas.openxmlformats.org/drawingml/2006/main" xmlns:r="http://schemas.openxmlformats.org/officeDocument/2006/relationships" xmlns:p="http://schemas.openxmlformats.org/presentationml/2006/main">
+  <p:cSld>
+    <p:spTree>
+      <p:nvGrpSpPr>
+        <p:cNvPr id="1" name=""/>
+        <p:cNvGrpSpPr/>
+        <p:nvPr/>
+      </p:nvGrpSpPr>
+      <p:grpSpPr>
+        <a:xfrm>
+          <a:off x="0" y="0"/>
+          <a:ext cx="0" cy="0"/>
+          <a:chOff x="0" y="0"/>
+          <a:chExt cx="0" cy="0"/>
+        </a:xfrm>
+      </p:grpSpPr>
+      <p:sp>
+        <p:nvSpPr>
+          <p:cNvPr id="2" name="Title 1"/>
+          <p:cNvSpPr>
+            <a:spLocks noGrp="1"/>
+          </p:cNvSpPr>
+          <p:nvPr>
+            <p:ph type="title"/>
+          </p:nvPr>
+        </p:nvSpPr>
+        <p:spPr/>
+        <p:txBody>
+          <a:bodyPr/>
+          <a:lstStyle/>
+          <a:p>
+            <a:r>
+              <a:rPr lang="en-IE" dirty="0" smtClean="0"/>
+              <a:t>In code...</a:t>
+            </a:r>
+            <a:endParaRPr lang="en-IE" dirty="0"/>
+          </a:p>
+        </p:txBody>
+      </p:sp>
+      <p:sp>
+        <p:nvSpPr>
+          <p:cNvPr id="3" name="Content Placeholder 2"/>
+          <p:cNvSpPr>
+            <a:spLocks noGrp="1"/>
+          </p:cNvSpPr>
+          <p:nvPr>
+            <p:ph idx="1"/>
+          </p:nvPr>
+        </p:nvSpPr>
+        <p:spPr/>
+        <p:txBody>
+          <a:bodyPr>
+            <a:normAutofit fontScale="32500" lnSpcReduction="20000"/>
+          </a:bodyPr>
+          <a:lstStyle/>
+          <a:p>
+            <a:pPr marL="0" indent="0">
+              <a:buNone/>
+            </a:pPr>
+            <a:r>
+              <a:rPr lang="en-IE" sz="3700" dirty="0" smtClean="0">
+                <a:solidFill>
+                  <a:srgbClr val="2B91AF"/>
+                </a:solidFill>
+                <a:latin typeface="Consolas" panose="020B0609020204030204" pitchFamily="49" charset="0"/>
+              </a:rPr>
+              <a:t>Vector3</a:t>
+            </a:r>
+            <a:r>
+              <a:rPr lang="en-IE" sz="3700" dirty="0" smtClean="0">
+                <a:solidFill>
+                  <a:prstClr val="black"/>
+                </a:solidFill>
+                <a:latin typeface="Consolas" panose="020B0609020204030204" pitchFamily="49" charset="0"/>
+              </a:rPr>
+              <a:t> </a:t>
+            </a:r>
+            <a:r>
+              <a:rPr lang="en-IE" sz="3700" dirty="0">
+                <a:solidFill>
+                  <a:prstClr val="black"/>
+                </a:solidFill>
+                <a:latin typeface="Consolas" panose="020B0609020204030204" pitchFamily="49" charset="0"/>
+              </a:rPr>
+              <a:t>newFeeler = </a:t>
+            </a:r>
+            <a:r>
+              <a:rPr lang="en-IE" sz="3700" dirty="0">
+                <a:solidFill>
+                  <a:srgbClr val="2B91AF"/>
+                </a:solidFill>
+                <a:latin typeface="Consolas" panose="020B0609020204030204" pitchFamily="49" charset="0"/>
+              </a:rPr>
+              <a:t>Vector3</a:t>
+            </a:r>
+            <a:r>
+              <a:rPr lang="en-IE" sz="3700" dirty="0">
+                <a:solidFill>
+                  <a:prstClr val="black"/>
+                </a:solidFill>
+                <a:latin typeface="Consolas" panose="020B0609020204030204" pitchFamily="49" charset="0"/>
+              </a:rPr>
+              <a:t>.forward * feelerDistance;</a:t>
+            </a:r>
+          </a:p>
+          <a:p>
+            <a:pPr marL="0" indent="0">
+              <a:buNone/>
+            </a:pPr>
+            <a:r>
+              <a:rPr lang="en-IE" sz="3700" dirty="0">
+                <a:solidFill>
+                  <a:prstClr val="black"/>
+                </a:solidFill>
+                <a:latin typeface="Consolas" panose="020B0609020204030204" pitchFamily="49" charset="0"/>
+              </a:rPr>
+              <a:t>newFeeler = transform.TransformPoint(newFeeler);</a:t>
+            </a:r>
+          </a:p>
+          <a:p>
+            <a:pPr marL="0" indent="0">
+              <a:buNone/>
+            </a:pPr>
+            <a:r>
+              <a:rPr lang="en-IE" sz="3700" dirty="0">
+                <a:solidFill>
+                  <a:prstClr val="black"/>
+                </a:solidFill>
+                <a:latin typeface="Consolas" panose="020B0609020204030204" pitchFamily="49" charset="0"/>
+              </a:rPr>
+              <a:t>Feelers.Add(newFeeler);</a:t>
+            </a:r>
+          </a:p>
+          <a:p>
+            <a:pPr marL="0" indent="0">
+              <a:buNone/>
+            </a:pPr>
+            <a:endParaRPr lang="en-IE" sz="3700" dirty="0">
+              <a:solidFill>
+                <a:prstClr val="black"/>
+              </a:solidFill>
+              <a:latin typeface="Consolas" panose="020B0609020204030204" pitchFamily="49" charset="0"/>
+            </a:endParaRPr>
+          </a:p>
+          <a:p>
+            <a:pPr marL="0" indent="0">
+              <a:buNone/>
+            </a:pPr>
+            <a:r>
+              <a:rPr lang="en-IE" sz="3700" dirty="0">
+                <a:solidFill>
+                  <a:prstClr val="black"/>
+                </a:solidFill>
+                <a:latin typeface="Consolas" panose="020B0609020204030204" pitchFamily="49" charset="0"/>
+              </a:rPr>
+              <a:t>newFeeler = </a:t>
+            </a:r>
+            <a:r>
+              <a:rPr lang="en-IE" sz="3700" dirty="0">
+                <a:solidFill>
+                  <a:srgbClr val="2B91AF"/>
+                </a:solidFill>
+                <a:latin typeface="Consolas" panose="020B0609020204030204" pitchFamily="49" charset="0"/>
+              </a:rPr>
+              <a:t>Vector3</a:t>
+            </a:r>
+            <a:r>
+              <a:rPr lang="en-IE" sz="3700" dirty="0">
+                <a:solidFill>
+                  <a:prstClr val="black"/>
+                </a:solidFill>
+                <a:latin typeface="Consolas" panose="020B0609020204030204" pitchFamily="49" charset="0"/>
+              </a:rPr>
+              <a:t>.forward * feelerDistance;</a:t>
+            </a:r>
+          </a:p>
+          <a:p>
+            <a:pPr marL="0" indent="0">
+              <a:buNone/>
+            </a:pPr>
+            <a:r>
+              <a:rPr lang="en-IE" sz="3700" dirty="0">
+                <a:solidFill>
+                  <a:prstClr val="black"/>
+                </a:solidFill>
+                <a:latin typeface="Consolas" panose="020B0609020204030204" pitchFamily="49" charset="0"/>
+              </a:rPr>
+              <a:t>newFeeler = </a:t>
+            </a:r>
+            <a:r>
+              <a:rPr lang="en-IE" sz="3700" dirty="0">
+                <a:solidFill>
+                  <a:srgbClr val="2B91AF"/>
+                </a:solidFill>
+                <a:latin typeface="Consolas" panose="020B0609020204030204" pitchFamily="49" charset="0"/>
+              </a:rPr>
+              <a:t>Quaternion</a:t>
+            </a:r>
+            <a:r>
+              <a:rPr lang="en-IE" sz="3700" dirty="0">
+                <a:solidFill>
+                  <a:prstClr val="black"/>
+                </a:solidFill>
+                <a:latin typeface="Consolas" panose="020B0609020204030204" pitchFamily="49" charset="0"/>
+              </a:rPr>
+              <a:t>.AngleAxis(45, </a:t>
+            </a:r>
+            <a:r>
+              <a:rPr lang="en-IE" sz="3700" dirty="0">
+                <a:solidFill>
+                  <a:srgbClr val="2B91AF"/>
+                </a:solidFill>
+                <a:latin typeface="Consolas" panose="020B0609020204030204" pitchFamily="49" charset="0"/>
+              </a:rPr>
+              <a:t>Vector3</a:t>
+            </a:r>
+            <a:r>
+              <a:rPr lang="en-IE" sz="3700" dirty="0">
+                <a:solidFill>
+                  <a:prstClr val="black"/>
+                </a:solidFill>
+                <a:latin typeface="Consolas" panose="020B0609020204030204" pitchFamily="49" charset="0"/>
+              </a:rPr>
+              <a:t>.up) * newFeeler;</a:t>
+            </a:r>
+          </a:p>
+          <a:p>
+            <a:pPr marL="0" indent="0">
+              <a:buNone/>
+            </a:pPr>
+            <a:r>
+              <a:rPr lang="en-IE" sz="3700" dirty="0">
+                <a:solidFill>
+                  <a:prstClr val="black"/>
+                </a:solidFill>
+                <a:latin typeface="Consolas" panose="020B0609020204030204" pitchFamily="49" charset="0"/>
+              </a:rPr>
+              <a:t>newFeeler = transform.TransformPoint(newFeeler);</a:t>
+            </a:r>
+          </a:p>
+          <a:p>
+            <a:pPr marL="0" indent="0">
+              <a:buNone/>
+            </a:pPr>
+            <a:r>
+              <a:rPr lang="en-IE" sz="3700" dirty="0">
+                <a:solidFill>
+                  <a:prstClr val="black"/>
+                </a:solidFill>
+                <a:latin typeface="Consolas" panose="020B0609020204030204" pitchFamily="49" charset="0"/>
+              </a:rPr>
+              <a:t>Feelers.Add(newFeeler);</a:t>
+            </a:r>
+          </a:p>
+          <a:p>
+            <a:pPr marL="0" indent="0">
+              <a:buNone/>
+            </a:pPr>
+            <a:endParaRPr lang="en-IE" sz="3700" dirty="0">
+              <a:solidFill>
+                <a:prstClr val="black"/>
+              </a:solidFill>
+              <a:latin typeface="Consolas" panose="020B0609020204030204" pitchFamily="49" charset="0"/>
+            </a:endParaRPr>
+          </a:p>
+          <a:p>
+            <a:pPr marL="0" indent="0">
+              <a:buNone/>
+            </a:pPr>
+            <a:r>
+              <a:rPr lang="en-IE" sz="3700" dirty="0">
+                <a:solidFill>
+                  <a:prstClr val="black"/>
+                </a:solidFill>
+                <a:latin typeface="Consolas" panose="020B0609020204030204" pitchFamily="49" charset="0"/>
+              </a:rPr>
+              <a:t>newFeeler = </a:t>
+            </a:r>
+            <a:r>
+              <a:rPr lang="en-IE" sz="3700" dirty="0">
+                <a:solidFill>
+                  <a:srgbClr val="2B91AF"/>
+                </a:solidFill>
+                <a:latin typeface="Consolas" panose="020B0609020204030204" pitchFamily="49" charset="0"/>
+              </a:rPr>
+              <a:t>Vector3</a:t>
+            </a:r>
+            <a:r>
+              <a:rPr lang="en-IE" sz="3700" dirty="0">
+                <a:solidFill>
+                  <a:prstClr val="black"/>
+                </a:solidFill>
+                <a:latin typeface="Consolas" panose="020B0609020204030204" pitchFamily="49" charset="0"/>
+              </a:rPr>
+              <a:t>.forward * feelerDistance;</a:t>
+            </a:r>
+          </a:p>
+          <a:p>
+            <a:pPr marL="0" indent="0">
+              <a:buNone/>
+            </a:pPr>
+            <a:r>
+              <a:rPr lang="en-IE" sz="3700" dirty="0">
+                <a:solidFill>
+                  <a:prstClr val="black"/>
+                </a:solidFill>
+                <a:latin typeface="Consolas" panose="020B0609020204030204" pitchFamily="49" charset="0"/>
+              </a:rPr>
+              <a:t>newFeeler = </a:t>
+            </a:r>
+            <a:r>
+              <a:rPr lang="en-IE" sz="3700" dirty="0">
+                <a:solidFill>
+                  <a:srgbClr val="2B91AF"/>
+                </a:solidFill>
+                <a:latin typeface="Consolas" panose="020B0609020204030204" pitchFamily="49" charset="0"/>
+              </a:rPr>
+              <a:t>Quaternion</a:t>
+            </a:r>
+            <a:r>
+              <a:rPr lang="en-IE" sz="3700" dirty="0">
+                <a:solidFill>
+                  <a:prstClr val="black"/>
+                </a:solidFill>
+                <a:latin typeface="Consolas" panose="020B0609020204030204" pitchFamily="49" charset="0"/>
+              </a:rPr>
+              <a:t>.AngleAxis(-45, </a:t>
+            </a:r>
+            <a:r>
+              <a:rPr lang="en-IE" sz="3700" dirty="0">
+                <a:solidFill>
+                  <a:srgbClr val="2B91AF"/>
+                </a:solidFill>
+                <a:latin typeface="Consolas" panose="020B0609020204030204" pitchFamily="49" charset="0"/>
+              </a:rPr>
+              <a:t>Vector3</a:t>
+            </a:r>
+            <a:r>
+              <a:rPr lang="en-IE" sz="3700" dirty="0">
+                <a:solidFill>
+                  <a:prstClr val="black"/>
+                </a:solidFill>
+                <a:latin typeface="Consolas" panose="020B0609020204030204" pitchFamily="49" charset="0"/>
+              </a:rPr>
+              <a:t>.up) * newFeeler;</a:t>
+            </a:r>
+          </a:p>
+          <a:p>
+            <a:pPr marL="0" indent="0">
+              <a:buNone/>
+            </a:pPr>
+            <a:r>
+              <a:rPr lang="en-IE" sz="3700" dirty="0">
+                <a:solidFill>
+                  <a:prstClr val="black"/>
+                </a:solidFill>
+                <a:latin typeface="Consolas" panose="020B0609020204030204" pitchFamily="49" charset="0"/>
+              </a:rPr>
+              <a:t>newFeeler = transform.TransformPoint(newFeeler);</a:t>
+            </a:r>
+          </a:p>
+          <a:p>
+            <a:pPr marL="0" indent="0">
+              <a:buNone/>
+            </a:pPr>
+            <a:r>
+              <a:rPr lang="en-IE" sz="3700" dirty="0">
+                <a:solidFill>
+                  <a:prstClr val="black"/>
+                </a:solidFill>
+                <a:latin typeface="Consolas" panose="020B0609020204030204" pitchFamily="49" charset="0"/>
+              </a:rPr>
+              <a:t>Feelers.Add(newFeeler);</a:t>
+            </a:r>
+          </a:p>
+          <a:p>
+            <a:pPr marL="0" indent="0">
+              <a:buNone/>
+            </a:pPr>
+            <a:endParaRPr lang="en-IE" sz="3700" dirty="0">
+              <a:solidFill>
+                <a:prstClr val="black"/>
+              </a:solidFill>
+              <a:latin typeface="Consolas" panose="020B0609020204030204" pitchFamily="49" charset="0"/>
+            </a:endParaRPr>
+          </a:p>
+          <a:p>
+            <a:pPr marL="0" indent="0">
+              <a:buNone/>
+            </a:pPr>
+            <a:r>
+              <a:rPr lang="en-IE" sz="3700" dirty="0">
+                <a:solidFill>
+                  <a:prstClr val="black"/>
+                </a:solidFill>
+                <a:latin typeface="Consolas" panose="020B0609020204030204" pitchFamily="49" charset="0"/>
+              </a:rPr>
+              <a:t>newFeeler = </a:t>
+            </a:r>
+            <a:r>
+              <a:rPr lang="en-IE" sz="3700" dirty="0">
+                <a:solidFill>
+                  <a:srgbClr val="2B91AF"/>
+                </a:solidFill>
+                <a:latin typeface="Consolas" panose="020B0609020204030204" pitchFamily="49" charset="0"/>
+              </a:rPr>
+              <a:t>Vector3</a:t>
+            </a:r>
+            <a:r>
+              <a:rPr lang="en-IE" sz="3700" dirty="0">
+                <a:solidFill>
+                  <a:prstClr val="black"/>
+                </a:solidFill>
+                <a:latin typeface="Consolas" panose="020B0609020204030204" pitchFamily="49" charset="0"/>
+              </a:rPr>
+              <a:t>.forward * feelerDistance;</a:t>
+            </a:r>
+          </a:p>
+          <a:p>
+            <a:pPr marL="0" indent="0">
+              <a:buNone/>
+            </a:pPr>
+            <a:r>
+              <a:rPr lang="en-IE" sz="3700" dirty="0">
+                <a:solidFill>
+                  <a:prstClr val="black"/>
+                </a:solidFill>
+                <a:latin typeface="Consolas" panose="020B0609020204030204" pitchFamily="49" charset="0"/>
+              </a:rPr>
+              <a:t>newFeeler = </a:t>
+            </a:r>
+            <a:r>
+              <a:rPr lang="en-IE" sz="3700" dirty="0">
+                <a:solidFill>
+                  <a:srgbClr val="2B91AF"/>
+                </a:solidFill>
+                <a:latin typeface="Consolas" panose="020B0609020204030204" pitchFamily="49" charset="0"/>
+              </a:rPr>
+              <a:t>Quaternion</a:t>
+            </a:r>
+            <a:r>
+              <a:rPr lang="en-IE" sz="3700" dirty="0">
+                <a:solidFill>
+                  <a:prstClr val="black"/>
+                </a:solidFill>
+                <a:latin typeface="Consolas" panose="020B0609020204030204" pitchFamily="49" charset="0"/>
+              </a:rPr>
+              <a:t>.AngleAxis(45, </a:t>
+            </a:r>
+            <a:r>
+              <a:rPr lang="en-IE" sz="3700" dirty="0">
+                <a:solidFill>
+                  <a:srgbClr val="2B91AF"/>
+                </a:solidFill>
+                <a:latin typeface="Consolas" panose="020B0609020204030204" pitchFamily="49" charset="0"/>
+              </a:rPr>
+              <a:t>Vector3</a:t>
+            </a:r>
+            <a:r>
+              <a:rPr lang="en-IE" sz="3700" dirty="0">
+                <a:solidFill>
+                  <a:prstClr val="black"/>
+                </a:solidFill>
+                <a:latin typeface="Consolas" panose="020B0609020204030204" pitchFamily="49" charset="0"/>
+              </a:rPr>
+              <a:t>.right) * newFeeler;</a:t>
+            </a:r>
+          </a:p>
+          <a:p>
+            <a:pPr marL="0" indent="0">
+              <a:buNone/>
+            </a:pPr>
+            <a:r>
+              <a:rPr lang="en-IE" sz="3700" dirty="0">
+                <a:solidFill>
+                  <a:prstClr val="black"/>
+                </a:solidFill>
+                <a:latin typeface="Consolas" panose="020B0609020204030204" pitchFamily="49" charset="0"/>
+              </a:rPr>
+              <a:t>newFeeler = transform.TransformPoint(newFeeler);</a:t>
+            </a:r>
+          </a:p>
+          <a:p>
+            <a:pPr marL="0" indent="0">
+              <a:buNone/>
+            </a:pPr>
+            <a:r>
+              <a:rPr lang="en-IE" sz="3700" dirty="0">
+                <a:solidFill>
+                  <a:prstClr val="black"/>
+                </a:solidFill>
+                <a:latin typeface="Consolas" panose="020B0609020204030204" pitchFamily="49" charset="0"/>
+              </a:rPr>
+              <a:t>Feelers.Add(newFeeler);</a:t>
+            </a:r>
+          </a:p>
+          <a:p>
+            <a:pPr marL="0" indent="0">
+              <a:buNone/>
+            </a:pPr>
+            <a:endParaRPr lang="en-IE" sz="3700" dirty="0">
+              <a:solidFill>
+                <a:prstClr val="black"/>
+              </a:solidFill>
+              <a:latin typeface="Consolas" panose="020B0609020204030204" pitchFamily="49" charset="0"/>
+            </a:endParaRPr>
+          </a:p>
+          <a:p>
+            <a:pPr marL="0" indent="0">
+              <a:buNone/>
+            </a:pPr>
+            <a:r>
+              <a:rPr lang="en-IE" sz="3700" dirty="0">
+                <a:solidFill>
+                  <a:prstClr val="black"/>
+                </a:solidFill>
+                <a:latin typeface="Consolas" panose="020B0609020204030204" pitchFamily="49" charset="0"/>
+              </a:rPr>
+              <a:t>newFeeler = </a:t>
+            </a:r>
+            <a:r>
+              <a:rPr lang="en-IE" sz="3700" dirty="0">
+                <a:solidFill>
+                  <a:srgbClr val="2B91AF"/>
+                </a:solidFill>
+                <a:latin typeface="Consolas" panose="020B0609020204030204" pitchFamily="49" charset="0"/>
+              </a:rPr>
+              <a:t>Vector3</a:t>
+            </a:r>
+            <a:r>
+              <a:rPr lang="en-IE" sz="3700" dirty="0">
+                <a:solidFill>
+                  <a:prstClr val="black"/>
+                </a:solidFill>
+                <a:latin typeface="Consolas" panose="020B0609020204030204" pitchFamily="49" charset="0"/>
+              </a:rPr>
+              <a:t>.forward * feelerDistance;</a:t>
+            </a:r>
+          </a:p>
+          <a:p>
+            <a:pPr marL="0" indent="0">
+              <a:buNone/>
+            </a:pPr>
+            <a:r>
+              <a:rPr lang="en-IE" sz="3700" dirty="0">
+                <a:solidFill>
+                  <a:prstClr val="black"/>
+                </a:solidFill>
+                <a:latin typeface="Consolas" panose="020B0609020204030204" pitchFamily="49" charset="0"/>
+              </a:rPr>
+              <a:t>newFeeler = </a:t>
+            </a:r>
+            <a:r>
+              <a:rPr lang="en-IE" sz="3700" dirty="0">
+                <a:solidFill>
+                  <a:srgbClr val="2B91AF"/>
+                </a:solidFill>
+                <a:latin typeface="Consolas" panose="020B0609020204030204" pitchFamily="49" charset="0"/>
+              </a:rPr>
+              <a:t>Quaternion</a:t>
+            </a:r>
+            <a:r>
+              <a:rPr lang="en-IE" sz="3700" dirty="0">
+                <a:solidFill>
+                  <a:prstClr val="black"/>
+                </a:solidFill>
+                <a:latin typeface="Consolas" panose="020B0609020204030204" pitchFamily="49" charset="0"/>
+              </a:rPr>
+              <a:t>.AngleAxis(-45, </a:t>
+            </a:r>
+            <a:r>
+              <a:rPr lang="en-IE" sz="3700" dirty="0">
+                <a:solidFill>
+                  <a:srgbClr val="2B91AF"/>
+                </a:solidFill>
+                <a:latin typeface="Consolas" panose="020B0609020204030204" pitchFamily="49" charset="0"/>
+              </a:rPr>
+              <a:t>Vector3</a:t>
+            </a:r>
+            <a:r>
+              <a:rPr lang="en-IE" sz="3700" dirty="0">
+                <a:solidFill>
+                  <a:prstClr val="black"/>
+                </a:solidFill>
+                <a:latin typeface="Consolas" panose="020B0609020204030204" pitchFamily="49" charset="0"/>
+              </a:rPr>
+              <a:t>.right) * newFeeler;</a:t>
+            </a:r>
+          </a:p>
+          <a:p>
+            <a:pPr marL="0" indent="0">
+              <a:buNone/>
+            </a:pPr>
+            <a:r>
+              <a:rPr lang="en-IE" sz="3700" dirty="0">
+                <a:solidFill>
+                  <a:prstClr val="black"/>
+                </a:solidFill>
+                <a:latin typeface="Consolas" panose="020B0609020204030204" pitchFamily="49" charset="0"/>
+              </a:rPr>
+              <a:t>newFeeler = transform.TransformPoint(newFeeler);</a:t>
+            </a:r>
+          </a:p>
+          <a:p>
+            <a:pPr marL="0" indent="0">
+              <a:buNone/>
+            </a:pPr>
+            <a:r>
+              <a:rPr lang="en-IE" sz="3700" dirty="0">
+                <a:solidFill>
+                  <a:prstClr val="black"/>
+                </a:solidFill>
+                <a:latin typeface="Consolas" panose="020B0609020204030204" pitchFamily="49" charset="0"/>
+              </a:rPr>
+              <a:t>Feelers.Add(newFeeler);</a:t>
+            </a:r>
+          </a:p>
+          <a:p>
+            <a:pPr marL="0" indent="0">
+              <a:buNone/>
+            </a:pPr>
+            <a:r>
+              <a:rPr lang="en-IE" dirty="0" smtClean="0">
+                <a:solidFill>
+                  <a:prstClr val="black"/>
+                </a:solidFill>
+                <a:latin typeface="Consolas" panose="020B0609020204030204" pitchFamily="49" charset="0"/>
+              </a:rPr>
+              <a:t>           </a:t>
+            </a:r>
+          </a:p>
+          <a:p>
+            <a:pPr marL="0" indent="0">
+              <a:buNone/>
+            </a:pPr>
+            <a:endParaRPr lang="en-IE" dirty="0"/>
+          </a:p>
+        </p:txBody>
+      </p:sp>
+    </p:spTree>
+    <p:extLst>
+      <p:ext uri="{BB962C8B-B14F-4D97-AF65-F5344CB8AC3E}">
+        <p14:creationId xmlns:p14="http://schemas.microsoft.com/office/powerpoint/2010/main" val="3507401778"/>
+      </p:ext>
+    </p:extLst>
+  </p:cSld>
+  <p:clrMapOvr>
+    <a:masterClrMapping/>
+  </p:clrMapOvr>
+  <p:timing>
+    <p:tnLst>
+      <p:par>
+        <p:cTn id="1" dur="indefinite" restart="never" nodeType="tmRoot"/>
+      </p:par>
+    </p:tnLst>
+  </p:timing>
+</p:sld>
+</file>
+
+<file path=ppt/slides/slide23.xml><?xml version="1.0" encoding="utf-8"?>
+<p:sld xmlns:a="http://schemas.openxmlformats.org/drawingml/2006/main" xmlns:r="http://schemas.openxmlformats.org/officeDocument/2006/relationships" xmlns:p="http://schemas.openxmlformats.org/presentationml/2006/main">
+  <p:cSld>
+    <p:spTree>
+      <p:nvGrpSpPr>
+        <p:cNvPr id="1" name=""/>
+        <p:cNvGrpSpPr/>
+        <p:nvPr/>
+      </p:nvGrpSpPr>
+      <p:grpSpPr>
+        <a:xfrm>
+          <a:off x="0" y="0"/>
+          <a:ext cx="0" cy="0"/>
+          <a:chOff x="0" y="0"/>
+          <a:chExt cx="0" cy="0"/>
+        </a:xfrm>
+      </p:grpSpPr>
+      <p:sp>
+        <p:nvSpPr>
+          <p:cNvPr id="12290" name="Rectangle 2"/>
+          <p:cNvSpPr>
+            <a:spLocks noGrp="1" noChangeArrowheads="1"/>
+          </p:cNvSpPr>
+          <p:nvPr>
+            <p:ph type="title"/>
+          </p:nvPr>
+        </p:nvSpPr>
+        <p:spPr/>
+        <p:txBody>
+          <a:bodyPr/>
+          <a:lstStyle/>
+          <a:p>
+            <a:pPr eaLnBrk="1" hangingPunct="1"/>
+            <a:r>
+              <a:rPr lang="en-IE" smtClean="0"/>
+              <a:t>Planes</a:t>
+            </a:r>
+          </a:p>
+        </p:txBody>
+      </p:sp>
+      <p:sp>
+        <p:nvSpPr>
+          <p:cNvPr id="12291" name="Rectangle 3" descr="Rectangle: Click to edit Master text styles&#10;Second level&#10;Third level&#10;Fourth level&#10;Fifth level"/>
+          <p:cNvSpPr>
+            <a:spLocks noGrp="1" noChangeArrowheads="1"/>
+          </p:cNvSpPr>
+          <p:nvPr>
+            <p:ph type="body" idx="1"/>
+          </p:nvPr>
+        </p:nvSpPr>
+        <p:spPr/>
+        <p:txBody>
+          <a:bodyPr/>
+          <a:lstStyle/>
+          <a:p>
+            <a:pPr eaLnBrk="1" hangingPunct="1"/>
+            <a:r>
+              <a:rPr lang="en-IE" smtClean="0"/>
+              <a:t>Can be described using a point on the plane and a normal vector, a vector perpendicular to the plane</a:t>
+            </a:r>
+          </a:p>
+          <a:p>
+            <a:pPr eaLnBrk="1" hangingPunct="1"/>
+            <a:endParaRPr lang="en-IE" smtClean="0"/>
+          </a:p>
+          <a:p>
+            <a:pPr lvl="1" eaLnBrk="1" hangingPunct="1"/>
+            <a:endParaRPr lang="en-IE" smtClean="0"/>
+          </a:p>
+        </p:txBody>
+      </p:sp>
+      <p:pic>
+        <p:nvPicPr>
+          <p:cNvPr id="12292" name="Picture 4"/>
+          <p:cNvPicPr>
+            <a:picLocks noChangeAspect="1" noChangeArrowheads="1"/>
+          </p:cNvPicPr>
+          <p:nvPr/>
+        </p:nvPicPr>
+        <p:blipFill>
+          <a:blip r:embed="rId3">
+            <a:extLst>
+              <a:ext uri="{28A0092B-C50C-407E-A947-70E740481C1C}">
+                <a14:useLocalDpi xmlns:a14="http://schemas.microsoft.com/office/drawing/2010/main" val="0"/>
+              </a:ext>
+            </a:extLst>
+          </a:blip>
+          <a:srcRect/>
+          <a:stretch>
+            <a:fillRect/>
+          </a:stretch>
+        </p:blipFill>
+        <p:spPr bwMode="auto">
+          <a:xfrm>
+            <a:off x="304800" y="3657600"/>
+            <a:ext cx="4000500" cy="2857500"/>
+          </a:xfrm>
+          <a:prstGeom prst="rect">
+            <a:avLst/>
+          </a:prstGeom>
+          <a:noFill/>
+          <a:ln>
+            <a:noFill/>
+          </a:ln>
+          <a:extLst>
+            <a:ext uri="{909E8E84-426E-40DD-AFC4-6F175D3DCCD1}">
+              <a14:hiddenFill xmlns:a14="http://schemas.microsoft.com/office/drawing/2010/main">
+                <a:solidFill>
+                  <a:srgbClr val="FFFFFF"/>
+                </a:solidFill>
+              </a14:hiddenFill>
+            </a:ext>
+            <a:ext uri="{91240B29-F687-4F45-9708-019B960494DF}">
+              <a14:hiddenLine xmlns:a14="http://schemas.microsoft.com/office/drawing/2010/main" w="9525" algn="ctr">
+                <a:solidFill>
+                  <a:srgbClr val="000000"/>
+                </a:solidFill>
+                <a:miter lim="800000"/>
+                <a:headEnd/>
+                <a:tailEnd/>
+              </a14:hiddenLine>
+            </a:ext>
+          </a:extLst>
+        </p:spPr>
+      </p:pic>
+    </p:spTree>
+    <p:extLst>
+      <p:ext uri="{BB962C8B-B14F-4D97-AF65-F5344CB8AC3E}">
+        <p14:creationId xmlns:p14="http://schemas.microsoft.com/office/powerpoint/2010/main" val="2225581839"/>
+      </p:ext>
+    </p:extLst>
+  </p:cSld>
+  <p:clrMapOvr>
+    <a:masterClrMapping/>
+  </p:clrMapOvr>
+  <p:timing>
+    <p:tnLst>
+      <p:par>
+        <p:cTn id="1" dur="indefinite" restart="never" nodeType="tmRoot"/>
+      </p:par>
+    </p:tnLst>
+  </p:timing>
+</p:sld>
+</file>
+
+<file path=ppt/slides/slide24.xml><?xml version="1.0" encoding="utf-8"?>
+<p:sld xmlns:a="http://schemas.openxmlformats.org/drawingml/2006/main" xmlns:r="http://schemas.openxmlformats.org/officeDocument/2006/relationships" xmlns:p="http://schemas.openxmlformats.org/presentationml/2006/main">
+  <p:cSld>
+    <p:spTree>
+      <p:nvGrpSpPr>
+        <p:cNvPr id="1" name=""/>
+        <p:cNvGrpSpPr/>
+        <p:nvPr/>
+      </p:nvGrpSpPr>
+      <p:grpSpPr>
+        <a:xfrm>
+          <a:off x="0" y="0"/>
+          <a:ext cx="0" cy="0"/>
+          <a:chOff x="0" y="0"/>
+          <a:chExt cx="0" cy="0"/>
+        </a:xfrm>
+      </p:grpSpPr>
+      <p:sp>
+        <p:nvSpPr>
+          <p:cNvPr id="13314" name="Rectangle 2"/>
+          <p:cNvSpPr>
+            <a:spLocks noGrp="1" noChangeArrowheads="1"/>
+          </p:cNvSpPr>
+          <p:nvPr>
+            <p:ph type="title"/>
+          </p:nvPr>
+        </p:nvSpPr>
+        <p:spPr/>
+        <p:txBody>
+          <a:bodyPr/>
+          <a:lstStyle/>
+          <a:p>
+            <a:pPr eaLnBrk="1" hangingPunct="1"/>
+            <a:r>
+              <a:rPr lang="en-IE" smtClean="0"/>
+              <a:t>Equation of a plane</a:t>
+            </a:r>
+          </a:p>
+        </p:txBody>
+      </p:sp>
+      <p:sp>
+        <p:nvSpPr>
+          <p:cNvPr id="13315" name="Rectangle 3" descr="Rectangle: Click to edit Master text styles&#10;Second level&#10;Third level&#10;Fourth level&#10;Fifth level"/>
+          <p:cNvSpPr>
+            <a:spLocks noGrp="1" noChangeArrowheads="1"/>
+          </p:cNvSpPr>
+          <p:nvPr>
+            <p:ph type="body" idx="1"/>
+          </p:nvPr>
+        </p:nvSpPr>
+        <p:spPr>
+          <a:xfrm>
+            <a:off x="838200" y="1905000"/>
+            <a:ext cx="4038600" cy="4114800"/>
+          </a:xfrm>
+        </p:spPr>
+        <p:txBody>
+          <a:bodyPr/>
+          <a:lstStyle/>
+          <a:p>
+            <a:pPr eaLnBrk="1" hangingPunct="1"/>
+            <a:r>
+              <a:rPr lang="en-IE" sz="2800" dirty="0" smtClean="0"/>
+              <a:t>Remember</a:t>
+            </a:r>
+          </a:p>
+          <a:p>
+            <a:pPr eaLnBrk="1" hangingPunct="1"/>
+            <a:r>
+              <a:rPr lang="en-IE" sz="2800" dirty="0" smtClean="0"/>
+              <a:t>Cos(90) </a:t>
+            </a:r>
+            <a:r>
+              <a:rPr lang="en-IE" sz="2800" dirty="0" smtClean="0"/>
+              <a:t>= 0, so</a:t>
+            </a:r>
+          </a:p>
+          <a:p>
+            <a:pPr eaLnBrk="1" hangingPunct="1"/>
+            <a:r>
+              <a:rPr lang="en-IE" sz="2800" dirty="0" smtClean="0"/>
+              <a:t>If A and B are perpendicular vectors:</a:t>
+            </a:r>
+            <a:br>
+              <a:rPr lang="en-IE" sz="2800" dirty="0" smtClean="0"/>
+            </a:br>
+            <a:r>
+              <a:rPr lang="en-IE" sz="2800" dirty="0" smtClean="0"/>
+              <a:t>A.B = 0</a:t>
+            </a:r>
+          </a:p>
+          <a:p>
+            <a:pPr eaLnBrk="1" hangingPunct="1"/>
+            <a:r>
+              <a:rPr lang="en-IE" sz="2800" dirty="0" smtClean="0"/>
+              <a:t>The equation of a plane is given by</a:t>
+            </a:r>
+          </a:p>
+          <a:p>
+            <a:pPr lvl="1" eaLnBrk="1" hangingPunct="1"/>
+            <a:r>
+              <a:rPr lang="en-IE" sz="2400" dirty="0" smtClean="0"/>
+              <a:t>n.(p – p</a:t>
+            </a:r>
+            <a:r>
+              <a:rPr lang="en-IE" sz="2400" baseline="-25000" dirty="0" smtClean="0"/>
+              <a:t>0</a:t>
+            </a:r>
+            <a:r>
+              <a:rPr lang="en-IE" sz="2400" dirty="0" smtClean="0"/>
+              <a:t>) = 0</a:t>
+            </a:r>
+          </a:p>
+        </p:txBody>
+      </p:sp>
+      <p:pic>
+        <p:nvPicPr>
+          <p:cNvPr id="13316" name="Picture 4"/>
+          <p:cNvPicPr>
+            <a:picLocks noChangeAspect="1" noChangeArrowheads="1"/>
+          </p:cNvPicPr>
+          <p:nvPr/>
+        </p:nvPicPr>
+        <p:blipFill>
+          <a:blip r:embed="rId3">
+            <a:extLst>
+              <a:ext uri="{28A0092B-C50C-407E-A947-70E740481C1C}">
+                <a14:useLocalDpi xmlns:a14="http://schemas.microsoft.com/office/drawing/2010/main" val="0"/>
+              </a:ext>
+            </a:extLst>
+          </a:blip>
+          <a:srcRect/>
+          <a:stretch>
+            <a:fillRect/>
+          </a:stretch>
+        </p:blipFill>
+        <p:spPr bwMode="auto">
+          <a:xfrm>
+            <a:off x="4724400" y="3429000"/>
+            <a:ext cx="4000500" cy="2857500"/>
+          </a:xfrm>
+          <a:prstGeom prst="rect">
+            <a:avLst/>
+          </a:prstGeom>
+          <a:noFill/>
+          <a:ln>
+            <a:noFill/>
+          </a:ln>
+          <a:extLst>
+            <a:ext uri="{909E8E84-426E-40DD-AFC4-6F175D3DCCD1}">
+              <a14:hiddenFill xmlns:a14="http://schemas.microsoft.com/office/drawing/2010/main">
+                <a:solidFill>
+                  <a:srgbClr val="FFFFFF"/>
+                </a:solidFill>
+              </a14:hiddenFill>
+            </a:ext>
+            <a:ext uri="{91240B29-F687-4F45-9708-019B960494DF}">
+              <a14:hiddenLine xmlns:a14="http://schemas.microsoft.com/office/drawing/2010/main" w="9525" algn="ctr">
+                <a:solidFill>
+                  <a:srgbClr val="000000"/>
+                </a:solidFill>
+                <a:miter lim="800000"/>
+                <a:headEnd/>
+                <a:tailEnd/>
+              </a14:hiddenLine>
+            </a:ext>
+          </a:extLst>
+        </p:spPr>
+      </p:pic>
+    </p:spTree>
+    <p:extLst>
+      <p:ext uri="{BB962C8B-B14F-4D97-AF65-F5344CB8AC3E}">
+        <p14:creationId xmlns:p14="http://schemas.microsoft.com/office/powerpoint/2010/main" val="3777993584"/>
+      </p:ext>
+    </p:extLst>
+  </p:cSld>
+  <p:clrMapOvr>
+    <a:masterClrMapping/>
+  </p:clrMapOvr>
+  <p:timing>
+    <p:tnLst>
+      <p:par>
+        <p:cTn id="1" dur="indefinite" restart="never" nodeType="tmRoot"/>
+      </p:par>
+    </p:tnLst>
+  </p:timing>
+</p:sld>
+</file>
+
+<file path=ppt/slides/slide25.xml><?xml version="1.0" encoding="utf-8"?>
+<p:sld xmlns:a="http://schemas.openxmlformats.org/drawingml/2006/main" xmlns:r="http://schemas.openxmlformats.org/officeDocument/2006/relationships" xmlns:p="http://schemas.openxmlformats.org/presentationml/2006/main">
+  <p:cSld>
+    <p:spTree>
+      <p:nvGrpSpPr>
+        <p:cNvPr id="1" name=""/>
+        <p:cNvGrpSpPr/>
+        <p:nvPr/>
+      </p:nvGrpSpPr>
+      <p:grpSpPr>
+        <a:xfrm>
+          <a:off x="0" y="0"/>
+          <a:ext cx="0" cy="0"/>
+          <a:chOff x="0" y="0"/>
+          <a:chExt cx="0" cy="0"/>
+        </a:xfrm>
+      </p:grpSpPr>
+      <p:sp>
+        <p:nvSpPr>
+          <p:cNvPr id="14338" name="Rectangle 2"/>
+          <p:cNvSpPr>
+            <a:spLocks noGrp="1" noChangeArrowheads="1"/>
+          </p:cNvSpPr>
+          <p:nvPr>
+            <p:ph type="title"/>
+          </p:nvPr>
+        </p:nvSpPr>
+        <p:spPr/>
+        <p:txBody>
+          <a:bodyPr/>
+          <a:lstStyle/>
+          <a:p>
+            <a:pPr eaLnBrk="1" hangingPunct="1"/>
+            <a:r>
+              <a:rPr lang="en-IE" smtClean="0"/>
+              <a:t>Equation of a plane</a:t>
+            </a:r>
+          </a:p>
+        </p:txBody>
+      </p:sp>
+      <p:sp>
+        <p:nvSpPr>
+          <p:cNvPr id="14339" name="Rectangle 3" descr="Rectangle: Click to edit Master text styles&#10;Second level&#10;Third level&#10;Fourth level&#10;Fifth level"/>
+          <p:cNvSpPr>
+            <a:spLocks noGrp="1" noChangeArrowheads="1"/>
+          </p:cNvSpPr>
+          <p:nvPr>
+            <p:ph type="body" idx="1"/>
+          </p:nvPr>
+        </p:nvSpPr>
+        <p:spPr/>
+        <p:txBody>
+          <a:bodyPr/>
+          <a:lstStyle/>
+          <a:p>
+            <a:pPr eaLnBrk="1" hangingPunct="1">
+              <a:lnSpc>
+                <a:spcPct val="80000"/>
+              </a:lnSpc>
+            </a:pPr>
+            <a:r>
+              <a:rPr lang="en-IE" sz="2800" dirty="0" smtClean="0"/>
+              <a:t>n.(p-p0) Can be written as:</a:t>
+            </a:r>
+          </a:p>
+          <a:p>
+            <a:pPr eaLnBrk="1" hangingPunct="1">
+              <a:lnSpc>
+                <a:spcPct val="80000"/>
+              </a:lnSpc>
+            </a:pPr>
+            <a:r>
+              <a:rPr lang="en-IE" sz="2800" dirty="0" smtClean="0"/>
+              <a:t>n.p –n.p0 (Distributive)</a:t>
+            </a:r>
+          </a:p>
+          <a:p>
+            <a:pPr eaLnBrk="1" hangingPunct="1">
+              <a:lnSpc>
+                <a:spcPct val="80000"/>
+              </a:lnSpc>
+            </a:pPr>
+            <a:r>
+              <a:rPr lang="en-IE" sz="2800" dirty="0" smtClean="0"/>
+              <a:t>We can therefore write the equation as:</a:t>
+            </a:r>
+            <a:br>
+              <a:rPr lang="en-IE" sz="2800" dirty="0" smtClean="0"/>
+            </a:br>
+            <a:r>
+              <a:rPr lang="en-IE" sz="2800" dirty="0" smtClean="0"/>
+              <a:t>n.p + d = 0</a:t>
+            </a:r>
+            <a:br>
+              <a:rPr lang="en-IE" sz="2800" dirty="0" smtClean="0"/>
+            </a:br>
+            <a:r>
+              <a:rPr lang="en-IE" sz="2800" dirty="0" smtClean="0"/>
+              <a:t>Where d = -n.p0</a:t>
+            </a:r>
+          </a:p>
+          <a:p>
+            <a:pPr eaLnBrk="1" hangingPunct="1">
+              <a:lnSpc>
+                <a:spcPct val="80000"/>
+              </a:lnSpc>
+            </a:pPr>
+            <a:r>
+              <a:rPr lang="en-IE" sz="2800" dirty="0" smtClean="0"/>
+              <a:t>d is also shortest signed distance from the origin to the plane</a:t>
+            </a:r>
+          </a:p>
+          <a:p>
+            <a:pPr eaLnBrk="1" hangingPunct="1">
+              <a:lnSpc>
+                <a:spcPct val="80000"/>
+              </a:lnSpc>
+            </a:pPr>
+            <a:r>
+              <a:rPr lang="en-IE" sz="2800" dirty="0" smtClean="0"/>
+              <a:t>A plane is 4 values A, B, C and D</a:t>
+            </a:r>
+          </a:p>
+          <a:p>
+            <a:pPr eaLnBrk="1" hangingPunct="1">
+              <a:lnSpc>
+                <a:spcPct val="80000"/>
+              </a:lnSpc>
+            </a:pPr>
+            <a:r>
+              <a:rPr lang="en-IE" sz="2800" dirty="0" smtClean="0"/>
+              <a:t>A, B, C are the normal</a:t>
+            </a:r>
+          </a:p>
+          <a:p>
+            <a:pPr eaLnBrk="1" hangingPunct="1">
+              <a:lnSpc>
+                <a:spcPct val="80000"/>
+              </a:lnSpc>
+            </a:pPr>
+            <a:r>
+              <a:rPr lang="en-IE" sz="2800" dirty="0" smtClean="0"/>
+              <a:t>D is the shortest signed distance to the plane</a:t>
+            </a:r>
+            <a:r>
+              <a:rPr lang="en-IE" sz="2800" dirty="0" smtClean="0"/>
+              <a:t/>
+            </a:r>
+            <a:br>
+              <a:rPr lang="en-IE" sz="2800" dirty="0" smtClean="0"/>
+            </a:br>
+            <a:endParaRPr lang="en-IE" sz="2800" dirty="0" smtClean="0"/>
+          </a:p>
+          <a:p>
+            <a:pPr eaLnBrk="1" hangingPunct="1">
+              <a:lnSpc>
+                <a:spcPct val="80000"/>
+              </a:lnSpc>
+            </a:pPr>
+            <a:endParaRPr lang="en-IE" sz="2800" dirty="0" smtClean="0"/>
+          </a:p>
+        </p:txBody>
+      </p:sp>
+    </p:spTree>
+    <p:extLst>
+      <p:ext uri="{BB962C8B-B14F-4D97-AF65-F5344CB8AC3E}">
+        <p14:creationId xmlns:p14="http://schemas.microsoft.com/office/powerpoint/2010/main" val="773990255"/>
+      </p:ext>
+    </p:extLst>
+  </p:cSld>
+  <p:clrMapOvr>
+    <a:masterClrMapping/>
+  </p:clrMapOvr>
+  <p:timing>
+    <p:tnLst>
+      <p:par>
+        <p:cTn id="1" dur="indefinite" restart="never" nodeType="tmRoot"/>
+      </p:par>
+    </p:tnLst>
+  </p:timing>
+</p:sld>
+</file>
+
+<file path=ppt/slides/slide3.xml><?xml version="1.0" encoding="utf-8"?>
+<p:sld xmlns:a="http://schemas.openxmlformats.org/drawingml/2006/main" xmlns:r="http://schemas.openxmlformats.org/officeDocument/2006/relationships" xmlns:p="http://schemas.openxmlformats.org/presentationml/2006/main">
+  <p:cSld>
+    <p:spTree>
+      <p:nvGrpSpPr>
+        <p:cNvPr id="1" name=""/>
+        <p:cNvGrpSpPr/>
+        <p:nvPr/>
+      </p:nvGrpSpPr>
+      <p:grpSpPr>
+        <a:xfrm>
+          <a:off x="0" y="0"/>
+          <a:ext cx="0" cy="0"/>
+          <a:chOff x="0" y="0"/>
+          <a:chExt cx="0" cy="0"/>
+        </a:xfrm>
+      </p:grpSpPr>
+      <p:sp>
+        <p:nvSpPr>
+          <p:cNvPr id="3" name="Content Placeholder 2"/>
+          <p:cNvSpPr>
+            <a:spLocks noGrp="1"/>
+          </p:cNvSpPr>
+          <p:nvPr>
+            <p:ph idx="1"/>
+          </p:nvPr>
+        </p:nvSpPr>
+        <p:spPr/>
+        <p:txBody>
+          <a:bodyPr>
+            <a:normAutofit lnSpcReduction="10000"/>
+          </a:bodyPr>
+          <a:lstStyle/>
+          <a:p>
+            <a:pPr>
+              <a:lnSpc>
+                <a:spcPct val="90000"/>
+              </a:lnSpc>
+            </a:pPr>
+            <a:r>
+              <a:rPr lang="en-IE" sz="2700" dirty="0">
+                <a:latin typeface="Calibri" charset="0"/>
+              </a:rPr>
+              <a:t>Unity is </a:t>
+            </a:r>
+            <a:r>
+              <a:rPr lang="en-IE" sz="2700" dirty="0" smtClean="0">
+                <a:latin typeface="Calibri" charset="0"/>
+              </a:rPr>
+              <a:t>an platform for making games</a:t>
+            </a:r>
+            <a:endParaRPr lang="en-IE" sz="2700" dirty="0">
+              <a:latin typeface="Calibri" charset="0"/>
+            </a:endParaRPr>
+          </a:p>
+          <a:p>
+            <a:pPr>
+              <a:lnSpc>
+                <a:spcPct val="90000"/>
+              </a:lnSpc>
+            </a:pPr>
+            <a:r>
+              <a:rPr lang="en-IE" sz="2700" dirty="0" smtClean="0">
+                <a:latin typeface="Calibri" charset="0"/>
+              </a:rPr>
+              <a:t>Features</a:t>
+            </a:r>
+            <a:endParaRPr lang="en-IE" sz="2700" dirty="0">
+              <a:latin typeface="Calibri" charset="0"/>
+            </a:endParaRPr>
+          </a:p>
+          <a:p>
+            <a:pPr lvl="1">
+              <a:lnSpc>
+                <a:spcPct val="90000"/>
+              </a:lnSpc>
+            </a:pPr>
+            <a:r>
+              <a:rPr lang="en-IE" sz="2400" dirty="0">
+                <a:latin typeface="Calibri" charset="0"/>
+              </a:rPr>
+              <a:t>Game </a:t>
+            </a:r>
+            <a:r>
+              <a:rPr lang="en-IE" sz="2400" dirty="0" smtClean="0">
+                <a:latin typeface="Calibri" charset="0"/>
+              </a:rPr>
+              <a:t>engine</a:t>
+            </a:r>
+          </a:p>
+          <a:p>
+            <a:pPr lvl="1">
+              <a:lnSpc>
+                <a:spcPct val="90000"/>
+              </a:lnSpc>
+            </a:pPr>
+            <a:r>
+              <a:rPr lang="en-IE" sz="2400" dirty="0" smtClean="0">
+                <a:latin typeface="Calibri" charset="0"/>
+              </a:rPr>
+              <a:t>Scene editor</a:t>
+            </a:r>
+          </a:p>
+          <a:p>
+            <a:pPr lvl="1">
+              <a:lnSpc>
+                <a:spcPct val="90000"/>
+              </a:lnSpc>
+            </a:pPr>
+            <a:r>
+              <a:rPr lang="en-IE" sz="2400" dirty="0" smtClean="0">
+                <a:latin typeface="Calibri" charset="0"/>
+              </a:rPr>
+              <a:t>3D or 2D Games</a:t>
+            </a:r>
+          </a:p>
+          <a:p>
+            <a:pPr lvl="1">
+              <a:lnSpc>
+                <a:spcPct val="90000"/>
+              </a:lnSpc>
+            </a:pPr>
+            <a:r>
+              <a:rPr lang="en-IE" sz="2400" dirty="0" smtClean="0">
+                <a:latin typeface="Calibri" charset="0"/>
+              </a:rPr>
+              <a:t>GameObjects, GameComponents</a:t>
+            </a:r>
+          </a:p>
+          <a:p>
+            <a:pPr lvl="1">
+              <a:lnSpc>
+                <a:spcPct val="90000"/>
+              </a:lnSpc>
+            </a:pPr>
+            <a:r>
+              <a:rPr lang="en-IE" sz="2400" dirty="0" smtClean="0">
+                <a:latin typeface="Calibri" charset="0"/>
+              </a:rPr>
+              <a:t>PhysX and Box2D physics</a:t>
+            </a:r>
+          </a:p>
+          <a:p>
+            <a:pPr lvl="1">
+              <a:lnSpc>
+                <a:spcPct val="90000"/>
+              </a:lnSpc>
+            </a:pPr>
+            <a:r>
+              <a:rPr lang="en-IE" sz="2400" dirty="0" smtClean="0">
+                <a:latin typeface="Calibri" charset="0"/>
+              </a:rPr>
+              <a:t>Class library</a:t>
+            </a:r>
+          </a:p>
+          <a:p>
+            <a:pPr lvl="1">
+              <a:lnSpc>
+                <a:spcPct val="90000"/>
+              </a:lnSpc>
+            </a:pPr>
+            <a:r>
+              <a:rPr lang="en-IE" sz="2400" dirty="0" smtClean="0">
+                <a:latin typeface="Calibri" charset="0"/>
+              </a:rPr>
+              <a:t>Bindings for C#, Boo and JavaScript</a:t>
+            </a:r>
+          </a:p>
+          <a:p>
+            <a:pPr lvl="1">
+              <a:lnSpc>
+                <a:spcPct val="90000"/>
+              </a:lnSpc>
+            </a:pPr>
+            <a:r>
+              <a:rPr lang="en-IE" sz="2400" dirty="0" smtClean="0">
+                <a:latin typeface="Calibri" charset="0"/>
+              </a:rPr>
+              <a:t>Uses MONO (Open Source .Net)</a:t>
+            </a:r>
+          </a:p>
+          <a:p>
+            <a:pPr lvl="1">
+              <a:lnSpc>
+                <a:spcPct val="90000"/>
+              </a:lnSpc>
+            </a:pPr>
+            <a:r>
+              <a:rPr lang="en-IE" sz="2400" dirty="0" smtClean="0">
+                <a:latin typeface="Calibri" charset="0"/>
+              </a:rPr>
+              <a:t>Runtimes for PC, Mac, Linux,  IOS, Android etc etc.</a:t>
+            </a:r>
+            <a:endParaRPr lang="en-IE" sz="2400" dirty="0">
+              <a:latin typeface="Calibri" charset="0"/>
+            </a:endParaRPr>
+          </a:p>
+        </p:txBody>
+      </p:sp>
+      <p:pic>
+        <p:nvPicPr>
+          <p:cNvPr id="1026" name="Picture 2" descr="NVIDIA® PhysX®"/>
+          <p:cNvPicPr>
+            <a:picLocks noChangeAspect="1" noChangeArrowheads="1"/>
+          </p:cNvPicPr>
+          <p:nvPr/>
+        </p:nvPicPr>
+        <p:blipFill>
+          <a:blip r:embed="rId2">
+            <a:extLst>
+              <a:ext uri="{28A0092B-C50C-407E-A947-70E740481C1C}">
+                <a14:useLocalDpi xmlns:a14="http://schemas.microsoft.com/office/drawing/2010/main" val="0"/>
+              </a:ext>
+            </a:extLst>
+          </a:blip>
+          <a:srcRect/>
+          <a:stretch>
+            <a:fillRect/>
+          </a:stretch>
+        </p:blipFill>
+        <p:spPr bwMode="auto">
+          <a:xfrm>
+            <a:off x="5829300" y="398763"/>
+            <a:ext cx="2857500" cy="1000125"/>
+          </a:xfrm>
+          <a:prstGeom prst="rect">
+            <a:avLst/>
+          </a:prstGeom>
+          <a:noFill/>
+          <a:extLst>
+            <a:ext uri="{909E8E84-426E-40DD-AFC4-6F175D3DCCD1}">
+              <a14:hiddenFill xmlns:a14="http://schemas.microsoft.com/office/drawing/2010/main">
+                <a:solidFill>
+                  <a:srgbClr val="FFFFFF"/>
+                </a:solidFill>
+              </a14:hiddenFill>
+            </a:ext>
+          </a:extLst>
+        </p:spPr>
+      </p:pic>
+      <p:pic>
+        <p:nvPicPr>
+          <p:cNvPr id="1028" name="Picture 4" descr="http://blog.gfx47.com/wp-content/uploads/2011/02/unity3d1.jpg"/>
+          <p:cNvPicPr>
+            <a:picLocks noChangeAspect="1" noChangeArrowheads="1"/>
+          </p:cNvPicPr>
+          <p:nvPr/>
+        </p:nvPicPr>
+        <p:blipFill>
+          <a:blip r:embed="rId3" cstate="print">
+            <a:extLst>
+              <a:ext uri="{28A0092B-C50C-407E-A947-70E740481C1C}">
+                <a14:useLocalDpi xmlns:a14="http://schemas.microsoft.com/office/drawing/2010/main" val="0"/>
+              </a:ext>
+            </a:extLst>
+          </a:blip>
+          <a:srcRect/>
+          <a:stretch>
+            <a:fillRect/>
+          </a:stretch>
+        </p:blipFill>
+        <p:spPr bwMode="auto">
+          <a:xfrm>
+            <a:off x="611560" y="173228"/>
+            <a:ext cx="1634213" cy="1225660"/>
+          </a:xfrm>
+          <a:prstGeom prst="rect">
+            <a:avLst/>
+          </a:prstGeom>
+          <a:noFill/>
+          <a:extLst>
+            <a:ext uri="{909E8E84-426E-40DD-AFC4-6F175D3DCCD1}">
+              <a14:hiddenFill xmlns:a14="http://schemas.microsoft.com/office/drawing/2010/main">
+                <a:solidFill>
+                  <a:srgbClr val="FFFFFF"/>
+                </a:solidFill>
+              </a14:hiddenFill>
+            </a:ext>
+          </a:extLst>
+        </p:spPr>
+      </p:pic>
+      <p:pic>
+        <p:nvPicPr>
+          <p:cNvPr id="1034" name="Picture 10" descr="http://i441.photobucket.com/albums/qq133/enedenoe/mono-logo.png"/>
+          <p:cNvPicPr>
+            <a:picLocks noChangeAspect="1" noChangeArrowheads="1"/>
+          </p:cNvPicPr>
+          <p:nvPr/>
+        </p:nvPicPr>
+        <p:blipFill>
+          <a:blip r:embed="rId4" cstate="print">
+            <a:extLst>
+              <a:ext uri="{28A0092B-C50C-407E-A947-70E740481C1C}">
+                <a14:useLocalDpi xmlns:a14="http://schemas.microsoft.com/office/drawing/2010/main" val="0"/>
+              </a:ext>
+            </a:extLst>
+          </a:blip>
+          <a:srcRect/>
+          <a:stretch>
+            <a:fillRect/>
+          </a:stretch>
+        </p:blipFill>
+        <p:spPr bwMode="auto">
+          <a:xfrm>
+            <a:off x="2339752" y="241721"/>
+            <a:ext cx="1327534" cy="1157167"/>
+          </a:xfrm>
+          <a:prstGeom prst="rect">
+            <a:avLst/>
+          </a:prstGeom>
+          <a:noFill/>
+          <a:extLst>
+            <a:ext uri="{909E8E84-426E-40DD-AFC4-6F175D3DCCD1}">
+              <a14:hiddenFill xmlns:a14="http://schemas.microsoft.com/office/drawing/2010/main">
+                <a:solidFill>
+                  <a:srgbClr val="FFFFFF"/>
+                </a:solidFill>
+              </a14:hiddenFill>
+            </a:ext>
+          </a:extLst>
+        </p:spPr>
+      </p:pic>
+      <p:pic>
+        <p:nvPicPr>
+          <p:cNvPr id="1036" name="Picture 12" descr="http://enigma-dev.org/docs/wiki/images/a/ab/Box2d.png"/>
+          <p:cNvPicPr>
+            <a:picLocks noChangeAspect="1" noChangeArrowheads="1"/>
+          </p:cNvPicPr>
+          <p:nvPr/>
+        </p:nvPicPr>
+        <p:blipFill>
+          <a:blip r:embed="rId5">
+            <a:extLst>
+              <a:ext uri="{28A0092B-C50C-407E-A947-70E740481C1C}">
+                <a14:useLocalDpi xmlns:a14="http://schemas.microsoft.com/office/drawing/2010/main" val="0"/>
+              </a:ext>
+            </a:extLst>
+          </a:blip>
+          <a:srcRect/>
+          <a:stretch>
+            <a:fillRect/>
+          </a:stretch>
+        </p:blipFill>
+        <p:spPr bwMode="auto">
+          <a:xfrm>
+            <a:off x="3888980" y="537428"/>
+            <a:ext cx="1962863" cy="497259"/>
+          </a:xfrm>
+          <a:prstGeom prst="rect">
+            <a:avLst/>
+          </a:prstGeom>
+          <a:noFill/>
+          <a:extLst>
+            <a:ext uri="{909E8E84-426E-40DD-AFC4-6F175D3DCCD1}">
+              <a14:hiddenFill xmlns:a14="http://schemas.microsoft.com/office/drawing/2010/main">
+                <a:solidFill>
+                  <a:srgbClr val="FFFFFF"/>
+                </a:solidFill>
+              </a14:hiddenFill>
+            </a:ext>
+          </a:extLst>
+        </p:spPr>
+      </p:pic>
+    </p:spTree>
+    <p:extLst>
+      <p:ext uri="{BB962C8B-B14F-4D97-AF65-F5344CB8AC3E}">
+        <p14:creationId xmlns:p14="http://schemas.microsoft.com/office/powerpoint/2010/main" val="725847610"/>
+      </p:ext>
+    </p:extLst>
+  </p:cSld>
+  <p:clrMapOvr>
+    <a:masterClrMapping/>
+  </p:clrMapOvr>
+  <p:timing>
+    <p:tnLst>
+      <p:par>
+        <p:cTn id="1" dur="indefinite" restart="never" nodeType="tmRoot"/>
+      </p:par>
+    </p:tnLst>
+  </p:timing>
+</p:sld>
+</file>
+
+<file path=ppt/slides/slide4.xml><?xml version="1.0" encoding="utf-8"?>
+<p:sld xmlns:a="http://schemas.openxmlformats.org/drawingml/2006/main" xmlns:r="http://schemas.openxmlformats.org/officeDocument/2006/relationships" xmlns:p="http://schemas.openxmlformats.org/presentationml/2006/main">
+  <p:cSld>
+    <p:spTree>
+      <p:nvGrpSpPr>
+        <p:cNvPr id="1" name=""/>
+        <p:cNvGrpSpPr/>
+        <p:nvPr/>
+      </p:nvGrpSpPr>
+      <p:grpSpPr>
+        <a:xfrm>
+          <a:off x="0" y="0"/>
+          <a:ext cx="0" cy="0"/>
+          <a:chOff x="0" y="0"/>
+          <a:chExt cx="0" cy="0"/>
+        </a:xfrm>
+      </p:grpSpPr>
+      <p:sp>
+        <p:nvSpPr>
+          <p:cNvPr id="2" name="Title 1"/>
+          <p:cNvSpPr>
+            <a:spLocks noGrp="1"/>
+          </p:cNvSpPr>
+          <p:nvPr>
+            <p:ph type="title"/>
+          </p:nvPr>
+        </p:nvSpPr>
+        <p:spPr/>
+        <p:txBody>
+          <a:bodyPr/>
+          <a:lstStyle/>
+          <a:p>
+            <a:r>
+              <a:rPr lang="en-IE" dirty="0" smtClean="0"/>
+              <a:t>In industry</a:t>
+            </a:r>
+            <a:endParaRPr lang="en-IE" dirty="0"/>
+          </a:p>
+        </p:txBody>
+      </p:sp>
+      <p:sp>
+        <p:nvSpPr>
+          <p:cNvPr id="3" name="Content Placeholder 2"/>
+          <p:cNvSpPr>
+            <a:spLocks noGrp="1"/>
+          </p:cNvSpPr>
+          <p:nvPr>
+            <p:ph idx="1"/>
+          </p:nvPr>
+        </p:nvSpPr>
+        <p:spPr/>
+        <p:txBody>
+          <a:bodyPr/>
+          <a:lstStyle/>
+          <a:p>
+            <a:r>
+              <a:rPr lang="en-IE" dirty="0" smtClean="0"/>
+              <a:t>Huge presence at GDC</a:t>
+            </a:r>
+          </a:p>
+          <a:p>
+            <a:r>
+              <a:rPr lang="en-IE" dirty="0" smtClean="0"/>
+              <a:t>Very popular amongst indies</a:t>
+            </a:r>
+          </a:p>
+          <a:p>
+            <a:r>
+              <a:rPr lang="en-IE" dirty="0" smtClean="0"/>
+              <a:t>Free &amp; Pro versions</a:t>
+            </a:r>
+          </a:p>
+          <a:p>
+            <a:pPr lvl="1"/>
+            <a:r>
+              <a:rPr lang="en-IE" dirty="0" smtClean="0"/>
+              <a:t>Free for games up to 100K</a:t>
+            </a:r>
+          </a:p>
+          <a:p>
+            <a:pPr lvl="1"/>
+            <a:r>
+              <a:rPr lang="en-IE" dirty="0" smtClean="0"/>
+              <a:t>Pro version has a few extra features</a:t>
+            </a:r>
+          </a:p>
+          <a:p>
+            <a:pPr lvl="1"/>
+            <a:r>
+              <a:rPr lang="en-IE" dirty="0" smtClean="0"/>
+              <a:t>Including Rift support</a:t>
+            </a:r>
+          </a:p>
+          <a:p>
+            <a:pPr lvl="1"/>
+            <a:r>
+              <a:rPr lang="en-IE" dirty="0" smtClean="0"/>
+              <a:t>Pro version is expensive </a:t>
+            </a:r>
+          </a:p>
+          <a:p>
+            <a:pPr lvl="1"/>
+            <a:r>
+              <a:rPr lang="en-IE" dirty="0" smtClean="0"/>
+              <a:t>75 Euro PM</a:t>
+            </a:r>
+            <a:endParaRPr lang="en-IE" dirty="0"/>
+          </a:p>
+        </p:txBody>
+      </p:sp>
+    </p:spTree>
+    <p:extLst>
+      <p:ext uri="{BB962C8B-B14F-4D97-AF65-F5344CB8AC3E}">
+        <p14:creationId xmlns:p14="http://schemas.microsoft.com/office/powerpoint/2010/main" val="1578703268"/>
+      </p:ext>
+    </p:extLst>
+  </p:cSld>
+  <p:clrMapOvr>
+    <a:masterClrMapping/>
+  </p:clrMapOvr>
+  <p:timing>
+    <p:tnLst>
+      <p:par>
+        <p:cTn id="1" dur="indefinite" restart="never" nodeType="tmRoot"/>
+      </p:par>
+    </p:tnLst>
+  </p:timing>
+</p:sld>
+</file>
+
+<file path=ppt/slides/slide5.xml><?xml version="1.0" encoding="utf-8"?>
+<p:sld xmlns:a="http://schemas.openxmlformats.org/drawingml/2006/main" xmlns:r="http://schemas.openxmlformats.org/officeDocument/2006/relationships" xmlns:p="http://schemas.openxmlformats.org/presentationml/2006/main">
+  <p:cSld>
+    <p:spTree>
+      <p:nvGrpSpPr>
+        <p:cNvPr id="1" name=""/>
+        <p:cNvGrpSpPr/>
+        <p:nvPr/>
+      </p:nvGrpSpPr>
+      <p:grpSpPr>
+        <a:xfrm>
+          <a:off x="0" y="0"/>
+          <a:ext cx="0" cy="0"/>
+          <a:chOff x="0" y="0"/>
+          <a:chExt cx="0" cy="0"/>
+        </a:xfrm>
+      </p:grpSpPr>
+      <p:sp>
+        <p:nvSpPr>
+          <p:cNvPr id="2" name="Title 1"/>
+          <p:cNvSpPr>
+            <a:spLocks noGrp="1"/>
+          </p:cNvSpPr>
+          <p:nvPr>
+            <p:ph type="title"/>
+          </p:nvPr>
+        </p:nvSpPr>
+        <p:spPr/>
+        <p:txBody>
+          <a:bodyPr/>
+          <a:lstStyle/>
+          <a:p>
+            <a:endParaRPr lang="en-IE"/>
+          </a:p>
+        </p:txBody>
+      </p:sp>
+      <p:sp>
+        <p:nvSpPr>
+          <p:cNvPr id="3" name="Content Placeholder 2"/>
+          <p:cNvSpPr>
+            <a:spLocks noGrp="1"/>
+          </p:cNvSpPr>
+          <p:nvPr>
+            <p:ph idx="1"/>
+          </p:nvPr>
+        </p:nvSpPr>
+        <p:spPr/>
+        <p:txBody>
+          <a:bodyPr/>
+          <a:lstStyle/>
+          <a:p>
+            <a:endParaRPr lang="en-IE"/>
+          </a:p>
+        </p:txBody>
+      </p:sp>
+      <p:pic>
+        <p:nvPicPr>
+          <p:cNvPr id="4" name="Picture 3"/>
+          <p:cNvPicPr>
+            <a:picLocks noChangeAspect="1"/>
+          </p:cNvPicPr>
+          <p:nvPr/>
+        </p:nvPicPr>
+        <p:blipFill>
+          <a:blip r:embed="rId2"/>
+          <a:stretch>
+            <a:fillRect/>
+          </a:stretch>
+        </p:blipFill>
+        <p:spPr>
+          <a:xfrm>
+            <a:off x="517239" y="116632"/>
+            <a:ext cx="8169561" cy="5797261"/>
+          </a:xfrm>
+          <a:prstGeom prst="rect">
+            <a:avLst/>
+          </a:prstGeom>
+        </p:spPr>
+      </p:pic>
+    </p:spTree>
+    <p:extLst>
+      <p:ext uri="{BB962C8B-B14F-4D97-AF65-F5344CB8AC3E}">
+        <p14:creationId xmlns:p14="http://schemas.microsoft.com/office/powerpoint/2010/main" val="1866744077"/>
+      </p:ext>
+    </p:extLst>
+  </p:cSld>
+  <p:clrMapOvr>
+    <a:masterClrMapping/>
+  </p:clrMapOvr>
+  <p:timing>
+    <p:tnLst>
+      <p:par>
+        <p:cTn id="1" dur="indefinite" restart="never" nodeType="tmRoot"/>
+      </p:par>
+    </p:tnLst>
+  </p:timing>
+</p:sld>
+</file>
+
+<file path=ppt/slides/slide6.xml><?xml version="1.0" encoding="utf-8"?>
+<p:sld xmlns:a="http://schemas.openxmlformats.org/drawingml/2006/main" xmlns:r="http://schemas.openxmlformats.org/officeDocument/2006/relationships" xmlns:p="http://schemas.openxmlformats.org/presentationml/2006/main">
+  <p:cSld>
+    <p:spTree>
+      <p:nvGrpSpPr>
+        <p:cNvPr id="1" name=""/>
+        <p:cNvGrpSpPr/>
+        <p:nvPr/>
+      </p:nvGrpSpPr>
+      <p:grpSpPr>
+        <a:xfrm>
+          <a:off x="0" y="0"/>
+          <a:ext cx="0" cy="0"/>
+          <a:chOff x="0" y="0"/>
+          <a:chExt cx="0" cy="0"/>
+        </a:xfrm>
+      </p:grpSpPr>
+      <p:sp>
+        <p:nvSpPr>
+          <p:cNvPr id="2" name="Title 1"/>
+          <p:cNvSpPr>
+            <a:spLocks noGrp="1"/>
+          </p:cNvSpPr>
+          <p:nvPr>
+            <p:ph type="title"/>
+          </p:nvPr>
+        </p:nvSpPr>
+        <p:spPr/>
+        <p:txBody>
+          <a:bodyPr/>
+          <a:lstStyle/>
+          <a:p>
+            <a:r>
+              <a:rPr lang="en-IE" dirty="0" smtClean="0"/>
+              <a:t>Concepts</a:t>
+            </a:r>
+            <a:endParaRPr lang="en-IE" dirty="0"/>
+          </a:p>
+        </p:txBody>
+      </p:sp>
+      <p:sp>
+        <p:nvSpPr>
+          <p:cNvPr id="3" name="Content Placeholder 2"/>
+          <p:cNvSpPr>
+            <a:spLocks noGrp="1"/>
+          </p:cNvSpPr>
+          <p:nvPr>
+            <p:ph idx="1"/>
+          </p:nvPr>
+        </p:nvSpPr>
+        <p:spPr/>
+        <p:txBody>
+          <a:bodyPr>
+            <a:normAutofit fontScale="70000" lnSpcReduction="20000"/>
+          </a:bodyPr>
+          <a:lstStyle/>
+          <a:p>
+            <a:r>
+              <a:rPr lang="en-IE" dirty="0" smtClean="0"/>
+              <a:t>GameObject</a:t>
+            </a:r>
+          </a:p>
+          <a:p>
+            <a:pPr lvl="1"/>
+            <a:r>
+              <a:rPr lang="en-IE" dirty="0" smtClean="0"/>
+              <a:t>Represents anything in the scene</a:t>
+            </a:r>
+          </a:p>
+          <a:p>
+            <a:pPr lvl="1"/>
+            <a:r>
+              <a:rPr lang="en-IE" dirty="0" smtClean="0"/>
+              <a:t>Has a Transform object</a:t>
+            </a:r>
+          </a:p>
+          <a:p>
+            <a:pPr lvl="1"/>
+            <a:r>
+              <a:rPr lang="en-IE" dirty="0" smtClean="0"/>
+              <a:t>Does not draw itself! (Thats what a GameComponent is for)</a:t>
+            </a:r>
+          </a:p>
+          <a:p>
+            <a:pPr lvl="1"/>
+            <a:r>
+              <a:rPr lang="en-IE" dirty="0" smtClean="0"/>
+              <a:t>Can contain other GameComponents</a:t>
+            </a:r>
+          </a:p>
+          <a:p>
+            <a:pPr lvl="1"/>
+            <a:r>
+              <a:rPr lang="en-IE" dirty="0" smtClean="0"/>
+              <a:t>Can be attached to other GameObject’s</a:t>
+            </a:r>
+          </a:p>
+          <a:p>
+            <a:pPr lvl="2"/>
+            <a:r>
+              <a:rPr lang="en-IE" dirty="0" smtClean="0"/>
+              <a:t>Parent’s transform is multiplied into the child’s</a:t>
+            </a:r>
+          </a:p>
+          <a:p>
+            <a:pPr lvl="1"/>
+            <a:r>
+              <a:rPr lang="en-IE" dirty="0" smtClean="0"/>
+              <a:t>You rarely extend GameObject</a:t>
+            </a:r>
+          </a:p>
+          <a:p>
+            <a:r>
+              <a:rPr lang="en-IE" dirty="0" smtClean="0"/>
+              <a:t>GameComponent</a:t>
+            </a:r>
+          </a:p>
+          <a:p>
+            <a:pPr lvl="1"/>
+            <a:r>
+              <a:rPr lang="en-IE" dirty="0" smtClean="0"/>
+              <a:t>Contained by a GameObject (GameObject’s can have multiple GameComponents attached)</a:t>
+            </a:r>
+          </a:p>
+          <a:p>
+            <a:pPr lvl="1"/>
+            <a:r>
+              <a:rPr lang="en-IE" dirty="0" smtClean="0"/>
+              <a:t>Start – Called at the start of the lifetime</a:t>
+            </a:r>
+          </a:p>
+          <a:p>
+            <a:pPr lvl="1"/>
+            <a:r>
+              <a:rPr lang="en-IE" dirty="0" smtClean="0"/>
+              <a:t>Update – Called once per frame</a:t>
+            </a:r>
+          </a:p>
+          <a:p>
+            <a:pPr lvl="1"/>
+            <a:r>
+              <a:rPr lang="en-IE" dirty="0" smtClean="0"/>
+              <a:t>Use Time.deltaTime to get the time delta</a:t>
+            </a:r>
+            <a:endParaRPr lang="en-IE" dirty="0"/>
+          </a:p>
+        </p:txBody>
+      </p:sp>
+    </p:spTree>
+    <p:extLst>
+      <p:ext uri="{BB962C8B-B14F-4D97-AF65-F5344CB8AC3E}">
+        <p14:creationId xmlns:p14="http://schemas.microsoft.com/office/powerpoint/2010/main" val="1885816787"/>
+      </p:ext>
+    </p:extLst>
+  </p:cSld>
+  <p:clrMapOvr>
+    <a:masterClrMapping/>
+  </p:clrMapOvr>
+  <p:timing>
+    <p:tnLst>
+      <p:par>
+        <p:cTn id="1" dur="indefinite" restart="never" nodeType="tmRoot"/>
+      </p:par>
+    </p:tnLst>
+  </p:timing>
+</p:sld>
+</file>
+
+<file path=ppt/slides/slide7.xml><?xml version="1.0" encoding="utf-8"?>
+<p:sld xmlns:a="http://schemas.openxmlformats.org/drawingml/2006/main" xmlns:r="http://schemas.openxmlformats.org/officeDocument/2006/relationships" xmlns:p="http://schemas.openxmlformats.org/presentationml/2006/main">
+  <p:cSld>
+    <p:spTree>
+      <p:nvGrpSpPr>
+        <p:cNvPr id="1" name=""/>
+        <p:cNvGrpSpPr/>
+        <p:nvPr/>
+      </p:nvGrpSpPr>
+      <p:grpSpPr>
+        <a:xfrm>
+          <a:off x="0" y="0"/>
+          <a:ext cx="0" cy="0"/>
+          <a:chOff x="0" y="0"/>
+          <a:chExt cx="0" cy="0"/>
+        </a:xfrm>
+      </p:grpSpPr>
+      <p:sp>
+        <p:nvSpPr>
+          <p:cNvPr id="2" name="Title 1"/>
+          <p:cNvSpPr>
+            <a:spLocks noGrp="1"/>
+          </p:cNvSpPr>
+          <p:nvPr>
+            <p:ph type="title"/>
+          </p:nvPr>
+        </p:nvSpPr>
+        <p:spPr/>
+        <p:txBody>
+          <a:bodyPr/>
+          <a:lstStyle/>
+          <a:p>
+            <a:r>
+              <a:rPr lang="en-IE" dirty="0" smtClean="0"/>
+              <a:t>Concepts</a:t>
+            </a:r>
+            <a:endParaRPr lang="en-IE" dirty="0"/>
+          </a:p>
+        </p:txBody>
+      </p:sp>
+      <p:sp>
+        <p:nvSpPr>
+          <p:cNvPr id="3" name="Content Placeholder 2"/>
+          <p:cNvSpPr>
+            <a:spLocks noGrp="1"/>
+          </p:cNvSpPr>
+          <p:nvPr>
+            <p:ph idx="1"/>
+          </p:nvPr>
+        </p:nvSpPr>
+        <p:spPr/>
+        <p:txBody>
+          <a:bodyPr>
+            <a:normAutofit fontScale="92500" lnSpcReduction="20000"/>
+          </a:bodyPr>
+          <a:lstStyle/>
+          <a:p>
+            <a:r>
+              <a:rPr lang="en-IE" dirty="0" smtClean="0"/>
+              <a:t>Transform</a:t>
+            </a:r>
+          </a:p>
+          <a:p>
+            <a:pPr lvl="1"/>
+            <a:r>
+              <a:rPr lang="en-IE" dirty="0" smtClean="0"/>
+              <a:t>Contains </a:t>
+            </a:r>
+            <a:r>
+              <a:rPr lang="en-IE" i="1" dirty="0" smtClean="0"/>
+              <a:t>forward</a:t>
+            </a:r>
+            <a:r>
+              <a:rPr lang="en-IE" dirty="0" smtClean="0"/>
+              <a:t>, </a:t>
+            </a:r>
+            <a:r>
+              <a:rPr lang="en-IE" i="1" dirty="0" smtClean="0"/>
+              <a:t>up</a:t>
+            </a:r>
+            <a:r>
+              <a:rPr lang="en-IE" dirty="0" smtClean="0"/>
+              <a:t> and </a:t>
+            </a:r>
+            <a:r>
+              <a:rPr lang="en-IE" i="1" dirty="0" smtClean="0"/>
+              <a:t>right</a:t>
+            </a:r>
+            <a:r>
+              <a:rPr lang="en-IE" dirty="0" smtClean="0"/>
+              <a:t> vectors</a:t>
+            </a:r>
+          </a:p>
+          <a:p>
+            <a:pPr lvl="1"/>
+            <a:r>
+              <a:rPr lang="en-IE" dirty="0" smtClean="0"/>
+              <a:t>A quaternion called </a:t>
+            </a:r>
+            <a:r>
+              <a:rPr lang="en-IE" i="1" dirty="0" smtClean="0"/>
+              <a:t>rotation</a:t>
+            </a:r>
+          </a:p>
+          <a:p>
+            <a:pPr lvl="1"/>
+            <a:r>
+              <a:rPr lang="en-IE" dirty="0" smtClean="0"/>
+              <a:t>A </a:t>
+            </a:r>
+            <a:r>
+              <a:rPr lang="en-IE" i="1" dirty="0" smtClean="0"/>
+              <a:t>position</a:t>
+            </a:r>
+            <a:r>
+              <a:rPr lang="en-IE" dirty="0" smtClean="0"/>
+              <a:t> vector</a:t>
+            </a:r>
+          </a:p>
+          <a:p>
+            <a:pPr lvl="1"/>
+            <a:r>
+              <a:rPr lang="en-IE" dirty="0" smtClean="0"/>
+              <a:t>Probably has a world transform, but its not visible?</a:t>
+            </a:r>
+          </a:p>
+          <a:p>
+            <a:pPr lvl="1"/>
+            <a:r>
+              <a:rPr lang="en-IE" dirty="0" smtClean="0"/>
+              <a:t>This is the object that controls the GameObject’s world transform</a:t>
+            </a:r>
+          </a:p>
+          <a:p>
+            <a:r>
+              <a:rPr lang="en-IE" dirty="0" smtClean="0"/>
+              <a:t>Renderer</a:t>
+            </a:r>
+          </a:p>
+          <a:p>
+            <a:pPr lvl="1"/>
+            <a:r>
+              <a:rPr lang="en-IE" dirty="0" smtClean="0"/>
+              <a:t>A subclass of GameComponent</a:t>
+            </a:r>
+          </a:p>
+          <a:p>
+            <a:pPr lvl="1"/>
+            <a:r>
+              <a:rPr lang="en-IE" dirty="0" smtClean="0"/>
+              <a:t>There are lots of subclasses for different types of drawable object</a:t>
+            </a:r>
+          </a:p>
+          <a:p>
+            <a:pPr lvl="1"/>
+            <a:endParaRPr lang="en-IE" i="1" dirty="0"/>
+          </a:p>
+        </p:txBody>
+      </p:sp>
+    </p:spTree>
+    <p:extLst>
+      <p:ext uri="{BB962C8B-B14F-4D97-AF65-F5344CB8AC3E}">
+        <p14:creationId xmlns:p14="http://schemas.microsoft.com/office/powerpoint/2010/main" val="1186216585"/>
+      </p:ext>
+    </p:extLst>
+  </p:cSld>
+  <p:clrMapOvr>
+    <a:masterClrMapping/>
+  </p:clrMapOvr>
+  <p:timing>
+    <p:tnLst>
+      <p:par>
+        <p:cTn id="1" dur="indefinite" restart="never" nodeType="tmRoot"/>
+      </p:par>
+    </p:tnLst>
+  </p:timing>
+</p:sld>
+</file>
+
+<file path=ppt/slides/slide8.xml><?xml version="1.0" encoding="utf-8"?>
+<p:sld xmlns:a="http://schemas.openxmlformats.org/drawingml/2006/main" xmlns:r="http://schemas.openxmlformats.org/officeDocument/2006/relationships" xmlns:p="http://schemas.openxmlformats.org/presentationml/2006/main">
+  <p:cSld>
+    <p:spTree>
+      <p:nvGrpSpPr>
+        <p:cNvPr id="1" name=""/>
+        <p:cNvGrpSpPr/>
+        <p:nvPr/>
+      </p:nvGrpSpPr>
+      <p:grpSpPr>
+        <a:xfrm>
+          <a:off x="0" y="0"/>
+          <a:ext cx="0" cy="0"/>
+          <a:chOff x="0" y="0"/>
+          <a:chExt cx="0" cy="0"/>
+        </a:xfrm>
+      </p:grpSpPr>
+      <p:sp>
+        <p:nvSpPr>
+          <p:cNvPr id="2" name="Title 1"/>
+          <p:cNvSpPr>
+            <a:spLocks noGrp="1"/>
+          </p:cNvSpPr>
+          <p:nvPr>
+            <p:ph type="title"/>
+          </p:nvPr>
+        </p:nvSpPr>
+        <p:spPr/>
+        <p:txBody>
+          <a:bodyPr/>
+          <a:lstStyle/>
+          <a:p>
+            <a:r>
+              <a:rPr lang="en-IE" dirty="0" smtClean="0"/>
+              <a:t>Useful Classes</a:t>
+            </a:r>
+            <a:endParaRPr lang="en-IE" dirty="0"/>
+          </a:p>
+        </p:txBody>
+      </p:sp>
+      <p:sp>
+        <p:nvSpPr>
+          <p:cNvPr id="3" name="Content Placeholder 2"/>
+          <p:cNvSpPr>
+            <a:spLocks noGrp="1"/>
+          </p:cNvSpPr>
+          <p:nvPr>
+            <p:ph idx="1"/>
+          </p:nvPr>
+        </p:nvSpPr>
+        <p:spPr/>
+        <p:txBody>
+          <a:bodyPr>
+            <a:normAutofit fontScale="70000" lnSpcReduction="20000"/>
+          </a:bodyPr>
+          <a:lstStyle/>
+          <a:p>
+            <a:r>
+              <a:rPr lang="en-IE" dirty="0" smtClean="0"/>
+              <a:t>Vector3</a:t>
+            </a:r>
+          </a:p>
+          <a:p>
+            <a:pPr lvl="1"/>
+            <a:r>
+              <a:rPr lang="en-IE" dirty="0" smtClean="0"/>
+              <a:t>x, y, z fields (lowercase)</a:t>
+            </a:r>
+          </a:p>
+          <a:p>
+            <a:pPr lvl="1"/>
+            <a:r>
+              <a:rPr lang="en-IE" dirty="0" smtClean="0"/>
+              <a:t>+, -, * / overloaded</a:t>
+            </a:r>
+          </a:p>
+          <a:p>
+            <a:pPr lvl="1"/>
+            <a:r>
+              <a:rPr lang="en-IE" dirty="0" smtClean="0"/>
+              <a:t>magnitude (lowercase)</a:t>
+            </a:r>
+          </a:p>
+          <a:p>
+            <a:pPr lvl="1"/>
+            <a:r>
+              <a:rPr lang="en-IE" dirty="0" smtClean="0"/>
+              <a:t>Dot, Cross, Normalize (static methods)</a:t>
+            </a:r>
+          </a:p>
+          <a:p>
+            <a:pPr lvl="1"/>
+            <a:r>
+              <a:rPr lang="en-IE" dirty="0" smtClean="0"/>
+              <a:t>Use the static fields </a:t>
+            </a:r>
+            <a:r>
+              <a:rPr lang="en-IE" i="1" dirty="0" smtClean="0"/>
+              <a:t>forward</a:t>
+            </a:r>
+            <a:r>
+              <a:rPr lang="en-IE" dirty="0" smtClean="0"/>
+              <a:t>, </a:t>
+            </a:r>
+            <a:r>
+              <a:rPr lang="en-IE" i="1" dirty="0" smtClean="0"/>
+              <a:t>right</a:t>
+            </a:r>
+            <a:r>
+              <a:rPr lang="en-IE" dirty="0" smtClean="0"/>
+              <a:t> and </a:t>
+            </a:r>
+            <a:r>
+              <a:rPr lang="en-IE" i="1" dirty="0" smtClean="0"/>
+              <a:t>up</a:t>
+            </a:r>
+            <a:r>
+              <a:rPr lang="en-IE" dirty="0" smtClean="0"/>
+              <a:t> to get the basis vectors</a:t>
+            </a:r>
+          </a:p>
+          <a:p>
+            <a:r>
+              <a:rPr lang="en-IE" dirty="0" smtClean="0"/>
+              <a:t>Quaternion</a:t>
+            </a:r>
+          </a:p>
+          <a:p>
+            <a:pPr lvl="1"/>
+            <a:r>
+              <a:rPr lang="en-IE" dirty="0" smtClean="0"/>
+              <a:t>w, x, y, z fields (lowercase)</a:t>
+            </a:r>
+          </a:p>
+          <a:p>
+            <a:pPr lvl="1"/>
+            <a:r>
+              <a:rPr lang="en-IE" dirty="0" smtClean="0"/>
+              <a:t>* is overloaded for quaternions and vectors</a:t>
+            </a:r>
+          </a:p>
+          <a:p>
+            <a:pPr lvl="1"/>
+            <a:r>
+              <a:rPr lang="en-IE" dirty="0" smtClean="0"/>
+              <a:t>* a vector rotates the vector by the quaternion</a:t>
+            </a:r>
+          </a:p>
+          <a:p>
+            <a:pPr lvl="1"/>
+            <a:r>
+              <a:rPr lang="en-IE" dirty="0" smtClean="0"/>
+              <a:t>Use: </a:t>
+            </a:r>
+          </a:p>
+          <a:p>
+            <a:pPr lvl="2"/>
+            <a:r>
+              <a:rPr lang="en-IE" sz="2100" dirty="0">
+                <a:solidFill>
+                  <a:srgbClr val="2B91AF"/>
+                </a:solidFill>
+                <a:latin typeface="Consolas" panose="020B0609020204030204" pitchFamily="49" charset="0"/>
+              </a:rPr>
+              <a:t>Quaternion</a:t>
+            </a:r>
+            <a:r>
+              <a:rPr lang="en-IE" sz="2100" dirty="0">
+                <a:solidFill>
+                  <a:prstClr val="black"/>
+                </a:solidFill>
+                <a:latin typeface="Consolas" panose="020B0609020204030204" pitchFamily="49" charset="0"/>
+              </a:rPr>
+              <a:t> q = </a:t>
+            </a:r>
+            <a:r>
+              <a:rPr lang="en-IE" sz="2100" dirty="0">
+                <a:solidFill>
+                  <a:srgbClr val="2B91AF"/>
+                </a:solidFill>
+                <a:latin typeface="Consolas" panose="020B0609020204030204" pitchFamily="49" charset="0"/>
+              </a:rPr>
+              <a:t>Quaternion</a:t>
+            </a:r>
+            <a:r>
+              <a:rPr lang="en-IE" sz="2100" dirty="0">
+                <a:solidFill>
+                  <a:prstClr val="black"/>
+                </a:solidFill>
+                <a:latin typeface="Consolas" panose="020B0609020204030204" pitchFamily="49" charset="0"/>
+              </a:rPr>
+              <a:t>.AngleAxis(90, </a:t>
+            </a:r>
+            <a:r>
+              <a:rPr lang="en-IE" sz="2100" dirty="0">
+                <a:solidFill>
+                  <a:srgbClr val="2B91AF"/>
+                </a:solidFill>
+                <a:latin typeface="Consolas" panose="020B0609020204030204" pitchFamily="49" charset="0"/>
+              </a:rPr>
+              <a:t>Vector3</a:t>
+            </a:r>
+            <a:r>
+              <a:rPr lang="en-IE" sz="2100" dirty="0">
+                <a:solidFill>
+                  <a:prstClr val="black"/>
+                </a:solidFill>
+                <a:latin typeface="Consolas" panose="020B0609020204030204" pitchFamily="49" charset="0"/>
+              </a:rPr>
+              <a:t>.up);</a:t>
+            </a:r>
+          </a:p>
+          <a:p>
+            <a:pPr lvl="2"/>
+            <a:r>
+              <a:rPr lang="en-IE" dirty="0" smtClean="0"/>
+              <a:t>To make one!</a:t>
+            </a:r>
+          </a:p>
+          <a:p>
+            <a:pPr lvl="2"/>
+            <a:r>
+              <a:rPr lang="en-IE" dirty="0" smtClean="0"/>
+              <a:t>Angle is in degrees</a:t>
+            </a:r>
+          </a:p>
+          <a:p>
+            <a:pPr lvl="1"/>
+            <a:endParaRPr lang="en-IE" dirty="0"/>
+          </a:p>
+        </p:txBody>
+      </p:sp>
+    </p:spTree>
+    <p:extLst>
+      <p:ext uri="{BB962C8B-B14F-4D97-AF65-F5344CB8AC3E}">
+        <p14:creationId xmlns:p14="http://schemas.microsoft.com/office/powerpoint/2010/main" val="4186958220"/>
+      </p:ext>
+    </p:extLst>
+  </p:cSld>
+  <p:clrMapOvr>
+    <a:masterClrMapping/>
+  </p:clrMapOvr>
+  <p:timing>
+    <p:tnLst>
+      <p:par>
+        <p:cTn id="1" dur="indefinite" restart="never" nodeType="tmRoot"/>
+      </p:par>
+    </p:tnLst>
+  </p:timing>
+</p:sld>
+</file>
+
+<file path=ppt/slides/slide9.xml><?xml version="1.0" encoding="utf-8"?>
+<p:sld xmlns:a="http://schemas.openxmlformats.org/drawingml/2006/main" xmlns:r="http://schemas.openxmlformats.org/officeDocument/2006/relationships" xmlns:p="http://schemas.openxmlformats.org/presentationml/2006/main">
+  <p:cSld>
+    <p:spTree>
+      <p:nvGrpSpPr>
+        <p:cNvPr id="1" name=""/>
+        <p:cNvGrpSpPr/>
+        <p:nvPr/>
+      </p:nvGrpSpPr>
+      <p:grpSpPr>
+        <a:xfrm>
+          <a:off x="0" y="0"/>
+          <a:ext cx="0" cy="0"/>
+          <a:chOff x="0" y="0"/>
+          <a:chExt cx="0" cy="0"/>
+        </a:xfrm>
+      </p:grpSpPr>
+      <p:sp>
+        <p:nvSpPr>
+          <p:cNvPr id="2" name="Title 1"/>
+          <p:cNvSpPr>
+            <a:spLocks noGrp="1"/>
+          </p:cNvSpPr>
+          <p:nvPr>
+            <p:ph type="title"/>
+          </p:nvPr>
+        </p:nvSpPr>
+        <p:spPr/>
+        <p:txBody>
+          <a:bodyPr/>
+          <a:lstStyle/>
+          <a:p>
+            <a:r>
+              <a:rPr lang="en-IE" dirty="0" smtClean="0"/>
+              <a:t>Matrix operations</a:t>
+            </a:r>
+            <a:endParaRPr lang="en-IE" dirty="0"/>
+          </a:p>
+        </p:txBody>
+      </p:sp>
+      <p:sp>
+        <p:nvSpPr>
+          <p:cNvPr id="3" name="Content Placeholder 2"/>
+          <p:cNvSpPr>
+            <a:spLocks noGrp="1"/>
+          </p:cNvSpPr>
+          <p:nvPr>
+            <p:ph idx="1"/>
+          </p:nvPr>
+        </p:nvSpPr>
+        <p:spPr/>
+        <p:txBody>
+          <a:bodyPr>
+            <a:normAutofit fontScale="77500" lnSpcReduction="20000"/>
+          </a:bodyPr>
+          <a:lstStyle/>
+          <a:p>
+            <a:r>
+              <a:rPr lang="en-IE" dirty="0" smtClean="0"/>
+              <a:t>Are not supported!</a:t>
+            </a:r>
+          </a:p>
+          <a:p>
+            <a:r>
+              <a:rPr lang="en-IE" dirty="0" smtClean="0"/>
+              <a:t>Instead use a quaternion for rotations and</a:t>
+            </a:r>
+          </a:p>
+          <a:p>
+            <a:r>
+              <a:rPr lang="en-IE" dirty="0" smtClean="0"/>
+              <a:t>Transform object for everything else (including rotations)</a:t>
+            </a:r>
+          </a:p>
+          <a:p>
+            <a:r>
+              <a:rPr lang="en-IE" dirty="0" smtClean="0"/>
+              <a:t>E.g:</a:t>
+            </a:r>
+          </a:p>
+          <a:p>
+            <a:pPr lvl="1"/>
+            <a:r>
+              <a:rPr lang="en-IE" dirty="0">
+                <a:solidFill>
+                  <a:srgbClr val="2B91AF"/>
+                </a:solidFill>
+                <a:latin typeface="Consolas" panose="020B0609020204030204" pitchFamily="49" charset="0"/>
+              </a:rPr>
+              <a:t>Vector3</a:t>
+            </a:r>
+            <a:r>
+              <a:rPr lang="en-IE" dirty="0">
+                <a:solidFill>
+                  <a:prstClr val="black"/>
+                </a:solidFill>
+                <a:latin typeface="Consolas" panose="020B0609020204030204" pitchFamily="49" charset="0"/>
+              </a:rPr>
+              <a:t> target = </a:t>
+            </a:r>
+            <a:r>
+              <a:rPr lang="en-IE" dirty="0">
+                <a:solidFill>
+                  <a:srgbClr val="2B91AF"/>
+                </a:solidFill>
+                <a:latin typeface="Consolas" panose="020B0609020204030204" pitchFamily="49" charset="0"/>
+              </a:rPr>
+              <a:t>Vector3</a:t>
+            </a:r>
+            <a:r>
+              <a:rPr lang="en-IE" dirty="0">
+                <a:solidFill>
+                  <a:prstClr val="black"/>
+                </a:solidFill>
+                <a:latin typeface="Consolas" panose="020B0609020204030204" pitchFamily="49" charset="0"/>
+              </a:rPr>
+              <a:t>.zero;</a:t>
+            </a:r>
+          </a:p>
+          <a:p>
+            <a:pPr lvl="1"/>
+            <a:r>
+              <a:rPr lang="en-IE" dirty="0" smtClean="0">
+                <a:solidFill>
+                  <a:prstClr val="black"/>
+                </a:solidFill>
+                <a:latin typeface="Consolas" panose="020B0609020204030204" pitchFamily="49" charset="0"/>
+              </a:rPr>
+              <a:t>target </a:t>
+            </a:r>
+            <a:r>
+              <a:rPr lang="en-IE" dirty="0">
+                <a:solidFill>
+                  <a:prstClr val="black"/>
+                </a:solidFill>
+                <a:latin typeface="Consolas" panose="020B0609020204030204" pitchFamily="49" charset="0"/>
+              </a:rPr>
+              <a:t>= leader.transform.TransformPoint(offset</a:t>
+            </a:r>
+            <a:r>
+              <a:rPr lang="en-IE" dirty="0" smtClean="0">
+                <a:solidFill>
+                  <a:prstClr val="black"/>
+                </a:solidFill>
+                <a:latin typeface="Consolas" panose="020B0609020204030204" pitchFamily="49" charset="0"/>
+              </a:rPr>
+              <a:t>);</a:t>
+            </a:r>
+          </a:p>
+          <a:p>
+            <a:pPr lvl="1"/>
+            <a:r>
+              <a:rPr lang="en-IE" dirty="0" smtClean="0">
+                <a:solidFill>
+                  <a:prstClr val="black"/>
+                </a:solidFill>
+              </a:rPr>
+              <a:t>To transform a point by the transform</a:t>
+            </a:r>
+          </a:p>
+          <a:p>
+            <a:pPr lvl="1"/>
+            <a:r>
+              <a:rPr lang="en-IE" dirty="0" smtClean="0">
+                <a:solidFill>
+                  <a:prstClr val="black"/>
+                </a:solidFill>
+              </a:rPr>
+              <a:t>Also:</a:t>
+            </a:r>
+          </a:p>
+          <a:p>
+            <a:pPr lvl="2"/>
+            <a:r>
+              <a:rPr lang="en-IE" dirty="0" smtClean="0"/>
+              <a:t>TransformDirection</a:t>
+            </a:r>
+          </a:p>
+          <a:p>
+            <a:pPr lvl="2"/>
+            <a:r>
+              <a:rPr lang="en-IE" dirty="0" smtClean="0"/>
+              <a:t>InverseTransformDirection</a:t>
+            </a:r>
+            <a:endParaRPr lang="en-IE" dirty="0"/>
+          </a:p>
+          <a:p>
+            <a:pPr lvl="2"/>
+            <a:r>
+              <a:rPr lang="en-IE" dirty="0" smtClean="0"/>
+              <a:t>InverseTransformPoint</a:t>
+            </a:r>
+            <a:endParaRPr lang="en-IE" dirty="0"/>
+          </a:p>
+          <a:p>
+            <a:pPr lvl="1"/>
+            <a:endParaRPr lang="en-IE" dirty="0">
+              <a:solidFill>
+                <a:prstClr val="black"/>
+              </a:solidFill>
+            </a:endParaRPr>
+          </a:p>
+          <a:p>
+            <a:endParaRPr lang="en-IE" dirty="0">
+              <a:solidFill>
+                <a:prstClr val="black"/>
+              </a:solidFill>
+              <a:latin typeface="Consolas" panose="020B0609020204030204" pitchFamily="49" charset="0"/>
+            </a:endParaRPr>
+          </a:p>
+          <a:p>
+            <a:pPr lvl="1"/>
+            <a:endParaRPr lang="en-IE" dirty="0"/>
+          </a:p>
+        </p:txBody>
+      </p:sp>
+    </p:spTree>
+    <p:extLst>
+      <p:ext uri="{BB962C8B-B14F-4D97-AF65-F5344CB8AC3E}">
+        <p14:creationId xmlns:p14="http://schemas.microsoft.com/office/powerpoint/2010/main" val="295491682"/>
       </p:ext>
     </p:extLst>
   </p:cSld>

--- a/Lectures/Game AI 3.pptx
+++ b/Lectures/Game AI 3.pptx
@@ -5,7 +5,7 @@
     <p:sldMasterId id="2147483648" r:id="rId1"/>
   </p:sldMasterIdLst>
   <p:notesMasterIdLst>
-    <p:notesMasterId r:id="rId27"/>
+    <p:notesMasterId r:id="rId28"/>
   </p:notesMasterIdLst>
   <p:sldIdLst>
     <p:sldId id="256" r:id="rId2"/>
@@ -33,6 +33,7 @@
     <p:sldId id="277" r:id="rId24"/>
     <p:sldId id="278" r:id="rId25"/>
     <p:sldId id="279" r:id="rId26"/>
+    <p:sldId id="281" r:id="rId27"/>
   </p:sldIdLst>
   <p:sldSz cx="9144000" cy="6858000" type="screen4x3"/>
   <p:notesSz cx="6858000" cy="9144000"/>
@@ -232,7 +233,7 @@
           <a:p>
             <a:fld id="{8B5F6ADF-76BE-4E67-B3A7-E4E519D3E160}" type="datetimeFigureOut">
               <a:rPr lang="en-IE" smtClean="0"/>
-              <a:t>12/02/2014</a:t>
+              <a:t>13/02/2014</a:t>
             </a:fld>
             <a:endParaRPr lang="en-IE"/>
           </a:p>
@@ -669,7 +670,7 @@
         <p:nvSpPr>
           <p:cNvPr id="37891" name="Rectangle 2"/>
           <p:cNvSpPr>
-            <a:spLocks noRot="1" noChangeArrowheads="1" noTextEdit="1"/>
+            <a:spLocks noGrp="1" noRot="1" noChangeAspect="1" noChangeArrowheads="1" noTextEdit="1"/>
           </p:cNvSpPr>
           <p:nvPr>
             <p:ph type="sldImg"/>
@@ -903,7 +904,7 @@
         <p:nvSpPr>
           <p:cNvPr id="38915" name="Rectangle 2"/>
           <p:cNvSpPr>
-            <a:spLocks noRot="1" noChangeArrowheads="1" noTextEdit="1"/>
+            <a:spLocks noGrp="1" noRot="1" noChangeAspect="1" noChangeArrowheads="1" noTextEdit="1"/>
           </p:cNvSpPr>
           <p:nvPr>
             <p:ph type="sldImg"/>
@@ -1137,7 +1138,7 @@
         <p:nvSpPr>
           <p:cNvPr id="39939" name="Rectangle 2"/>
           <p:cNvSpPr>
-            <a:spLocks noRot="1" noChangeArrowheads="1" noTextEdit="1"/>
+            <a:spLocks noGrp="1" noRot="1" noChangeAspect="1" noChangeArrowheads="1" noTextEdit="1"/>
           </p:cNvSpPr>
           <p:nvPr>
             <p:ph type="sldImg"/>
@@ -1383,7 +1384,7 @@
           <a:p>
             <a:fld id="{6FA70D29-463A-43D6-BBEF-693D30580A1C}" type="datetimeFigureOut">
               <a:rPr lang="en-IE" smtClean="0"/>
-              <a:t>12/02/2014</a:t>
+              <a:t>13/02/2014</a:t>
             </a:fld>
             <a:endParaRPr lang="en-IE"/>
           </a:p>
@@ -1553,7 +1554,7 @@
           <a:p>
             <a:fld id="{6FA70D29-463A-43D6-BBEF-693D30580A1C}" type="datetimeFigureOut">
               <a:rPr lang="en-IE" smtClean="0"/>
-              <a:t>12/02/2014</a:t>
+              <a:t>13/02/2014</a:t>
             </a:fld>
             <a:endParaRPr lang="en-IE"/>
           </a:p>
@@ -1733,7 +1734,7 @@
           <a:p>
             <a:fld id="{6FA70D29-463A-43D6-BBEF-693D30580A1C}" type="datetimeFigureOut">
               <a:rPr lang="en-IE" smtClean="0"/>
-              <a:t>12/02/2014</a:t>
+              <a:t>13/02/2014</a:t>
             </a:fld>
             <a:endParaRPr lang="en-IE"/>
           </a:p>
@@ -1903,7 +1904,7 @@
           <a:p>
             <a:fld id="{6FA70D29-463A-43D6-BBEF-693D30580A1C}" type="datetimeFigureOut">
               <a:rPr lang="en-IE" smtClean="0"/>
-              <a:t>12/02/2014</a:t>
+              <a:t>13/02/2014</a:t>
             </a:fld>
             <a:endParaRPr lang="en-IE"/>
           </a:p>
@@ -2149,7 +2150,7 @@
           <a:p>
             <a:fld id="{6FA70D29-463A-43D6-BBEF-693D30580A1C}" type="datetimeFigureOut">
               <a:rPr lang="en-IE" smtClean="0"/>
-              <a:t>12/02/2014</a:t>
+              <a:t>13/02/2014</a:t>
             </a:fld>
             <a:endParaRPr lang="en-IE"/>
           </a:p>
@@ -2437,7 +2438,7 @@
           <a:p>
             <a:fld id="{6FA70D29-463A-43D6-BBEF-693D30580A1C}" type="datetimeFigureOut">
               <a:rPr lang="en-IE" smtClean="0"/>
-              <a:t>12/02/2014</a:t>
+              <a:t>13/02/2014</a:t>
             </a:fld>
             <a:endParaRPr lang="en-IE"/>
           </a:p>
@@ -2859,7 +2860,7 @@
           <a:p>
             <a:fld id="{6FA70D29-463A-43D6-BBEF-693D30580A1C}" type="datetimeFigureOut">
               <a:rPr lang="en-IE" smtClean="0"/>
-              <a:t>12/02/2014</a:t>
+              <a:t>13/02/2014</a:t>
             </a:fld>
             <a:endParaRPr lang="en-IE"/>
           </a:p>
@@ -2977,7 +2978,7 @@
           <a:p>
             <a:fld id="{6FA70D29-463A-43D6-BBEF-693D30580A1C}" type="datetimeFigureOut">
               <a:rPr lang="en-IE" smtClean="0"/>
-              <a:t>12/02/2014</a:t>
+              <a:t>13/02/2014</a:t>
             </a:fld>
             <a:endParaRPr lang="en-IE"/>
           </a:p>
@@ -3072,7 +3073,7 @@
           <a:p>
             <a:fld id="{6FA70D29-463A-43D6-BBEF-693D30580A1C}" type="datetimeFigureOut">
               <a:rPr lang="en-IE" smtClean="0"/>
-              <a:t>12/02/2014</a:t>
+              <a:t>13/02/2014</a:t>
             </a:fld>
             <a:endParaRPr lang="en-IE"/>
           </a:p>
@@ -3349,7 +3350,7 @@
           <a:p>
             <a:fld id="{6FA70D29-463A-43D6-BBEF-693D30580A1C}" type="datetimeFigureOut">
               <a:rPr lang="en-IE" smtClean="0"/>
-              <a:t>12/02/2014</a:t>
+              <a:t>13/02/2014</a:t>
             </a:fld>
             <a:endParaRPr lang="en-IE"/>
           </a:p>
@@ -3602,7 +3603,7 @@
           <a:p>
             <a:fld id="{6FA70D29-463A-43D6-BBEF-693D30580A1C}" type="datetimeFigureOut">
               <a:rPr lang="en-IE" smtClean="0"/>
-              <a:t>12/02/2014</a:t>
+              <a:t>13/02/2014</a:t>
             </a:fld>
             <a:endParaRPr lang="en-IE"/>
           </a:p>
@@ -3815,7 +3816,7 @@
           <a:p>
             <a:fld id="{6FA70D29-463A-43D6-BBEF-693D30580A1C}" type="datetimeFigureOut">
               <a:rPr lang="en-IE" smtClean="0"/>
-              <a:t>12/02/2014</a:t>
+              <a:t>13/02/2014</a:t>
             </a:fld>
             <a:endParaRPr lang="en-IE"/>
           </a:p>
@@ -7977,11 +7978,7 @@
             <a:pPr eaLnBrk="1" hangingPunct="1"/>
             <a:r>
               <a:rPr lang="en-IE" sz="2800" dirty="0" smtClean="0"/>
-              <a:t>Cos(90) </a:t>
-            </a:r>
-            <a:r>
-              <a:rPr lang="en-IE" sz="2800" dirty="0" smtClean="0"/>
-              <a:t>= 0, so</a:t>
+              <a:t>Cos(90) = 0, so</a:t>
             </a:r>
           </a:p>
           <a:p>
@@ -8240,10 +8237,6 @@
               <a:rPr lang="en-IE" sz="2800" dirty="0" smtClean="0"/>
               <a:t>D is the shortest signed distance to the plane</a:t>
             </a:r>
-            <a:r>
-              <a:rPr lang="en-IE" sz="2800" dirty="0" smtClean="0"/>
-              <a:t/>
-            </a:r>
             <a:br>
               <a:rPr lang="en-IE" sz="2800" dirty="0" smtClean="0"/>
             </a:br>
@@ -8263,6 +8256,85 @@
     <p:extLst>
       <p:ext uri="{BB962C8B-B14F-4D97-AF65-F5344CB8AC3E}">
         <p14:creationId xmlns:p14="http://schemas.microsoft.com/office/powerpoint/2010/main" val="773990255"/>
+      </p:ext>
+    </p:extLst>
+  </p:cSld>
+  <p:clrMapOvr>
+    <a:masterClrMapping/>
+  </p:clrMapOvr>
+  <p:timing>
+    <p:tnLst>
+      <p:par>
+        <p:cTn id="1" dur="indefinite" restart="never" nodeType="tmRoot"/>
+      </p:par>
+    </p:tnLst>
+  </p:timing>
+</p:sld>
+</file>
+
+<file path=ppt/slides/slide26.xml><?xml version="1.0" encoding="utf-8"?>
+<p:sld xmlns:a="http://schemas.openxmlformats.org/drawingml/2006/main" xmlns:r="http://schemas.openxmlformats.org/officeDocument/2006/relationships" xmlns:p="http://schemas.openxmlformats.org/presentationml/2006/main">
+  <p:cSld>
+    <p:spTree>
+      <p:nvGrpSpPr>
+        <p:cNvPr id="1" name=""/>
+        <p:cNvGrpSpPr/>
+        <p:nvPr/>
+      </p:nvGrpSpPr>
+      <p:grpSpPr>
+        <a:xfrm>
+          <a:off x="0" y="0"/>
+          <a:ext cx="0" cy="0"/>
+          <a:chOff x="0" y="0"/>
+          <a:chExt cx="0" cy="0"/>
+        </a:xfrm>
+      </p:grpSpPr>
+      <p:sp>
+        <p:nvSpPr>
+          <p:cNvPr id="2" name="Title 1"/>
+          <p:cNvSpPr>
+            <a:spLocks noGrp="1"/>
+          </p:cNvSpPr>
+          <p:nvPr>
+            <p:ph type="title"/>
+          </p:nvPr>
+        </p:nvSpPr>
+        <p:spPr/>
+        <p:txBody>
+          <a:bodyPr/>
+          <a:lstStyle/>
+          <a:p>
+            <a:r>
+              <a:rPr lang="en-IE" dirty="0" smtClean="0"/>
+              <a:t>Planes in Unity</a:t>
+            </a:r>
+            <a:endParaRPr lang="en-IE" dirty="0"/>
+          </a:p>
+        </p:txBody>
+      </p:sp>
+      <p:sp>
+        <p:nvSpPr>
+          <p:cNvPr id="3" name="Content Placeholder 2"/>
+          <p:cNvSpPr>
+            <a:spLocks noGrp="1"/>
+          </p:cNvSpPr>
+          <p:nvPr>
+            <p:ph idx="1"/>
+          </p:nvPr>
+        </p:nvSpPr>
+        <p:spPr/>
+        <p:txBody>
+          <a:bodyPr/>
+          <a:lstStyle/>
+          <a:p>
+            <a:endParaRPr lang="en-IE"/>
+          </a:p>
+        </p:txBody>
+      </p:sp>
+    </p:spTree>
+    <p:extLst>
+      <p:ext uri="{BB962C8B-B14F-4D97-AF65-F5344CB8AC3E}">
+        <p14:creationId xmlns:p14="http://schemas.microsoft.com/office/powerpoint/2010/main" val="3072701023"/>
       </p:ext>
     </p:extLst>
   </p:cSld>

--- a/Lectures/Game AI 3.pptx
+++ b/Lectures/Game AI 3.pptx
@@ -233,7 +233,7 @@
           <a:p>
             <a:fld id="{8B5F6ADF-76BE-4E67-B3A7-E4E519D3E160}" type="datetimeFigureOut">
               <a:rPr lang="en-IE" smtClean="0"/>
-              <a:t>13/02/2014</a:t>
+              <a:t>17/02/2014</a:t>
             </a:fld>
             <a:endParaRPr lang="en-IE"/>
           </a:p>
@@ -1384,7 +1384,7 @@
           <a:p>
             <a:fld id="{6FA70D29-463A-43D6-BBEF-693D30580A1C}" type="datetimeFigureOut">
               <a:rPr lang="en-IE" smtClean="0"/>
-              <a:t>13/02/2014</a:t>
+              <a:t>17/02/2014</a:t>
             </a:fld>
             <a:endParaRPr lang="en-IE"/>
           </a:p>
@@ -1554,7 +1554,7 @@
           <a:p>
             <a:fld id="{6FA70D29-463A-43D6-BBEF-693D30580A1C}" type="datetimeFigureOut">
               <a:rPr lang="en-IE" smtClean="0"/>
-              <a:t>13/02/2014</a:t>
+              <a:t>17/02/2014</a:t>
             </a:fld>
             <a:endParaRPr lang="en-IE"/>
           </a:p>
@@ -1734,7 +1734,7 @@
           <a:p>
             <a:fld id="{6FA70D29-463A-43D6-BBEF-693D30580A1C}" type="datetimeFigureOut">
               <a:rPr lang="en-IE" smtClean="0"/>
-              <a:t>13/02/2014</a:t>
+              <a:t>17/02/2014</a:t>
             </a:fld>
             <a:endParaRPr lang="en-IE"/>
           </a:p>
@@ -1904,7 +1904,7 @@
           <a:p>
             <a:fld id="{6FA70D29-463A-43D6-BBEF-693D30580A1C}" type="datetimeFigureOut">
               <a:rPr lang="en-IE" smtClean="0"/>
-              <a:t>13/02/2014</a:t>
+              <a:t>17/02/2014</a:t>
             </a:fld>
             <a:endParaRPr lang="en-IE"/>
           </a:p>
@@ -2150,7 +2150,7 @@
           <a:p>
             <a:fld id="{6FA70D29-463A-43D6-BBEF-693D30580A1C}" type="datetimeFigureOut">
               <a:rPr lang="en-IE" smtClean="0"/>
-              <a:t>13/02/2014</a:t>
+              <a:t>17/02/2014</a:t>
             </a:fld>
             <a:endParaRPr lang="en-IE"/>
           </a:p>
@@ -2438,7 +2438,7 @@
           <a:p>
             <a:fld id="{6FA70D29-463A-43D6-BBEF-693D30580A1C}" type="datetimeFigureOut">
               <a:rPr lang="en-IE" smtClean="0"/>
-              <a:t>13/02/2014</a:t>
+              <a:t>17/02/2014</a:t>
             </a:fld>
             <a:endParaRPr lang="en-IE"/>
           </a:p>
@@ -2860,7 +2860,7 @@
           <a:p>
             <a:fld id="{6FA70D29-463A-43D6-BBEF-693D30580A1C}" type="datetimeFigureOut">
               <a:rPr lang="en-IE" smtClean="0"/>
-              <a:t>13/02/2014</a:t>
+              <a:t>17/02/2014</a:t>
             </a:fld>
             <a:endParaRPr lang="en-IE"/>
           </a:p>
@@ -2978,7 +2978,7 @@
           <a:p>
             <a:fld id="{6FA70D29-463A-43D6-BBEF-693D30580A1C}" type="datetimeFigureOut">
               <a:rPr lang="en-IE" smtClean="0"/>
-              <a:t>13/02/2014</a:t>
+              <a:t>17/02/2014</a:t>
             </a:fld>
             <a:endParaRPr lang="en-IE"/>
           </a:p>
@@ -3073,7 +3073,7 @@
           <a:p>
             <a:fld id="{6FA70D29-463A-43D6-BBEF-693D30580A1C}" type="datetimeFigureOut">
               <a:rPr lang="en-IE" smtClean="0"/>
-              <a:t>13/02/2014</a:t>
+              <a:t>17/02/2014</a:t>
             </a:fld>
             <a:endParaRPr lang="en-IE"/>
           </a:p>
@@ -3350,7 +3350,7 @@
           <a:p>
             <a:fld id="{6FA70D29-463A-43D6-BBEF-693D30580A1C}" type="datetimeFigureOut">
               <a:rPr lang="en-IE" smtClean="0"/>
-              <a:t>13/02/2014</a:t>
+              <a:t>17/02/2014</a:t>
             </a:fld>
             <a:endParaRPr lang="en-IE"/>
           </a:p>
@@ -3603,7 +3603,7 @@
           <a:p>
             <a:fld id="{6FA70D29-463A-43D6-BBEF-693D30580A1C}" type="datetimeFigureOut">
               <a:rPr lang="en-IE" smtClean="0"/>
-              <a:t>13/02/2014</a:t>
+              <a:t>17/02/2014</a:t>
             </a:fld>
             <a:endParaRPr lang="en-IE"/>
           </a:p>
@@ -3816,7 +3816,7 @@
           <a:p>
             <a:fld id="{6FA70D29-463A-43D6-BBEF-693D30580A1C}" type="datetimeFigureOut">
               <a:rPr lang="en-IE" smtClean="0"/>
-              <a:t>13/02/2014</a:t>
+              <a:t>17/02/2014</a:t>
             </a:fld>
             <a:endParaRPr lang="en-IE"/>
           </a:p>
@@ -5461,7 +5461,7 @@
             <a:pPr lvl="1"/>
             <a:r>
               <a:rPr lang="en-IE" dirty="0" smtClean="0"/>
-              <a:t>Boid, obstacle, MainCamera</a:t>
+              <a:t>“boid”, “obstacle”, “MainCamera”</a:t>
             </a:r>
             <a:endParaRPr lang="en-IE" dirty="0"/>
           </a:p>

--- a/Lectures/Game AI 3.pptx
+++ b/Lectures/Game AI 3.pptx
@@ -5,7 +5,7 @@
     <p:sldMasterId id="2147483648" r:id="rId1"/>
   </p:sldMasterIdLst>
   <p:notesMasterIdLst>
-    <p:notesMasterId r:id="rId28"/>
+    <p:notesMasterId r:id="rId43"/>
   </p:notesMasterIdLst>
   <p:sldIdLst>
     <p:sldId id="256" r:id="rId2"/>
@@ -30,10 +30,25 @@
     <p:sldId id="276" r:id="rId21"/>
     <p:sldId id="274" r:id="rId22"/>
     <p:sldId id="280" r:id="rId23"/>
-    <p:sldId id="277" r:id="rId24"/>
+    <p:sldId id="282" r:id="rId24"/>
     <p:sldId id="278" r:id="rId25"/>
     <p:sldId id="279" r:id="rId26"/>
-    <p:sldId id="281" r:id="rId27"/>
+    <p:sldId id="283" r:id="rId27"/>
+    <p:sldId id="284" r:id="rId28"/>
+    <p:sldId id="285" r:id="rId29"/>
+    <p:sldId id="281" r:id="rId30"/>
+    <p:sldId id="286" r:id="rId31"/>
+    <p:sldId id="297" r:id="rId32"/>
+    <p:sldId id="287" r:id="rId33"/>
+    <p:sldId id="288" r:id="rId34"/>
+    <p:sldId id="289" r:id="rId35"/>
+    <p:sldId id="290" r:id="rId36"/>
+    <p:sldId id="292" r:id="rId37"/>
+    <p:sldId id="293" r:id="rId38"/>
+    <p:sldId id="294" r:id="rId39"/>
+    <p:sldId id="295" r:id="rId40"/>
+    <p:sldId id="291" r:id="rId41"/>
+    <p:sldId id="296" r:id="rId42"/>
   </p:sldIdLst>
   <p:sldSz cx="9144000" cy="6858000" type="screen4x3"/>
   <p:notesSz cx="6858000" cy="9144000"/>
@@ -233,7 +248,7 @@
           <a:p>
             <a:fld id="{8B5F6ADF-76BE-4E67-B3A7-E4E519D3E160}" type="datetimeFigureOut">
               <a:rPr lang="en-IE" smtClean="0"/>
-              <a:t>13/02/2014</a:t>
+              <a:t>20/02/2014</a:t>
             </a:fld>
             <a:endParaRPr lang="en-IE"/>
           </a:p>
@@ -520,7 +535,7 @@
       </p:grpSpPr>
       <p:sp>
         <p:nvSpPr>
-          <p:cNvPr id="37890" name="Rectangle 7"/>
+          <p:cNvPr id="38914" name="Rectangle 7"/>
           <p:cNvSpPr>
             <a:spLocks noGrp="1" noChangeArrowheads="1"/>
           </p:cNvSpPr>
@@ -653,12 +668,12 @@
           </a:lstStyle>
           <a:p>
             <a:pPr eaLnBrk="1" hangingPunct="1"/>
-            <a:fld id="{602E12EA-CE46-4775-8925-33B4B3F27F57}" type="slidenum">
+            <a:fld id="{E54142A0-F00D-4F94-AAB4-C3ECA8EE83CE}" type="slidenum">
               <a:rPr lang="en-IE" sz="1200">
                 <a:latin typeface="Times New Roman" panose="02020603050405020304" pitchFamily="18" charset="0"/>
               </a:rPr>
               <a:pPr eaLnBrk="1" hangingPunct="1"/>
-              <a:t>23</a:t>
+              <a:t>24</a:t>
             </a:fld>
             <a:endParaRPr lang="en-IE" sz="1200">
               <a:latin typeface="Times New Roman" panose="02020603050405020304" pitchFamily="18" charset="0"/>
@@ -668,7 +683,7 @@
       </p:sp>
       <p:sp>
         <p:nvSpPr>
-          <p:cNvPr id="37891" name="Rectangle 2"/>
+          <p:cNvPr id="38915" name="Rectangle 2"/>
           <p:cNvSpPr>
             <a:spLocks noGrp="1" noRot="1" noChangeAspect="1" noChangeArrowheads="1" noTextEdit="1"/>
           </p:cNvSpPr>
@@ -682,7 +697,7 @@
       </p:sp>
       <p:sp>
         <p:nvSpPr>
-          <p:cNvPr id="37892" name="Rectangle 3"/>
+          <p:cNvPr id="38916" name="Rectangle 3"/>
           <p:cNvSpPr>
             <a:spLocks noGrp="1" noChangeArrowheads="1"/>
           </p:cNvSpPr>
@@ -725,7 +740,7 @@
     </p:spTree>
     <p:extLst>
       <p:ext uri="{BB962C8B-B14F-4D97-AF65-F5344CB8AC3E}">
-        <p14:creationId xmlns:p14="http://schemas.microsoft.com/office/powerpoint/2010/main" val="932499054"/>
+        <p14:creationId xmlns:p14="http://schemas.microsoft.com/office/powerpoint/2010/main" val="968730709"/>
       </p:ext>
     </p:extLst>
   </p:cSld>
@@ -754,7 +769,7 @@
       </p:grpSpPr>
       <p:sp>
         <p:nvSpPr>
-          <p:cNvPr id="38914" name="Rectangle 7"/>
+          <p:cNvPr id="39938" name="Rectangle 7"/>
           <p:cNvSpPr>
             <a:spLocks noGrp="1" noChangeArrowheads="1"/>
           </p:cNvSpPr>
@@ -887,12 +902,12 @@
           </a:lstStyle>
           <a:p>
             <a:pPr eaLnBrk="1" hangingPunct="1"/>
-            <a:fld id="{E54142A0-F00D-4F94-AAB4-C3ECA8EE83CE}" type="slidenum">
+            <a:fld id="{53D253D4-54FB-4330-826B-2DEB528EE2CD}" type="slidenum">
               <a:rPr lang="en-IE" sz="1200">
                 <a:latin typeface="Times New Roman" panose="02020603050405020304" pitchFamily="18" charset="0"/>
               </a:rPr>
               <a:pPr eaLnBrk="1" hangingPunct="1"/>
-              <a:t>24</a:t>
+              <a:t>25</a:t>
             </a:fld>
             <a:endParaRPr lang="en-IE" sz="1200">
               <a:latin typeface="Times New Roman" panose="02020603050405020304" pitchFamily="18" charset="0"/>
@@ -902,7 +917,7 @@
       </p:sp>
       <p:sp>
         <p:nvSpPr>
-          <p:cNvPr id="38915" name="Rectangle 2"/>
+          <p:cNvPr id="39939" name="Rectangle 2"/>
           <p:cNvSpPr>
             <a:spLocks noGrp="1" noRot="1" noChangeAspect="1" noChangeArrowheads="1" noTextEdit="1"/>
           </p:cNvSpPr>
@@ -916,7 +931,7 @@
       </p:sp>
       <p:sp>
         <p:nvSpPr>
-          <p:cNvPr id="38916" name="Rectangle 3"/>
+          <p:cNvPr id="39940" name="Rectangle 3"/>
           <p:cNvSpPr>
             <a:spLocks noGrp="1" noChangeArrowheads="1"/>
           </p:cNvSpPr>
@@ -959,7 +974,7 @@
     </p:spTree>
     <p:extLst>
       <p:ext uri="{BB962C8B-B14F-4D97-AF65-F5344CB8AC3E}">
-        <p14:creationId xmlns:p14="http://schemas.microsoft.com/office/powerpoint/2010/main" val="968730709"/>
+        <p14:creationId xmlns:p14="http://schemas.microsoft.com/office/powerpoint/2010/main" val="2791426254"/>
       </p:ext>
     </p:extLst>
   </p:cSld>
@@ -988,9 +1003,148 @@
       </p:grpSpPr>
       <p:sp>
         <p:nvSpPr>
-          <p:cNvPr id="39938" name="Rectangle 7"/>
-          <p:cNvSpPr>
-            <a:spLocks noGrp="1" noChangeArrowheads="1"/>
+          <p:cNvPr id="2" name="Slide Image Placeholder 1"/>
+          <p:cNvSpPr>
+            <a:spLocks noGrp="1" noRot="1" noChangeAspect="1"/>
+          </p:cNvSpPr>
+          <p:nvPr>
+            <p:ph type="sldImg"/>
+          </p:nvPr>
+        </p:nvSpPr>
+        <p:spPr/>
+      </p:sp>
+      <p:sp>
+        <p:nvSpPr>
+          <p:cNvPr id="3" name="Notes Placeholder 2"/>
+          <p:cNvSpPr>
+            <a:spLocks noGrp="1"/>
+          </p:cNvSpPr>
+          <p:nvPr>
+            <p:ph type="body" idx="1"/>
+          </p:nvPr>
+        </p:nvSpPr>
+        <p:spPr/>
+        <p:txBody>
+          <a:bodyPr/>
+          <a:lstStyle/>
+          <a:p>
+            <a:endParaRPr lang="en-IE" dirty="0"/>
+          </a:p>
+        </p:txBody>
+      </p:sp>
+      <p:sp>
+        <p:nvSpPr>
+          <p:cNvPr id="4" name="Slide Number Placeholder 3"/>
+          <p:cNvSpPr>
+            <a:spLocks noGrp="1"/>
+          </p:cNvSpPr>
+          <p:nvPr>
+            <p:ph type="sldNum" sz="quarter" idx="10"/>
+          </p:nvPr>
+        </p:nvSpPr>
+        <p:spPr/>
+        <p:txBody>
+          <a:bodyPr/>
+          <a:lstStyle/>
+          <a:p>
+            <a:fld id="{379028E9-9339-45F1-B423-835F58D37BA5}" type="slidenum">
+              <a:rPr lang="en-IE" smtClean="0"/>
+              <a:t>31</a:t>
+            </a:fld>
+            <a:endParaRPr lang="en-IE"/>
+          </a:p>
+        </p:txBody>
+      </p:sp>
+    </p:spTree>
+    <p:extLst>
+      <p:ext uri="{BB962C8B-B14F-4D97-AF65-F5344CB8AC3E}">
+        <p14:creationId xmlns:p14="http://schemas.microsoft.com/office/powerpoint/2010/main" val="3391079112"/>
+      </p:ext>
+    </p:extLst>
+  </p:cSld>
+  <p:clrMapOvr>
+    <a:masterClrMapping/>
+  </p:clrMapOvr>
+</p:notes>
+</file>
+
+<file path=ppt/notesSlides/notesSlide4.xml><?xml version="1.0" encoding="utf-8"?>
+<p:notes xmlns:a="http://schemas.openxmlformats.org/drawingml/2006/main" xmlns:r="http://schemas.openxmlformats.org/officeDocument/2006/relationships" xmlns:p="http://schemas.openxmlformats.org/presentationml/2006/main">
+  <p:cSld>
+    <p:spTree>
+      <p:nvGrpSpPr>
+        <p:cNvPr id="1" name=""/>
+        <p:cNvGrpSpPr/>
+        <p:nvPr/>
+      </p:nvGrpSpPr>
+      <p:grpSpPr>
+        <a:xfrm>
+          <a:off x="0" y="0"/>
+          <a:ext cx="0" cy="0"/>
+          <a:chOff x="0" y="0"/>
+          <a:chExt cx="0" cy="0"/>
+        </a:xfrm>
+      </p:grpSpPr>
+      <p:sp>
+        <p:nvSpPr>
+          <p:cNvPr id="31746" name="Slide Image Placeholder 1"/>
+          <p:cNvSpPr>
+            <a:spLocks noGrp="1" noRot="1" noChangeAspect="1" noTextEdit="1"/>
+          </p:cNvSpPr>
+          <p:nvPr>
+            <p:ph type="sldImg"/>
+          </p:nvPr>
+        </p:nvSpPr>
+        <p:spPr>
+          <a:ln/>
+        </p:spPr>
+      </p:sp>
+      <p:sp>
+        <p:nvSpPr>
+          <p:cNvPr id="31747" name="Notes Placeholder 2"/>
+          <p:cNvSpPr>
+            <a:spLocks noGrp="1"/>
+          </p:cNvSpPr>
+          <p:nvPr>
+            <p:ph type="body" idx="1"/>
+          </p:nvPr>
+        </p:nvSpPr>
+        <p:spPr>
+          <a:noFill/>
+          <a:ln/>
+          <a:extLst>
+            <a:ext uri="{909E8E84-426E-40DD-AFC4-6F175D3DCCD1}">
+              <a14:hiddenFill xmlns:a14="http://schemas.microsoft.com/office/drawing/2010/main">
+                <a:solidFill>
+                  <a:srgbClr val="FFFFFF"/>
+                </a:solidFill>
+              </a14:hiddenFill>
+            </a:ext>
+            <a:ext uri="{91240B29-F687-4F45-9708-019B960494DF}">
+              <a14:hiddenLine xmlns:a14="http://schemas.microsoft.com/office/drawing/2010/main" w="9525">
+                <a:solidFill>
+                  <a:srgbClr val="000000"/>
+                </a:solidFill>
+                <a:miter lim="800000"/>
+                <a:headEnd/>
+                <a:tailEnd/>
+              </a14:hiddenLine>
+            </a:ext>
+          </a:extLst>
+        </p:spPr>
+        <p:txBody>
+          <a:bodyPr/>
+          <a:lstStyle/>
+          <a:p>
+            <a:endParaRPr lang="en-IE" smtClean="0"/>
+          </a:p>
+        </p:txBody>
+      </p:sp>
+      <p:sp>
+        <p:nvSpPr>
+          <p:cNvPr id="31748" name="Slide Number Placeholder 3"/>
+          <p:cNvSpPr>
+            <a:spLocks noGrp="1"/>
           </p:cNvSpPr>
           <p:nvPr>
             <p:ph type="sldNum" sz="quarter" idx="5"/>
@@ -1121,24 +1275,54 @@
           </a:lstStyle>
           <a:p>
             <a:pPr eaLnBrk="1" hangingPunct="1"/>
-            <a:fld id="{53D253D4-54FB-4330-826B-2DEB528EE2CD}" type="slidenum">
-              <a:rPr lang="en-IE" sz="1200">
+            <a:fld id="{0DA5E471-1DBE-4EA6-8247-EEB6A11C97C1}" type="slidenum">
+              <a:rPr lang="en-US" sz="1200">
                 <a:latin typeface="Times New Roman" panose="02020603050405020304" pitchFamily="18" charset="0"/>
               </a:rPr>
               <a:pPr eaLnBrk="1" hangingPunct="1"/>
-              <a:t>25</a:t>
+              <a:t>36</a:t>
             </a:fld>
-            <a:endParaRPr lang="en-IE" sz="1200">
+            <a:endParaRPr lang="en-US" sz="1200">
               <a:latin typeface="Times New Roman" panose="02020603050405020304" pitchFamily="18" charset="0"/>
             </a:endParaRPr>
           </a:p>
         </p:txBody>
       </p:sp>
-      <p:sp>
-        <p:nvSpPr>
-          <p:cNvPr id="39939" name="Rectangle 2"/>
-          <p:cNvSpPr>
-            <a:spLocks noGrp="1" noRot="1" noChangeAspect="1" noChangeArrowheads="1" noTextEdit="1"/>
+    </p:spTree>
+    <p:extLst>
+      <p:ext uri="{BB962C8B-B14F-4D97-AF65-F5344CB8AC3E}">
+        <p14:creationId xmlns:p14="http://schemas.microsoft.com/office/powerpoint/2010/main" val="149171931"/>
+      </p:ext>
+    </p:extLst>
+  </p:cSld>
+  <p:clrMapOvr>
+    <a:masterClrMapping/>
+  </p:clrMapOvr>
+</p:notes>
+</file>
+
+<file path=ppt/notesSlides/notesSlide5.xml><?xml version="1.0" encoding="utf-8"?>
+<p:notes xmlns:a="http://schemas.openxmlformats.org/drawingml/2006/main" xmlns:r="http://schemas.openxmlformats.org/officeDocument/2006/relationships" xmlns:p="http://schemas.openxmlformats.org/presentationml/2006/main">
+  <p:cSld>
+    <p:spTree>
+      <p:nvGrpSpPr>
+        <p:cNvPr id="1" name=""/>
+        <p:cNvGrpSpPr/>
+        <p:nvPr/>
+      </p:nvGrpSpPr>
+      <p:grpSpPr>
+        <a:xfrm>
+          <a:off x="0" y="0"/>
+          <a:ext cx="0" cy="0"/>
+          <a:chOff x="0" y="0"/>
+          <a:chExt cx="0" cy="0"/>
+        </a:xfrm>
+      </p:grpSpPr>
+      <p:sp>
+        <p:nvSpPr>
+          <p:cNvPr id="39938" name="Slide Image Placeholder 1"/>
+          <p:cNvSpPr>
+            <a:spLocks noGrp="1" noRot="1" noChangeAspect="1" noTextEdit="1"/>
           </p:cNvSpPr>
           <p:nvPr>
             <p:ph type="sldImg"/>
@@ -1150,9 +1334,9 @@
       </p:sp>
       <p:sp>
         <p:nvSpPr>
-          <p:cNvPr id="39940" name="Rectangle 3"/>
-          <p:cNvSpPr>
-            <a:spLocks noGrp="1" noChangeArrowheads="1"/>
+          <p:cNvPr id="39939" name="Notes Placeholder 2"/>
+          <p:cNvSpPr>
+            <a:spLocks noGrp="1"/>
           </p:cNvSpPr>
           <p:nvPr>
             <p:ph type="body" idx="1"/>
@@ -1185,15 +1369,395 @@
           <a:bodyPr/>
           <a:lstStyle/>
           <a:p>
+            <a:endParaRPr lang="en-IE" smtClean="0"/>
+          </a:p>
+        </p:txBody>
+      </p:sp>
+      <p:sp>
+        <p:nvSpPr>
+          <p:cNvPr id="39940" name="Slide Number Placeholder 3"/>
+          <p:cNvSpPr>
+            <a:spLocks noGrp="1"/>
+          </p:cNvSpPr>
+          <p:nvPr>
+            <p:ph type="sldNum" sz="quarter" idx="5"/>
+          </p:nvPr>
+        </p:nvSpPr>
+        <p:spPr>
+          <a:noFill/>
+          <a:ln/>
+          <a:extLst>
+            <a:ext uri="{909E8E84-426E-40DD-AFC4-6F175D3DCCD1}">
+              <a14:hiddenFill xmlns:a14="http://schemas.microsoft.com/office/drawing/2010/main">
+                <a:solidFill>
+                  <a:srgbClr val="FFFFFF"/>
+                </a:solidFill>
+              </a14:hiddenFill>
+            </a:ext>
+            <a:ext uri="{91240B29-F687-4F45-9708-019B960494DF}">
+              <a14:hiddenLine xmlns:a14="http://schemas.microsoft.com/office/drawing/2010/main" w="9525">
+                <a:solidFill>
+                  <a:srgbClr val="000000"/>
+                </a:solidFill>
+                <a:miter lim="800000"/>
+                <a:headEnd/>
+                <a:tailEnd/>
+              </a14:hiddenLine>
+            </a:ext>
+          </a:extLst>
+        </p:spPr>
+        <p:txBody>
+          <a:bodyPr/>
+          <a:lstStyle>
+            <a:lvl1pPr eaLnBrk="0" hangingPunct="0">
+              <a:defRPr sz="2400">
+                <a:solidFill>
+                  <a:schemeClr val="tx1"/>
+                </a:solidFill>
+                <a:latin typeface="Tahoma" panose="020B0604030504040204" pitchFamily="34" charset="0"/>
+              </a:defRPr>
+            </a:lvl1pPr>
+            <a:lvl2pPr marL="742950" indent="-285750" eaLnBrk="0" hangingPunct="0">
+              <a:defRPr sz="2400">
+                <a:solidFill>
+                  <a:schemeClr val="tx1"/>
+                </a:solidFill>
+                <a:latin typeface="Tahoma" panose="020B0604030504040204" pitchFamily="34" charset="0"/>
+              </a:defRPr>
+            </a:lvl2pPr>
+            <a:lvl3pPr marL="1143000" indent="-228600" eaLnBrk="0" hangingPunct="0">
+              <a:defRPr sz="2400">
+                <a:solidFill>
+                  <a:schemeClr val="tx1"/>
+                </a:solidFill>
+                <a:latin typeface="Tahoma" panose="020B0604030504040204" pitchFamily="34" charset="0"/>
+              </a:defRPr>
+            </a:lvl3pPr>
+            <a:lvl4pPr marL="1600200" indent="-228600" eaLnBrk="0" hangingPunct="0">
+              <a:defRPr sz="2400">
+                <a:solidFill>
+                  <a:schemeClr val="tx1"/>
+                </a:solidFill>
+                <a:latin typeface="Tahoma" panose="020B0604030504040204" pitchFamily="34" charset="0"/>
+              </a:defRPr>
+            </a:lvl4pPr>
+            <a:lvl5pPr marL="2057400" indent="-228600" eaLnBrk="0" hangingPunct="0">
+              <a:defRPr sz="2400">
+                <a:solidFill>
+                  <a:schemeClr val="tx1"/>
+                </a:solidFill>
+                <a:latin typeface="Tahoma" panose="020B0604030504040204" pitchFamily="34" charset="0"/>
+              </a:defRPr>
+            </a:lvl5pPr>
+            <a:lvl6pPr marL="2514600" indent="-228600" algn="ctr" eaLnBrk="0" fontAlgn="base" hangingPunct="0">
+              <a:spcBef>
+                <a:spcPct val="0"/>
+              </a:spcBef>
+              <a:spcAft>
+                <a:spcPct val="0"/>
+              </a:spcAft>
+              <a:defRPr sz="2400">
+                <a:solidFill>
+                  <a:schemeClr val="tx1"/>
+                </a:solidFill>
+                <a:latin typeface="Tahoma" panose="020B0604030504040204" pitchFamily="34" charset="0"/>
+              </a:defRPr>
+            </a:lvl6pPr>
+            <a:lvl7pPr marL="2971800" indent="-228600" algn="ctr" eaLnBrk="0" fontAlgn="base" hangingPunct="0">
+              <a:spcBef>
+                <a:spcPct val="0"/>
+              </a:spcBef>
+              <a:spcAft>
+                <a:spcPct val="0"/>
+              </a:spcAft>
+              <a:defRPr sz="2400">
+                <a:solidFill>
+                  <a:schemeClr val="tx1"/>
+                </a:solidFill>
+                <a:latin typeface="Tahoma" panose="020B0604030504040204" pitchFamily="34" charset="0"/>
+              </a:defRPr>
+            </a:lvl7pPr>
+            <a:lvl8pPr marL="3429000" indent="-228600" algn="ctr" eaLnBrk="0" fontAlgn="base" hangingPunct="0">
+              <a:spcBef>
+                <a:spcPct val="0"/>
+              </a:spcBef>
+              <a:spcAft>
+                <a:spcPct val="0"/>
+              </a:spcAft>
+              <a:defRPr sz="2400">
+                <a:solidFill>
+                  <a:schemeClr val="tx1"/>
+                </a:solidFill>
+                <a:latin typeface="Tahoma" panose="020B0604030504040204" pitchFamily="34" charset="0"/>
+              </a:defRPr>
+            </a:lvl8pPr>
+            <a:lvl9pPr marL="3886200" indent="-228600" algn="ctr" eaLnBrk="0" fontAlgn="base" hangingPunct="0">
+              <a:spcBef>
+                <a:spcPct val="0"/>
+              </a:spcBef>
+              <a:spcAft>
+                <a:spcPct val="0"/>
+              </a:spcAft>
+              <a:defRPr sz="2400">
+                <a:solidFill>
+                  <a:schemeClr val="tx1"/>
+                </a:solidFill>
+                <a:latin typeface="Tahoma" panose="020B0604030504040204" pitchFamily="34" charset="0"/>
+              </a:defRPr>
+            </a:lvl9pPr>
+          </a:lstStyle>
+          <a:p>
             <a:pPr eaLnBrk="1" hangingPunct="1"/>
-            <a:endParaRPr lang="en-IE" smtClean="0"/>
+            <a:fld id="{8A5CA7DF-2F1B-44BA-A113-86C41FBB619E}" type="slidenum">
+              <a:rPr lang="en-US" sz="1200">
+                <a:latin typeface="Times New Roman" panose="02020603050405020304" pitchFamily="18" charset="0"/>
+              </a:rPr>
+              <a:pPr eaLnBrk="1" hangingPunct="1"/>
+              <a:t>38</a:t>
+            </a:fld>
+            <a:endParaRPr lang="en-US" sz="1200">
+              <a:latin typeface="Times New Roman" panose="02020603050405020304" pitchFamily="18" charset="0"/>
+            </a:endParaRPr>
           </a:p>
         </p:txBody>
       </p:sp>
     </p:spTree>
     <p:extLst>
       <p:ext uri="{BB962C8B-B14F-4D97-AF65-F5344CB8AC3E}">
-        <p14:creationId xmlns:p14="http://schemas.microsoft.com/office/powerpoint/2010/main" val="2791426254"/>
+        <p14:creationId xmlns:p14="http://schemas.microsoft.com/office/powerpoint/2010/main" val="2260992116"/>
+      </p:ext>
+    </p:extLst>
+  </p:cSld>
+  <p:clrMapOvr>
+    <a:masterClrMapping/>
+  </p:clrMapOvr>
+</p:notes>
+</file>
+
+<file path=ppt/notesSlides/notesSlide6.xml><?xml version="1.0" encoding="utf-8"?>
+<p:notes xmlns:a="http://schemas.openxmlformats.org/drawingml/2006/main" xmlns:r="http://schemas.openxmlformats.org/officeDocument/2006/relationships" xmlns:p="http://schemas.openxmlformats.org/presentationml/2006/main">
+  <p:cSld>
+    <p:spTree>
+      <p:nvGrpSpPr>
+        <p:cNvPr id="1" name=""/>
+        <p:cNvGrpSpPr/>
+        <p:nvPr/>
+      </p:nvGrpSpPr>
+      <p:grpSpPr>
+        <a:xfrm>
+          <a:off x="0" y="0"/>
+          <a:ext cx="0" cy="0"/>
+          <a:chOff x="0" y="0"/>
+          <a:chExt cx="0" cy="0"/>
+        </a:xfrm>
+      </p:grpSpPr>
+      <p:sp>
+        <p:nvSpPr>
+          <p:cNvPr id="40962" name="Slide Image Placeholder 1"/>
+          <p:cNvSpPr>
+            <a:spLocks noGrp="1" noRot="1" noChangeAspect="1" noTextEdit="1"/>
+          </p:cNvSpPr>
+          <p:nvPr>
+            <p:ph type="sldImg"/>
+          </p:nvPr>
+        </p:nvSpPr>
+        <p:spPr>
+          <a:ln/>
+        </p:spPr>
+      </p:sp>
+      <p:sp>
+        <p:nvSpPr>
+          <p:cNvPr id="40963" name="Notes Placeholder 2"/>
+          <p:cNvSpPr>
+            <a:spLocks noGrp="1"/>
+          </p:cNvSpPr>
+          <p:nvPr>
+            <p:ph type="body" idx="1"/>
+          </p:nvPr>
+        </p:nvSpPr>
+        <p:spPr>
+          <a:noFill/>
+          <a:ln/>
+          <a:extLst>
+            <a:ext uri="{909E8E84-426E-40DD-AFC4-6F175D3DCCD1}">
+              <a14:hiddenFill xmlns:a14="http://schemas.microsoft.com/office/drawing/2010/main">
+                <a:solidFill>
+                  <a:srgbClr val="FFFFFF"/>
+                </a:solidFill>
+              </a14:hiddenFill>
+            </a:ext>
+            <a:ext uri="{91240B29-F687-4F45-9708-019B960494DF}">
+              <a14:hiddenLine xmlns:a14="http://schemas.microsoft.com/office/drawing/2010/main" w="9525">
+                <a:solidFill>
+                  <a:srgbClr val="000000"/>
+                </a:solidFill>
+                <a:miter lim="800000"/>
+                <a:headEnd/>
+                <a:tailEnd/>
+              </a14:hiddenLine>
+            </a:ext>
+          </a:extLst>
+        </p:spPr>
+        <p:txBody>
+          <a:bodyPr/>
+          <a:lstStyle/>
+          <a:p>
+            <a:endParaRPr lang="en-IE" smtClean="0"/>
+          </a:p>
+        </p:txBody>
+      </p:sp>
+      <p:sp>
+        <p:nvSpPr>
+          <p:cNvPr id="40964" name="Slide Number Placeholder 3"/>
+          <p:cNvSpPr>
+            <a:spLocks noGrp="1"/>
+          </p:cNvSpPr>
+          <p:nvPr>
+            <p:ph type="sldNum" sz="quarter" idx="5"/>
+          </p:nvPr>
+        </p:nvSpPr>
+        <p:spPr>
+          <a:noFill/>
+          <a:ln/>
+          <a:extLst>
+            <a:ext uri="{909E8E84-426E-40DD-AFC4-6F175D3DCCD1}">
+              <a14:hiddenFill xmlns:a14="http://schemas.microsoft.com/office/drawing/2010/main">
+                <a:solidFill>
+                  <a:srgbClr val="FFFFFF"/>
+                </a:solidFill>
+              </a14:hiddenFill>
+            </a:ext>
+            <a:ext uri="{91240B29-F687-4F45-9708-019B960494DF}">
+              <a14:hiddenLine xmlns:a14="http://schemas.microsoft.com/office/drawing/2010/main" w="9525">
+                <a:solidFill>
+                  <a:srgbClr val="000000"/>
+                </a:solidFill>
+                <a:miter lim="800000"/>
+                <a:headEnd/>
+                <a:tailEnd/>
+              </a14:hiddenLine>
+            </a:ext>
+          </a:extLst>
+        </p:spPr>
+        <p:txBody>
+          <a:bodyPr/>
+          <a:lstStyle>
+            <a:lvl1pPr eaLnBrk="0" hangingPunct="0">
+              <a:defRPr sz="2400">
+                <a:solidFill>
+                  <a:schemeClr val="tx1"/>
+                </a:solidFill>
+                <a:latin typeface="Tahoma" panose="020B0604030504040204" pitchFamily="34" charset="0"/>
+              </a:defRPr>
+            </a:lvl1pPr>
+            <a:lvl2pPr marL="742950" indent="-285750" eaLnBrk="0" hangingPunct="0">
+              <a:defRPr sz="2400">
+                <a:solidFill>
+                  <a:schemeClr val="tx1"/>
+                </a:solidFill>
+                <a:latin typeface="Tahoma" panose="020B0604030504040204" pitchFamily="34" charset="0"/>
+              </a:defRPr>
+            </a:lvl2pPr>
+            <a:lvl3pPr marL="1143000" indent="-228600" eaLnBrk="0" hangingPunct="0">
+              <a:defRPr sz="2400">
+                <a:solidFill>
+                  <a:schemeClr val="tx1"/>
+                </a:solidFill>
+                <a:latin typeface="Tahoma" panose="020B0604030504040204" pitchFamily="34" charset="0"/>
+              </a:defRPr>
+            </a:lvl3pPr>
+            <a:lvl4pPr marL="1600200" indent="-228600" eaLnBrk="0" hangingPunct="0">
+              <a:defRPr sz="2400">
+                <a:solidFill>
+                  <a:schemeClr val="tx1"/>
+                </a:solidFill>
+                <a:latin typeface="Tahoma" panose="020B0604030504040204" pitchFamily="34" charset="0"/>
+              </a:defRPr>
+            </a:lvl4pPr>
+            <a:lvl5pPr marL="2057400" indent="-228600" eaLnBrk="0" hangingPunct="0">
+              <a:defRPr sz="2400">
+                <a:solidFill>
+                  <a:schemeClr val="tx1"/>
+                </a:solidFill>
+                <a:latin typeface="Tahoma" panose="020B0604030504040204" pitchFamily="34" charset="0"/>
+              </a:defRPr>
+            </a:lvl5pPr>
+            <a:lvl6pPr marL="2514600" indent="-228600" algn="ctr" eaLnBrk="0" fontAlgn="base" hangingPunct="0">
+              <a:spcBef>
+                <a:spcPct val="0"/>
+              </a:spcBef>
+              <a:spcAft>
+                <a:spcPct val="0"/>
+              </a:spcAft>
+              <a:defRPr sz="2400">
+                <a:solidFill>
+                  <a:schemeClr val="tx1"/>
+                </a:solidFill>
+                <a:latin typeface="Tahoma" panose="020B0604030504040204" pitchFamily="34" charset="0"/>
+              </a:defRPr>
+            </a:lvl6pPr>
+            <a:lvl7pPr marL="2971800" indent="-228600" algn="ctr" eaLnBrk="0" fontAlgn="base" hangingPunct="0">
+              <a:spcBef>
+                <a:spcPct val="0"/>
+              </a:spcBef>
+              <a:spcAft>
+                <a:spcPct val="0"/>
+              </a:spcAft>
+              <a:defRPr sz="2400">
+                <a:solidFill>
+                  <a:schemeClr val="tx1"/>
+                </a:solidFill>
+                <a:latin typeface="Tahoma" panose="020B0604030504040204" pitchFamily="34" charset="0"/>
+              </a:defRPr>
+            </a:lvl7pPr>
+            <a:lvl8pPr marL="3429000" indent="-228600" algn="ctr" eaLnBrk="0" fontAlgn="base" hangingPunct="0">
+              <a:spcBef>
+                <a:spcPct val="0"/>
+              </a:spcBef>
+              <a:spcAft>
+                <a:spcPct val="0"/>
+              </a:spcAft>
+              <a:defRPr sz="2400">
+                <a:solidFill>
+                  <a:schemeClr val="tx1"/>
+                </a:solidFill>
+                <a:latin typeface="Tahoma" panose="020B0604030504040204" pitchFamily="34" charset="0"/>
+              </a:defRPr>
+            </a:lvl8pPr>
+            <a:lvl9pPr marL="3886200" indent="-228600" algn="ctr" eaLnBrk="0" fontAlgn="base" hangingPunct="0">
+              <a:spcBef>
+                <a:spcPct val="0"/>
+              </a:spcBef>
+              <a:spcAft>
+                <a:spcPct val="0"/>
+              </a:spcAft>
+              <a:defRPr sz="2400">
+                <a:solidFill>
+                  <a:schemeClr val="tx1"/>
+                </a:solidFill>
+                <a:latin typeface="Tahoma" panose="020B0604030504040204" pitchFamily="34" charset="0"/>
+              </a:defRPr>
+            </a:lvl9pPr>
+          </a:lstStyle>
+          <a:p>
+            <a:pPr eaLnBrk="1" hangingPunct="1"/>
+            <a:fld id="{CEF282CD-D489-4870-809F-215218E4B0D9}" type="slidenum">
+              <a:rPr lang="en-US" sz="1200">
+                <a:latin typeface="Times New Roman" panose="02020603050405020304" pitchFamily="18" charset="0"/>
+              </a:rPr>
+              <a:pPr eaLnBrk="1" hangingPunct="1"/>
+              <a:t>39</a:t>
+            </a:fld>
+            <a:endParaRPr lang="en-US" sz="1200">
+              <a:latin typeface="Times New Roman" panose="02020603050405020304" pitchFamily="18" charset="0"/>
+            </a:endParaRPr>
+          </a:p>
+        </p:txBody>
+      </p:sp>
+    </p:spTree>
+    <p:extLst>
+      <p:ext uri="{BB962C8B-B14F-4D97-AF65-F5344CB8AC3E}">
+        <p14:creationId xmlns:p14="http://schemas.microsoft.com/office/powerpoint/2010/main" val="2319601047"/>
       </p:ext>
     </p:extLst>
   </p:cSld>
@@ -1384,7 +1948,7 @@
           <a:p>
             <a:fld id="{6FA70D29-463A-43D6-BBEF-693D30580A1C}" type="datetimeFigureOut">
               <a:rPr lang="en-IE" smtClean="0"/>
-              <a:t>13/02/2014</a:t>
+              <a:t>20/02/2014</a:t>
             </a:fld>
             <a:endParaRPr lang="en-IE"/>
           </a:p>
@@ -1554,7 +2118,7 @@
           <a:p>
             <a:fld id="{6FA70D29-463A-43D6-BBEF-693D30580A1C}" type="datetimeFigureOut">
               <a:rPr lang="en-IE" smtClean="0"/>
-              <a:t>13/02/2014</a:t>
+              <a:t>20/02/2014</a:t>
             </a:fld>
             <a:endParaRPr lang="en-IE"/>
           </a:p>
@@ -1734,7 +2298,7 @@
           <a:p>
             <a:fld id="{6FA70D29-463A-43D6-BBEF-693D30580A1C}" type="datetimeFigureOut">
               <a:rPr lang="en-IE" smtClean="0"/>
-              <a:t>13/02/2014</a:t>
+              <a:t>20/02/2014</a:t>
             </a:fld>
             <a:endParaRPr lang="en-IE"/>
           </a:p>
@@ -1786,6 +2350,242 @@
     <p:extLst>
       <p:ext uri="{BB962C8B-B14F-4D97-AF65-F5344CB8AC3E}">
         <p14:creationId xmlns:p14="http://schemas.microsoft.com/office/powerpoint/2010/main" val="2499534395"/>
+      </p:ext>
+    </p:extLst>
+  </p:cSld>
+  <p:clrMapOvr>
+    <a:masterClrMapping/>
+  </p:clrMapOvr>
+</p:sldLayout>
+</file>
+
+<file path=ppt/slideLayouts/slideLayout12.xml><?xml version="1.0" encoding="utf-8"?>
+<p:sldLayout xmlns:a="http://schemas.openxmlformats.org/drawingml/2006/main" xmlns:r="http://schemas.openxmlformats.org/officeDocument/2006/relationships" xmlns:p="http://schemas.openxmlformats.org/presentationml/2006/main" type="txAndObj">
+  <p:cSld name="Title, Text, and Content">
+    <p:spTree>
+      <p:nvGrpSpPr>
+        <p:cNvPr id="1" name=""/>
+        <p:cNvGrpSpPr/>
+        <p:nvPr/>
+      </p:nvGrpSpPr>
+      <p:grpSpPr>
+        <a:xfrm>
+          <a:off x="0" y="0"/>
+          <a:ext cx="0" cy="0"/>
+          <a:chOff x="0" y="0"/>
+          <a:chExt cx="0" cy="0"/>
+        </a:xfrm>
+      </p:grpSpPr>
+      <p:sp>
+        <p:nvSpPr>
+          <p:cNvPr id="2" name="Title 1"/>
+          <p:cNvSpPr>
+            <a:spLocks noGrp="1"/>
+          </p:cNvSpPr>
+          <p:nvPr>
+            <p:ph type="title"/>
+          </p:nvPr>
+        </p:nvSpPr>
+        <p:spPr>
+          <a:xfrm>
+            <a:off x="838200" y="304800"/>
+            <a:ext cx="7793038" cy="1143000"/>
+          </a:xfrm>
+        </p:spPr>
+        <p:txBody>
+          <a:bodyPr/>
+          <a:lstStyle/>
+          <a:p>
+            <a:r>
+              <a:rPr lang="en-US" smtClean="0"/>
+              <a:t>Click to edit Master title style</a:t>
+            </a:r>
+            <a:endParaRPr lang="en-IE"/>
+          </a:p>
+        </p:txBody>
+      </p:sp>
+      <p:sp>
+        <p:nvSpPr>
+          <p:cNvPr id="3" name="Text Placeholder 2"/>
+          <p:cNvSpPr>
+            <a:spLocks noGrp="1"/>
+          </p:cNvSpPr>
+          <p:nvPr>
+            <p:ph type="body" sz="half" idx="1"/>
+          </p:nvPr>
+        </p:nvSpPr>
+        <p:spPr>
+          <a:xfrm>
+            <a:off x="914400" y="1676400"/>
+            <a:ext cx="3810000" cy="4419600"/>
+          </a:xfrm>
+        </p:spPr>
+        <p:txBody>
+          <a:bodyPr/>
+          <a:lstStyle/>
+          <a:p>
+            <a:pPr lvl="0"/>
+            <a:r>
+              <a:rPr lang="en-US" smtClean="0"/>
+              <a:t>Click to edit Master text styles</a:t>
+            </a:r>
+          </a:p>
+          <a:p>
+            <a:pPr lvl="1"/>
+            <a:r>
+              <a:rPr lang="en-US" smtClean="0"/>
+              <a:t>Second level</a:t>
+            </a:r>
+          </a:p>
+          <a:p>
+            <a:pPr lvl="2"/>
+            <a:r>
+              <a:rPr lang="en-US" smtClean="0"/>
+              <a:t>Third level</a:t>
+            </a:r>
+          </a:p>
+          <a:p>
+            <a:pPr lvl="3"/>
+            <a:r>
+              <a:rPr lang="en-US" smtClean="0"/>
+              <a:t>Fourth level</a:t>
+            </a:r>
+          </a:p>
+          <a:p>
+            <a:pPr lvl="4"/>
+            <a:r>
+              <a:rPr lang="en-US" smtClean="0"/>
+              <a:t>Fifth level</a:t>
+            </a:r>
+            <a:endParaRPr lang="en-IE"/>
+          </a:p>
+        </p:txBody>
+      </p:sp>
+      <p:sp>
+        <p:nvSpPr>
+          <p:cNvPr id="4" name="Content Placeholder 3"/>
+          <p:cNvSpPr>
+            <a:spLocks noGrp="1"/>
+          </p:cNvSpPr>
+          <p:nvPr>
+            <p:ph sz="half" idx="2"/>
+          </p:nvPr>
+        </p:nvSpPr>
+        <p:spPr>
+          <a:xfrm>
+            <a:off x="4876800" y="1676400"/>
+            <a:ext cx="3810000" cy="4419600"/>
+          </a:xfrm>
+        </p:spPr>
+        <p:txBody>
+          <a:bodyPr/>
+          <a:lstStyle/>
+          <a:p>
+            <a:pPr lvl="0"/>
+            <a:r>
+              <a:rPr lang="en-US" smtClean="0"/>
+              <a:t>Click to edit Master text styles</a:t>
+            </a:r>
+          </a:p>
+          <a:p>
+            <a:pPr lvl="1"/>
+            <a:r>
+              <a:rPr lang="en-US" smtClean="0"/>
+              <a:t>Second level</a:t>
+            </a:r>
+          </a:p>
+          <a:p>
+            <a:pPr lvl="2"/>
+            <a:r>
+              <a:rPr lang="en-US" smtClean="0"/>
+              <a:t>Third level</a:t>
+            </a:r>
+          </a:p>
+          <a:p>
+            <a:pPr lvl="3"/>
+            <a:r>
+              <a:rPr lang="en-US" smtClean="0"/>
+              <a:t>Fourth level</a:t>
+            </a:r>
+          </a:p>
+          <a:p>
+            <a:pPr lvl="4"/>
+            <a:r>
+              <a:rPr lang="en-US" smtClean="0"/>
+              <a:t>Fifth level</a:t>
+            </a:r>
+            <a:endParaRPr lang="en-IE"/>
+          </a:p>
+        </p:txBody>
+      </p:sp>
+      <p:sp>
+        <p:nvSpPr>
+          <p:cNvPr id="5" name="Footer Placeholder 4"/>
+          <p:cNvSpPr>
+            <a:spLocks noGrp="1"/>
+          </p:cNvSpPr>
+          <p:nvPr>
+            <p:ph type="ftr" sz="quarter" idx="10"/>
+          </p:nvPr>
+        </p:nvSpPr>
+        <p:spPr>
+          <a:xfrm>
+            <a:off x="914400" y="6324600"/>
+            <a:ext cx="2895600" cy="457200"/>
+          </a:xfrm>
+        </p:spPr>
+        <p:txBody>
+          <a:bodyPr/>
+          <a:lstStyle>
+            <a:lvl1pPr>
+              <a:defRPr/>
+            </a:lvl1pPr>
+          </a:lstStyle>
+          <a:p>
+            <a:pPr>
+              <a:defRPr/>
+            </a:pPr>
+            <a:endParaRPr lang="en-US"/>
+          </a:p>
+        </p:txBody>
+      </p:sp>
+      <p:sp>
+        <p:nvSpPr>
+          <p:cNvPr id="6" name="Slide Number Placeholder 5"/>
+          <p:cNvSpPr>
+            <a:spLocks noGrp="1"/>
+          </p:cNvSpPr>
+          <p:nvPr>
+            <p:ph type="sldNum" sz="quarter" idx="11"/>
+          </p:nvPr>
+        </p:nvSpPr>
+        <p:spPr>
+          <a:xfrm>
+            <a:off x="6781800" y="6324600"/>
+            <a:ext cx="1905000" cy="457200"/>
+          </a:xfrm>
+        </p:spPr>
+        <p:txBody>
+          <a:bodyPr/>
+          <a:lstStyle>
+            <a:lvl1pPr>
+              <a:defRPr/>
+            </a:lvl1pPr>
+          </a:lstStyle>
+          <a:p>
+            <a:fld id="{65BEA354-5623-4679-9823-04ECDB1F7EDA}" type="slidenum">
+              <a:rPr lang="en-US"/>
+              <a:pPr/>
+              <a:t>‹#›</a:t>
+            </a:fld>
+            <a:endParaRPr lang="en-US"/>
+          </a:p>
+        </p:txBody>
+      </p:sp>
+    </p:spTree>
+    <p:extLst>
+      <p:ext uri="{BB962C8B-B14F-4D97-AF65-F5344CB8AC3E}">
+        <p14:creationId xmlns:p14="http://schemas.microsoft.com/office/powerpoint/2010/main" val="505674830"/>
       </p:ext>
     </p:extLst>
   </p:cSld>
@@ -1904,7 +2704,7 @@
           <a:p>
             <a:fld id="{6FA70D29-463A-43D6-BBEF-693D30580A1C}" type="datetimeFigureOut">
               <a:rPr lang="en-IE" smtClean="0"/>
-              <a:t>13/02/2014</a:t>
+              <a:t>20/02/2014</a:t>
             </a:fld>
             <a:endParaRPr lang="en-IE"/>
           </a:p>
@@ -2150,7 +2950,7 @@
           <a:p>
             <a:fld id="{6FA70D29-463A-43D6-BBEF-693D30580A1C}" type="datetimeFigureOut">
               <a:rPr lang="en-IE" smtClean="0"/>
-              <a:t>13/02/2014</a:t>
+              <a:t>20/02/2014</a:t>
             </a:fld>
             <a:endParaRPr lang="en-IE"/>
           </a:p>
@@ -2438,7 +3238,7 @@
           <a:p>
             <a:fld id="{6FA70D29-463A-43D6-BBEF-693D30580A1C}" type="datetimeFigureOut">
               <a:rPr lang="en-IE" smtClean="0"/>
-              <a:t>13/02/2014</a:t>
+              <a:t>20/02/2014</a:t>
             </a:fld>
             <a:endParaRPr lang="en-IE"/>
           </a:p>
@@ -2860,7 +3660,7 @@
           <a:p>
             <a:fld id="{6FA70D29-463A-43D6-BBEF-693D30580A1C}" type="datetimeFigureOut">
               <a:rPr lang="en-IE" smtClean="0"/>
-              <a:t>13/02/2014</a:t>
+              <a:t>20/02/2014</a:t>
             </a:fld>
             <a:endParaRPr lang="en-IE"/>
           </a:p>
@@ -2978,7 +3778,7 @@
           <a:p>
             <a:fld id="{6FA70D29-463A-43D6-BBEF-693D30580A1C}" type="datetimeFigureOut">
               <a:rPr lang="en-IE" smtClean="0"/>
-              <a:t>13/02/2014</a:t>
+              <a:t>20/02/2014</a:t>
             </a:fld>
             <a:endParaRPr lang="en-IE"/>
           </a:p>
@@ -3073,7 +3873,7 @@
           <a:p>
             <a:fld id="{6FA70D29-463A-43D6-BBEF-693D30580A1C}" type="datetimeFigureOut">
               <a:rPr lang="en-IE" smtClean="0"/>
-              <a:t>13/02/2014</a:t>
+              <a:t>20/02/2014</a:t>
             </a:fld>
             <a:endParaRPr lang="en-IE"/>
           </a:p>
@@ -3350,7 +4150,7 @@
           <a:p>
             <a:fld id="{6FA70D29-463A-43D6-BBEF-693D30580A1C}" type="datetimeFigureOut">
               <a:rPr lang="en-IE" smtClean="0"/>
-              <a:t>13/02/2014</a:t>
+              <a:t>20/02/2014</a:t>
             </a:fld>
             <a:endParaRPr lang="en-IE"/>
           </a:p>
@@ -3603,7 +4403,7 @@
           <a:p>
             <a:fld id="{6FA70D29-463A-43D6-BBEF-693D30580A1C}" type="datetimeFigureOut">
               <a:rPr lang="en-IE" smtClean="0"/>
-              <a:t>13/02/2014</a:t>
+              <a:t>20/02/2014</a:t>
             </a:fld>
             <a:endParaRPr lang="en-IE"/>
           </a:p>
@@ -3816,7 +4616,7 @@
           <a:p>
             <a:fld id="{6FA70D29-463A-43D6-BBEF-693D30580A1C}" type="datetimeFigureOut">
               <a:rPr lang="en-IE" smtClean="0"/>
-              <a:t>13/02/2014</a:t>
+              <a:t>20/02/2014</a:t>
             </a:fld>
             <a:endParaRPr lang="en-IE"/>
           </a:p>
@@ -3909,7 +4709,7 @@
           <p:nvPr userDrawn="1"/>
         </p:nvPicPr>
         <p:blipFill>
-          <a:blip r:embed="rId13" cstate="print">
+          <a:blip r:embed="rId14" cstate="print">
             <a:extLst>
               <a:ext uri="{28A0092B-C50C-407E-A947-70E740481C1C}">
                 <a14:useLocalDpi xmlns:a14="http://schemas.microsoft.com/office/drawing/2010/main" val="0"/>
@@ -3950,7 +4750,7 @@
           <p:nvPr userDrawn="1"/>
         </p:nvPicPr>
         <p:blipFill>
-          <a:blip r:embed="rId14" cstate="print">
+          <a:blip r:embed="rId15" cstate="print">
             <a:extLst>
               <a:ext uri="{28A0092B-C50C-407E-A947-70E740481C1C}">
                 <a14:useLocalDpi xmlns:a14="http://schemas.microsoft.com/office/drawing/2010/main" val="0"/>
@@ -4002,6 +4802,7 @@
     <p:sldLayoutId id="2147483657" r:id="rId9"/>
     <p:sldLayoutId id="2147483658" r:id="rId10"/>
     <p:sldLayoutId id="2147483659" r:id="rId11"/>
+    <p:sldLayoutId id="2147483660" r:id="rId12"/>
   </p:sldLayoutIdLst>
   <p:txStyles>
     <p:titleStyle>
@@ -5232,7 +6033,7 @@
         <p:spPr/>
         <p:txBody>
           <a:bodyPr>
-            <a:normAutofit fontScale="62500" lnSpcReduction="20000"/>
+            <a:normAutofit fontScale="70000" lnSpcReduction="20000"/>
           </a:bodyPr>
           <a:lstStyle/>
           <a:p>
@@ -5267,13 +6068,6 @@
             <a:r>
               <a:rPr lang="en-IE" dirty="0" smtClean="0"/>
               <a:t>Uses bit masking to control which behaviours are turned on</a:t>
-            </a:r>
-          </a:p>
-          <a:p>
-            <a:pPr lvl="1"/>
-            <a:r>
-              <a:rPr lang="en-IE" dirty="0" smtClean="0"/>
-              <a:t>Has properties that are exposed in Unity</a:t>
             </a:r>
           </a:p>
           <a:p>
@@ -6379,7 +7173,11 @@
             <a:pPr lvl="1"/>
             <a:r>
               <a:rPr lang="en-IE" dirty="0" smtClean="0"/>
-              <a:t>We use arrive instead of seek to keek in formation</a:t>
+              <a:t>We use arrive instead of seek </a:t>
+            </a:r>
+            <a:r>
+              <a:rPr lang="en-IE" smtClean="0"/>
+              <a:t>to keep in “formation”</a:t>
             </a:r>
             <a:endParaRPr lang="en-IE" dirty="0"/>
           </a:p>
@@ -6473,7 +7271,7 @@
           </a:p>
           <a:p>
             <a:r>
-              <a:rPr lang="en-IE" smtClean="0"/>
+              <a:rPr lang="en-IE" dirty="0" smtClean="0"/>
               <a:t>Implementing steering behaviours in Unity</a:t>
             </a:r>
             <a:endParaRPr lang="en-IE" dirty="0"/>
@@ -7005,7 +7803,7 @@
         </p:spPr>
         <p:txBody>
           <a:bodyPr>
-            <a:normAutofit fontScale="92500" lnSpcReduction="20000"/>
+            <a:normAutofit fontScale="70000" lnSpcReduction="20000"/>
           </a:bodyPr>
           <a:lstStyle/>
           <a:p>
@@ -7053,7 +7851,28 @@
             <a:pPr lvl="1"/>
             <a:r>
               <a:rPr lang="en-IE" dirty="0" smtClean="0"/>
-              <a:t>Can use Plane geometry to check the points</a:t>
+              <a:t>Can use Plane geometry to check the points against the plane</a:t>
+            </a:r>
+          </a:p>
+          <a:p>
+            <a:pPr lvl="1"/>
+            <a:r>
+              <a:rPr lang="en-GB" dirty="0" smtClean="0"/>
+              <a:t>If any are on the far side of the plane</a:t>
+            </a:r>
+          </a:p>
+          <a:p>
+            <a:pPr lvl="2"/>
+            <a:r>
+              <a:rPr lang="en-GB" dirty="0" smtClean="0"/>
+              <a:t>Calculate the distance</a:t>
+            </a:r>
+          </a:p>
+          <a:p>
+            <a:pPr lvl="2"/>
+            <a:r>
+              <a:rPr lang="en-GB" dirty="0" smtClean="0"/>
+              <a:t>Cenerate a force perpendicular to the plane</a:t>
             </a:r>
             <a:endParaRPr lang="en-IE" dirty="0"/>
           </a:p>
@@ -7782,9 +8601,9 @@
       </p:grpSpPr>
       <p:sp>
         <p:nvSpPr>
-          <p:cNvPr id="12290" name="Rectangle 2"/>
-          <p:cNvSpPr>
-            <a:spLocks noGrp="1" noChangeArrowheads="1"/>
+          <p:cNvPr id="2" name="Title 1"/>
+          <p:cNvSpPr>
+            <a:spLocks noGrp="1"/>
           </p:cNvSpPr>
           <p:nvPr>
             <p:ph type="title"/>
@@ -7795,103 +8614,121 @@
           <a:bodyPr/>
           <a:lstStyle/>
           <a:p>
-            <a:pPr eaLnBrk="1" hangingPunct="1"/>
-            <a:r>
-              <a:rPr lang="en-IE" smtClean="0"/>
-              <a:t>Planes</a:t>
-            </a:r>
+            <a:r>
+              <a:rPr lang="en-GB" dirty="0" smtClean="0"/>
+              <a:t>What is a plane?</a:t>
+            </a:r>
+            <a:endParaRPr lang="en-IE" dirty="0"/>
           </a:p>
         </p:txBody>
       </p:sp>
       <p:sp>
         <p:nvSpPr>
-          <p:cNvPr id="12291" name="Rectangle 3" descr="Rectangle: Click to edit Master text styles&#10;Second level&#10;Third level&#10;Fourth level&#10;Fifth level"/>
-          <p:cNvSpPr>
-            <a:spLocks noGrp="1" noChangeArrowheads="1"/>
-          </p:cNvSpPr>
-          <p:nvPr>
-            <p:ph type="body" idx="1"/>
-          </p:nvPr>
-        </p:nvSpPr>
-        <p:spPr/>
+          <p:cNvPr id="3" name="Content Placeholder 2"/>
+          <p:cNvSpPr>
+            <a:spLocks noGrp="1"/>
+          </p:cNvSpPr>
+          <p:nvPr>
+            <p:ph idx="1"/>
+          </p:nvPr>
+        </p:nvSpPr>
+        <p:spPr>
+          <a:xfrm>
+            <a:off x="457200" y="1600200"/>
+            <a:ext cx="4474840" cy="4525963"/>
+          </a:xfrm>
+        </p:spPr>
         <p:txBody>
-          <a:bodyPr/>
+          <a:bodyPr>
+            <a:normAutofit fontScale="85000" lnSpcReduction="20000"/>
+          </a:bodyPr>
           <a:lstStyle/>
           <a:p>
-            <a:pPr eaLnBrk="1" hangingPunct="1"/>
-            <a:r>
-              <a:rPr lang="en-IE" smtClean="0"/>
-              <a:t>Can be described using a point on the plane and a normal vector, a vector perpendicular to the plane</a:t>
-            </a:r>
-          </a:p>
-          <a:p>
-            <a:pPr eaLnBrk="1" hangingPunct="1"/>
-            <a:endParaRPr lang="en-IE" smtClean="0"/>
-          </a:p>
-          <a:p>
-            <a:pPr lvl="1" eaLnBrk="1" hangingPunct="1"/>
-            <a:endParaRPr lang="en-IE" smtClean="0"/>
+            <a:r>
+              <a:rPr lang="en-GB" dirty="0" smtClean="0"/>
+              <a:t>Infinitely thin</a:t>
+            </a:r>
+          </a:p>
+          <a:p>
+            <a:r>
+              <a:rPr lang="en-GB" dirty="0" smtClean="0"/>
+              <a:t>Extends infinitely in all directions</a:t>
+            </a:r>
+          </a:p>
+          <a:p>
+            <a:r>
+              <a:rPr lang="en-GB" dirty="0" smtClean="0"/>
+              <a:t>Represented by:</a:t>
+            </a:r>
+          </a:p>
+          <a:p>
+            <a:pPr lvl="1"/>
+            <a:r>
+              <a:rPr lang="en-GB" dirty="0" smtClean="0"/>
+              <a:t>Ax + By + Cz </a:t>
+            </a:r>
+            <a:r>
+              <a:rPr lang="en-GB" smtClean="0"/>
+              <a:t>= D</a:t>
+            </a:r>
+            <a:endParaRPr lang="en-GB" dirty="0" smtClean="0"/>
+          </a:p>
+          <a:p>
+            <a:r>
+              <a:rPr lang="en-GB" dirty="0" smtClean="0"/>
+              <a:t>Dont exist in the real world</a:t>
+            </a:r>
+          </a:p>
+          <a:p>
+            <a:r>
+              <a:rPr lang="en-GB" dirty="0" smtClean="0"/>
+              <a:t>Though you can consider any flt surface to be a plane</a:t>
+            </a:r>
+          </a:p>
+          <a:p>
+            <a:pPr lvl="1"/>
+            <a:r>
+              <a:rPr lang="en-GB" dirty="0" smtClean="0"/>
+              <a:t>Eg a page</a:t>
+            </a:r>
+          </a:p>
+          <a:p>
+            <a:r>
+              <a:rPr lang="en-GB" dirty="0" smtClean="0"/>
+              <a:t>Wall avoidance uses planes (lines in the original paper)</a:t>
+            </a:r>
+            <a:endParaRPr lang="en-IE" dirty="0"/>
           </a:p>
         </p:txBody>
       </p:sp>
       <p:pic>
         <p:nvPicPr>
-          <p:cNvPr id="12292" name="Picture 4"/>
+          <p:cNvPr id="4" name="Picture 3"/>
           <p:cNvPicPr>
-            <a:picLocks noChangeAspect="1" noChangeArrowheads="1"/>
+            <a:picLocks noChangeAspect="1"/>
           </p:cNvPicPr>
           <p:nvPr/>
         </p:nvPicPr>
         <p:blipFill>
-          <a:blip r:embed="rId3">
-            <a:extLst>
-              <a:ext uri="{28A0092B-C50C-407E-A947-70E740481C1C}">
-                <a14:useLocalDpi xmlns:a14="http://schemas.microsoft.com/office/drawing/2010/main" val="0"/>
-              </a:ext>
-            </a:extLst>
-          </a:blip>
-          <a:srcRect/>
+          <a:blip r:embed="rId2"/>
           <a:stretch>
             <a:fillRect/>
           </a:stretch>
         </p:blipFill>
-        <p:spPr bwMode="auto">
+        <p:spPr>
           <a:xfrm>
-            <a:off x="304800" y="3657600"/>
-            <a:ext cx="4000500" cy="2857500"/>
+            <a:off x="5097210" y="1443658"/>
+            <a:ext cx="3616974" cy="4038625"/>
           </a:xfrm>
           <a:prstGeom prst="rect">
             <a:avLst/>
           </a:prstGeom>
-          <a:noFill/>
-          <a:ln>
-            <a:noFill/>
-          </a:ln>
-          <a:extLst>
-            <a:ext uri="{909E8E84-426E-40DD-AFC4-6F175D3DCCD1}">
-              <a14:hiddenFill xmlns:a14="http://schemas.microsoft.com/office/drawing/2010/main">
-                <a:solidFill>
-                  <a:srgbClr val="FFFFFF"/>
-                </a:solidFill>
-              </a14:hiddenFill>
-            </a:ext>
-            <a:ext uri="{91240B29-F687-4F45-9708-019B960494DF}">
-              <a14:hiddenLine xmlns:a14="http://schemas.microsoft.com/office/drawing/2010/main" w="9525" algn="ctr">
-                <a:solidFill>
-                  <a:srgbClr val="000000"/>
-                </a:solidFill>
-                <a:miter lim="800000"/>
-                <a:headEnd/>
-                <a:tailEnd/>
-              </a14:hiddenLine>
-            </a:ext>
-          </a:extLst>
         </p:spPr>
       </p:pic>
     </p:spTree>
     <p:extLst>
       <p:ext uri="{BB962C8B-B14F-4D97-AF65-F5344CB8AC3E}">
-        <p14:creationId xmlns:p14="http://schemas.microsoft.com/office/powerpoint/2010/main" val="2225581839"/>
+        <p14:creationId xmlns:p14="http://schemas.microsoft.com/office/powerpoint/2010/main" val="1650964363"/>
       </p:ext>
     </p:extLst>
   </p:cSld>
@@ -7942,7 +8779,7 @@
           <a:p>
             <a:pPr eaLnBrk="1" hangingPunct="1"/>
             <a:r>
-              <a:rPr lang="en-IE" smtClean="0"/>
+              <a:rPr lang="en-IE" dirty="0" smtClean="0"/>
               <a:t>Equation of a plane</a:t>
             </a:r>
           </a:p>
@@ -7961,14 +8798,30 @@
         <p:spPr>
           <a:xfrm>
             <a:off x="838200" y="1905000"/>
-            <a:ext cx="4038600" cy="4114800"/>
+            <a:ext cx="7982272" cy="4114800"/>
           </a:xfrm>
         </p:spPr>
         <p:txBody>
-          <a:bodyPr/>
+          <a:bodyPr>
+            <a:normAutofit fontScale="92500"/>
+          </a:bodyPr>
           <a:lstStyle/>
           <a:p>
-            <a:pPr eaLnBrk="1" hangingPunct="1"/>
+            <a:r>
+              <a:rPr lang="en-IE" sz="2800" dirty="0">
+                <a:hlinkClick r:id="rId3"/>
+              </a:rPr>
+              <a:t>https://</a:t>
+            </a:r>
+            <a:r>
+              <a:rPr lang="en-IE" sz="2800" dirty="0" smtClean="0">
+                <a:hlinkClick r:id="rId3"/>
+              </a:rPr>
+              <a:t>www.khanacademy.org/math/linear-algebra/vectors_and_spaces/dot_cross_products/v/defining-a-plane-in-r3-with-a-point-and-normal-vector</a:t>
+            </a:r>
+            <a:endParaRPr lang="en-IE" sz="2800" dirty="0" smtClean="0"/>
+          </a:p>
+          <a:p>
             <a:r>
               <a:rPr lang="en-IE" sz="2800" dirty="0" smtClean="0"/>
               <a:t>Remember</a:t>
@@ -8019,60 +8872,6 @@
           </a:p>
         </p:txBody>
       </p:sp>
-      <p:pic>
-        <p:nvPicPr>
-          <p:cNvPr id="13316" name="Picture 4"/>
-          <p:cNvPicPr>
-            <a:picLocks noChangeAspect="1" noChangeArrowheads="1"/>
-          </p:cNvPicPr>
-          <p:nvPr/>
-        </p:nvPicPr>
-        <p:blipFill>
-          <a:blip r:embed="rId3">
-            <a:extLst>
-              <a:ext uri="{28A0092B-C50C-407E-A947-70E740481C1C}">
-                <a14:useLocalDpi xmlns:a14="http://schemas.microsoft.com/office/drawing/2010/main" val="0"/>
-              </a:ext>
-            </a:extLst>
-          </a:blip>
-          <a:srcRect/>
-          <a:stretch>
-            <a:fillRect/>
-          </a:stretch>
-        </p:blipFill>
-        <p:spPr bwMode="auto">
-          <a:xfrm>
-            <a:off x="4724400" y="3429000"/>
-            <a:ext cx="4000500" cy="2857500"/>
-          </a:xfrm>
-          <a:prstGeom prst="rect">
-            <a:avLst/>
-          </a:prstGeom>
-          <a:noFill/>
-          <a:ln>
-            <a:noFill/>
-          </a:ln>
-          <a:extLst>
-            <a:ext uri="{909E8E84-426E-40DD-AFC4-6F175D3DCCD1}">
-              <a14:hiddenFill xmlns:a14="http://schemas.microsoft.com/office/drawing/2010/main">
-                <a:solidFill>
-                  <a:srgbClr val="FFFFFF"/>
-                </a:solidFill>
-              </a14:hiddenFill>
-            </a:ext>
-            <a:ext uri="{91240B29-F687-4F45-9708-019B960494DF}">
-              <a14:hiddenLine xmlns:a14="http://schemas.microsoft.com/office/drawing/2010/main" w="9525" algn="ctr">
-                <a:solidFill>
-                  <a:srgbClr val="000000"/>
-                </a:solidFill>
-                <a:miter lim="800000"/>
-                <a:headEnd/>
-                <a:tailEnd/>
-              </a14:hiddenLine>
-            </a:ext>
-          </a:extLst>
-        </p:spPr>
-      </p:pic>
     </p:spTree>
     <p:extLst>
       <p:ext uri="{BB962C8B-B14F-4D97-AF65-F5344CB8AC3E}">
@@ -8184,14 +8983,14 @@
             </a:br>
             <a:r>
               <a:rPr lang="en-IE" sz="2800" dirty="0" smtClean="0"/>
-              <a:t>n.p + d = 0</a:t>
+              <a:t>n.p + D = 0</a:t>
             </a:r>
             <a:br>
               <a:rPr lang="en-IE" sz="2800" dirty="0" smtClean="0"/>
             </a:br>
             <a:r>
               <a:rPr lang="en-IE" sz="2800" dirty="0" smtClean="0"/>
-              <a:t>Where d = -n.p0</a:t>
+              <a:t>Where D = -n.p0</a:t>
             </a:r>
           </a:p>
           <a:p>
@@ -8202,7 +9001,15 @@
             </a:pPr>
             <a:r>
               <a:rPr lang="en-IE" sz="2800" dirty="0" smtClean="0"/>
-              <a:t>d is also shortest signed distance from the origin to the plane</a:t>
+              <a:t>D is also shortest </a:t>
+            </a:r>
+            <a:r>
+              <a:rPr lang="en-IE" sz="2800" b="1" dirty="0" smtClean="0"/>
+              <a:t>signed</a:t>
+            </a:r>
+            <a:r>
+              <a:rPr lang="en-IE" sz="2800" dirty="0" smtClean="0"/>
+              <a:t> distance from the origin to the plane</a:t>
             </a:r>
           </a:p>
           <a:p>
@@ -8235,7 +9042,7 @@
             </a:pPr>
             <a:r>
               <a:rPr lang="en-IE" sz="2800" dirty="0" smtClean="0"/>
-              <a:t>D is the shortest signed distance to the plane</a:t>
+              <a:t>D is the shortest signed distance to the plane!</a:t>
             </a:r>
             <a:br>
               <a:rPr lang="en-IE" sz="2800" dirty="0" smtClean="0"/>
@@ -8299,14 +9106,231 @@
             <p:ph type="title"/>
           </p:nvPr>
         </p:nvSpPr>
+        <p:spPr>
+          <a:xfrm>
+            <a:off x="457200" y="341784"/>
+            <a:ext cx="8229600" cy="1143000"/>
+          </a:xfrm>
+        </p:spPr>
+        <p:txBody>
+          <a:bodyPr/>
+          <a:lstStyle/>
+          <a:p>
+            <a:r>
+              <a:rPr lang="en-GB" dirty="0" smtClean="0"/>
+              <a:t>Calculating the ABCD values</a:t>
+            </a:r>
+            <a:endParaRPr lang="en-IE" dirty="0"/>
+          </a:p>
+        </p:txBody>
+      </p:sp>
+      <p:sp>
+        <p:nvSpPr>
+          <p:cNvPr id="3" name="Content Placeholder 2"/>
+          <p:cNvSpPr>
+            <a:spLocks noGrp="1"/>
+          </p:cNvSpPr>
+          <p:nvPr>
+            <p:ph idx="1"/>
+          </p:nvPr>
+        </p:nvSpPr>
+        <p:spPr/>
+        <p:txBody>
+          <a:bodyPr>
+            <a:normAutofit fontScale="62500" lnSpcReduction="20000"/>
+          </a:bodyPr>
+          <a:lstStyle/>
+          <a:p>
+            <a:r>
+              <a:rPr lang="en-GB" dirty="0">
+                <a:hlinkClick r:id="rId2"/>
+              </a:rPr>
+              <a:t>http://www.math.washington.edu/~</a:t>
+            </a:r>
+            <a:r>
+              <a:rPr lang="en-GB" dirty="0" smtClean="0">
+                <a:hlinkClick r:id="rId2"/>
+              </a:rPr>
+              <a:t>king/coursedir/m445w04/notes/vector/equations.html</a:t>
+            </a:r>
+            <a:endParaRPr lang="en-GB" dirty="0" smtClean="0"/>
+          </a:p>
+          <a:p>
+            <a:r>
+              <a:rPr lang="en-GB" dirty="0" smtClean="0"/>
+              <a:t>Use simultaneous linear equations</a:t>
+            </a:r>
+          </a:p>
+          <a:p>
+            <a:pPr lvl="1"/>
+            <a:r>
+              <a:rPr lang="en-IE" b="1" dirty="0"/>
+              <a:t>Example</a:t>
+            </a:r>
+            <a:r>
+              <a:rPr lang="en-IE" dirty="0"/>
+              <a:t>: P = (1, 1, 1), Q = (1, 2, 0), R = (-1, 2, 1). We seek the coefficients of an equation ax + by + cz = d, where P, Q and R satisfy the </a:t>
+            </a:r>
+            <a:r>
+              <a:rPr lang="en-IE" dirty="0" smtClean="0"/>
+              <a:t>equations:</a:t>
+            </a:r>
+          </a:p>
+          <a:p>
+            <a:pPr lvl="1"/>
+            <a:r>
+              <a:rPr lang="en-IE" dirty="0"/>
+              <a:t>a + b + c = d</a:t>
+            </a:r>
+            <a:br>
+              <a:rPr lang="en-IE" dirty="0"/>
+            </a:br>
+            <a:r>
+              <a:rPr lang="en-IE" dirty="0"/>
+              <a:t>a + 2b + 0c = d</a:t>
+            </a:r>
+            <a:br>
+              <a:rPr lang="en-IE" dirty="0"/>
+            </a:br>
+            <a:r>
+              <a:rPr lang="en-IE" dirty="0"/>
+              <a:t>-a + 2b + c = </a:t>
+            </a:r>
+            <a:r>
+              <a:rPr lang="en-IE" dirty="0" smtClean="0"/>
+              <a:t>d</a:t>
+            </a:r>
+          </a:p>
+          <a:p>
+            <a:r>
+              <a:rPr lang="en-IE" dirty="0"/>
+              <a:t>Subtracting the first equation from the second and then adding the </a:t>
+            </a:r>
+            <a:r>
+              <a:rPr lang="en-IE" dirty="0" smtClean="0"/>
+              <a:t>second equation </a:t>
+            </a:r>
+            <a:r>
+              <a:rPr lang="en-IE" dirty="0"/>
+              <a:t>to the third, we eliminate a to </a:t>
+            </a:r>
+            <a:r>
+              <a:rPr lang="en-IE" dirty="0" smtClean="0"/>
+              <a:t>get:</a:t>
+            </a:r>
+          </a:p>
+          <a:p>
+            <a:pPr lvl="1"/>
+            <a:r>
+              <a:rPr lang="en-IE" dirty="0"/>
+              <a:t>b - c = </a:t>
+            </a:r>
+            <a:r>
+              <a:rPr lang="en-IE" dirty="0" smtClean="0"/>
+              <a:t>0</a:t>
+            </a:r>
+          </a:p>
+          <a:p>
+            <a:pPr lvl="1"/>
+            <a:r>
+              <a:rPr lang="en-IE" dirty="0" smtClean="0"/>
+              <a:t>4b </a:t>
+            </a:r>
+            <a:r>
+              <a:rPr lang="en-IE" dirty="0"/>
+              <a:t>+ c = </a:t>
+            </a:r>
+            <a:r>
+              <a:rPr lang="en-IE" dirty="0" smtClean="0"/>
+              <a:t>2d</a:t>
+            </a:r>
+          </a:p>
+          <a:p>
+            <a:r>
+              <a:rPr lang="en-IE" dirty="0"/>
+              <a:t>Adding the equations gives 5b = 2d, or b = (2/5)d, then solving for c = b = (2/5)d and then a = d - b - c = (</a:t>
+            </a:r>
+            <a:r>
+              <a:rPr lang="en-IE" dirty="0" smtClean="0"/>
+              <a:t>1/5)d</a:t>
+            </a:r>
+          </a:p>
+          <a:p>
+            <a:r>
+              <a:rPr lang="en-IE" dirty="0"/>
+              <a:t>So the equation (with a nonzero constant left in to choose) is d(1/5)x + d(2/5)y + d(2/5)z = d, so one choice of constant </a:t>
+            </a:r>
+            <a:r>
+              <a:rPr lang="en-IE" dirty="0" smtClean="0"/>
+              <a:t>gives </a:t>
+            </a:r>
+            <a:r>
+              <a:rPr lang="en-IE" dirty="0"/>
+              <a:t>x + 2y + 2z = 5</a:t>
+            </a:r>
+            <a:r>
+              <a:rPr lang="en-IE" dirty="0" smtClean="0"/>
+              <a:t>	</a:t>
+            </a:r>
+            <a:endParaRPr lang="en-IE" dirty="0"/>
+          </a:p>
+        </p:txBody>
+      </p:sp>
+    </p:spTree>
+    <p:extLst>
+      <p:ext uri="{BB962C8B-B14F-4D97-AF65-F5344CB8AC3E}">
+        <p14:creationId xmlns:p14="http://schemas.microsoft.com/office/powerpoint/2010/main" val="1803267195"/>
+      </p:ext>
+    </p:extLst>
+  </p:cSld>
+  <p:clrMapOvr>
+    <a:masterClrMapping/>
+  </p:clrMapOvr>
+  <p:timing>
+    <p:tnLst>
+      <p:par>
+        <p:cTn id="1" dur="indefinite" restart="never" nodeType="tmRoot"/>
+      </p:par>
+    </p:tnLst>
+  </p:timing>
+</p:sld>
+</file>
+
+<file path=ppt/slides/slide27.xml><?xml version="1.0" encoding="utf-8"?>
+<p:sld xmlns:a="http://schemas.openxmlformats.org/drawingml/2006/main" xmlns:r="http://schemas.openxmlformats.org/officeDocument/2006/relationships" xmlns:p="http://schemas.openxmlformats.org/presentationml/2006/main">
+  <p:cSld>
+    <p:spTree>
+      <p:nvGrpSpPr>
+        <p:cNvPr id="1" name=""/>
+        <p:cNvGrpSpPr/>
+        <p:nvPr/>
+      </p:nvGrpSpPr>
+      <p:grpSpPr>
+        <a:xfrm>
+          <a:off x="0" y="0"/>
+          <a:ext cx="0" cy="0"/>
+          <a:chOff x="0" y="0"/>
+          <a:chExt cx="0" cy="0"/>
+        </a:xfrm>
+      </p:grpSpPr>
+      <p:sp>
+        <p:nvSpPr>
+          <p:cNvPr id="2" name="Title 1"/>
+          <p:cNvSpPr>
+            <a:spLocks noGrp="1"/>
+          </p:cNvSpPr>
+          <p:nvPr>
+            <p:ph type="title"/>
+          </p:nvPr>
+        </p:nvSpPr>
         <p:spPr/>
         <p:txBody>
           <a:bodyPr/>
           <a:lstStyle/>
           <a:p>
             <a:r>
-              <a:rPr lang="en-IE" dirty="0" smtClean="0"/>
-              <a:t>Planes in Unity</a:t>
+              <a:rPr lang="en-GB" dirty="0" smtClean="0"/>
+              <a:t>An easier approach..</a:t>
             </a:r>
             <a:endParaRPr lang="en-IE" dirty="0"/>
           </a:p>
@@ -8320,6 +9344,137 @@
           </p:cNvSpPr>
           <p:nvPr>
             <p:ph idx="1"/>
+          </p:nvPr>
+        </p:nvSpPr>
+        <p:spPr/>
+        <p:txBody>
+          <a:bodyPr>
+            <a:normAutofit fontScale="85000" lnSpcReduction="20000"/>
+          </a:bodyPr>
+          <a:lstStyle/>
+          <a:p>
+            <a:r>
+              <a:rPr lang="en-GB" dirty="0" smtClean="0"/>
+              <a:t>Use the cross product</a:t>
+            </a:r>
+          </a:p>
+          <a:p>
+            <a:r>
+              <a:rPr lang="en-IE" dirty="0" smtClean="0"/>
+              <a:t>Given</a:t>
+            </a:r>
+            <a:r>
+              <a:rPr lang="en-IE" dirty="0"/>
+              <a:t>, P = (1, 1, 1), Q = (1, 2, 0), R = (-1, 2, 1</a:t>
+            </a:r>
+            <a:r>
+              <a:rPr lang="en-IE" dirty="0" smtClean="0"/>
+              <a:t>)</a:t>
+            </a:r>
+          </a:p>
+          <a:p>
+            <a:r>
+              <a:rPr lang="en-IE" dirty="0"/>
+              <a:t>First, the normal vector is the cross product of two direction vectors on the </a:t>
+            </a:r>
+            <a:r>
+              <a:rPr lang="en-IE" dirty="0" smtClean="0"/>
+              <a:t>plane.</a:t>
+            </a:r>
+            <a:endParaRPr lang="en-IE" dirty="0"/>
+          </a:p>
+          <a:p>
+            <a:r>
+              <a:rPr lang="en-IE" dirty="0"/>
+              <a:t>Let one vector be PQ = Q - P = (0, 1, -1) and the other be PR = R - P = (-2, 1, 0). The cross product</a:t>
+            </a:r>
+          </a:p>
+          <a:p>
+            <a:r>
+              <a:rPr lang="en-IE" dirty="0"/>
+              <a:t>(Q - P) x (R - P) = (1, 2, 2) = normal vector A and the equation is A </a:t>
+            </a:r>
+            <a:r>
+              <a:rPr lang="en-IE" b="1" baseline="30000" dirty="0"/>
+              <a:t>.</a:t>
+            </a:r>
+            <a:r>
+              <a:rPr lang="en-IE" dirty="0"/>
+              <a:t> X = d for some d</a:t>
+            </a:r>
+          </a:p>
+          <a:p>
+            <a:r>
+              <a:rPr lang="en-IE" dirty="0"/>
+              <a:t>Using the method in the example above, we can find d = A </a:t>
+            </a:r>
+            <a:r>
+              <a:rPr lang="en-IE" b="1" baseline="30000" dirty="0"/>
+              <a:t>.</a:t>
+            </a:r>
+            <a:r>
+              <a:rPr lang="en-IE" dirty="0"/>
+              <a:t> P = 5. Thus the equation is A </a:t>
+            </a:r>
+            <a:r>
+              <a:rPr lang="en-IE" b="1" baseline="30000" dirty="0"/>
+              <a:t>.</a:t>
+            </a:r>
+            <a:r>
+              <a:rPr lang="en-IE" dirty="0"/>
+              <a:t> X = 5, which is the same as one of the equations in the earlier example.</a:t>
+            </a:r>
+          </a:p>
+          <a:p>
+            <a:endParaRPr lang="en-IE" dirty="0"/>
+          </a:p>
+        </p:txBody>
+      </p:sp>
+    </p:spTree>
+    <p:extLst>
+      <p:ext uri="{BB962C8B-B14F-4D97-AF65-F5344CB8AC3E}">
+        <p14:creationId xmlns:p14="http://schemas.microsoft.com/office/powerpoint/2010/main" val="3384936357"/>
+      </p:ext>
+    </p:extLst>
+  </p:cSld>
+  <p:clrMapOvr>
+    <a:masterClrMapping/>
+  </p:clrMapOvr>
+  <p:timing>
+    <p:tnLst>
+      <p:par>
+        <p:cTn id="1" dur="indefinite" restart="never" nodeType="tmRoot"/>
+      </p:par>
+    </p:tnLst>
+  </p:timing>
+</p:sld>
+</file>
+
+<file path=ppt/slides/slide28.xml><?xml version="1.0" encoding="utf-8"?>
+<p:sld xmlns:a="http://schemas.openxmlformats.org/drawingml/2006/main" xmlns:r="http://schemas.openxmlformats.org/officeDocument/2006/relationships" xmlns:p="http://schemas.openxmlformats.org/presentationml/2006/main">
+  <p:cSld>
+    <p:spTree>
+      <p:nvGrpSpPr>
+        <p:cNvPr id="1" name=""/>
+        <p:cNvGrpSpPr/>
+        <p:nvPr/>
+      </p:nvGrpSpPr>
+      <p:grpSpPr>
+        <a:xfrm>
+          <a:off x="0" y="0"/>
+          <a:ext cx="0" cy="0"/>
+          <a:chOff x="0" y="0"/>
+          <a:chExt cx="0" cy="0"/>
+        </a:xfrm>
+      </p:grpSpPr>
+      <p:sp>
+        <p:nvSpPr>
+          <p:cNvPr id="2" name="Title 1"/>
+          <p:cNvSpPr>
+            <a:spLocks noGrp="1"/>
+          </p:cNvSpPr>
+          <p:nvPr>
+            <p:ph type="title"/>
           </p:nvPr>
         </p:nvSpPr>
         <p:spPr/>
@@ -8327,7 +9482,370 @@
           <a:bodyPr/>
           <a:lstStyle/>
           <a:p>
-            <a:endParaRPr lang="en-IE"/>
+            <a:r>
+              <a:rPr lang="en-GB" dirty="0" smtClean="0"/>
+              <a:t>Useful things to do with planes!</a:t>
+            </a:r>
+            <a:endParaRPr lang="en-IE" dirty="0"/>
+          </a:p>
+        </p:txBody>
+      </p:sp>
+      <p:sp>
+        <p:nvSpPr>
+          <p:cNvPr id="3" name="Content Placeholder 2"/>
+          <p:cNvSpPr>
+            <a:spLocks noGrp="1"/>
+          </p:cNvSpPr>
+          <p:nvPr>
+            <p:ph idx="1"/>
+          </p:nvPr>
+        </p:nvSpPr>
+        <p:spPr/>
+        <p:txBody>
+          <a:bodyPr>
+            <a:normAutofit fontScale="85000" lnSpcReduction="20000"/>
+          </a:bodyPr>
+          <a:lstStyle/>
+          <a:p>
+            <a:r>
+              <a:rPr lang="en-GB" dirty="0">
+                <a:hlinkClick r:id="rId2"/>
+              </a:rPr>
+              <a:t>https://</a:t>
+            </a:r>
+            <a:r>
+              <a:rPr lang="en-GB" dirty="0" smtClean="0">
+                <a:hlinkClick r:id="rId2"/>
+              </a:rPr>
+              <a:t>www.khanacademy.org/math/linear-algebra/vectors_and_spaces/dot_cross_products/v/point-distance-to-plane</a:t>
+            </a:r>
+            <a:endParaRPr lang="en-GB" dirty="0" smtClean="0"/>
+          </a:p>
+          <a:p>
+            <a:r>
+              <a:rPr lang="en-GB" dirty="0" smtClean="0"/>
+              <a:t>Calculate the distance from a point to a plane</a:t>
+            </a:r>
+          </a:p>
+          <a:p>
+            <a:endParaRPr lang="en-GB" dirty="0" smtClean="0"/>
+          </a:p>
+          <a:p>
+            <a:endParaRPr lang="en-GB" dirty="0"/>
+          </a:p>
+          <a:p>
+            <a:pPr marL="0" indent="0">
+              <a:buNone/>
+            </a:pPr>
+            <a:endParaRPr lang="en-GB" dirty="0" smtClean="0"/>
+          </a:p>
+          <a:p>
+            <a:r>
+              <a:rPr lang="en-GB" dirty="0" smtClean="0"/>
+              <a:t>Calculate the side of the plane a point is on</a:t>
+            </a:r>
+          </a:p>
+          <a:p>
+            <a:pPr lvl="1"/>
+            <a:r>
+              <a:rPr lang="en-GB" dirty="0" smtClean="0"/>
+              <a:t>Substitute the point into the equation and check the result</a:t>
+            </a:r>
+          </a:p>
+          <a:p>
+            <a:pPr lvl="1"/>
+            <a:r>
+              <a:rPr lang="en-GB" dirty="0" smtClean="0"/>
+              <a:t>&gt; 0 in front</a:t>
+            </a:r>
+          </a:p>
+          <a:p>
+            <a:pPr lvl="1"/>
+            <a:r>
+              <a:rPr lang="en-GB" dirty="0" smtClean="0"/>
+              <a:t>&lt; 0 behind</a:t>
+            </a:r>
+            <a:endParaRPr lang="en-IE" dirty="0"/>
+          </a:p>
+        </p:txBody>
+      </p:sp>
+      <p:pic>
+        <p:nvPicPr>
+          <p:cNvPr id="4" name="Picture 3"/>
+          <p:cNvPicPr>
+            <a:picLocks noChangeAspect="1"/>
+          </p:cNvPicPr>
+          <p:nvPr/>
+        </p:nvPicPr>
+        <p:blipFill>
+          <a:blip r:embed="rId3"/>
+          <a:stretch>
+            <a:fillRect/>
+          </a:stretch>
+        </p:blipFill>
+        <p:spPr>
+          <a:xfrm>
+            <a:off x="2483768" y="3140968"/>
+            <a:ext cx="3722260" cy="1152128"/>
+          </a:xfrm>
+          <a:prstGeom prst="rect">
+            <a:avLst/>
+          </a:prstGeom>
+        </p:spPr>
+      </p:pic>
+    </p:spTree>
+    <p:extLst>
+      <p:ext uri="{BB962C8B-B14F-4D97-AF65-F5344CB8AC3E}">
+        <p14:creationId xmlns:p14="http://schemas.microsoft.com/office/powerpoint/2010/main" val="221907513"/>
+      </p:ext>
+    </p:extLst>
+  </p:cSld>
+  <p:clrMapOvr>
+    <a:masterClrMapping/>
+  </p:clrMapOvr>
+  <p:timing>
+    <p:tnLst>
+      <p:par>
+        <p:cTn id="1" dur="indefinite" restart="never" nodeType="tmRoot"/>
+      </p:par>
+    </p:tnLst>
+  </p:timing>
+</p:sld>
+</file>
+
+<file path=ppt/slides/slide29.xml><?xml version="1.0" encoding="utf-8"?>
+<p:sld xmlns:a="http://schemas.openxmlformats.org/drawingml/2006/main" xmlns:r="http://schemas.openxmlformats.org/officeDocument/2006/relationships" xmlns:p="http://schemas.openxmlformats.org/presentationml/2006/main">
+  <p:cSld>
+    <p:spTree>
+      <p:nvGrpSpPr>
+        <p:cNvPr id="1" name=""/>
+        <p:cNvGrpSpPr/>
+        <p:nvPr/>
+      </p:nvGrpSpPr>
+      <p:grpSpPr>
+        <a:xfrm>
+          <a:off x="0" y="0"/>
+          <a:ext cx="0" cy="0"/>
+          <a:chOff x="0" y="0"/>
+          <a:chExt cx="0" cy="0"/>
+        </a:xfrm>
+      </p:grpSpPr>
+      <p:sp>
+        <p:nvSpPr>
+          <p:cNvPr id="2" name="Title 1"/>
+          <p:cNvSpPr>
+            <a:spLocks noGrp="1"/>
+          </p:cNvSpPr>
+          <p:nvPr>
+            <p:ph type="title"/>
+          </p:nvPr>
+        </p:nvSpPr>
+        <p:spPr/>
+        <p:txBody>
+          <a:bodyPr/>
+          <a:lstStyle/>
+          <a:p>
+            <a:r>
+              <a:rPr lang="en-IE" dirty="0" smtClean="0"/>
+              <a:t>Planes in Unity</a:t>
+            </a:r>
+            <a:endParaRPr lang="en-IE" dirty="0"/>
+          </a:p>
+        </p:txBody>
+      </p:sp>
+      <p:sp>
+        <p:nvSpPr>
+          <p:cNvPr id="3" name="Content Placeholder 2"/>
+          <p:cNvSpPr>
+            <a:spLocks noGrp="1"/>
+          </p:cNvSpPr>
+          <p:nvPr>
+            <p:ph idx="1"/>
+          </p:nvPr>
+        </p:nvSpPr>
+        <p:spPr/>
+        <p:txBody>
+          <a:bodyPr/>
+          <a:lstStyle/>
+          <a:p>
+            <a:r>
+              <a:rPr lang="en-GB" dirty="0" smtClean="0"/>
+              <a:t>Use the Plane struct</a:t>
+            </a:r>
+          </a:p>
+          <a:p>
+            <a:r>
+              <a:rPr lang="en-GB" dirty="0" smtClean="0"/>
+              <a:t>Construct using the normal and the D value</a:t>
+            </a:r>
+          </a:p>
+          <a:p>
+            <a:pPr lvl="1"/>
+            <a:r>
+              <a:rPr lang="en-IE" dirty="0">
+                <a:solidFill>
+                  <a:srgbClr val="2B91AF"/>
+                </a:solidFill>
+                <a:latin typeface="Consolas" panose="020B0609020204030204" pitchFamily="49" charset="0"/>
+              </a:rPr>
+              <a:t>Plane</a:t>
+            </a:r>
+            <a:r>
+              <a:rPr lang="en-IE" dirty="0">
+                <a:solidFill>
+                  <a:prstClr val="black"/>
+                </a:solidFill>
+                <a:latin typeface="Consolas" panose="020B0609020204030204" pitchFamily="49" charset="0"/>
+              </a:rPr>
+              <a:t> worldPlane = </a:t>
+            </a:r>
+            <a:r>
+              <a:rPr lang="en-IE" dirty="0">
+                <a:solidFill>
+                  <a:srgbClr val="0000FF"/>
+                </a:solidFill>
+                <a:latin typeface="Consolas" panose="020B0609020204030204" pitchFamily="49" charset="0"/>
+              </a:rPr>
+              <a:t>new</a:t>
+            </a:r>
+            <a:r>
+              <a:rPr lang="en-IE" dirty="0">
+                <a:solidFill>
+                  <a:prstClr val="black"/>
+                </a:solidFill>
+                <a:latin typeface="Consolas" panose="020B0609020204030204" pitchFamily="49" charset="0"/>
+              </a:rPr>
+              <a:t> </a:t>
+            </a:r>
+            <a:r>
+              <a:rPr lang="en-IE" dirty="0">
+                <a:solidFill>
+                  <a:srgbClr val="2B91AF"/>
+                </a:solidFill>
+                <a:latin typeface="Consolas" panose="020B0609020204030204" pitchFamily="49" charset="0"/>
+              </a:rPr>
+              <a:t>Plane</a:t>
+            </a:r>
+            <a:r>
+              <a:rPr lang="en-IE" dirty="0">
+                <a:solidFill>
+                  <a:prstClr val="black"/>
+                </a:solidFill>
+                <a:latin typeface="Consolas" panose="020B0609020204030204" pitchFamily="49" charset="0"/>
+              </a:rPr>
+              <a:t>(</a:t>
+            </a:r>
+            <a:r>
+              <a:rPr lang="en-IE" dirty="0">
+                <a:solidFill>
+                  <a:srgbClr val="0000FF"/>
+                </a:solidFill>
+                <a:latin typeface="Consolas" panose="020B0609020204030204" pitchFamily="49" charset="0"/>
+              </a:rPr>
+              <a:t>new</a:t>
+            </a:r>
+            <a:r>
+              <a:rPr lang="en-IE" dirty="0">
+                <a:solidFill>
+                  <a:prstClr val="black"/>
+                </a:solidFill>
+                <a:latin typeface="Consolas" panose="020B0609020204030204" pitchFamily="49" charset="0"/>
+              </a:rPr>
+              <a:t> </a:t>
+            </a:r>
+            <a:r>
+              <a:rPr lang="en-IE" dirty="0">
+                <a:solidFill>
+                  <a:srgbClr val="2B91AF"/>
+                </a:solidFill>
+                <a:latin typeface="Consolas" panose="020B0609020204030204" pitchFamily="49" charset="0"/>
+              </a:rPr>
+              <a:t>Vector3</a:t>
+            </a:r>
+            <a:r>
+              <a:rPr lang="en-IE" dirty="0">
+                <a:solidFill>
+                  <a:prstClr val="black"/>
+                </a:solidFill>
+                <a:latin typeface="Consolas" panose="020B0609020204030204" pitchFamily="49" charset="0"/>
+              </a:rPr>
+              <a:t>(0, 1, 0), 0</a:t>
+            </a:r>
+            <a:r>
+              <a:rPr lang="en-IE" dirty="0" smtClean="0">
+                <a:solidFill>
+                  <a:prstClr val="black"/>
+                </a:solidFill>
+                <a:latin typeface="Consolas" panose="020B0609020204030204" pitchFamily="49" charset="0"/>
+              </a:rPr>
+              <a:t>);</a:t>
+            </a:r>
+          </a:p>
+          <a:p>
+            <a:pPr lvl="1"/>
+            <a:r>
+              <a:rPr lang="en-GB" dirty="0" smtClean="0">
+                <a:solidFill>
+                  <a:prstClr val="black"/>
+                </a:solidFill>
+              </a:rPr>
+              <a:t>Or using 3 points</a:t>
+            </a:r>
+            <a:endParaRPr lang="en-IE" dirty="0">
+              <a:solidFill>
+                <a:prstClr val="black"/>
+              </a:solidFill>
+            </a:endParaRPr>
+          </a:p>
+          <a:p>
+            <a:r>
+              <a:rPr lang="en-IE" dirty="0">
+                <a:solidFill>
+                  <a:prstClr val="black"/>
+                </a:solidFill>
+                <a:latin typeface="Consolas" panose="020B0609020204030204" pitchFamily="49" charset="0"/>
+              </a:rPr>
+              <a:t> </a:t>
+            </a:r>
+            <a:r>
+              <a:rPr lang="en-IE" dirty="0" smtClean="0">
+                <a:solidFill>
+                  <a:prstClr val="black"/>
+                </a:solidFill>
+              </a:rPr>
+              <a:t>API Includes:</a:t>
+            </a:r>
+          </a:p>
+          <a:p>
+            <a:pPr lvl="1"/>
+            <a:r>
+              <a:rPr lang="en-IE" dirty="0" smtClean="0"/>
+              <a:t>GetSide</a:t>
+            </a:r>
+          </a:p>
+          <a:p>
+            <a:pPr lvl="1"/>
+            <a:r>
+              <a:rPr lang="en-IE" dirty="0" smtClean="0"/>
+              <a:t>GetDistanceToPoint</a:t>
+            </a:r>
+            <a:endParaRPr lang="en-IE" dirty="0"/>
+          </a:p>
+          <a:p>
+            <a:endParaRPr lang="en-IE" dirty="0">
+              <a:solidFill>
+                <a:prstClr val="black"/>
+              </a:solidFill>
+              <a:latin typeface="Consolas" panose="020B0609020204030204" pitchFamily="49" charset="0"/>
+            </a:endParaRPr>
+          </a:p>
+          <a:p>
+            <a:pPr lvl="1"/>
+            <a:endParaRPr lang="en-GB" dirty="0" smtClean="0"/>
+          </a:p>
+          <a:p>
+            <a:pPr lvl="1"/>
+            <a:endParaRPr lang="en-IE" dirty="0"/>
           </a:p>
         </p:txBody>
       </p:sp>
@@ -8734,6 +10252,4204 @@
 </p:sld>
 </file>
 
+<file path=ppt/slides/slide30.xml><?xml version="1.0" encoding="utf-8"?>
+<p:sld xmlns:a="http://schemas.openxmlformats.org/drawingml/2006/main" xmlns:r="http://schemas.openxmlformats.org/officeDocument/2006/relationships" xmlns:p="http://schemas.openxmlformats.org/presentationml/2006/main">
+  <p:cSld>
+    <p:spTree>
+      <p:nvGrpSpPr>
+        <p:cNvPr id="1" name=""/>
+        <p:cNvGrpSpPr/>
+        <p:nvPr/>
+      </p:nvGrpSpPr>
+      <p:grpSpPr>
+        <a:xfrm>
+          <a:off x="0" y="0"/>
+          <a:ext cx="0" cy="0"/>
+          <a:chOff x="0" y="0"/>
+          <a:chExt cx="0" cy="0"/>
+        </a:xfrm>
+      </p:grpSpPr>
+      <p:sp>
+        <p:nvSpPr>
+          <p:cNvPr id="2" name="Title 1"/>
+          <p:cNvSpPr>
+            <a:spLocks noGrp="1"/>
+          </p:cNvSpPr>
+          <p:nvPr>
+            <p:ph type="title"/>
+          </p:nvPr>
+        </p:nvSpPr>
+        <p:spPr/>
+        <p:txBody>
+          <a:bodyPr/>
+          <a:lstStyle/>
+          <a:p>
+            <a:r>
+              <a:rPr lang="en-GB" dirty="0" smtClean="0"/>
+              <a:t>In Code</a:t>
+            </a:r>
+            <a:endParaRPr lang="en-IE" dirty="0"/>
+          </a:p>
+        </p:txBody>
+      </p:sp>
+      <p:sp>
+        <p:nvSpPr>
+          <p:cNvPr id="3" name="Content Placeholder 2"/>
+          <p:cNvSpPr>
+            <a:spLocks noGrp="1"/>
+          </p:cNvSpPr>
+          <p:nvPr>
+            <p:ph idx="1"/>
+          </p:nvPr>
+        </p:nvSpPr>
+        <p:spPr/>
+        <p:txBody>
+          <a:bodyPr>
+            <a:normAutofit/>
+          </a:bodyPr>
+          <a:lstStyle/>
+          <a:p>
+            <a:pPr marL="0" indent="0">
+              <a:buNone/>
+            </a:pPr>
+            <a:r>
+              <a:rPr lang="en-IE" sz="1800" dirty="0">
+                <a:solidFill>
+                  <a:srgbClr val="2B91AF"/>
+                </a:solidFill>
+                <a:latin typeface="Consolas" panose="020B0609020204030204" pitchFamily="49" charset="0"/>
+              </a:rPr>
+              <a:t>Plane</a:t>
+            </a:r>
+            <a:r>
+              <a:rPr lang="en-IE" sz="1800" dirty="0">
+                <a:solidFill>
+                  <a:prstClr val="black"/>
+                </a:solidFill>
+                <a:latin typeface="Consolas" panose="020B0609020204030204" pitchFamily="49" charset="0"/>
+              </a:rPr>
+              <a:t> worldPlane = </a:t>
+            </a:r>
+            <a:r>
+              <a:rPr lang="en-IE" sz="1800" dirty="0">
+                <a:solidFill>
+                  <a:srgbClr val="0000FF"/>
+                </a:solidFill>
+                <a:latin typeface="Consolas" panose="020B0609020204030204" pitchFamily="49" charset="0"/>
+              </a:rPr>
+              <a:t>new</a:t>
+            </a:r>
+            <a:r>
+              <a:rPr lang="en-IE" sz="1800" dirty="0">
+                <a:solidFill>
+                  <a:prstClr val="black"/>
+                </a:solidFill>
+                <a:latin typeface="Consolas" panose="020B0609020204030204" pitchFamily="49" charset="0"/>
+              </a:rPr>
+              <a:t> </a:t>
+            </a:r>
+            <a:r>
+              <a:rPr lang="en-IE" sz="1800" dirty="0">
+                <a:solidFill>
+                  <a:srgbClr val="2B91AF"/>
+                </a:solidFill>
+                <a:latin typeface="Consolas" panose="020B0609020204030204" pitchFamily="49" charset="0"/>
+              </a:rPr>
+              <a:t>Plane</a:t>
+            </a:r>
+            <a:r>
+              <a:rPr lang="en-IE" sz="1800" dirty="0">
+                <a:solidFill>
+                  <a:prstClr val="black"/>
+                </a:solidFill>
+                <a:latin typeface="Consolas" panose="020B0609020204030204" pitchFamily="49" charset="0"/>
+              </a:rPr>
+              <a:t>(</a:t>
+            </a:r>
+            <a:r>
+              <a:rPr lang="en-IE" sz="1800" dirty="0">
+                <a:solidFill>
+                  <a:srgbClr val="0000FF"/>
+                </a:solidFill>
+                <a:latin typeface="Consolas" panose="020B0609020204030204" pitchFamily="49" charset="0"/>
+              </a:rPr>
+              <a:t>new</a:t>
+            </a:r>
+            <a:r>
+              <a:rPr lang="en-IE" sz="1800" dirty="0">
+                <a:solidFill>
+                  <a:prstClr val="black"/>
+                </a:solidFill>
+                <a:latin typeface="Consolas" panose="020B0609020204030204" pitchFamily="49" charset="0"/>
+              </a:rPr>
+              <a:t> </a:t>
+            </a:r>
+            <a:r>
+              <a:rPr lang="en-IE" sz="1800" dirty="0">
+                <a:solidFill>
+                  <a:srgbClr val="2B91AF"/>
+                </a:solidFill>
+                <a:latin typeface="Consolas" panose="020B0609020204030204" pitchFamily="49" charset="0"/>
+              </a:rPr>
+              <a:t>Vector3</a:t>
+            </a:r>
+            <a:r>
+              <a:rPr lang="en-IE" sz="1800" dirty="0">
+                <a:solidFill>
+                  <a:prstClr val="black"/>
+                </a:solidFill>
+                <a:latin typeface="Consolas" panose="020B0609020204030204" pitchFamily="49" charset="0"/>
+              </a:rPr>
+              <a:t>(0, 1, 0), 0);           </a:t>
+            </a:r>
+          </a:p>
+          <a:p>
+            <a:pPr marL="0" indent="0">
+              <a:buNone/>
+            </a:pPr>
+            <a:r>
+              <a:rPr lang="en-IE" sz="1800" dirty="0">
+                <a:solidFill>
+                  <a:prstClr val="black"/>
+                </a:solidFill>
+                <a:latin typeface="Consolas" panose="020B0609020204030204" pitchFamily="49" charset="0"/>
+              </a:rPr>
+              <a:t>            </a:t>
+            </a:r>
+            <a:r>
+              <a:rPr lang="en-IE" sz="1800" dirty="0">
+                <a:solidFill>
+                  <a:srgbClr val="2B91AF"/>
+                </a:solidFill>
+                <a:latin typeface="Consolas" panose="020B0609020204030204" pitchFamily="49" charset="0"/>
+              </a:rPr>
+              <a:t>Vector3</a:t>
+            </a:r>
+            <a:r>
+              <a:rPr lang="en-IE" sz="1800" dirty="0">
+                <a:solidFill>
+                  <a:prstClr val="black"/>
+                </a:solidFill>
+                <a:latin typeface="Consolas" panose="020B0609020204030204" pitchFamily="49" charset="0"/>
+              </a:rPr>
+              <a:t> force = </a:t>
+            </a:r>
+            <a:r>
+              <a:rPr lang="en-IE" sz="1800" dirty="0">
+                <a:solidFill>
+                  <a:srgbClr val="2B91AF"/>
+                </a:solidFill>
+                <a:latin typeface="Consolas" panose="020B0609020204030204" pitchFamily="49" charset="0"/>
+              </a:rPr>
+              <a:t>Vector3</a:t>
+            </a:r>
+            <a:r>
+              <a:rPr lang="en-IE" sz="1800" dirty="0">
+                <a:solidFill>
+                  <a:prstClr val="black"/>
+                </a:solidFill>
+                <a:latin typeface="Consolas" panose="020B0609020204030204" pitchFamily="49" charset="0"/>
+              </a:rPr>
+              <a:t>.zero;</a:t>
+            </a:r>
+          </a:p>
+          <a:p>
+            <a:pPr marL="0" indent="0">
+              <a:buNone/>
+            </a:pPr>
+            <a:r>
+              <a:rPr lang="en-IE" sz="1800" dirty="0">
+                <a:solidFill>
+                  <a:prstClr val="black"/>
+                </a:solidFill>
+                <a:latin typeface="Consolas" panose="020B0609020204030204" pitchFamily="49" charset="0"/>
+              </a:rPr>
+              <a:t>            </a:t>
+            </a:r>
+            <a:r>
+              <a:rPr lang="en-IE" sz="1800" dirty="0">
+                <a:solidFill>
+                  <a:srgbClr val="0000FF"/>
+                </a:solidFill>
+                <a:latin typeface="Consolas" panose="020B0609020204030204" pitchFamily="49" charset="0"/>
+              </a:rPr>
+              <a:t>foreach</a:t>
+            </a:r>
+            <a:r>
+              <a:rPr lang="en-IE" sz="1800" dirty="0">
+                <a:solidFill>
+                  <a:prstClr val="black"/>
+                </a:solidFill>
+                <a:latin typeface="Consolas" panose="020B0609020204030204" pitchFamily="49" charset="0"/>
+              </a:rPr>
+              <a:t> (</a:t>
+            </a:r>
+            <a:r>
+              <a:rPr lang="en-IE" sz="1800" dirty="0">
+                <a:solidFill>
+                  <a:srgbClr val="2B91AF"/>
+                </a:solidFill>
+                <a:latin typeface="Consolas" panose="020B0609020204030204" pitchFamily="49" charset="0"/>
+              </a:rPr>
+              <a:t>Vector3</a:t>
+            </a:r>
+            <a:r>
+              <a:rPr lang="en-IE" sz="1800" dirty="0">
+                <a:solidFill>
+                  <a:prstClr val="black"/>
+                </a:solidFill>
+                <a:latin typeface="Consolas" panose="020B0609020204030204" pitchFamily="49" charset="0"/>
+              </a:rPr>
+              <a:t> feeler </a:t>
+            </a:r>
+            <a:r>
+              <a:rPr lang="en-IE" sz="1800" dirty="0">
+                <a:solidFill>
+                  <a:srgbClr val="0000FF"/>
+                </a:solidFill>
+                <a:latin typeface="Consolas" panose="020B0609020204030204" pitchFamily="49" charset="0"/>
+              </a:rPr>
+              <a:t>in</a:t>
+            </a:r>
+            <a:r>
+              <a:rPr lang="en-IE" sz="1800" dirty="0">
+                <a:solidFill>
+                  <a:prstClr val="black"/>
+                </a:solidFill>
+                <a:latin typeface="Consolas" panose="020B0609020204030204" pitchFamily="49" charset="0"/>
+              </a:rPr>
+              <a:t> Feelers)</a:t>
+            </a:r>
+          </a:p>
+          <a:p>
+            <a:pPr marL="0" indent="0">
+              <a:buNone/>
+            </a:pPr>
+            <a:r>
+              <a:rPr lang="en-IE" sz="1800" dirty="0">
+                <a:solidFill>
+                  <a:prstClr val="black"/>
+                </a:solidFill>
+                <a:latin typeface="Consolas" panose="020B0609020204030204" pitchFamily="49" charset="0"/>
+              </a:rPr>
+              <a:t>            {</a:t>
+            </a:r>
+          </a:p>
+          <a:p>
+            <a:pPr marL="0" indent="0">
+              <a:buNone/>
+            </a:pPr>
+            <a:r>
+              <a:rPr lang="en-IE" sz="1800" dirty="0">
+                <a:solidFill>
+                  <a:prstClr val="black"/>
+                </a:solidFill>
+                <a:latin typeface="Consolas" panose="020B0609020204030204" pitchFamily="49" charset="0"/>
+              </a:rPr>
+              <a:t>                </a:t>
+            </a:r>
+            <a:r>
+              <a:rPr lang="en-IE" sz="1800" dirty="0">
+                <a:solidFill>
+                  <a:srgbClr val="0000FF"/>
+                </a:solidFill>
+                <a:latin typeface="Consolas" panose="020B0609020204030204" pitchFamily="49" charset="0"/>
+              </a:rPr>
+              <a:t>if</a:t>
+            </a:r>
+            <a:r>
+              <a:rPr lang="en-IE" sz="1800" dirty="0">
+                <a:solidFill>
+                  <a:prstClr val="black"/>
+                </a:solidFill>
+                <a:latin typeface="Consolas" panose="020B0609020204030204" pitchFamily="49" charset="0"/>
+              </a:rPr>
+              <a:t> (!worldPlane.GetSide(feeler))</a:t>
+            </a:r>
+          </a:p>
+          <a:p>
+            <a:pPr marL="0" indent="0">
+              <a:buNone/>
+            </a:pPr>
+            <a:r>
+              <a:rPr lang="en-IE" sz="1800" dirty="0">
+                <a:solidFill>
+                  <a:prstClr val="black"/>
+                </a:solidFill>
+                <a:latin typeface="Consolas" panose="020B0609020204030204" pitchFamily="49" charset="0"/>
+              </a:rPr>
+              <a:t>                {</a:t>
+            </a:r>
+          </a:p>
+          <a:p>
+            <a:pPr marL="0" indent="0">
+              <a:buNone/>
+            </a:pPr>
+            <a:r>
+              <a:rPr lang="en-IE" sz="1800" dirty="0">
+                <a:solidFill>
+                  <a:prstClr val="black"/>
+                </a:solidFill>
+                <a:latin typeface="Consolas" panose="020B0609020204030204" pitchFamily="49" charset="0"/>
+              </a:rPr>
+              <a:t>                    </a:t>
+            </a:r>
+            <a:r>
+              <a:rPr lang="en-IE" sz="1800" dirty="0">
+                <a:solidFill>
+                  <a:srgbClr val="0000FF"/>
+                </a:solidFill>
+                <a:latin typeface="Consolas" panose="020B0609020204030204" pitchFamily="49" charset="0"/>
+              </a:rPr>
+              <a:t>float</a:t>
+            </a:r>
+            <a:r>
+              <a:rPr lang="en-IE" sz="1800" dirty="0">
+                <a:solidFill>
+                  <a:prstClr val="black"/>
+                </a:solidFill>
+                <a:latin typeface="Consolas" panose="020B0609020204030204" pitchFamily="49" charset="0"/>
+              </a:rPr>
+              <a:t> distance = </a:t>
+            </a:r>
+            <a:r>
+              <a:rPr lang="en-IE" sz="1800" dirty="0">
+                <a:solidFill>
+                  <a:srgbClr val="2B91AF"/>
+                </a:solidFill>
+                <a:latin typeface="Consolas" panose="020B0609020204030204" pitchFamily="49" charset="0"/>
+              </a:rPr>
+              <a:t>Math</a:t>
+            </a:r>
+            <a:r>
+              <a:rPr lang="en-IE" sz="1800" dirty="0">
+                <a:solidFill>
+                  <a:prstClr val="black"/>
+                </a:solidFill>
+                <a:latin typeface="Consolas" panose="020B0609020204030204" pitchFamily="49" charset="0"/>
+              </a:rPr>
+              <a:t>.Abs(worldPlane.GetDistanceToPoint(feeler));</a:t>
+            </a:r>
+          </a:p>
+          <a:p>
+            <a:pPr marL="0" indent="0">
+              <a:buNone/>
+            </a:pPr>
+            <a:r>
+              <a:rPr lang="en-IE" sz="1800" dirty="0">
+                <a:solidFill>
+                  <a:prstClr val="black"/>
+                </a:solidFill>
+                <a:latin typeface="Consolas" panose="020B0609020204030204" pitchFamily="49" charset="0"/>
+              </a:rPr>
+              <a:t>                    force += worldPlane.normal * distance;</a:t>
+            </a:r>
+          </a:p>
+          <a:p>
+            <a:pPr marL="0" indent="0">
+              <a:buNone/>
+            </a:pPr>
+            <a:r>
+              <a:rPr lang="en-IE" sz="1800" dirty="0">
+                <a:solidFill>
+                  <a:prstClr val="black"/>
+                </a:solidFill>
+                <a:latin typeface="Consolas" panose="020B0609020204030204" pitchFamily="49" charset="0"/>
+              </a:rPr>
+              <a:t>                }</a:t>
+            </a:r>
+          </a:p>
+          <a:p>
+            <a:pPr marL="0" indent="0">
+              <a:buNone/>
+            </a:pPr>
+            <a:r>
+              <a:rPr lang="en-IE" sz="1800" dirty="0">
+                <a:solidFill>
+                  <a:prstClr val="black"/>
+                </a:solidFill>
+                <a:latin typeface="Consolas" panose="020B0609020204030204" pitchFamily="49" charset="0"/>
+              </a:rPr>
+              <a:t>            </a:t>
+            </a:r>
+            <a:r>
+              <a:rPr lang="en-IE" sz="1800" dirty="0" smtClean="0">
+                <a:solidFill>
+                  <a:prstClr val="black"/>
+                </a:solidFill>
+                <a:latin typeface="Consolas" panose="020B0609020204030204" pitchFamily="49" charset="0"/>
+              </a:rPr>
+              <a:t>}</a:t>
+            </a:r>
+          </a:p>
+          <a:p>
+            <a:pPr marL="0" indent="0">
+              <a:buNone/>
+            </a:pPr>
+            <a:endParaRPr lang="en-IE" sz="1800" dirty="0">
+              <a:solidFill>
+                <a:prstClr val="black"/>
+              </a:solidFill>
+              <a:latin typeface="Consolas" panose="020B0609020204030204" pitchFamily="49" charset="0"/>
+            </a:endParaRPr>
+          </a:p>
+          <a:p>
+            <a:r>
+              <a:rPr lang="en-IE" sz="1800" dirty="0" smtClean="0">
+                <a:solidFill>
+                  <a:prstClr val="black"/>
+                </a:solidFill>
+              </a:rPr>
+              <a:t>More Plane examples in Unity next...</a:t>
+            </a:r>
+            <a:endParaRPr lang="en-IE" sz="1800" dirty="0">
+              <a:solidFill>
+                <a:prstClr val="black"/>
+              </a:solidFill>
+            </a:endParaRPr>
+          </a:p>
+        </p:txBody>
+      </p:sp>
+    </p:spTree>
+    <p:extLst>
+      <p:ext uri="{BB962C8B-B14F-4D97-AF65-F5344CB8AC3E}">
+        <p14:creationId xmlns:p14="http://schemas.microsoft.com/office/powerpoint/2010/main" val="2883997949"/>
+      </p:ext>
+    </p:extLst>
+  </p:cSld>
+  <p:clrMapOvr>
+    <a:masterClrMapping/>
+  </p:clrMapOvr>
+  <p:timing>
+    <p:tnLst>
+      <p:par>
+        <p:cTn id="1" dur="indefinite" restart="never" nodeType="tmRoot"/>
+      </p:par>
+    </p:tnLst>
+  </p:timing>
+</p:sld>
+</file>
+
+<file path=ppt/slides/slide31.xml><?xml version="1.0" encoding="utf-8"?>
+<p:sld xmlns:a="http://schemas.openxmlformats.org/drawingml/2006/main" xmlns:r="http://schemas.openxmlformats.org/officeDocument/2006/relationships" xmlns:p="http://schemas.openxmlformats.org/presentationml/2006/main">
+  <p:cSld>
+    <p:spTree>
+      <p:nvGrpSpPr>
+        <p:cNvPr id="1" name=""/>
+        <p:cNvGrpSpPr/>
+        <p:nvPr/>
+      </p:nvGrpSpPr>
+      <p:grpSpPr>
+        <a:xfrm>
+          <a:off x="0" y="0"/>
+          <a:ext cx="0" cy="0"/>
+          <a:chOff x="0" y="0"/>
+          <a:chExt cx="0" cy="0"/>
+        </a:xfrm>
+      </p:grpSpPr>
+      <p:sp>
+        <p:nvSpPr>
+          <p:cNvPr id="3" name="Content Placeholder 2"/>
+          <p:cNvSpPr>
+            <a:spLocks noGrp="1"/>
+          </p:cNvSpPr>
+          <p:nvPr>
+            <p:ph idx="1"/>
+          </p:nvPr>
+        </p:nvSpPr>
+        <p:spPr>
+          <a:xfrm>
+            <a:off x="0" y="0"/>
+            <a:ext cx="9144000" cy="6858000"/>
+          </a:xfrm>
+        </p:spPr>
+        <p:txBody>
+          <a:bodyPr>
+            <a:normAutofit fontScale="32500" lnSpcReduction="20000"/>
+          </a:bodyPr>
+          <a:lstStyle/>
+          <a:p>
+            <a:pPr marL="0" indent="0">
+              <a:buNone/>
+            </a:pPr>
+            <a:r>
+              <a:rPr lang="en-IE" dirty="0">
+                <a:solidFill>
+                  <a:srgbClr val="2B91AF"/>
+                </a:solidFill>
+                <a:latin typeface="Consolas" panose="020B0609020204030204" pitchFamily="49" charset="0"/>
+              </a:rPr>
+              <a:t> </a:t>
+            </a:r>
+            <a:r>
+              <a:rPr lang="en-IE" dirty="0" smtClean="0">
+                <a:solidFill>
+                  <a:srgbClr val="2B91AF"/>
+                </a:solidFill>
+                <a:latin typeface="Consolas" panose="020B0609020204030204" pitchFamily="49" charset="0"/>
+              </a:rPr>
+              <a:t>           Vector3</a:t>
+            </a:r>
+            <a:r>
+              <a:rPr lang="en-IE" dirty="0" smtClean="0">
+                <a:solidFill>
+                  <a:prstClr val="black"/>
+                </a:solidFill>
+                <a:latin typeface="Consolas" panose="020B0609020204030204" pitchFamily="49" charset="0"/>
+              </a:rPr>
+              <a:t> </a:t>
+            </a:r>
+            <a:r>
+              <a:rPr lang="en-IE" dirty="0">
+                <a:solidFill>
+                  <a:prstClr val="black"/>
+                </a:solidFill>
+                <a:latin typeface="Consolas" panose="020B0609020204030204" pitchFamily="49" charset="0"/>
+              </a:rPr>
+              <a:t>p0 = </a:t>
+            </a:r>
+            <a:r>
+              <a:rPr lang="en-IE" dirty="0">
+                <a:solidFill>
+                  <a:srgbClr val="0000FF"/>
+                </a:solidFill>
+                <a:latin typeface="Consolas" panose="020B0609020204030204" pitchFamily="49" charset="0"/>
+              </a:rPr>
+              <a:t>new</a:t>
+            </a:r>
+            <a:r>
+              <a:rPr lang="en-IE" dirty="0">
+                <a:solidFill>
+                  <a:prstClr val="black"/>
+                </a:solidFill>
+                <a:latin typeface="Consolas" panose="020B0609020204030204" pitchFamily="49" charset="0"/>
+              </a:rPr>
+              <a:t> </a:t>
+            </a:r>
+            <a:r>
+              <a:rPr lang="en-IE" dirty="0">
+                <a:solidFill>
+                  <a:srgbClr val="2B91AF"/>
+                </a:solidFill>
+                <a:latin typeface="Consolas" panose="020B0609020204030204" pitchFamily="49" charset="0"/>
+              </a:rPr>
+              <a:t>Vector3</a:t>
+            </a:r>
+            <a:r>
+              <a:rPr lang="en-IE" dirty="0">
+                <a:solidFill>
+                  <a:prstClr val="black"/>
+                </a:solidFill>
+                <a:latin typeface="Consolas" panose="020B0609020204030204" pitchFamily="49" charset="0"/>
+              </a:rPr>
+              <a:t>(1,1,1);</a:t>
+            </a:r>
+          </a:p>
+          <a:p>
+            <a:pPr marL="0" indent="0">
+              <a:buNone/>
+            </a:pPr>
+            <a:r>
+              <a:rPr lang="en-IE" dirty="0">
+                <a:solidFill>
+                  <a:prstClr val="black"/>
+                </a:solidFill>
+                <a:latin typeface="Consolas" panose="020B0609020204030204" pitchFamily="49" charset="0"/>
+              </a:rPr>
+              <a:t>            </a:t>
+            </a:r>
+            <a:r>
+              <a:rPr lang="en-IE" dirty="0">
+                <a:solidFill>
+                  <a:srgbClr val="2B91AF"/>
+                </a:solidFill>
+                <a:latin typeface="Consolas" panose="020B0609020204030204" pitchFamily="49" charset="0"/>
+              </a:rPr>
+              <a:t>Vector3</a:t>
+            </a:r>
+            <a:r>
+              <a:rPr lang="en-IE" dirty="0">
+                <a:solidFill>
+                  <a:prstClr val="black"/>
+                </a:solidFill>
+                <a:latin typeface="Consolas" panose="020B0609020204030204" pitchFamily="49" charset="0"/>
+              </a:rPr>
+              <a:t> p1 = </a:t>
+            </a:r>
+            <a:r>
+              <a:rPr lang="en-IE" dirty="0">
+                <a:solidFill>
+                  <a:srgbClr val="0000FF"/>
+                </a:solidFill>
+                <a:latin typeface="Consolas" panose="020B0609020204030204" pitchFamily="49" charset="0"/>
+              </a:rPr>
+              <a:t>new</a:t>
+            </a:r>
+            <a:r>
+              <a:rPr lang="en-IE" dirty="0">
+                <a:solidFill>
+                  <a:prstClr val="black"/>
+                </a:solidFill>
+                <a:latin typeface="Consolas" panose="020B0609020204030204" pitchFamily="49" charset="0"/>
+              </a:rPr>
+              <a:t> </a:t>
+            </a:r>
+            <a:r>
+              <a:rPr lang="en-IE" dirty="0">
+                <a:solidFill>
+                  <a:srgbClr val="2B91AF"/>
+                </a:solidFill>
+                <a:latin typeface="Consolas" panose="020B0609020204030204" pitchFamily="49" charset="0"/>
+              </a:rPr>
+              <a:t>Vector3</a:t>
+            </a:r>
+            <a:r>
+              <a:rPr lang="en-IE" dirty="0">
+                <a:solidFill>
+                  <a:prstClr val="black"/>
+                </a:solidFill>
+                <a:latin typeface="Consolas" panose="020B0609020204030204" pitchFamily="49" charset="0"/>
+              </a:rPr>
+              <a:t>(1,2,0);</a:t>
+            </a:r>
+          </a:p>
+          <a:p>
+            <a:pPr marL="0" indent="0">
+              <a:buNone/>
+            </a:pPr>
+            <a:r>
+              <a:rPr lang="en-IE" dirty="0">
+                <a:solidFill>
+                  <a:prstClr val="black"/>
+                </a:solidFill>
+                <a:latin typeface="Consolas" panose="020B0609020204030204" pitchFamily="49" charset="0"/>
+              </a:rPr>
+              <a:t>            </a:t>
+            </a:r>
+            <a:r>
+              <a:rPr lang="en-IE" dirty="0">
+                <a:solidFill>
+                  <a:srgbClr val="2B91AF"/>
+                </a:solidFill>
+                <a:latin typeface="Consolas" panose="020B0609020204030204" pitchFamily="49" charset="0"/>
+              </a:rPr>
+              <a:t>Vector3</a:t>
+            </a:r>
+            <a:r>
+              <a:rPr lang="en-IE" dirty="0">
+                <a:solidFill>
+                  <a:prstClr val="black"/>
+                </a:solidFill>
+                <a:latin typeface="Consolas" panose="020B0609020204030204" pitchFamily="49" charset="0"/>
+              </a:rPr>
+              <a:t> p2 = </a:t>
+            </a:r>
+            <a:r>
+              <a:rPr lang="en-IE" dirty="0">
+                <a:solidFill>
+                  <a:srgbClr val="0000FF"/>
+                </a:solidFill>
+                <a:latin typeface="Consolas" panose="020B0609020204030204" pitchFamily="49" charset="0"/>
+              </a:rPr>
+              <a:t>new</a:t>
+            </a:r>
+            <a:r>
+              <a:rPr lang="en-IE" dirty="0">
+                <a:solidFill>
+                  <a:prstClr val="black"/>
+                </a:solidFill>
+                <a:latin typeface="Consolas" panose="020B0609020204030204" pitchFamily="49" charset="0"/>
+              </a:rPr>
+              <a:t> </a:t>
+            </a:r>
+            <a:r>
+              <a:rPr lang="en-IE" dirty="0">
+                <a:solidFill>
+                  <a:srgbClr val="2B91AF"/>
+                </a:solidFill>
+                <a:latin typeface="Consolas" panose="020B0609020204030204" pitchFamily="49" charset="0"/>
+              </a:rPr>
+              <a:t>Vector3</a:t>
+            </a:r>
+            <a:r>
+              <a:rPr lang="en-IE" dirty="0">
+                <a:solidFill>
+                  <a:prstClr val="black"/>
+                </a:solidFill>
+                <a:latin typeface="Consolas" panose="020B0609020204030204" pitchFamily="49" charset="0"/>
+              </a:rPr>
+              <a:t>(-1,2,1);</a:t>
+            </a:r>
+          </a:p>
+          <a:p>
+            <a:pPr marL="0" indent="0">
+              <a:buNone/>
+            </a:pPr>
+            <a:endParaRPr lang="en-IE" dirty="0">
+              <a:solidFill>
+                <a:prstClr val="black"/>
+              </a:solidFill>
+              <a:latin typeface="Consolas" panose="020B0609020204030204" pitchFamily="49" charset="0"/>
+            </a:endParaRPr>
+          </a:p>
+          <a:p>
+            <a:pPr marL="0" indent="0">
+              <a:buNone/>
+            </a:pPr>
+            <a:r>
+              <a:rPr lang="en-IE" dirty="0">
+                <a:solidFill>
+                  <a:prstClr val="black"/>
+                </a:solidFill>
+                <a:latin typeface="Consolas" panose="020B0609020204030204" pitchFamily="49" charset="0"/>
+              </a:rPr>
+              <a:t>            </a:t>
+            </a:r>
+            <a:r>
+              <a:rPr lang="en-IE" dirty="0">
+                <a:solidFill>
+                  <a:srgbClr val="2B91AF"/>
+                </a:solidFill>
+                <a:latin typeface="Consolas" panose="020B0609020204030204" pitchFamily="49" charset="0"/>
+              </a:rPr>
+              <a:t>Plane</a:t>
+            </a:r>
+            <a:r>
+              <a:rPr lang="en-IE" dirty="0">
+                <a:solidFill>
+                  <a:prstClr val="black"/>
+                </a:solidFill>
+                <a:latin typeface="Consolas" panose="020B0609020204030204" pitchFamily="49" charset="0"/>
+              </a:rPr>
+              <a:t> p = </a:t>
+            </a:r>
+            <a:r>
+              <a:rPr lang="en-IE" dirty="0">
+                <a:solidFill>
+                  <a:srgbClr val="0000FF"/>
+                </a:solidFill>
+                <a:latin typeface="Consolas" panose="020B0609020204030204" pitchFamily="49" charset="0"/>
+              </a:rPr>
+              <a:t>new</a:t>
+            </a:r>
+            <a:r>
+              <a:rPr lang="en-IE" dirty="0">
+                <a:solidFill>
+                  <a:prstClr val="black"/>
+                </a:solidFill>
+                <a:latin typeface="Consolas" panose="020B0609020204030204" pitchFamily="49" charset="0"/>
+              </a:rPr>
+              <a:t> </a:t>
+            </a:r>
+            <a:r>
+              <a:rPr lang="en-IE" dirty="0">
+                <a:solidFill>
+                  <a:srgbClr val="2B91AF"/>
+                </a:solidFill>
+                <a:latin typeface="Consolas" panose="020B0609020204030204" pitchFamily="49" charset="0"/>
+              </a:rPr>
+              <a:t>Plane</a:t>
+            </a:r>
+            <a:r>
+              <a:rPr lang="en-IE" dirty="0">
+                <a:solidFill>
+                  <a:prstClr val="black"/>
+                </a:solidFill>
+                <a:latin typeface="Consolas" panose="020B0609020204030204" pitchFamily="49" charset="0"/>
+              </a:rPr>
+              <a:t>(p0, p1, p2);</a:t>
+            </a:r>
+          </a:p>
+          <a:p>
+            <a:pPr marL="0" indent="0">
+              <a:buNone/>
+            </a:pPr>
+            <a:r>
+              <a:rPr lang="en-IE" dirty="0">
+                <a:solidFill>
+                  <a:prstClr val="black"/>
+                </a:solidFill>
+                <a:latin typeface="Consolas" panose="020B0609020204030204" pitchFamily="49" charset="0"/>
+              </a:rPr>
+              <a:t>            </a:t>
+            </a:r>
+            <a:r>
+              <a:rPr lang="en-IE" dirty="0">
+                <a:solidFill>
+                  <a:srgbClr val="2B91AF"/>
+                </a:solidFill>
+                <a:latin typeface="Consolas" panose="020B0609020204030204" pitchFamily="49" charset="0"/>
+              </a:rPr>
+              <a:t>Console</a:t>
+            </a:r>
+            <a:r>
+              <a:rPr lang="en-IE" dirty="0">
+                <a:solidFill>
+                  <a:prstClr val="black"/>
+                </a:solidFill>
+                <a:latin typeface="Consolas" panose="020B0609020204030204" pitchFamily="49" charset="0"/>
+              </a:rPr>
+              <a:t>.WriteLine(p.normal);</a:t>
+            </a:r>
+          </a:p>
+          <a:p>
+            <a:pPr marL="0" indent="0">
+              <a:buNone/>
+            </a:pPr>
+            <a:r>
+              <a:rPr lang="en-IE" dirty="0">
+                <a:solidFill>
+                  <a:prstClr val="black"/>
+                </a:solidFill>
+                <a:latin typeface="Consolas" panose="020B0609020204030204" pitchFamily="49" charset="0"/>
+              </a:rPr>
+              <a:t>            </a:t>
+            </a:r>
+            <a:r>
+              <a:rPr lang="en-IE" dirty="0">
+                <a:solidFill>
+                  <a:srgbClr val="2B91AF"/>
+                </a:solidFill>
+                <a:latin typeface="Consolas" panose="020B0609020204030204" pitchFamily="49" charset="0"/>
+              </a:rPr>
+              <a:t>Console</a:t>
+            </a:r>
+            <a:r>
+              <a:rPr lang="en-IE" dirty="0">
+                <a:solidFill>
+                  <a:prstClr val="black"/>
+                </a:solidFill>
+                <a:latin typeface="Consolas" panose="020B0609020204030204" pitchFamily="49" charset="0"/>
+              </a:rPr>
+              <a:t>.WriteLine(p.distance);</a:t>
+            </a:r>
+          </a:p>
+          <a:p>
+            <a:pPr marL="0" indent="0">
+              <a:buNone/>
+            </a:pPr>
+            <a:endParaRPr lang="en-IE" dirty="0">
+              <a:solidFill>
+                <a:prstClr val="black"/>
+              </a:solidFill>
+              <a:latin typeface="Consolas" panose="020B0609020204030204" pitchFamily="49" charset="0"/>
+            </a:endParaRPr>
+          </a:p>
+          <a:p>
+            <a:pPr marL="0" indent="0">
+              <a:buNone/>
+            </a:pPr>
+            <a:r>
+              <a:rPr lang="en-IE" dirty="0">
+                <a:solidFill>
+                  <a:prstClr val="black"/>
+                </a:solidFill>
+                <a:latin typeface="Consolas" panose="020B0609020204030204" pitchFamily="49" charset="0"/>
+              </a:rPr>
+              <a:t>            </a:t>
+            </a:r>
+            <a:r>
+              <a:rPr lang="en-IE" dirty="0">
+                <a:solidFill>
+                  <a:srgbClr val="008000"/>
+                </a:solidFill>
+                <a:latin typeface="Consolas" panose="020B0609020204030204" pitchFamily="49" charset="0"/>
+              </a:rPr>
+              <a:t>// get two vectors ON the plane</a:t>
+            </a:r>
+            <a:endParaRPr lang="en-IE" dirty="0">
+              <a:solidFill>
+                <a:prstClr val="black"/>
+              </a:solidFill>
+              <a:latin typeface="Consolas" panose="020B0609020204030204" pitchFamily="49" charset="0"/>
+            </a:endParaRPr>
+          </a:p>
+          <a:p>
+            <a:pPr marL="0" indent="0">
+              <a:buNone/>
+            </a:pPr>
+            <a:r>
+              <a:rPr lang="en-IE" dirty="0">
+                <a:solidFill>
+                  <a:prstClr val="black"/>
+                </a:solidFill>
+                <a:latin typeface="Consolas" panose="020B0609020204030204" pitchFamily="49" charset="0"/>
+              </a:rPr>
+              <a:t>            </a:t>
+            </a:r>
+            <a:r>
+              <a:rPr lang="en-IE" dirty="0">
+                <a:solidFill>
+                  <a:srgbClr val="2B91AF"/>
+                </a:solidFill>
+                <a:latin typeface="Consolas" panose="020B0609020204030204" pitchFamily="49" charset="0"/>
+              </a:rPr>
+              <a:t>Vector3</a:t>
+            </a:r>
+            <a:r>
+              <a:rPr lang="en-IE" dirty="0">
+                <a:solidFill>
+                  <a:prstClr val="black"/>
+                </a:solidFill>
+                <a:latin typeface="Consolas" panose="020B0609020204030204" pitchFamily="49" charset="0"/>
+              </a:rPr>
+              <a:t> onP0 = p2 - p1;</a:t>
+            </a:r>
+          </a:p>
+          <a:p>
+            <a:pPr marL="0" indent="0">
+              <a:buNone/>
+            </a:pPr>
+            <a:r>
+              <a:rPr lang="en-IE" dirty="0">
+                <a:solidFill>
+                  <a:prstClr val="black"/>
+                </a:solidFill>
+                <a:latin typeface="Consolas" panose="020B0609020204030204" pitchFamily="49" charset="0"/>
+              </a:rPr>
+              <a:t>            </a:t>
+            </a:r>
+            <a:r>
+              <a:rPr lang="en-IE" dirty="0">
+                <a:solidFill>
+                  <a:srgbClr val="2B91AF"/>
+                </a:solidFill>
+                <a:latin typeface="Consolas" panose="020B0609020204030204" pitchFamily="49" charset="0"/>
+              </a:rPr>
+              <a:t>Vector3</a:t>
+            </a:r>
+            <a:r>
+              <a:rPr lang="en-IE" dirty="0">
+                <a:solidFill>
+                  <a:prstClr val="black"/>
+                </a:solidFill>
+                <a:latin typeface="Consolas" panose="020B0609020204030204" pitchFamily="49" charset="0"/>
+              </a:rPr>
+              <a:t> onP1 = p0 - p1;</a:t>
+            </a:r>
+          </a:p>
+          <a:p>
+            <a:pPr marL="0" indent="0">
+              <a:buNone/>
+            </a:pPr>
+            <a:endParaRPr lang="en-IE" dirty="0">
+              <a:solidFill>
+                <a:prstClr val="black"/>
+              </a:solidFill>
+              <a:latin typeface="Consolas" panose="020B0609020204030204" pitchFamily="49" charset="0"/>
+            </a:endParaRPr>
+          </a:p>
+          <a:p>
+            <a:pPr marL="0" indent="0">
+              <a:buNone/>
+            </a:pPr>
+            <a:r>
+              <a:rPr lang="en-IE" dirty="0">
+                <a:solidFill>
+                  <a:prstClr val="black"/>
+                </a:solidFill>
+                <a:latin typeface="Consolas" panose="020B0609020204030204" pitchFamily="49" charset="0"/>
+              </a:rPr>
+              <a:t>            </a:t>
+            </a:r>
+            <a:r>
+              <a:rPr lang="en-IE" dirty="0">
+                <a:solidFill>
+                  <a:srgbClr val="008000"/>
+                </a:solidFill>
+                <a:latin typeface="Consolas" panose="020B0609020204030204" pitchFamily="49" charset="0"/>
+              </a:rPr>
+              <a:t>// Calculate the normal (ABC values for the plane)</a:t>
+            </a:r>
+            <a:endParaRPr lang="en-IE" dirty="0">
+              <a:solidFill>
+                <a:prstClr val="black"/>
+              </a:solidFill>
+              <a:latin typeface="Consolas" panose="020B0609020204030204" pitchFamily="49" charset="0"/>
+            </a:endParaRPr>
+          </a:p>
+          <a:p>
+            <a:pPr marL="0" indent="0">
+              <a:buNone/>
+            </a:pPr>
+            <a:r>
+              <a:rPr lang="en-IE" dirty="0">
+                <a:solidFill>
+                  <a:prstClr val="black"/>
+                </a:solidFill>
+                <a:latin typeface="Consolas" panose="020B0609020204030204" pitchFamily="49" charset="0"/>
+              </a:rPr>
+              <a:t>            </a:t>
+            </a:r>
+            <a:r>
+              <a:rPr lang="en-IE" dirty="0">
+                <a:solidFill>
+                  <a:srgbClr val="2B91AF"/>
+                </a:solidFill>
+                <a:latin typeface="Consolas" panose="020B0609020204030204" pitchFamily="49" charset="0"/>
+              </a:rPr>
+              <a:t>Vector3</a:t>
+            </a:r>
+            <a:r>
+              <a:rPr lang="en-IE" dirty="0">
+                <a:solidFill>
+                  <a:prstClr val="black"/>
+                </a:solidFill>
+                <a:latin typeface="Consolas" panose="020B0609020204030204" pitchFamily="49" charset="0"/>
+              </a:rPr>
+              <a:t> normal = </a:t>
+            </a:r>
+            <a:r>
+              <a:rPr lang="en-IE" dirty="0">
+                <a:solidFill>
+                  <a:srgbClr val="2B91AF"/>
+                </a:solidFill>
+                <a:latin typeface="Consolas" panose="020B0609020204030204" pitchFamily="49" charset="0"/>
+              </a:rPr>
+              <a:t>Vector3</a:t>
+            </a:r>
+            <a:r>
+              <a:rPr lang="en-IE" dirty="0">
+                <a:solidFill>
+                  <a:prstClr val="black"/>
+                </a:solidFill>
+                <a:latin typeface="Consolas" panose="020B0609020204030204" pitchFamily="49" charset="0"/>
+              </a:rPr>
+              <a:t>.Cross(onP0, onP1);</a:t>
+            </a:r>
+          </a:p>
+          <a:p>
+            <a:pPr marL="0" indent="0">
+              <a:buNone/>
+            </a:pPr>
+            <a:r>
+              <a:rPr lang="en-IE" dirty="0">
+                <a:solidFill>
+                  <a:prstClr val="black"/>
+                </a:solidFill>
+                <a:latin typeface="Consolas" panose="020B0609020204030204" pitchFamily="49" charset="0"/>
+              </a:rPr>
+              <a:t>            </a:t>
+            </a:r>
+            <a:r>
+              <a:rPr lang="en-IE" dirty="0">
+                <a:solidFill>
+                  <a:srgbClr val="2B91AF"/>
+                </a:solidFill>
+                <a:latin typeface="Consolas" panose="020B0609020204030204" pitchFamily="49" charset="0"/>
+              </a:rPr>
+              <a:t>Console</a:t>
+            </a:r>
+            <a:r>
+              <a:rPr lang="en-IE" dirty="0">
+                <a:solidFill>
+                  <a:prstClr val="black"/>
+                </a:solidFill>
+                <a:latin typeface="Consolas" panose="020B0609020204030204" pitchFamily="49" charset="0"/>
+              </a:rPr>
+              <a:t>.WriteLine(normal);</a:t>
+            </a:r>
+          </a:p>
+          <a:p>
+            <a:pPr marL="0" indent="0">
+              <a:buNone/>
+            </a:pPr>
+            <a:endParaRPr lang="en-IE" dirty="0">
+              <a:solidFill>
+                <a:prstClr val="black"/>
+              </a:solidFill>
+              <a:latin typeface="Consolas" panose="020B0609020204030204" pitchFamily="49" charset="0"/>
+            </a:endParaRPr>
+          </a:p>
+          <a:p>
+            <a:pPr marL="0" indent="0">
+              <a:buNone/>
+            </a:pPr>
+            <a:r>
+              <a:rPr lang="en-IE" dirty="0">
+                <a:solidFill>
+                  <a:prstClr val="black"/>
+                </a:solidFill>
+                <a:latin typeface="Consolas" panose="020B0609020204030204" pitchFamily="49" charset="0"/>
+              </a:rPr>
+              <a:t>            </a:t>
+            </a:r>
+            <a:r>
+              <a:rPr lang="en-IE" dirty="0">
+                <a:solidFill>
+                  <a:srgbClr val="008000"/>
+                </a:solidFill>
+                <a:latin typeface="Consolas" panose="020B0609020204030204" pitchFamily="49" charset="0"/>
+              </a:rPr>
+              <a:t>// Calculate the D value by substituting into the plane equation</a:t>
+            </a:r>
+            <a:endParaRPr lang="en-IE" dirty="0">
+              <a:solidFill>
+                <a:prstClr val="black"/>
+              </a:solidFill>
+              <a:latin typeface="Consolas" panose="020B0609020204030204" pitchFamily="49" charset="0"/>
+            </a:endParaRPr>
+          </a:p>
+          <a:p>
+            <a:pPr marL="0" indent="0">
+              <a:buNone/>
+            </a:pPr>
+            <a:r>
+              <a:rPr lang="en-IE" dirty="0">
+                <a:solidFill>
+                  <a:prstClr val="black"/>
+                </a:solidFill>
+                <a:latin typeface="Consolas" panose="020B0609020204030204" pitchFamily="49" charset="0"/>
+              </a:rPr>
+              <a:t>            </a:t>
+            </a:r>
+            <a:r>
+              <a:rPr lang="en-IE" dirty="0">
+                <a:solidFill>
+                  <a:srgbClr val="0000FF"/>
+                </a:solidFill>
+                <a:latin typeface="Consolas" panose="020B0609020204030204" pitchFamily="49" charset="0"/>
+              </a:rPr>
+              <a:t>float</a:t>
+            </a:r>
+            <a:r>
+              <a:rPr lang="en-IE" dirty="0">
+                <a:solidFill>
+                  <a:prstClr val="black"/>
+                </a:solidFill>
+                <a:latin typeface="Consolas" panose="020B0609020204030204" pitchFamily="49" charset="0"/>
+              </a:rPr>
+              <a:t> d = normal.x * p0.x + normal.y * p0.y + normal.z * p0.z;</a:t>
+            </a:r>
+          </a:p>
+          <a:p>
+            <a:pPr marL="0" indent="0">
+              <a:buNone/>
+            </a:pPr>
+            <a:endParaRPr lang="en-IE" dirty="0">
+              <a:solidFill>
+                <a:prstClr val="black"/>
+              </a:solidFill>
+              <a:latin typeface="Consolas" panose="020B0609020204030204" pitchFamily="49" charset="0"/>
+            </a:endParaRPr>
+          </a:p>
+          <a:p>
+            <a:pPr marL="0" indent="0">
+              <a:buNone/>
+            </a:pPr>
+            <a:r>
+              <a:rPr lang="en-IE" dirty="0">
+                <a:solidFill>
+                  <a:prstClr val="black"/>
+                </a:solidFill>
+                <a:latin typeface="Consolas" panose="020B0609020204030204" pitchFamily="49" charset="0"/>
+              </a:rPr>
+              <a:t>            </a:t>
+            </a:r>
+            <a:r>
+              <a:rPr lang="en-IE" dirty="0">
+                <a:solidFill>
+                  <a:srgbClr val="2B91AF"/>
+                </a:solidFill>
+                <a:latin typeface="Consolas" panose="020B0609020204030204" pitchFamily="49" charset="0"/>
+              </a:rPr>
+              <a:t>Console</a:t>
+            </a:r>
+            <a:r>
+              <a:rPr lang="en-IE" dirty="0">
+                <a:solidFill>
+                  <a:prstClr val="black"/>
+                </a:solidFill>
+                <a:latin typeface="Consolas" panose="020B0609020204030204" pitchFamily="49" charset="0"/>
+              </a:rPr>
+              <a:t>.WriteLine(d);</a:t>
+            </a:r>
+          </a:p>
+          <a:p>
+            <a:pPr marL="0" indent="0">
+              <a:buNone/>
+            </a:pPr>
+            <a:endParaRPr lang="en-IE" dirty="0">
+              <a:solidFill>
+                <a:prstClr val="black"/>
+              </a:solidFill>
+              <a:latin typeface="Consolas" panose="020B0609020204030204" pitchFamily="49" charset="0"/>
+            </a:endParaRPr>
+          </a:p>
+          <a:p>
+            <a:pPr marL="0" indent="0">
+              <a:buNone/>
+            </a:pPr>
+            <a:r>
+              <a:rPr lang="en-IE" dirty="0">
+                <a:solidFill>
+                  <a:prstClr val="black"/>
+                </a:solidFill>
+                <a:latin typeface="Consolas" panose="020B0609020204030204" pitchFamily="49" charset="0"/>
+              </a:rPr>
+              <a:t>            </a:t>
+            </a:r>
+            <a:r>
+              <a:rPr lang="en-IE" dirty="0">
+                <a:solidFill>
+                  <a:srgbClr val="008000"/>
+                </a:solidFill>
+                <a:latin typeface="Consolas" panose="020B0609020204030204" pitchFamily="49" charset="0"/>
+              </a:rPr>
+              <a:t>// Make a plane in Unity using the normal and the distance</a:t>
+            </a:r>
+            <a:endParaRPr lang="en-IE" dirty="0">
+              <a:solidFill>
+                <a:prstClr val="black"/>
+              </a:solidFill>
+              <a:latin typeface="Consolas" panose="020B0609020204030204" pitchFamily="49" charset="0"/>
+            </a:endParaRPr>
+          </a:p>
+          <a:p>
+            <a:pPr marL="0" indent="0">
+              <a:buNone/>
+            </a:pPr>
+            <a:r>
+              <a:rPr lang="en-IE" dirty="0">
+                <a:solidFill>
+                  <a:prstClr val="black"/>
+                </a:solidFill>
+                <a:latin typeface="Consolas" panose="020B0609020204030204" pitchFamily="49" charset="0"/>
+              </a:rPr>
+              <a:t>            </a:t>
+            </a:r>
+            <a:r>
+              <a:rPr lang="en-IE" dirty="0">
+                <a:solidFill>
+                  <a:srgbClr val="2B91AF"/>
+                </a:solidFill>
+                <a:latin typeface="Consolas" panose="020B0609020204030204" pitchFamily="49" charset="0"/>
+              </a:rPr>
+              <a:t>Plane</a:t>
+            </a:r>
+            <a:r>
+              <a:rPr lang="en-IE" dirty="0">
+                <a:solidFill>
+                  <a:prstClr val="black"/>
+                </a:solidFill>
+                <a:latin typeface="Consolas" panose="020B0609020204030204" pitchFamily="49" charset="0"/>
+              </a:rPr>
+              <a:t> pl1 = </a:t>
+            </a:r>
+            <a:r>
+              <a:rPr lang="en-IE" dirty="0">
+                <a:solidFill>
+                  <a:srgbClr val="0000FF"/>
+                </a:solidFill>
+                <a:latin typeface="Consolas" panose="020B0609020204030204" pitchFamily="49" charset="0"/>
+              </a:rPr>
+              <a:t>new</a:t>
+            </a:r>
+            <a:r>
+              <a:rPr lang="en-IE" dirty="0">
+                <a:solidFill>
+                  <a:prstClr val="black"/>
+                </a:solidFill>
+                <a:latin typeface="Consolas" panose="020B0609020204030204" pitchFamily="49" charset="0"/>
+              </a:rPr>
+              <a:t> </a:t>
+            </a:r>
+            <a:r>
+              <a:rPr lang="en-IE" dirty="0">
+                <a:solidFill>
+                  <a:srgbClr val="2B91AF"/>
+                </a:solidFill>
+                <a:latin typeface="Consolas" panose="020B0609020204030204" pitchFamily="49" charset="0"/>
+              </a:rPr>
+              <a:t>Plane</a:t>
+            </a:r>
+            <a:r>
+              <a:rPr lang="en-IE" dirty="0">
+                <a:solidFill>
+                  <a:prstClr val="black"/>
+                </a:solidFill>
+                <a:latin typeface="Consolas" panose="020B0609020204030204" pitchFamily="49" charset="0"/>
+              </a:rPr>
+              <a:t>(</a:t>
+            </a:r>
+            <a:r>
+              <a:rPr lang="en-IE" dirty="0">
+                <a:solidFill>
+                  <a:srgbClr val="0000FF"/>
+                </a:solidFill>
+                <a:latin typeface="Consolas" panose="020B0609020204030204" pitchFamily="49" charset="0"/>
+              </a:rPr>
+              <a:t>new</a:t>
+            </a:r>
+            <a:r>
+              <a:rPr lang="en-IE" dirty="0">
+                <a:solidFill>
+                  <a:prstClr val="black"/>
+                </a:solidFill>
+                <a:latin typeface="Consolas" panose="020B0609020204030204" pitchFamily="49" charset="0"/>
+              </a:rPr>
+              <a:t> </a:t>
+            </a:r>
+            <a:r>
+              <a:rPr lang="en-IE" dirty="0">
+                <a:solidFill>
+                  <a:srgbClr val="2B91AF"/>
+                </a:solidFill>
+                <a:latin typeface="Consolas" panose="020B0609020204030204" pitchFamily="49" charset="0"/>
+              </a:rPr>
+              <a:t>Vector3</a:t>
+            </a:r>
+            <a:r>
+              <a:rPr lang="en-IE" dirty="0">
+                <a:solidFill>
+                  <a:prstClr val="black"/>
+                </a:solidFill>
+                <a:latin typeface="Consolas" panose="020B0609020204030204" pitchFamily="49" charset="0"/>
+              </a:rPr>
+              <a:t>(0, 1, 0), -5.0f);</a:t>
+            </a:r>
+          </a:p>
+          <a:p>
+            <a:pPr marL="0" indent="0">
+              <a:buNone/>
+            </a:pPr>
+            <a:endParaRPr lang="en-IE" dirty="0">
+              <a:solidFill>
+                <a:prstClr val="black"/>
+              </a:solidFill>
+              <a:latin typeface="Consolas" panose="020B0609020204030204" pitchFamily="49" charset="0"/>
+            </a:endParaRPr>
+          </a:p>
+          <a:p>
+            <a:pPr marL="0" indent="0">
+              <a:buNone/>
+            </a:pPr>
+            <a:r>
+              <a:rPr lang="en-IE" dirty="0">
+                <a:solidFill>
+                  <a:prstClr val="black"/>
+                </a:solidFill>
+                <a:latin typeface="Consolas" panose="020B0609020204030204" pitchFamily="49" charset="0"/>
+              </a:rPr>
+              <a:t>            </a:t>
+            </a:r>
+            <a:r>
+              <a:rPr lang="en-IE" dirty="0">
+                <a:solidFill>
+                  <a:srgbClr val="008000"/>
+                </a:solidFill>
+                <a:latin typeface="Consolas" panose="020B0609020204030204" pitchFamily="49" charset="0"/>
+              </a:rPr>
+              <a:t>// Test to see which side of the plane the point is on</a:t>
+            </a:r>
+            <a:endParaRPr lang="en-IE" dirty="0">
+              <a:solidFill>
+                <a:prstClr val="black"/>
+              </a:solidFill>
+              <a:latin typeface="Consolas" panose="020B0609020204030204" pitchFamily="49" charset="0"/>
+            </a:endParaRPr>
+          </a:p>
+          <a:p>
+            <a:pPr marL="0" indent="0">
+              <a:buNone/>
+            </a:pPr>
+            <a:r>
+              <a:rPr lang="en-IE" dirty="0">
+                <a:solidFill>
+                  <a:prstClr val="black"/>
+                </a:solidFill>
+                <a:latin typeface="Consolas" panose="020B0609020204030204" pitchFamily="49" charset="0"/>
+              </a:rPr>
+              <a:t>            </a:t>
+            </a:r>
+            <a:r>
+              <a:rPr lang="en-IE" dirty="0">
+                <a:solidFill>
+                  <a:srgbClr val="2B91AF"/>
+                </a:solidFill>
+                <a:latin typeface="Consolas" panose="020B0609020204030204" pitchFamily="49" charset="0"/>
+              </a:rPr>
+              <a:t>Vector3</a:t>
+            </a:r>
+            <a:r>
+              <a:rPr lang="en-IE" dirty="0">
+                <a:solidFill>
+                  <a:prstClr val="black"/>
+                </a:solidFill>
+                <a:latin typeface="Consolas" panose="020B0609020204030204" pitchFamily="49" charset="0"/>
+              </a:rPr>
+              <a:t> testPoint = </a:t>
+            </a:r>
+            <a:r>
+              <a:rPr lang="en-IE" dirty="0">
+                <a:solidFill>
+                  <a:srgbClr val="0000FF"/>
+                </a:solidFill>
+                <a:latin typeface="Consolas" panose="020B0609020204030204" pitchFamily="49" charset="0"/>
+              </a:rPr>
+              <a:t>new</a:t>
+            </a:r>
+            <a:r>
+              <a:rPr lang="en-IE" dirty="0">
+                <a:solidFill>
+                  <a:prstClr val="black"/>
+                </a:solidFill>
+                <a:latin typeface="Consolas" panose="020B0609020204030204" pitchFamily="49" charset="0"/>
+              </a:rPr>
+              <a:t> </a:t>
+            </a:r>
+            <a:r>
+              <a:rPr lang="en-IE" dirty="0">
+                <a:solidFill>
+                  <a:srgbClr val="2B91AF"/>
+                </a:solidFill>
+                <a:latin typeface="Consolas" panose="020B0609020204030204" pitchFamily="49" charset="0"/>
+              </a:rPr>
+              <a:t>Vector3</a:t>
+            </a:r>
+            <a:r>
+              <a:rPr lang="en-IE" dirty="0">
+                <a:solidFill>
+                  <a:prstClr val="black"/>
+                </a:solidFill>
+                <a:latin typeface="Consolas" panose="020B0609020204030204" pitchFamily="49" charset="0"/>
+              </a:rPr>
+              <a:t>(10, 4, 10);</a:t>
+            </a:r>
+          </a:p>
+          <a:p>
+            <a:pPr marL="0" indent="0">
+              <a:buNone/>
+            </a:pPr>
+            <a:r>
+              <a:rPr lang="en-IE" dirty="0">
+                <a:solidFill>
+                  <a:prstClr val="black"/>
+                </a:solidFill>
+                <a:latin typeface="Consolas" panose="020B0609020204030204" pitchFamily="49" charset="0"/>
+              </a:rPr>
+              <a:t>            </a:t>
+            </a:r>
+            <a:r>
+              <a:rPr lang="en-IE" dirty="0">
+                <a:solidFill>
+                  <a:srgbClr val="0000FF"/>
+                </a:solidFill>
+                <a:latin typeface="Consolas" panose="020B0609020204030204" pitchFamily="49" charset="0"/>
+              </a:rPr>
+              <a:t>float</a:t>
+            </a:r>
+            <a:r>
+              <a:rPr lang="en-IE" dirty="0">
+                <a:solidFill>
+                  <a:prstClr val="black"/>
+                </a:solidFill>
+                <a:latin typeface="Consolas" panose="020B0609020204030204" pitchFamily="49" charset="0"/>
+              </a:rPr>
+              <a:t> side = pl1.normal.x * testPoint.x + pl1.normal.y * testPoint.y + pl1.normal.z * testPoint.z + pl1.distance;</a:t>
+            </a:r>
+          </a:p>
+          <a:p>
+            <a:pPr marL="0" indent="0">
+              <a:buNone/>
+            </a:pPr>
+            <a:endParaRPr lang="en-IE" dirty="0">
+              <a:solidFill>
+                <a:prstClr val="black"/>
+              </a:solidFill>
+              <a:latin typeface="Consolas" panose="020B0609020204030204" pitchFamily="49" charset="0"/>
+            </a:endParaRPr>
+          </a:p>
+          <a:p>
+            <a:pPr marL="0" indent="0">
+              <a:buNone/>
+            </a:pPr>
+            <a:r>
+              <a:rPr lang="en-IE" dirty="0">
+                <a:solidFill>
+                  <a:prstClr val="black"/>
+                </a:solidFill>
+                <a:latin typeface="Consolas" panose="020B0609020204030204" pitchFamily="49" charset="0"/>
+              </a:rPr>
+              <a:t>            </a:t>
+            </a:r>
+            <a:r>
+              <a:rPr lang="en-IE" dirty="0">
+                <a:solidFill>
+                  <a:srgbClr val="2B91AF"/>
+                </a:solidFill>
+                <a:latin typeface="Consolas" panose="020B0609020204030204" pitchFamily="49" charset="0"/>
+              </a:rPr>
+              <a:t>Console</a:t>
+            </a:r>
+            <a:r>
+              <a:rPr lang="en-IE" dirty="0">
+                <a:solidFill>
+                  <a:prstClr val="black"/>
+                </a:solidFill>
+                <a:latin typeface="Consolas" panose="020B0609020204030204" pitchFamily="49" charset="0"/>
+              </a:rPr>
+              <a:t>.WriteLine(side);</a:t>
+            </a:r>
+          </a:p>
+          <a:p>
+            <a:pPr marL="0" indent="0">
+              <a:buNone/>
+            </a:pPr>
+            <a:r>
+              <a:rPr lang="en-IE" dirty="0">
+                <a:solidFill>
+                  <a:prstClr val="black"/>
+                </a:solidFill>
+                <a:latin typeface="Consolas" panose="020B0609020204030204" pitchFamily="49" charset="0"/>
+              </a:rPr>
+              <a:t>            </a:t>
+            </a:r>
+          </a:p>
+          <a:p>
+            <a:pPr marL="0" indent="0">
+              <a:buNone/>
+            </a:pPr>
+            <a:r>
+              <a:rPr lang="en-IE" dirty="0">
+                <a:solidFill>
+                  <a:prstClr val="black"/>
+                </a:solidFill>
+                <a:latin typeface="Consolas" panose="020B0609020204030204" pitchFamily="49" charset="0"/>
+              </a:rPr>
+              <a:t>            </a:t>
+            </a:r>
+            <a:r>
+              <a:rPr lang="en-IE" dirty="0">
+                <a:solidFill>
+                  <a:srgbClr val="008000"/>
+                </a:solidFill>
+                <a:latin typeface="Consolas" panose="020B0609020204030204" pitchFamily="49" charset="0"/>
+              </a:rPr>
+              <a:t>// generate a plane from points</a:t>
+            </a:r>
+            <a:endParaRPr lang="en-IE" dirty="0">
+              <a:solidFill>
+                <a:prstClr val="black"/>
+              </a:solidFill>
+              <a:latin typeface="Consolas" panose="020B0609020204030204" pitchFamily="49" charset="0"/>
+            </a:endParaRPr>
+          </a:p>
+          <a:p>
+            <a:pPr marL="0" indent="0">
+              <a:buNone/>
+            </a:pPr>
+            <a:r>
+              <a:rPr lang="en-IE" dirty="0">
+                <a:solidFill>
+                  <a:prstClr val="black"/>
+                </a:solidFill>
+                <a:latin typeface="Consolas" panose="020B0609020204030204" pitchFamily="49" charset="0"/>
+              </a:rPr>
+              <a:t>            </a:t>
+            </a:r>
+            <a:r>
+              <a:rPr lang="en-IE" dirty="0">
+                <a:solidFill>
+                  <a:srgbClr val="2B91AF"/>
+                </a:solidFill>
+                <a:latin typeface="Consolas" panose="020B0609020204030204" pitchFamily="49" charset="0"/>
+              </a:rPr>
+              <a:t>Plane</a:t>
+            </a:r>
+            <a:r>
+              <a:rPr lang="en-IE" dirty="0">
+                <a:solidFill>
+                  <a:prstClr val="black"/>
+                </a:solidFill>
+                <a:latin typeface="Consolas" panose="020B0609020204030204" pitchFamily="49" charset="0"/>
+              </a:rPr>
+              <a:t> pl2 = </a:t>
+            </a:r>
+            <a:r>
+              <a:rPr lang="en-IE" dirty="0">
+                <a:solidFill>
+                  <a:srgbClr val="0000FF"/>
+                </a:solidFill>
+                <a:latin typeface="Consolas" panose="020B0609020204030204" pitchFamily="49" charset="0"/>
+              </a:rPr>
+              <a:t>new</a:t>
+            </a:r>
+            <a:r>
+              <a:rPr lang="en-IE" dirty="0">
+                <a:solidFill>
+                  <a:prstClr val="black"/>
+                </a:solidFill>
+                <a:latin typeface="Consolas" panose="020B0609020204030204" pitchFamily="49" charset="0"/>
+              </a:rPr>
+              <a:t> </a:t>
+            </a:r>
+            <a:r>
+              <a:rPr lang="en-IE" dirty="0">
+                <a:solidFill>
+                  <a:srgbClr val="2B91AF"/>
+                </a:solidFill>
+                <a:latin typeface="Consolas" panose="020B0609020204030204" pitchFamily="49" charset="0"/>
+              </a:rPr>
+              <a:t>Plane</a:t>
+            </a:r>
+            <a:r>
+              <a:rPr lang="en-IE" dirty="0">
+                <a:solidFill>
+                  <a:prstClr val="black"/>
+                </a:solidFill>
+                <a:latin typeface="Consolas" panose="020B0609020204030204" pitchFamily="49" charset="0"/>
+              </a:rPr>
+              <a:t>(</a:t>
+            </a:r>
+            <a:r>
+              <a:rPr lang="en-IE" dirty="0">
+                <a:solidFill>
+                  <a:srgbClr val="0000FF"/>
+                </a:solidFill>
+                <a:latin typeface="Consolas" panose="020B0609020204030204" pitchFamily="49" charset="0"/>
+              </a:rPr>
+              <a:t>new</a:t>
+            </a:r>
+            <a:r>
+              <a:rPr lang="en-IE" dirty="0">
+                <a:solidFill>
+                  <a:prstClr val="black"/>
+                </a:solidFill>
+                <a:latin typeface="Consolas" panose="020B0609020204030204" pitchFamily="49" charset="0"/>
+              </a:rPr>
+              <a:t> </a:t>
+            </a:r>
+            <a:r>
+              <a:rPr lang="en-IE" dirty="0">
+                <a:solidFill>
+                  <a:srgbClr val="2B91AF"/>
+                </a:solidFill>
+                <a:latin typeface="Consolas" panose="020B0609020204030204" pitchFamily="49" charset="0"/>
+              </a:rPr>
+              <a:t>Vector3</a:t>
+            </a:r>
+            <a:r>
+              <a:rPr lang="en-IE" dirty="0">
+                <a:solidFill>
+                  <a:prstClr val="black"/>
+                </a:solidFill>
+                <a:latin typeface="Consolas" panose="020B0609020204030204" pitchFamily="49" charset="0"/>
+              </a:rPr>
+              <a:t>(1, 5, - 1), </a:t>
+            </a:r>
+            <a:r>
+              <a:rPr lang="en-IE" dirty="0">
+                <a:solidFill>
+                  <a:srgbClr val="0000FF"/>
+                </a:solidFill>
+                <a:latin typeface="Consolas" panose="020B0609020204030204" pitchFamily="49" charset="0"/>
+              </a:rPr>
+              <a:t>new</a:t>
+            </a:r>
+            <a:r>
+              <a:rPr lang="en-IE" dirty="0">
+                <a:solidFill>
+                  <a:prstClr val="black"/>
+                </a:solidFill>
+                <a:latin typeface="Consolas" panose="020B0609020204030204" pitchFamily="49" charset="0"/>
+              </a:rPr>
+              <a:t> </a:t>
+            </a:r>
+            <a:r>
+              <a:rPr lang="en-IE" dirty="0">
+                <a:solidFill>
+                  <a:srgbClr val="2B91AF"/>
+                </a:solidFill>
+                <a:latin typeface="Consolas" panose="020B0609020204030204" pitchFamily="49" charset="0"/>
+              </a:rPr>
+              <a:t>Vector3</a:t>
+            </a:r>
+            <a:r>
+              <a:rPr lang="en-IE" dirty="0">
+                <a:solidFill>
+                  <a:prstClr val="black"/>
+                </a:solidFill>
+                <a:latin typeface="Consolas" panose="020B0609020204030204" pitchFamily="49" charset="0"/>
+              </a:rPr>
+              <a:t>(60, 5, -10), </a:t>
+            </a:r>
+            <a:r>
+              <a:rPr lang="en-IE" dirty="0">
+                <a:solidFill>
+                  <a:srgbClr val="0000FF"/>
+                </a:solidFill>
+                <a:latin typeface="Consolas" panose="020B0609020204030204" pitchFamily="49" charset="0"/>
+              </a:rPr>
+              <a:t>new</a:t>
+            </a:r>
+            <a:r>
+              <a:rPr lang="en-IE" dirty="0">
+                <a:solidFill>
+                  <a:prstClr val="black"/>
+                </a:solidFill>
+                <a:latin typeface="Consolas" panose="020B0609020204030204" pitchFamily="49" charset="0"/>
+              </a:rPr>
+              <a:t> </a:t>
+            </a:r>
+            <a:r>
+              <a:rPr lang="en-IE" dirty="0">
+                <a:solidFill>
+                  <a:srgbClr val="2B91AF"/>
+                </a:solidFill>
+                <a:latin typeface="Consolas" panose="020B0609020204030204" pitchFamily="49" charset="0"/>
+              </a:rPr>
+              <a:t>Vector3</a:t>
+            </a:r>
+            <a:r>
+              <a:rPr lang="en-IE" dirty="0">
+                <a:solidFill>
+                  <a:prstClr val="black"/>
+                </a:solidFill>
+                <a:latin typeface="Consolas" panose="020B0609020204030204" pitchFamily="49" charset="0"/>
+              </a:rPr>
+              <a:t>(-10, 5, -30));</a:t>
+            </a:r>
+          </a:p>
+          <a:p>
+            <a:pPr marL="0" indent="0">
+              <a:buNone/>
+            </a:pPr>
+            <a:endParaRPr lang="en-IE" dirty="0">
+              <a:solidFill>
+                <a:prstClr val="black"/>
+              </a:solidFill>
+              <a:latin typeface="Consolas" panose="020B0609020204030204" pitchFamily="49" charset="0"/>
+            </a:endParaRPr>
+          </a:p>
+          <a:p>
+            <a:pPr marL="0" indent="0">
+              <a:buNone/>
+            </a:pPr>
+            <a:r>
+              <a:rPr lang="en-IE" dirty="0">
+                <a:solidFill>
+                  <a:prstClr val="black"/>
+                </a:solidFill>
+                <a:latin typeface="Consolas" panose="020B0609020204030204" pitchFamily="49" charset="0"/>
+              </a:rPr>
+              <a:t>            </a:t>
+            </a:r>
+            <a:r>
+              <a:rPr lang="en-IE" dirty="0">
+                <a:solidFill>
+                  <a:srgbClr val="2B91AF"/>
+                </a:solidFill>
+                <a:latin typeface="Consolas" panose="020B0609020204030204" pitchFamily="49" charset="0"/>
+              </a:rPr>
+              <a:t>Console</a:t>
+            </a:r>
+            <a:r>
+              <a:rPr lang="en-IE" dirty="0">
+                <a:solidFill>
+                  <a:prstClr val="black"/>
+                </a:solidFill>
+                <a:latin typeface="Consolas" panose="020B0609020204030204" pitchFamily="49" charset="0"/>
+              </a:rPr>
+              <a:t>.WriteLine(pl2.normal);</a:t>
+            </a:r>
+          </a:p>
+          <a:p>
+            <a:pPr marL="0" indent="0">
+              <a:buNone/>
+            </a:pPr>
+            <a:r>
+              <a:rPr lang="en-IE" dirty="0">
+                <a:solidFill>
+                  <a:prstClr val="black"/>
+                </a:solidFill>
+                <a:latin typeface="Consolas" panose="020B0609020204030204" pitchFamily="49" charset="0"/>
+              </a:rPr>
+              <a:t>            </a:t>
+            </a:r>
+            <a:r>
+              <a:rPr lang="en-IE" dirty="0">
+                <a:solidFill>
+                  <a:srgbClr val="2B91AF"/>
+                </a:solidFill>
+                <a:latin typeface="Consolas" panose="020B0609020204030204" pitchFamily="49" charset="0"/>
+              </a:rPr>
+              <a:t>Console</a:t>
+            </a:r>
+            <a:r>
+              <a:rPr lang="en-IE" dirty="0">
+                <a:solidFill>
+                  <a:prstClr val="black"/>
+                </a:solidFill>
+                <a:latin typeface="Consolas" panose="020B0609020204030204" pitchFamily="49" charset="0"/>
+              </a:rPr>
+              <a:t>.WriteLine(pl2.distance);</a:t>
+            </a:r>
+          </a:p>
+          <a:p>
+            <a:pPr marL="0" indent="0">
+              <a:buNone/>
+            </a:pPr>
+            <a:endParaRPr lang="en-IE" dirty="0">
+              <a:solidFill>
+                <a:prstClr val="black"/>
+              </a:solidFill>
+              <a:latin typeface="Consolas" panose="020B0609020204030204" pitchFamily="49" charset="0"/>
+            </a:endParaRPr>
+          </a:p>
+          <a:p>
+            <a:pPr marL="0" indent="0">
+              <a:buNone/>
+            </a:pPr>
+            <a:r>
+              <a:rPr lang="en-IE" dirty="0">
+                <a:solidFill>
+                  <a:prstClr val="black"/>
+                </a:solidFill>
+                <a:latin typeface="Consolas" panose="020B0609020204030204" pitchFamily="49" charset="0"/>
+              </a:rPr>
+              <a:t>            </a:t>
+            </a:r>
+            <a:r>
+              <a:rPr lang="en-IE" dirty="0">
+                <a:solidFill>
+                  <a:srgbClr val="008000"/>
+                </a:solidFill>
+                <a:latin typeface="Consolas" panose="020B0609020204030204" pitchFamily="49" charset="0"/>
+              </a:rPr>
+              <a:t>// Test to see which side of the plane the point is on using the Unity API            </a:t>
+            </a:r>
+            <a:endParaRPr lang="en-IE" dirty="0">
+              <a:solidFill>
+                <a:prstClr val="black"/>
+              </a:solidFill>
+              <a:latin typeface="Consolas" panose="020B0609020204030204" pitchFamily="49" charset="0"/>
+            </a:endParaRPr>
+          </a:p>
+          <a:p>
+            <a:pPr marL="0" indent="0">
+              <a:buNone/>
+            </a:pPr>
+            <a:r>
+              <a:rPr lang="en-IE" dirty="0">
+                <a:solidFill>
+                  <a:prstClr val="black"/>
+                </a:solidFill>
+                <a:latin typeface="Consolas" panose="020B0609020204030204" pitchFamily="49" charset="0"/>
+              </a:rPr>
+              <a:t>            </a:t>
+            </a:r>
+            <a:r>
+              <a:rPr lang="en-IE" dirty="0">
+                <a:solidFill>
+                  <a:srgbClr val="2B91AF"/>
+                </a:solidFill>
+                <a:latin typeface="Consolas" panose="020B0609020204030204" pitchFamily="49" charset="0"/>
+              </a:rPr>
+              <a:t>Console</a:t>
+            </a:r>
+            <a:r>
+              <a:rPr lang="en-IE" dirty="0">
+                <a:solidFill>
+                  <a:prstClr val="black"/>
+                </a:solidFill>
+                <a:latin typeface="Consolas" panose="020B0609020204030204" pitchFamily="49" charset="0"/>
+              </a:rPr>
+              <a:t>.WriteLine(pl2.GetSide(testPoint));</a:t>
+            </a:r>
+          </a:p>
+          <a:p>
+            <a:pPr marL="0" indent="0">
+              <a:buNone/>
+            </a:pPr>
+            <a:endParaRPr lang="en-IE" dirty="0">
+              <a:solidFill>
+                <a:prstClr val="black"/>
+              </a:solidFill>
+              <a:latin typeface="Consolas" panose="020B0609020204030204" pitchFamily="49" charset="0"/>
+            </a:endParaRPr>
+          </a:p>
+          <a:p>
+            <a:pPr marL="0" indent="0">
+              <a:buNone/>
+            </a:pPr>
+            <a:r>
+              <a:rPr lang="en-IE" dirty="0">
+                <a:solidFill>
+                  <a:prstClr val="black"/>
+                </a:solidFill>
+                <a:latin typeface="Consolas" panose="020B0609020204030204" pitchFamily="49" charset="0"/>
+              </a:rPr>
+              <a:t>            </a:t>
+            </a:r>
+            <a:r>
+              <a:rPr lang="en-IE" dirty="0">
+                <a:solidFill>
+                  <a:srgbClr val="008000"/>
+                </a:solidFill>
+                <a:latin typeface="Consolas" panose="020B0609020204030204" pitchFamily="49" charset="0"/>
+              </a:rPr>
+              <a:t>// Calculate the distance using the Unity API</a:t>
+            </a:r>
+            <a:endParaRPr lang="en-IE" dirty="0">
+              <a:solidFill>
+                <a:prstClr val="black"/>
+              </a:solidFill>
+              <a:latin typeface="Consolas" panose="020B0609020204030204" pitchFamily="49" charset="0"/>
+            </a:endParaRPr>
+          </a:p>
+          <a:p>
+            <a:pPr marL="0" indent="0">
+              <a:buNone/>
+            </a:pPr>
+            <a:r>
+              <a:rPr lang="en-IE" dirty="0">
+                <a:solidFill>
+                  <a:prstClr val="black"/>
+                </a:solidFill>
+                <a:latin typeface="Consolas" panose="020B0609020204030204" pitchFamily="49" charset="0"/>
+              </a:rPr>
+              <a:t>            </a:t>
+            </a:r>
+            <a:r>
+              <a:rPr lang="en-IE" dirty="0">
+                <a:solidFill>
+                  <a:srgbClr val="008000"/>
+                </a:solidFill>
+                <a:latin typeface="Consolas" panose="020B0609020204030204" pitchFamily="49" charset="0"/>
+              </a:rPr>
+              <a:t>// See https://www.khanacademy.org/math/linear-algebra/vectors_and_spaces/dot_cross_products/v/point-distance-to-plane</a:t>
+            </a:r>
+            <a:endParaRPr lang="en-IE" dirty="0">
+              <a:solidFill>
+                <a:prstClr val="black"/>
+              </a:solidFill>
+              <a:latin typeface="Consolas" panose="020B0609020204030204" pitchFamily="49" charset="0"/>
+            </a:endParaRPr>
+          </a:p>
+          <a:p>
+            <a:pPr marL="0" indent="0">
+              <a:buNone/>
+            </a:pPr>
+            <a:r>
+              <a:rPr lang="en-IE" dirty="0">
+                <a:solidFill>
+                  <a:prstClr val="black"/>
+                </a:solidFill>
+                <a:latin typeface="Consolas" panose="020B0609020204030204" pitchFamily="49" charset="0"/>
+              </a:rPr>
+              <a:t>            </a:t>
+            </a:r>
+            <a:r>
+              <a:rPr lang="en-IE" dirty="0">
+                <a:solidFill>
+                  <a:srgbClr val="008000"/>
+                </a:solidFill>
+                <a:latin typeface="Consolas" panose="020B0609020204030204" pitchFamily="49" charset="0"/>
+              </a:rPr>
+              <a:t>// For the maths</a:t>
+            </a:r>
+            <a:endParaRPr lang="en-IE" dirty="0">
+              <a:solidFill>
+                <a:prstClr val="black"/>
+              </a:solidFill>
+              <a:latin typeface="Consolas" panose="020B0609020204030204" pitchFamily="49" charset="0"/>
+            </a:endParaRPr>
+          </a:p>
+          <a:p>
+            <a:pPr marL="0" indent="0">
+              <a:buNone/>
+            </a:pPr>
+            <a:r>
+              <a:rPr lang="en-IE" dirty="0">
+                <a:solidFill>
+                  <a:prstClr val="black"/>
+                </a:solidFill>
+                <a:latin typeface="Consolas" panose="020B0609020204030204" pitchFamily="49" charset="0"/>
+              </a:rPr>
+              <a:t>            </a:t>
+            </a:r>
+            <a:r>
+              <a:rPr lang="en-IE" dirty="0">
+                <a:solidFill>
+                  <a:srgbClr val="2B91AF"/>
+                </a:solidFill>
+                <a:latin typeface="Consolas" panose="020B0609020204030204" pitchFamily="49" charset="0"/>
+              </a:rPr>
+              <a:t>Console</a:t>
+            </a:r>
+            <a:r>
+              <a:rPr lang="en-IE" dirty="0">
+                <a:solidFill>
+                  <a:prstClr val="black"/>
+                </a:solidFill>
+                <a:latin typeface="Consolas" panose="020B0609020204030204" pitchFamily="49" charset="0"/>
+              </a:rPr>
+              <a:t>.WriteLine(pl2.GetDistanceToPoint(testPoint));         </a:t>
+            </a:r>
+          </a:p>
+          <a:p>
+            <a:endParaRPr lang="en-IE" dirty="0"/>
+          </a:p>
+        </p:txBody>
+      </p:sp>
+    </p:spTree>
+    <p:extLst>
+      <p:ext uri="{BB962C8B-B14F-4D97-AF65-F5344CB8AC3E}">
+        <p14:creationId xmlns:p14="http://schemas.microsoft.com/office/powerpoint/2010/main" val="3075391717"/>
+      </p:ext>
+    </p:extLst>
+  </p:cSld>
+  <p:clrMapOvr>
+    <a:masterClrMapping/>
+  </p:clrMapOvr>
+  <p:timing>
+    <p:tnLst>
+      <p:par>
+        <p:cTn id="1" dur="indefinite" restart="never" nodeType="tmRoot"/>
+      </p:par>
+    </p:tnLst>
+  </p:timing>
+</p:sld>
+</file>
+
+<file path=ppt/slides/slide32.xml><?xml version="1.0" encoding="utf-8"?>
+<p:sld xmlns:a="http://schemas.openxmlformats.org/drawingml/2006/main" xmlns:r="http://schemas.openxmlformats.org/officeDocument/2006/relationships" xmlns:p="http://schemas.openxmlformats.org/presentationml/2006/main">
+  <p:cSld>
+    <p:spTree>
+      <p:nvGrpSpPr>
+        <p:cNvPr id="1" name=""/>
+        <p:cNvGrpSpPr/>
+        <p:nvPr/>
+      </p:nvGrpSpPr>
+      <p:grpSpPr>
+        <a:xfrm>
+          <a:off x="0" y="0"/>
+          <a:ext cx="0" cy="0"/>
+          <a:chOff x="0" y="0"/>
+          <a:chExt cx="0" cy="0"/>
+        </a:xfrm>
+      </p:grpSpPr>
+      <p:sp>
+        <p:nvSpPr>
+          <p:cNvPr id="2" name="Title 1"/>
+          <p:cNvSpPr>
+            <a:spLocks noGrp="1"/>
+          </p:cNvSpPr>
+          <p:nvPr>
+            <p:ph type="title"/>
+          </p:nvPr>
+        </p:nvSpPr>
+        <p:spPr/>
+        <p:txBody>
+          <a:bodyPr>
+            <a:normAutofit fontScale="90000"/>
+          </a:bodyPr>
+          <a:lstStyle/>
+          <a:p>
+            <a:r>
+              <a:rPr lang="en-GB" dirty="0" smtClean="0"/>
+              <a:t>Aside.. Intersection between a ray and a plane</a:t>
+            </a:r>
+            <a:endParaRPr lang="en-IE" dirty="0"/>
+          </a:p>
+        </p:txBody>
+      </p:sp>
+      <p:sp>
+        <p:nvSpPr>
+          <p:cNvPr id="3" name="Content Placeholder 2"/>
+          <p:cNvSpPr>
+            <a:spLocks noGrp="1"/>
+          </p:cNvSpPr>
+          <p:nvPr>
+            <p:ph idx="1"/>
+          </p:nvPr>
+        </p:nvSpPr>
+        <p:spPr>
+          <a:xfrm>
+            <a:off x="457200" y="1600200"/>
+            <a:ext cx="4258816" cy="4525963"/>
+          </a:xfrm>
+        </p:spPr>
+        <p:txBody>
+          <a:bodyPr>
+            <a:normAutofit lnSpcReduction="10000"/>
+          </a:bodyPr>
+          <a:lstStyle/>
+          <a:p>
+            <a:r>
+              <a:rPr lang="en-IE" dirty="0"/>
+              <a:t>A 3D line</a:t>
+            </a:r>
+          </a:p>
+          <a:p>
+            <a:r>
+              <a:rPr lang="en-IE" dirty="0"/>
+              <a:t>A point and a direction</a:t>
+            </a:r>
+          </a:p>
+          <a:p>
+            <a:r>
+              <a:rPr lang="en-IE" dirty="0"/>
+              <a:t>Equation of a ray will give you any point on the ray</a:t>
+            </a:r>
+          </a:p>
+          <a:p>
+            <a:r>
+              <a:rPr lang="en-IE" dirty="0"/>
+              <a:t>You can plug a point into the equation and see if it is on the </a:t>
+            </a:r>
+            <a:r>
+              <a:rPr lang="en-IE" dirty="0" smtClean="0"/>
+              <a:t>ray</a:t>
+            </a:r>
+            <a:endParaRPr lang="en-IE" dirty="0"/>
+          </a:p>
+        </p:txBody>
+      </p:sp>
+      <p:pic>
+        <p:nvPicPr>
+          <p:cNvPr id="1026" name="Picture 2" descr="http://www.lahiguera.net/cinemania/actores/ray_liotta/fotos/4696/ray_liotta.jpg"/>
+          <p:cNvPicPr>
+            <a:picLocks noChangeAspect="1" noChangeArrowheads="1"/>
+          </p:cNvPicPr>
+          <p:nvPr/>
+        </p:nvPicPr>
+        <p:blipFill>
+          <a:blip r:embed="rId2">
+            <a:extLst>
+              <a:ext uri="{28A0092B-C50C-407E-A947-70E740481C1C}">
+                <a14:useLocalDpi xmlns:a14="http://schemas.microsoft.com/office/drawing/2010/main" val="0"/>
+              </a:ext>
+            </a:extLst>
+          </a:blip>
+          <a:srcRect/>
+          <a:stretch>
+            <a:fillRect/>
+          </a:stretch>
+        </p:blipFill>
+        <p:spPr bwMode="auto">
+          <a:xfrm>
+            <a:off x="5796136" y="1630536"/>
+            <a:ext cx="2549694" cy="3642420"/>
+          </a:xfrm>
+          <a:prstGeom prst="rect">
+            <a:avLst/>
+          </a:prstGeom>
+          <a:noFill/>
+          <a:extLst>
+            <a:ext uri="{909E8E84-426E-40DD-AFC4-6F175D3DCCD1}">
+              <a14:hiddenFill xmlns:a14="http://schemas.microsoft.com/office/drawing/2010/main">
+                <a:solidFill>
+                  <a:srgbClr val="FFFFFF"/>
+                </a:solidFill>
+              </a14:hiddenFill>
+            </a:ext>
+          </a:extLst>
+        </p:spPr>
+      </p:pic>
+    </p:spTree>
+    <p:extLst>
+      <p:ext uri="{BB962C8B-B14F-4D97-AF65-F5344CB8AC3E}">
+        <p14:creationId xmlns:p14="http://schemas.microsoft.com/office/powerpoint/2010/main" val="2570028670"/>
+      </p:ext>
+    </p:extLst>
+  </p:cSld>
+  <p:clrMapOvr>
+    <a:masterClrMapping/>
+  </p:clrMapOvr>
+  <p:timing>
+    <p:tnLst>
+      <p:par>
+        <p:cTn id="1" dur="indefinite" restart="never" nodeType="tmRoot"/>
+      </p:par>
+    </p:tnLst>
+  </p:timing>
+</p:sld>
+</file>
+
+<file path=ppt/slides/slide33.xml><?xml version="1.0" encoding="utf-8"?>
+<p:sld xmlns:a="http://schemas.openxmlformats.org/drawingml/2006/main" xmlns:r="http://schemas.openxmlformats.org/officeDocument/2006/relationships" xmlns:p="http://schemas.openxmlformats.org/presentationml/2006/main">
+  <p:cSld>
+    <p:spTree>
+      <p:nvGrpSpPr>
+        <p:cNvPr id="1" name=""/>
+        <p:cNvGrpSpPr/>
+        <p:nvPr/>
+      </p:nvGrpSpPr>
+      <p:grpSpPr>
+        <a:xfrm>
+          <a:off x="0" y="0"/>
+          <a:ext cx="0" cy="0"/>
+          <a:chOff x="0" y="0"/>
+          <a:chExt cx="0" cy="0"/>
+        </a:xfrm>
+      </p:grpSpPr>
+      <p:sp>
+        <p:nvSpPr>
+          <p:cNvPr id="2" name="Title 1"/>
+          <p:cNvSpPr>
+            <a:spLocks noGrp="1"/>
+          </p:cNvSpPr>
+          <p:nvPr>
+            <p:ph type="title"/>
+          </p:nvPr>
+        </p:nvSpPr>
+        <p:spPr/>
+        <p:txBody>
+          <a:bodyPr/>
+          <a:lstStyle/>
+          <a:p>
+            <a:r>
+              <a:rPr lang="en-GB" dirty="0" smtClean="0"/>
+              <a:t>Algorithm...</a:t>
+            </a:r>
+            <a:endParaRPr lang="en-IE" dirty="0"/>
+          </a:p>
+        </p:txBody>
+      </p:sp>
+      <p:sp>
+        <p:nvSpPr>
+          <p:cNvPr id="3" name="Content Placeholder 2"/>
+          <p:cNvSpPr>
+            <a:spLocks noGrp="1"/>
+          </p:cNvSpPr>
+          <p:nvPr>
+            <p:ph idx="1"/>
+          </p:nvPr>
+        </p:nvSpPr>
+        <p:spPr/>
+        <p:txBody>
+          <a:bodyPr>
+            <a:normAutofit fontScale="85000" lnSpcReduction="20000"/>
+          </a:bodyPr>
+          <a:lstStyle/>
+          <a:p>
+            <a:pPr>
+              <a:lnSpc>
+                <a:spcPct val="90000"/>
+              </a:lnSpc>
+            </a:pPr>
+            <a:r>
+              <a:rPr lang="en-IE" dirty="0" smtClean="0"/>
+              <a:t>Given </a:t>
+            </a:r>
+            <a:r>
+              <a:rPr lang="en-IE" dirty="0"/>
+              <a:t>a ray p(t) = p</a:t>
+            </a:r>
+            <a:r>
+              <a:rPr lang="en-IE" baseline="-25000" dirty="0"/>
+              <a:t>0</a:t>
+            </a:r>
+            <a:r>
+              <a:rPr lang="en-IE" dirty="0"/>
+              <a:t> + </a:t>
+            </a:r>
+            <a:r>
+              <a:rPr lang="en-IE" dirty="0" smtClean="0"/>
+              <a:t>tu</a:t>
+            </a:r>
+          </a:p>
+          <a:p>
+            <a:pPr lvl="1"/>
+            <a:r>
+              <a:rPr lang="en-IE" dirty="0"/>
+              <a:t>p = a 3D point</a:t>
+            </a:r>
+          </a:p>
+          <a:p>
+            <a:pPr lvl="1"/>
+            <a:r>
+              <a:rPr lang="en-IE" dirty="0"/>
+              <a:t>t = Distance from the origin to the point</a:t>
+            </a:r>
+          </a:p>
+          <a:p>
+            <a:pPr lvl="1"/>
+            <a:r>
+              <a:rPr lang="en-IE" dirty="0"/>
+              <a:t>u = </a:t>
+            </a:r>
+            <a:r>
+              <a:rPr lang="en-IE" dirty="0" smtClean="0"/>
+              <a:t>direction</a:t>
+            </a:r>
+            <a:endParaRPr lang="en-IE" dirty="0"/>
+          </a:p>
+          <a:p>
+            <a:pPr>
+              <a:lnSpc>
+                <a:spcPct val="90000"/>
+              </a:lnSpc>
+            </a:pPr>
+            <a:r>
+              <a:rPr lang="en-IE" dirty="0"/>
+              <a:t>And a plane n.p + d = 0</a:t>
+            </a:r>
+          </a:p>
+          <a:p>
+            <a:pPr>
+              <a:lnSpc>
+                <a:spcPct val="90000"/>
+              </a:lnSpc>
+            </a:pPr>
+            <a:r>
+              <a:rPr lang="en-IE" dirty="0"/>
+              <a:t>We first solve for t by plugging the ray into the plane:</a:t>
+            </a:r>
+          </a:p>
+          <a:p>
+            <a:pPr>
+              <a:lnSpc>
+                <a:spcPct val="90000"/>
+              </a:lnSpc>
+            </a:pPr>
+            <a:r>
+              <a:rPr lang="en-IE" dirty="0"/>
+              <a:t>n.(p</a:t>
+            </a:r>
+            <a:r>
+              <a:rPr lang="en-IE" baseline="-25000" dirty="0"/>
+              <a:t>0</a:t>
+            </a:r>
+            <a:r>
+              <a:rPr lang="en-IE" dirty="0"/>
+              <a:t> + tu) + d = 0</a:t>
+            </a:r>
+            <a:br>
+              <a:rPr lang="en-IE" dirty="0"/>
+            </a:br>
+            <a:r>
+              <a:rPr lang="en-IE" dirty="0"/>
+              <a:t>n.p0 + n.tu + d = 0</a:t>
+            </a:r>
+            <a:br>
+              <a:rPr lang="en-IE" dirty="0"/>
+            </a:br>
+            <a:r>
+              <a:rPr lang="en-IE" dirty="0"/>
+              <a:t>n.tu = -d – n.p</a:t>
+            </a:r>
+            <a:r>
+              <a:rPr lang="en-IE" baseline="-25000" dirty="0"/>
+              <a:t>0</a:t>
+            </a:r>
+            <a:br>
+              <a:rPr lang="en-IE" baseline="-25000" dirty="0"/>
+            </a:br>
+            <a:r>
+              <a:rPr lang="en-IE" dirty="0"/>
+              <a:t>t(n.u) = -d – n. p</a:t>
+            </a:r>
+            <a:r>
+              <a:rPr lang="en-IE" baseline="-25000" dirty="0"/>
+              <a:t>0</a:t>
+            </a:r>
+            <a:br>
+              <a:rPr lang="en-IE" baseline="-25000" dirty="0"/>
+            </a:br>
+            <a:r>
+              <a:rPr lang="en-IE" dirty="0"/>
+              <a:t>t = -d – n. p</a:t>
+            </a:r>
+            <a:r>
+              <a:rPr lang="en-IE" baseline="-25000" dirty="0"/>
+              <a:t>0 </a:t>
+            </a:r>
+            <a:r>
+              <a:rPr lang="en-IE" dirty="0"/>
+              <a:t>/ (n.u)</a:t>
+            </a:r>
+          </a:p>
+          <a:p>
+            <a:pPr>
+              <a:lnSpc>
+                <a:spcPct val="90000"/>
+              </a:lnSpc>
+            </a:pPr>
+            <a:r>
+              <a:rPr lang="en-IE" dirty="0"/>
+              <a:t>If t is &gt; 0, the ray intersects the plane</a:t>
+            </a:r>
+          </a:p>
+          <a:p>
+            <a:pPr>
+              <a:lnSpc>
+                <a:spcPct val="90000"/>
+              </a:lnSpc>
+            </a:pPr>
+            <a:r>
+              <a:rPr lang="en-IE" dirty="0"/>
+              <a:t>If t &lt; 0, the ray does not intersect the plane</a:t>
+            </a:r>
+          </a:p>
+        </p:txBody>
+      </p:sp>
+    </p:spTree>
+    <p:extLst>
+      <p:ext uri="{BB962C8B-B14F-4D97-AF65-F5344CB8AC3E}">
+        <p14:creationId xmlns:p14="http://schemas.microsoft.com/office/powerpoint/2010/main" val="2208638199"/>
+      </p:ext>
+    </p:extLst>
+  </p:cSld>
+  <p:clrMapOvr>
+    <a:masterClrMapping/>
+  </p:clrMapOvr>
+  <p:timing>
+    <p:tnLst>
+      <p:par>
+        <p:cTn id="1" dur="indefinite" restart="never" nodeType="tmRoot"/>
+      </p:par>
+    </p:tnLst>
+  </p:timing>
+</p:sld>
+</file>
+
+<file path=ppt/slides/slide34.xml><?xml version="1.0" encoding="utf-8"?>
+<p:sld xmlns:a="http://schemas.openxmlformats.org/drawingml/2006/main" xmlns:r="http://schemas.openxmlformats.org/officeDocument/2006/relationships" xmlns:p="http://schemas.openxmlformats.org/presentationml/2006/main">
+  <p:cSld>
+    <p:spTree>
+      <p:nvGrpSpPr>
+        <p:cNvPr id="1" name=""/>
+        <p:cNvGrpSpPr/>
+        <p:nvPr/>
+      </p:nvGrpSpPr>
+      <p:grpSpPr>
+        <a:xfrm>
+          <a:off x="0" y="0"/>
+          <a:ext cx="0" cy="0"/>
+          <a:chOff x="0" y="0"/>
+          <a:chExt cx="0" cy="0"/>
+        </a:xfrm>
+      </p:grpSpPr>
+      <p:sp>
+        <p:nvSpPr>
+          <p:cNvPr id="2" name="Title 1"/>
+          <p:cNvSpPr>
+            <a:spLocks noGrp="1"/>
+          </p:cNvSpPr>
+          <p:nvPr>
+            <p:ph type="title"/>
+          </p:nvPr>
+        </p:nvSpPr>
+        <p:spPr/>
+        <p:txBody>
+          <a:bodyPr/>
+          <a:lstStyle/>
+          <a:p>
+            <a:r>
+              <a:rPr lang="en-GB" dirty="0" smtClean="0"/>
+              <a:t>In code:</a:t>
+            </a:r>
+            <a:endParaRPr lang="en-IE" dirty="0"/>
+          </a:p>
+        </p:txBody>
+      </p:sp>
+      <p:sp>
+        <p:nvSpPr>
+          <p:cNvPr id="3" name="Content Placeholder 2"/>
+          <p:cNvSpPr>
+            <a:spLocks noGrp="1"/>
+          </p:cNvSpPr>
+          <p:nvPr>
+            <p:ph idx="1"/>
+          </p:nvPr>
+        </p:nvSpPr>
+        <p:spPr/>
+        <p:txBody>
+          <a:bodyPr>
+            <a:normAutofit fontScale="40000" lnSpcReduction="20000"/>
+          </a:bodyPr>
+          <a:lstStyle/>
+          <a:p>
+            <a:pPr marL="0" indent="0">
+              <a:buNone/>
+            </a:pPr>
+            <a:r>
+              <a:rPr lang="en-IE" dirty="0">
+                <a:solidFill>
+                  <a:srgbClr val="0000FF"/>
+                </a:solidFill>
+                <a:latin typeface="Consolas" panose="020B0609020204030204" pitchFamily="49" charset="0"/>
+              </a:rPr>
+              <a:t>public</a:t>
+            </a:r>
+            <a:r>
+              <a:rPr lang="en-IE" dirty="0">
+                <a:solidFill>
+                  <a:prstClr val="black"/>
+                </a:solidFill>
+                <a:latin typeface="Consolas" panose="020B0609020204030204" pitchFamily="49" charset="0"/>
+              </a:rPr>
+              <a:t> </a:t>
+            </a:r>
+            <a:r>
+              <a:rPr lang="en-IE" dirty="0">
+                <a:solidFill>
+                  <a:srgbClr val="0000FF"/>
+                </a:solidFill>
+                <a:latin typeface="Consolas" panose="020B0609020204030204" pitchFamily="49" charset="0"/>
+              </a:rPr>
+              <a:t>bool</a:t>
+            </a:r>
+            <a:r>
+              <a:rPr lang="en-IE" dirty="0">
+                <a:solidFill>
+                  <a:prstClr val="black"/>
+                </a:solidFill>
+                <a:latin typeface="Consolas" panose="020B0609020204030204" pitchFamily="49" charset="0"/>
+              </a:rPr>
+              <a:t> rayIntersects(</a:t>
+            </a:r>
+            <a:r>
+              <a:rPr lang="en-IE" dirty="0">
+                <a:solidFill>
+                  <a:srgbClr val="2B91AF"/>
+                </a:solidFill>
+                <a:latin typeface="Consolas" panose="020B0609020204030204" pitchFamily="49" charset="0"/>
+              </a:rPr>
+              <a:t>Ray</a:t>
+            </a:r>
+            <a:r>
+              <a:rPr lang="en-IE" dirty="0">
+                <a:solidFill>
+                  <a:prstClr val="black"/>
+                </a:solidFill>
+                <a:latin typeface="Consolas" panose="020B0609020204030204" pitchFamily="49" charset="0"/>
+              </a:rPr>
+              <a:t> ray, </a:t>
+            </a:r>
+            <a:r>
+              <a:rPr lang="en-IE" dirty="0">
+                <a:solidFill>
+                  <a:srgbClr val="0000FF"/>
+                </a:solidFill>
+                <a:latin typeface="Consolas" panose="020B0609020204030204" pitchFamily="49" charset="0"/>
+              </a:rPr>
+              <a:t>out</a:t>
+            </a:r>
+            <a:r>
+              <a:rPr lang="en-IE" dirty="0">
+                <a:solidFill>
+                  <a:prstClr val="black"/>
+                </a:solidFill>
+                <a:latin typeface="Consolas" panose="020B0609020204030204" pitchFamily="49" charset="0"/>
+              </a:rPr>
+              <a:t> </a:t>
+            </a:r>
+            <a:r>
+              <a:rPr lang="en-IE" dirty="0">
+                <a:solidFill>
+                  <a:srgbClr val="2B91AF"/>
+                </a:solidFill>
+                <a:latin typeface="Consolas" panose="020B0609020204030204" pitchFamily="49" charset="0"/>
+              </a:rPr>
+              <a:t>Vector3</a:t>
+            </a:r>
+            <a:r>
+              <a:rPr lang="en-IE" dirty="0">
+                <a:solidFill>
+                  <a:prstClr val="black"/>
+                </a:solidFill>
+                <a:latin typeface="Consolas" panose="020B0609020204030204" pitchFamily="49" charset="0"/>
+              </a:rPr>
+              <a:t> point)</a:t>
+            </a:r>
+          </a:p>
+          <a:p>
+            <a:pPr marL="0" indent="0">
+              <a:buNone/>
+            </a:pPr>
+            <a:r>
+              <a:rPr lang="en-IE" dirty="0">
+                <a:solidFill>
+                  <a:prstClr val="black"/>
+                </a:solidFill>
+                <a:latin typeface="Consolas" panose="020B0609020204030204" pitchFamily="49" charset="0"/>
+              </a:rPr>
+              <a:t>        {</a:t>
+            </a:r>
+          </a:p>
+          <a:p>
+            <a:pPr marL="0" indent="0">
+              <a:buNone/>
+            </a:pPr>
+            <a:r>
+              <a:rPr lang="en-IE" dirty="0">
+                <a:solidFill>
+                  <a:prstClr val="black"/>
+                </a:solidFill>
+                <a:latin typeface="Consolas" panose="020B0609020204030204" pitchFamily="49" charset="0"/>
+              </a:rPr>
+              <a:t>        </a:t>
+            </a:r>
+            <a:r>
+              <a:rPr lang="en-IE" dirty="0">
+                <a:solidFill>
+                  <a:srgbClr val="008000"/>
+                </a:solidFill>
+                <a:latin typeface="Consolas" panose="020B0609020204030204" pitchFamily="49" charset="0"/>
+              </a:rPr>
+              <a:t>// Calculate t</a:t>
+            </a:r>
+            <a:endParaRPr lang="en-IE" dirty="0">
+              <a:solidFill>
+                <a:prstClr val="black"/>
+              </a:solidFill>
+              <a:latin typeface="Consolas" panose="020B0609020204030204" pitchFamily="49" charset="0"/>
+            </a:endParaRPr>
+          </a:p>
+          <a:p>
+            <a:pPr marL="0" indent="0">
+              <a:buNone/>
+            </a:pPr>
+            <a:r>
+              <a:rPr lang="en-IE" dirty="0">
+                <a:solidFill>
+                  <a:prstClr val="black"/>
+                </a:solidFill>
+                <a:latin typeface="Consolas" panose="020B0609020204030204" pitchFamily="49" charset="0"/>
+              </a:rPr>
+              <a:t>        </a:t>
+            </a:r>
+            <a:r>
+              <a:rPr lang="en-IE" dirty="0">
+                <a:solidFill>
+                  <a:srgbClr val="0000FF"/>
+                </a:solidFill>
+                <a:latin typeface="Consolas" panose="020B0609020204030204" pitchFamily="49" charset="0"/>
+              </a:rPr>
+              <a:t>float</a:t>
+            </a:r>
+            <a:r>
+              <a:rPr lang="en-IE" dirty="0">
+                <a:solidFill>
+                  <a:prstClr val="black"/>
+                </a:solidFill>
+                <a:latin typeface="Consolas" panose="020B0609020204030204" pitchFamily="49" charset="0"/>
+              </a:rPr>
+              <a:t> t;</a:t>
+            </a:r>
+          </a:p>
+          <a:p>
+            <a:pPr marL="0" indent="0">
+              <a:buNone/>
+            </a:pPr>
+            <a:endParaRPr lang="en-IE" dirty="0">
+              <a:solidFill>
+                <a:prstClr val="black"/>
+              </a:solidFill>
+              <a:latin typeface="Consolas" panose="020B0609020204030204" pitchFamily="49" charset="0"/>
+            </a:endParaRPr>
+          </a:p>
+          <a:p>
+            <a:pPr marL="0" indent="0">
+              <a:buNone/>
+            </a:pPr>
+            <a:r>
+              <a:rPr lang="en-IE" dirty="0">
+                <a:solidFill>
+                  <a:prstClr val="black"/>
+                </a:solidFill>
+                <a:latin typeface="Consolas" panose="020B0609020204030204" pitchFamily="49" charset="0"/>
+              </a:rPr>
+              <a:t>            t = (- worldPlane.D - </a:t>
+            </a:r>
+            <a:r>
+              <a:rPr lang="en-IE" dirty="0">
+                <a:solidFill>
+                  <a:srgbClr val="2B91AF"/>
+                </a:solidFill>
+                <a:latin typeface="Consolas" panose="020B0609020204030204" pitchFamily="49" charset="0"/>
+              </a:rPr>
+              <a:t>Vector3</a:t>
+            </a:r>
+            <a:r>
+              <a:rPr lang="en-IE" dirty="0">
+                <a:solidFill>
+                  <a:prstClr val="black"/>
+                </a:solidFill>
+                <a:latin typeface="Consolas" panose="020B0609020204030204" pitchFamily="49" charset="0"/>
+              </a:rPr>
+              <a:t>.Dot(worldPlane.Normal, ray.Position)) / (</a:t>
+            </a:r>
+            <a:r>
+              <a:rPr lang="en-IE" dirty="0">
+                <a:solidFill>
+                  <a:srgbClr val="2B91AF"/>
+                </a:solidFill>
+                <a:latin typeface="Consolas" panose="020B0609020204030204" pitchFamily="49" charset="0"/>
+              </a:rPr>
+              <a:t>Vector3</a:t>
+            </a:r>
+            <a:r>
+              <a:rPr lang="en-IE" dirty="0">
+                <a:solidFill>
+                  <a:prstClr val="black"/>
+                </a:solidFill>
+                <a:latin typeface="Consolas" panose="020B0609020204030204" pitchFamily="49" charset="0"/>
+              </a:rPr>
+              <a:t>.Dot(worldPlane.Normal, ray.Direction));</a:t>
+            </a:r>
+          </a:p>
+          <a:p>
+            <a:pPr marL="0" indent="0">
+              <a:buNone/>
+            </a:pPr>
+            <a:r>
+              <a:rPr lang="en-IE" dirty="0">
+                <a:solidFill>
+                  <a:prstClr val="black"/>
+                </a:solidFill>
+                <a:latin typeface="Consolas" panose="020B0609020204030204" pitchFamily="49" charset="0"/>
+              </a:rPr>
+              <a:t>                </a:t>
+            </a:r>
+          </a:p>
+          <a:p>
+            <a:pPr marL="0" indent="0">
+              <a:buNone/>
+            </a:pPr>
+            <a:r>
+              <a:rPr lang="en-IE" dirty="0">
+                <a:solidFill>
+                  <a:prstClr val="black"/>
+                </a:solidFill>
+                <a:latin typeface="Consolas" panose="020B0609020204030204" pitchFamily="49" charset="0"/>
+              </a:rPr>
+              <a:t>        </a:t>
+            </a:r>
+            <a:r>
+              <a:rPr lang="en-IE" dirty="0">
+                <a:solidFill>
+                  <a:srgbClr val="0000FF"/>
+                </a:solidFill>
+                <a:latin typeface="Consolas" panose="020B0609020204030204" pitchFamily="49" charset="0"/>
+              </a:rPr>
+              <a:t>if</a:t>
+            </a:r>
+            <a:r>
+              <a:rPr lang="en-IE" dirty="0">
+                <a:solidFill>
+                  <a:prstClr val="black"/>
+                </a:solidFill>
+                <a:latin typeface="Consolas" panose="020B0609020204030204" pitchFamily="49" charset="0"/>
+              </a:rPr>
+              <a:t> (t &gt;= 0)</a:t>
+            </a:r>
+          </a:p>
+          <a:p>
+            <a:pPr marL="0" indent="0">
+              <a:buNone/>
+            </a:pPr>
+            <a:r>
+              <a:rPr lang="en-IE" dirty="0">
+                <a:solidFill>
+                  <a:prstClr val="black"/>
+                </a:solidFill>
+                <a:latin typeface="Consolas" panose="020B0609020204030204" pitchFamily="49" charset="0"/>
+              </a:rPr>
+              <a:t>            {</a:t>
+            </a:r>
+          </a:p>
+          <a:p>
+            <a:pPr marL="0" indent="0">
+              <a:buNone/>
+            </a:pPr>
+            <a:r>
+              <a:rPr lang="en-IE" dirty="0">
+                <a:solidFill>
+                  <a:prstClr val="black"/>
+                </a:solidFill>
+                <a:latin typeface="Consolas" panose="020B0609020204030204" pitchFamily="49" charset="0"/>
+              </a:rPr>
+              <a:t>                point = ray.Position + (ray.Direction * t);</a:t>
+            </a:r>
+          </a:p>
+          <a:p>
+            <a:pPr marL="0" indent="0">
+              <a:buNone/>
+            </a:pPr>
+            <a:r>
+              <a:rPr lang="en-IE" dirty="0">
+                <a:solidFill>
+                  <a:prstClr val="black"/>
+                </a:solidFill>
+                <a:latin typeface="Consolas" panose="020B0609020204030204" pitchFamily="49" charset="0"/>
+              </a:rPr>
+              <a:t>                </a:t>
+            </a:r>
+            <a:r>
+              <a:rPr lang="en-IE" dirty="0">
+                <a:solidFill>
+                  <a:srgbClr val="0000FF"/>
+                </a:solidFill>
+                <a:latin typeface="Consolas" panose="020B0609020204030204" pitchFamily="49" charset="0"/>
+              </a:rPr>
+              <a:t>return</a:t>
+            </a:r>
+            <a:r>
+              <a:rPr lang="en-IE" dirty="0">
+                <a:solidFill>
+                  <a:prstClr val="black"/>
+                </a:solidFill>
+                <a:latin typeface="Consolas" panose="020B0609020204030204" pitchFamily="49" charset="0"/>
+              </a:rPr>
+              <a:t> </a:t>
+            </a:r>
+            <a:r>
+              <a:rPr lang="en-IE" dirty="0">
+                <a:solidFill>
+                  <a:srgbClr val="0000FF"/>
+                </a:solidFill>
+                <a:latin typeface="Consolas" panose="020B0609020204030204" pitchFamily="49" charset="0"/>
+              </a:rPr>
+              <a:t>true</a:t>
+            </a:r>
+            <a:r>
+              <a:rPr lang="en-IE" dirty="0">
+                <a:solidFill>
+                  <a:prstClr val="black"/>
+                </a:solidFill>
+                <a:latin typeface="Consolas" panose="020B0609020204030204" pitchFamily="49" charset="0"/>
+              </a:rPr>
+              <a:t>;</a:t>
+            </a:r>
+          </a:p>
+          <a:p>
+            <a:pPr marL="0" indent="0">
+              <a:buNone/>
+            </a:pPr>
+            <a:r>
+              <a:rPr lang="en-IE" dirty="0">
+                <a:solidFill>
+                  <a:prstClr val="black"/>
+                </a:solidFill>
+                <a:latin typeface="Consolas" panose="020B0609020204030204" pitchFamily="49" charset="0"/>
+              </a:rPr>
+              <a:t>            }</a:t>
+            </a:r>
+          </a:p>
+          <a:p>
+            <a:pPr marL="0" indent="0">
+              <a:buNone/>
+            </a:pPr>
+            <a:r>
+              <a:rPr lang="en-IE" dirty="0">
+                <a:solidFill>
+                  <a:prstClr val="black"/>
+                </a:solidFill>
+                <a:latin typeface="Consolas" panose="020B0609020204030204" pitchFamily="49" charset="0"/>
+              </a:rPr>
+              <a:t>            </a:t>
+            </a:r>
+            <a:r>
+              <a:rPr lang="en-IE" dirty="0">
+                <a:solidFill>
+                  <a:srgbClr val="0000FF"/>
+                </a:solidFill>
+                <a:latin typeface="Consolas" panose="020B0609020204030204" pitchFamily="49" charset="0"/>
+              </a:rPr>
+              <a:t>else</a:t>
+            </a:r>
+            <a:endParaRPr lang="en-IE" dirty="0">
+              <a:solidFill>
+                <a:prstClr val="black"/>
+              </a:solidFill>
+              <a:latin typeface="Consolas" panose="020B0609020204030204" pitchFamily="49" charset="0"/>
+            </a:endParaRPr>
+          </a:p>
+          <a:p>
+            <a:pPr marL="0" indent="0">
+              <a:buNone/>
+            </a:pPr>
+            <a:r>
+              <a:rPr lang="en-IE" dirty="0">
+                <a:solidFill>
+                  <a:prstClr val="black"/>
+                </a:solidFill>
+                <a:latin typeface="Consolas" panose="020B0609020204030204" pitchFamily="49" charset="0"/>
+              </a:rPr>
+              <a:t>            {</a:t>
+            </a:r>
+          </a:p>
+          <a:p>
+            <a:pPr marL="0" indent="0">
+              <a:buNone/>
+            </a:pPr>
+            <a:r>
+              <a:rPr lang="en-IE" dirty="0">
+                <a:solidFill>
+                  <a:prstClr val="black"/>
+                </a:solidFill>
+                <a:latin typeface="Consolas" panose="020B0609020204030204" pitchFamily="49" charset="0"/>
+              </a:rPr>
+              <a:t>                point = </a:t>
+            </a:r>
+            <a:r>
+              <a:rPr lang="en-IE" dirty="0">
+                <a:solidFill>
+                  <a:srgbClr val="2B91AF"/>
+                </a:solidFill>
+                <a:latin typeface="Consolas" panose="020B0609020204030204" pitchFamily="49" charset="0"/>
+              </a:rPr>
+              <a:t>Vector3</a:t>
+            </a:r>
+            <a:r>
+              <a:rPr lang="en-IE" dirty="0">
+                <a:solidFill>
+                  <a:prstClr val="black"/>
+                </a:solidFill>
+                <a:latin typeface="Consolas" panose="020B0609020204030204" pitchFamily="49" charset="0"/>
+              </a:rPr>
+              <a:t>.Zero;</a:t>
+            </a:r>
+          </a:p>
+          <a:p>
+            <a:pPr marL="0" indent="0">
+              <a:buNone/>
+            </a:pPr>
+            <a:r>
+              <a:rPr lang="en-IE" dirty="0">
+                <a:solidFill>
+                  <a:prstClr val="black"/>
+                </a:solidFill>
+                <a:latin typeface="Consolas" panose="020B0609020204030204" pitchFamily="49" charset="0"/>
+              </a:rPr>
+              <a:t>                </a:t>
+            </a:r>
+            <a:r>
+              <a:rPr lang="en-IE" dirty="0">
+                <a:solidFill>
+                  <a:srgbClr val="0000FF"/>
+                </a:solidFill>
+                <a:latin typeface="Consolas" panose="020B0609020204030204" pitchFamily="49" charset="0"/>
+              </a:rPr>
+              <a:t>return</a:t>
+            </a:r>
+            <a:r>
+              <a:rPr lang="en-IE" dirty="0">
+                <a:solidFill>
+                  <a:prstClr val="black"/>
+                </a:solidFill>
+                <a:latin typeface="Consolas" panose="020B0609020204030204" pitchFamily="49" charset="0"/>
+              </a:rPr>
+              <a:t> </a:t>
+            </a:r>
+            <a:r>
+              <a:rPr lang="en-IE" dirty="0">
+                <a:solidFill>
+                  <a:srgbClr val="0000FF"/>
+                </a:solidFill>
+                <a:latin typeface="Consolas" panose="020B0609020204030204" pitchFamily="49" charset="0"/>
+              </a:rPr>
+              <a:t>false</a:t>
+            </a:r>
+            <a:r>
+              <a:rPr lang="en-IE" dirty="0">
+                <a:solidFill>
+                  <a:prstClr val="black"/>
+                </a:solidFill>
+                <a:latin typeface="Consolas" panose="020B0609020204030204" pitchFamily="49" charset="0"/>
+              </a:rPr>
+              <a:t>;</a:t>
+            </a:r>
+          </a:p>
+          <a:p>
+            <a:pPr marL="0" indent="0">
+              <a:buNone/>
+            </a:pPr>
+            <a:r>
+              <a:rPr lang="en-IE" dirty="0">
+                <a:solidFill>
+                  <a:prstClr val="black"/>
+                </a:solidFill>
+                <a:latin typeface="Consolas" panose="020B0609020204030204" pitchFamily="49" charset="0"/>
+              </a:rPr>
+              <a:t>            }</a:t>
+            </a:r>
+          </a:p>
+          <a:p>
+            <a:pPr marL="0" indent="0">
+              <a:buNone/>
+            </a:pPr>
+            <a:r>
+              <a:rPr lang="en-IE" dirty="0">
+                <a:solidFill>
+                  <a:prstClr val="black"/>
+                </a:solidFill>
+                <a:latin typeface="Consolas" panose="020B0609020204030204" pitchFamily="49" charset="0"/>
+              </a:rPr>
+              <a:t>        }</a:t>
+            </a:r>
+          </a:p>
+          <a:p>
+            <a:pPr marL="0" indent="0">
+              <a:buNone/>
+            </a:pPr>
+            <a:endParaRPr lang="en-GB" dirty="0" smtClean="0"/>
+          </a:p>
+          <a:p>
+            <a:pPr marL="0" indent="0">
+              <a:buNone/>
+            </a:pPr>
+            <a:r>
+              <a:rPr lang="en-GB" sz="9000" dirty="0" smtClean="0">
+                <a:latin typeface="+mj-lt"/>
+              </a:rPr>
+              <a:t>Or...</a:t>
+            </a:r>
+            <a:endParaRPr lang="en-IE" dirty="0">
+              <a:latin typeface="+mj-lt"/>
+            </a:endParaRPr>
+          </a:p>
+        </p:txBody>
+      </p:sp>
+    </p:spTree>
+    <p:extLst>
+      <p:ext uri="{BB962C8B-B14F-4D97-AF65-F5344CB8AC3E}">
+        <p14:creationId xmlns:p14="http://schemas.microsoft.com/office/powerpoint/2010/main" val="384462665"/>
+      </p:ext>
+    </p:extLst>
+  </p:cSld>
+  <p:clrMapOvr>
+    <a:masterClrMapping/>
+  </p:clrMapOvr>
+  <p:timing>
+    <p:tnLst>
+      <p:par>
+        <p:cTn id="1" dur="indefinite" restart="never" nodeType="tmRoot"/>
+      </p:par>
+    </p:tnLst>
+  </p:timing>
+</p:sld>
+</file>
+
+<file path=ppt/slides/slide35.xml><?xml version="1.0" encoding="utf-8"?>
+<p:sld xmlns:a="http://schemas.openxmlformats.org/drawingml/2006/main" xmlns:r="http://schemas.openxmlformats.org/officeDocument/2006/relationships" xmlns:p="http://schemas.openxmlformats.org/presentationml/2006/main">
+  <p:cSld>
+    <p:spTree>
+      <p:nvGrpSpPr>
+        <p:cNvPr id="1" name=""/>
+        <p:cNvGrpSpPr/>
+        <p:nvPr/>
+      </p:nvGrpSpPr>
+      <p:grpSpPr>
+        <a:xfrm>
+          <a:off x="0" y="0"/>
+          <a:ext cx="0" cy="0"/>
+          <a:chOff x="0" y="0"/>
+          <a:chExt cx="0" cy="0"/>
+        </a:xfrm>
+      </p:grpSpPr>
+      <p:sp>
+        <p:nvSpPr>
+          <p:cNvPr id="2" name="Title 1"/>
+          <p:cNvSpPr>
+            <a:spLocks noGrp="1"/>
+          </p:cNvSpPr>
+          <p:nvPr>
+            <p:ph type="title"/>
+          </p:nvPr>
+        </p:nvSpPr>
+        <p:spPr/>
+        <p:txBody>
+          <a:bodyPr/>
+          <a:lstStyle/>
+          <a:p>
+            <a:r>
+              <a:rPr lang="en-GB" dirty="0" smtClean="0"/>
+              <a:t>In Unity...</a:t>
+            </a:r>
+            <a:endParaRPr lang="en-IE" dirty="0"/>
+          </a:p>
+        </p:txBody>
+      </p:sp>
+      <p:sp>
+        <p:nvSpPr>
+          <p:cNvPr id="3" name="Content Placeholder 2"/>
+          <p:cNvSpPr>
+            <a:spLocks noGrp="1"/>
+          </p:cNvSpPr>
+          <p:nvPr>
+            <p:ph idx="1"/>
+          </p:nvPr>
+        </p:nvSpPr>
+        <p:spPr>
+          <a:xfrm>
+            <a:off x="0" y="1600200"/>
+            <a:ext cx="8686800" cy="4525963"/>
+          </a:xfrm>
+        </p:spPr>
+        <p:txBody>
+          <a:bodyPr>
+            <a:noAutofit/>
+          </a:bodyPr>
+          <a:lstStyle/>
+          <a:p>
+            <a:pPr marL="0" indent="0">
+              <a:buNone/>
+            </a:pPr>
+            <a:r>
+              <a:rPr lang="en-IE" sz="2400" dirty="0">
+                <a:solidFill>
+                  <a:srgbClr val="2B91AF"/>
+                </a:solidFill>
+                <a:latin typeface="Consolas" panose="020B0609020204030204" pitchFamily="49" charset="0"/>
+              </a:rPr>
+              <a:t>Plane</a:t>
+            </a:r>
+            <a:r>
+              <a:rPr lang="en-IE" sz="2400" dirty="0">
+                <a:solidFill>
+                  <a:prstClr val="black"/>
+                </a:solidFill>
+                <a:latin typeface="Consolas" panose="020B0609020204030204" pitchFamily="49" charset="0"/>
+              </a:rPr>
+              <a:t> worldPlane = </a:t>
+            </a:r>
+            <a:r>
+              <a:rPr lang="en-IE" sz="2400" dirty="0">
+                <a:solidFill>
+                  <a:srgbClr val="0000FF"/>
+                </a:solidFill>
+                <a:latin typeface="Consolas" panose="020B0609020204030204" pitchFamily="49" charset="0"/>
+              </a:rPr>
+              <a:t>new</a:t>
+            </a:r>
+            <a:r>
+              <a:rPr lang="en-IE" sz="2400" dirty="0">
+                <a:solidFill>
+                  <a:prstClr val="black"/>
+                </a:solidFill>
+                <a:latin typeface="Consolas" panose="020B0609020204030204" pitchFamily="49" charset="0"/>
+              </a:rPr>
+              <a:t> </a:t>
+            </a:r>
+            <a:r>
+              <a:rPr lang="en-IE" sz="2400" dirty="0">
+                <a:solidFill>
+                  <a:srgbClr val="2B91AF"/>
+                </a:solidFill>
+                <a:latin typeface="Consolas" panose="020B0609020204030204" pitchFamily="49" charset="0"/>
+              </a:rPr>
+              <a:t>Plane</a:t>
+            </a:r>
+            <a:r>
+              <a:rPr lang="en-IE" sz="2400" dirty="0">
+                <a:solidFill>
+                  <a:prstClr val="black"/>
+                </a:solidFill>
+                <a:latin typeface="Consolas" panose="020B0609020204030204" pitchFamily="49" charset="0"/>
+              </a:rPr>
+              <a:t>(</a:t>
+            </a:r>
+            <a:r>
+              <a:rPr lang="en-IE" sz="2400" dirty="0">
+                <a:solidFill>
+                  <a:srgbClr val="0000FF"/>
+                </a:solidFill>
+                <a:latin typeface="Consolas" panose="020B0609020204030204" pitchFamily="49" charset="0"/>
+              </a:rPr>
+              <a:t>new</a:t>
+            </a:r>
+            <a:r>
+              <a:rPr lang="en-IE" sz="2400" dirty="0">
+                <a:solidFill>
+                  <a:prstClr val="black"/>
+                </a:solidFill>
+                <a:latin typeface="Consolas" panose="020B0609020204030204" pitchFamily="49" charset="0"/>
+              </a:rPr>
+              <a:t> </a:t>
+            </a:r>
+            <a:r>
+              <a:rPr lang="en-IE" sz="2400" dirty="0">
+                <a:solidFill>
+                  <a:srgbClr val="2B91AF"/>
+                </a:solidFill>
+                <a:latin typeface="Consolas" panose="020B0609020204030204" pitchFamily="49" charset="0"/>
+              </a:rPr>
+              <a:t>Vector3</a:t>
+            </a:r>
+            <a:r>
+              <a:rPr lang="en-IE" sz="2400" dirty="0">
+                <a:solidFill>
+                  <a:prstClr val="black"/>
+                </a:solidFill>
+                <a:latin typeface="Consolas" panose="020B0609020204030204" pitchFamily="49" charset="0"/>
+              </a:rPr>
+              <a:t>(0, 1, 0), 0);</a:t>
+            </a:r>
+          </a:p>
+          <a:p>
+            <a:pPr marL="0" indent="0">
+              <a:buNone/>
+            </a:pPr>
+            <a:r>
+              <a:rPr lang="en-IE" sz="2400" dirty="0">
+                <a:solidFill>
+                  <a:prstClr val="black"/>
+                </a:solidFill>
+                <a:latin typeface="Consolas" panose="020B0609020204030204" pitchFamily="49" charset="0"/>
+              </a:rPr>
+              <a:t>                UnityEngine.</a:t>
+            </a:r>
+            <a:r>
+              <a:rPr lang="en-IE" sz="2400" dirty="0">
+                <a:solidFill>
+                  <a:srgbClr val="2B91AF"/>
+                </a:solidFill>
+                <a:latin typeface="Consolas" panose="020B0609020204030204" pitchFamily="49" charset="0"/>
+              </a:rPr>
+              <a:t>Ray</a:t>
+            </a:r>
+            <a:r>
+              <a:rPr lang="en-IE" sz="2400" dirty="0">
+                <a:solidFill>
+                  <a:prstClr val="black"/>
+                </a:solidFill>
+                <a:latin typeface="Consolas" panose="020B0609020204030204" pitchFamily="49" charset="0"/>
+              </a:rPr>
+              <a:t> ray = </a:t>
+            </a:r>
+            <a:r>
+              <a:rPr lang="en-IE" sz="2400" dirty="0">
+                <a:solidFill>
+                  <a:srgbClr val="0000FF"/>
+                </a:solidFill>
+                <a:latin typeface="Consolas" panose="020B0609020204030204" pitchFamily="49" charset="0"/>
+              </a:rPr>
+              <a:t>new</a:t>
+            </a:r>
+            <a:r>
+              <a:rPr lang="en-IE" sz="2400" dirty="0">
+                <a:solidFill>
+                  <a:prstClr val="black"/>
+                </a:solidFill>
+                <a:latin typeface="Consolas" panose="020B0609020204030204" pitchFamily="49" charset="0"/>
+              </a:rPr>
+              <a:t> UnityEngine.</a:t>
+            </a:r>
+            <a:r>
+              <a:rPr lang="en-IE" sz="2400" dirty="0">
+                <a:solidFill>
+                  <a:srgbClr val="2B91AF"/>
+                </a:solidFill>
+                <a:latin typeface="Consolas" panose="020B0609020204030204" pitchFamily="49" charset="0"/>
+              </a:rPr>
+              <a:t>Ray</a:t>
+            </a:r>
+            <a:r>
+              <a:rPr lang="en-IE" sz="2400" dirty="0">
+                <a:solidFill>
+                  <a:prstClr val="black"/>
+                </a:solidFill>
+                <a:latin typeface="Consolas" panose="020B0609020204030204" pitchFamily="49" charset="0"/>
+              </a:rPr>
+              <a:t>(camera.transform.position, camera.transform.forward);</a:t>
+            </a:r>
+          </a:p>
+          <a:p>
+            <a:pPr marL="0" indent="0">
+              <a:buNone/>
+            </a:pPr>
+            <a:r>
+              <a:rPr lang="en-IE" sz="2400" dirty="0">
+                <a:solidFill>
+                  <a:prstClr val="black"/>
+                </a:solidFill>
+                <a:latin typeface="Consolas" panose="020B0609020204030204" pitchFamily="49" charset="0"/>
+              </a:rPr>
+              <a:t>                </a:t>
+            </a:r>
+            <a:r>
+              <a:rPr lang="en-IE" sz="2400" dirty="0">
+                <a:solidFill>
+                  <a:srgbClr val="0000FF"/>
+                </a:solidFill>
+                <a:latin typeface="Consolas" panose="020B0609020204030204" pitchFamily="49" charset="0"/>
+              </a:rPr>
+              <a:t>float</a:t>
+            </a:r>
+            <a:r>
+              <a:rPr lang="en-IE" sz="2400" dirty="0">
+                <a:solidFill>
+                  <a:prstClr val="black"/>
+                </a:solidFill>
+                <a:latin typeface="Consolas" panose="020B0609020204030204" pitchFamily="49" charset="0"/>
+              </a:rPr>
+              <a:t> distance = 0;</a:t>
+            </a:r>
+          </a:p>
+          <a:p>
+            <a:pPr marL="0" indent="0">
+              <a:buNone/>
+            </a:pPr>
+            <a:r>
+              <a:rPr lang="en-IE" sz="2400" dirty="0">
+                <a:solidFill>
+                  <a:prstClr val="black"/>
+                </a:solidFill>
+                <a:latin typeface="Consolas" panose="020B0609020204030204" pitchFamily="49" charset="0"/>
+              </a:rPr>
+              <a:t>                </a:t>
+            </a:r>
+            <a:r>
+              <a:rPr lang="en-IE" sz="2400" dirty="0">
+                <a:solidFill>
+                  <a:srgbClr val="0000FF"/>
+                </a:solidFill>
+                <a:latin typeface="Consolas" panose="020B0609020204030204" pitchFamily="49" charset="0"/>
+              </a:rPr>
+              <a:t>if</a:t>
+            </a:r>
+            <a:r>
+              <a:rPr lang="en-IE" sz="2400" dirty="0">
+                <a:solidFill>
+                  <a:prstClr val="black"/>
+                </a:solidFill>
+                <a:latin typeface="Consolas" panose="020B0609020204030204" pitchFamily="49" charset="0"/>
+              </a:rPr>
+              <a:t> (worldPlane.Raycast(ray, </a:t>
+            </a:r>
+            <a:r>
+              <a:rPr lang="en-IE" sz="2400" dirty="0">
+                <a:solidFill>
+                  <a:srgbClr val="0000FF"/>
+                </a:solidFill>
+                <a:latin typeface="Consolas" panose="020B0609020204030204" pitchFamily="49" charset="0"/>
+              </a:rPr>
+              <a:t>out</a:t>
+            </a:r>
+            <a:r>
+              <a:rPr lang="en-IE" sz="2400" dirty="0">
+                <a:solidFill>
+                  <a:prstClr val="black"/>
+                </a:solidFill>
+                <a:latin typeface="Consolas" panose="020B0609020204030204" pitchFamily="49" charset="0"/>
+              </a:rPr>
+              <a:t> distance))</a:t>
+            </a:r>
+          </a:p>
+          <a:p>
+            <a:pPr marL="0" indent="0">
+              <a:buNone/>
+            </a:pPr>
+            <a:r>
+              <a:rPr lang="en-IE" sz="2400" dirty="0">
+                <a:solidFill>
+                  <a:prstClr val="black"/>
+                </a:solidFill>
+                <a:latin typeface="Consolas" panose="020B0609020204030204" pitchFamily="49" charset="0"/>
+              </a:rPr>
+              <a:t>                </a:t>
+            </a:r>
+          </a:p>
+          <a:p>
+            <a:pPr marL="0" indent="0">
+              <a:buNone/>
+            </a:pPr>
+            <a:endParaRPr lang="en-IE" sz="2400" dirty="0"/>
+          </a:p>
+        </p:txBody>
+      </p:sp>
+    </p:spTree>
+    <p:extLst>
+      <p:ext uri="{BB962C8B-B14F-4D97-AF65-F5344CB8AC3E}">
+        <p14:creationId xmlns:p14="http://schemas.microsoft.com/office/powerpoint/2010/main" val="2378652439"/>
+      </p:ext>
+    </p:extLst>
+  </p:cSld>
+  <p:clrMapOvr>
+    <a:masterClrMapping/>
+  </p:clrMapOvr>
+  <p:timing>
+    <p:tnLst>
+      <p:par>
+        <p:cTn id="1" dur="indefinite" restart="never" nodeType="tmRoot"/>
+      </p:par>
+    </p:tnLst>
+  </p:timing>
+</p:sld>
+</file>
+
+<file path=ppt/slides/slide36.xml><?xml version="1.0" encoding="utf-8"?>
+<p:sld xmlns:a="http://schemas.openxmlformats.org/drawingml/2006/main" xmlns:r="http://schemas.openxmlformats.org/officeDocument/2006/relationships" xmlns:p="http://schemas.openxmlformats.org/presentationml/2006/main">
+  <p:cSld>
+    <p:spTree>
+      <p:nvGrpSpPr>
+        <p:cNvPr id="1" name=""/>
+        <p:cNvGrpSpPr/>
+        <p:nvPr/>
+      </p:nvGrpSpPr>
+      <p:grpSpPr>
+        <a:xfrm>
+          <a:off x="0" y="0"/>
+          <a:ext cx="0" cy="0"/>
+          <a:chOff x="0" y="0"/>
+          <a:chExt cx="0" cy="0"/>
+        </a:xfrm>
+      </p:grpSpPr>
+      <p:sp>
+        <p:nvSpPr>
+          <p:cNvPr id="4098" name="Title 1"/>
+          <p:cNvSpPr>
+            <a:spLocks noGrp="1"/>
+          </p:cNvSpPr>
+          <p:nvPr>
+            <p:ph type="title"/>
+          </p:nvPr>
+        </p:nvSpPr>
+        <p:spPr/>
+        <p:txBody>
+          <a:bodyPr/>
+          <a:lstStyle/>
+          <a:p>
+            <a:r>
+              <a:rPr lang="en-IE" dirty="0" smtClean="0"/>
+              <a:t>Spherical containment</a:t>
+            </a:r>
+          </a:p>
+        </p:txBody>
+      </p:sp>
+      <p:sp>
+        <p:nvSpPr>
+          <p:cNvPr id="4099" name="Content Placeholder 2" descr="Rectangle: Click to edit Master text styles&#10;Second level&#10;Third level&#10;Fourth level&#10;Fifth level"/>
+          <p:cNvSpPr>
+            <a:spLocks noGrp="1"/>
+          </p:cNvSpPr>
+          <p:nvPr>
+            <p:ph idx="1"/>
+          </p:nvPr>
+        </p:nvSpPr>
+        <p:spPr>
+          <a:xfrm>
+            <a:off x="838200" y="1905000"/>
+            <a:ext cx="8001000" cy="4114800"/>
+          </a:xfrm>
+        </p:spPr>
+        <p:txBody>
+          <a:bodyPr/>
+          <a:lstStyle/>
+          <a:p>
+            <a:r>
+              <a:rPr lang="en-IE" sz="2000" dirty="0" smtClean="0"/>
+              <a:t>Calculate the distance from the centre to the feeler</a:t>
+            </a:r>
+          </a:p>
+          <a:p>
+            <a:r>
+              <a:rPr lang="en-IE" sz="2000" dirty="0" smtClean="0"/>
+              <a:t>If &gt; radius then</a:t>
+            </a:r>
+          </a:p>
+          <a:p>
+            <a:r>
+              <a:rPr lang="en-IE" sz="2000" dirty="0" smtClean="0"/>
+              <a:t>Calculate the normal</a:t>
+            </a:r>
+          </a:p>
+          <a:p>
+            <a:pPr lvl="1"/>
+            <a:r>
+              <a:rPr lang="en-IE" sz="1600" dirty="0" smtClean="0"/>
+              <a:t>(feeler – centre) and normalise</a:t>
+            </a:r>
+          </a:p>
+          <a:p>
+            <a:r>
+              <a:rPr lang="en-IE" sz="2000" dirty="0" smtClean="0"/>
+              <a:t>Calculate the force</a:t>
+            </a:r>
+          </a:p>
+          <a:p>
+            <a:pPr lvl="1"/>
+            <a:r>
+              <a:rPr lang="en-IE" sz="1400" dirty="0" smtClean="0"/>
+              <a:t>n * (radius – distance)</a:t>
+            </a:r>
+          </a:p>
+        </p:txBody>
+      </p:sp>
+    </p:spTree>
+    <p:extLst>
+      <p:ext uri="{BB962C8B-B14F-4D97-AF65-F5344CB8AC3E}">
+        <p14:creationId xmlns:p14="http://schemas.microsoft.com/office/powerpoint/2010/main" val="406309850"/>
+      </p:ext>
+    </p:extLst>
+  </p:cSld>
+  <p:clrMapOvr>
+    <a:masterClrMapping/>
+  </p:clrMapOvr>
+  <p:timing>
+    <p:tnLst>
+      <p:par>
+        <p:cTn id="1" dur="indefinite" restart="never" nodeType="tmRoot"/>
+      </p:par>
+    </p:tnLst>
+  </p:timing>
+</p:sld>
+</file>
+
+<file path=ppt/slides/slide37.xml><?xml version="1.0" encoding="utf-8"?>
+<p:sld xmlns:a="http://schemas.openxmlformats.org/drawingml/2006/main" xmlns:r="http://schemas.openxmlformats.org/officeDocument/2006/relationships" xmlns:p="http://schemas.openxmlformats.org/presentationml/2006/main">
+  <p:cSld>
+    <p:spTree>
+      <p:nvGrpSpPr>
+        <p:cNvPr id="1" name=""/>
+        <p:cNvGrpSpPr/>
+        <p:nvPr/>
+      </p:nvGrpSpPr>
+      <p:grpSpPr>
+        <a:xfrm>
+          <a:off x="0" y="0"/>
+          <a:ext cx="0" cy="0"/>
+          <a:chOff x="0" y="0"/>
+          <a:chExt cx="0" cy="0"/>
+        </a:xfrm>
+      </p:grpSpPr>
+      <p:sp>
+        <p:nvSpPr>
+          <p:cNvPr id="2" name="Title 1"/>
+          <p:cNvSpPr>
+            <a:spLocks noGrp="1"/>
+          </p:cNvSpPr>
+          <p:nvPr>
+            <p:ph type="title"/>
+          </p:nvPr>
+        </p:nvSpPr>
+        <p:spPr/>
+        <p:txBody>
+          <a:bodyPr/>
+          <a:lstStyle/>
+          <a:p>
+            <a:r>
+              <a:rPr lang="en-GB" dirty="0" smtClean="0"/>
+              <a:t>In Code</a:t>
+            </a:r>
+            <a:endParaRPr lang="en-IE" dirty="0"/>
+          </a:p>
+        </p:txBody>
+      </p:sp>
+      <p:sp>
+        <p:nvSpPr>
+          <p:cNvPr id="3" name="Content Placeholder 2"/>
+          <p:cNvSpPr>
+            <a:spLocks noGrp="1"/>
+          </p:cNvSpPr>
+          <p:nvPr>
+            <p:ph idx="1"/>
+          </p:nvPr>
+        </p:nvSpPr>
+        <p:spPr/>
+        <p:txBody>
+          <a:bodyPr>
+            <a:normAutofit fontScale="70000" lnSpcReduction="20000"/>
+          </a:bodyPr>
+          <a:lstStyle/>
+          <a:p>
+            <a:pPr marL="0" indent="0">
+              <a:buNone/>
+            </a:pPr>
+            <a:r>
+              <a:rPr lang="en-IE" dirty="0">
+                <a:solidFill>
+                  <a:srgbClr val="0000FF"/>
+                </a:solidFill>
+                <a:latin typeface="Consolas" panose="020B0609020204030204" pitchFamily="49" charset="0"/>
+              </a:rPr>
+              <a:t>public</a:t>
+            </a:r>
+            <a:r>
+              <a:rPr lang="en-IE" dirty="0">
+                <a:solidFill>
+                  <a:prstClr val="black"/>
+                </a:solidFill>
+                <a:latin typeface="Consolas" panose="020B0609020204030204" pitchFamily="49" charset="0"/>
+              </a:rPr>
+              <a:t> </a:t>
+            </a:r>
+            <a:r>
+              <a:rPr lang="en-IE" dirty="0">
+                <a:solidFill>
+                  <a:srgbClr val="2B91AF"/>
+                </a:solidFill>
+                <a:latin typeface="Consolas" panose="020B0609020204030204" pitchFamily="49" charset="0"/>
+              </a:rPr>
+              <a:t>Vector3</a:t>
+            </a:r>
+            <a:r>
+              <a:rPr lang="en-IE" dirty="0">
+                <a:solidFill>
+                  <a:prstClr val="black"/>
+                </a:solidFill>
+                <a:latin typeface="Consolas" panose="020B0609020204030204" pitchFamily="49" charset="0"/>
+              </a:rPr>
+              <a:t> SphereConstrain(</a:t>
+            </a:r>
+            <a:r>
+              <a:rPr lang="en-IE" dirty="0">
+                <a:solidFill>
+                  <a:srgbClr val="0000FF"/>
+                </a:solidFill>
+                <a:latin typeface="Consolas" panose="020B0609020204030204" pitchFamily="49" charset="0"/>
+              </a:rPr>
+              <a:t>float</a:t>
+            </a:r>
+            <a:r>
+              <a:rPr lang="en-IE" dirty="0">
+                <a:solidFill>
+                  <a:prstClr val="black"/>
+                </a:solidFill>
+                <a:latin typeface="Consolas" panose="020B0609020204030204" pitchFamily="49" charset="0"/>
+              </a:rPr>
+              <a:t> radius)</a:t>
+            </a:r>
+          </a:p>
+          <a:p>
+            <a:pPr marL="0" indent="0">
+              <a:buNone/>
+            </a:pPr>
+            <a:r>
+              <a:rPr lang="en-IE" dirty="0">
+                <a:solidFill>
+                  <a:prstClr val="black"/>
+                </a:solidFill>
+                <a:latin typeface="Consolas" panose="020B0609020204030204" pitchFamily="49" charset="0"/>
+              </a:rPr>
+              <a:t>        {</a:t>
+            </a:r>
+          </a:p>
+          <a:p>
+            <a:pPr marL="0" indent="0">
+              <a:buNone/>
+            </a:pPr>
+            <a:r>
+              <a:rPr lang="en-IE" dirty="0">
+                <a:solidFill>
+                  <a:prstClr val="black"/>
+                </a:solidFill>
+                <a:latin typeface="Consolas" panose="020B0609020204030204" pitchFamily="49" charset="0"/>
+              </a:rPr>
+              <a:t>            </a:t>
+            </a:r>
+            <a:r>
+              <a:rPr lang="en-IE" dirty="0">
+                <a:solidFill>
+                  <a:srgbClr val="0000FF"/>
+                </a:solidFill>
+                <a:latin typeface="Consolas" panose="020B0609020204030204" pitchFamily="49" charset="0"/>
+              </a:rPr>
+              <a:t>float</a:t>
+            </a:r>
+            <a:r>
+              <a:rPr lang="en-IE" dirty="0">
+                <a:solidFill>
+                  <a:prstClr val="black"/>
+                </a:solidFill>
+                <a:latin typeface="Consolas" panose="020B0609020204030204" pitchFamily="49" charset="0"/>
+              </a:rPr>
+              <a:t> distance = transform.position.magnitude;</a:t>
+            </a:r>
+          </a:p>
+          <a:p>
+            <a:pPr marL="0" indent="0">
+              <a:buNone/>
+            </a:pPr>
+            <a:r>
+              <a:rPr lang="en-IE" dirty="0">
+                <a:solidFill>
+                  <a:prstClr val="black"/>
+                </a:solidFill>
+                <a:latin typeface="Consolas" panose="020B0609020204030204" pitchFamily="49" charset="0"/>
+              </a:rPr>
+              <a:t>            </a:t>
+            </a:r>
+            <a:r>
+              <a:rPr lang="en-IE" dirty="0">
+                <a:solidFill>
+                  <a:srgbClr val="2B91AF"/>
+                </a:solidFill>
+                <a:latin typeface="Consolas" panose="020B0609020204030204" pitchFamily="49" charset="0"/>
+              </a:rPr>
+              <a:t>Vector3</a:t>
+            </a:r>
+            <a:r>
+              <a:rPr lang="en-IE" dirty="0">
+                <a:solidFill>
+                  <a:prstClr val="black"/>
+                </a:solidFill>
+                <a:latin typeface="Consolas" panose="020B0609020204030204" pitchFamily="49" charset="0"/>
+              </a:rPr>
+              <a:t> steeringForce = </a:t>
+            </a:r>
+            <a:r>
+              <a:rPr lang="en-IE" dirty="0">
+                <a:solidFill>
+                  <a:srgbClr val="2B91AF"/>
+                </a:solidFill>
+                <a:latin typeface="Consolas" panose="020B0609020204030204" pitchFamily="49" charset="0"/>
+              </a:rPr>
+              <a:t>Vector3</a:t>
+            </a:r>
+            <a:r>
+              <a:rPr lang="en-IE" dirty="0">
+                <a:solidFill>
+                  <a:prstClr val="black"/>
+                </a:solidFill>
+                <a:latin typeface="Consolas" panose="020B0609020204030204" pitchFamily="49" charset="0"/>
+              </a:rPr>
+              <a:t>.zero;</a:t>
+            </a:r>
+          </a:p>
+          <a:p>
+            <a:pPr marL="0" indent="0">
+              <a:buNone/>
+            </a:pPr>
+            <a:r>
+              <a:rPr lang="en-IE" dirty="0">
+                <a:solidFill>
+                  <a:prstClr val="black"/>
+                </a:solidFill>
+                <a:latin typeface="Consolas" panose="020B0609020204030204" pitchFamily="49" charset="0"/>
+              </a:rPr>
+              <a:t>            </a:t>
+            </a:r>
+            <a:r>
+              <a:rPr lang="en-IE" dirty="0">
+                <a:solidFill>
+                  <a:srgbClr val="0000FF"/>
+                </a:solidFill>
+                <a:latin typeface="Consolas" panose="020B0609020204030204" pitchFamily="49" charset="0"/>
+              </a:rPr>
+              <a:t>if</a:t>
+            </a:r>
+            <a:r>
+              <a:rPr lang="en-IE" dirty="0">
+                <a:solidFill>
+                  <a:prstClr val="black"/>
+                </a:solidFill>
+                <a:latin typeface="Consolas" panose="020B0609020204030204" pitchFamily="49" charset="0"/>
+              </a:rPr>
+              <a:t> (distance &gt; radius)</a:t>
+            </a:r>
+          </a:p>
+          <a:p>
+            <a:pPr marL="0" indent="0">
+              <a:buNone/>
+            </a:pPr>
+            <a:r>
+              <a:rPr lang="en-IE" dirty="0">
+                <a:solidFill>
+                  <a:prstClr val="black"/>
+                </a:solidFill>
+                <a:latin typeface="Consolas" panose="020B0609020204030204" pitchFamily="49" charset="0"/>
+              </a:rPr>
+              <a:t>            {</a:t>
+            </a:r>
+          </a:p>
+          <a:p>
+            <a:pPr marL="0" indent="0">
+              <a:buNone/>
+            </a:pPr>
+            <a:r>
+              <a:rPr lang="en-IE" dirty="0">
+                <a:solidFill>
+                  <a:prstClr val="black"/>
+                </a:solidFill>
+                <a:latin typeface="Consolas" panose="020B0609020204030204" pitchFamily="49" charset="0"/>
+              </a:rPr>
+              <a:t>                steeringForce = </a:t>
+            </a:r>
+            <a:r>
+              <a:rPr lang="en-IE" dirty="0">
+                <a:solidFill>
+                  <a:srgbClr val="2B91AF"/>
+                </a:solidFill>
+                <a:latin typeface="Consolas" panose="020B0609020204030204" pitchFamily="49" charset="0"/>
+              </a:rPr>
+              <a:t>Vector3</a:t>
+            </a:r>
+            <a:r>
+              <a:rPr lang="en-IE" dirty="0">
+                <a:solidFill>
+                  <a:prstClr val="black"/>
+                </a:solidFill>
+                <a:latin typeface="Consolas" panose="020B0609020204030204" pitchFamily="49" charset="0"/>
+              </a:rPr>
+              <a:t>.Normalize(transform.position) * (radius - distance);</a:t>
+            </a:r>
+          </a:p>
+          <a:p>
+            <a:pPr marL="0" indent="0">
+              <a:buNone/>
+            </a:pPr>
+            <a:r>
+              <a:rPr lang="en-IE" dirty="0">
+                <a:solidFill>
+                  <a:prstClr val="black"/>
+                </a:solidFill>
+                <a:latin typeface="Consolas" panose="020B0609020204030204" pitchFamily="49" charset="0"/>
+              </a:rPr>
+              <a:t>            }</a:t>
+            </a:r>
+          </a:p>
+          <a:p>
+            <a:pPr marL="0" indent="0">
+              <a:buNone/>
+            </a:pPr>
+            <a:r>
+              <a:rPr lang="en-IE" dirty="0">
+                <a:solidFill>
+                  <a:prstClr val="black"/>
+                </a:solidFill>
+                <a:latin typeface="Consolas" panose="020B0609020204030204" pitchFamily="49" charset="0"/>
+              </a:rPr>
+              <a:t>            </a:t>
+            </a:r>
+            <a:r>
+              <a:rPr lang="en-IE" dirty="0">
+                <a:solidFill>
+                  <a:srgbClr val="0000FF"/>
+                </a:solidFill>
+                <a:latin typeface="Consolas" panose="020B0609020204030204" pitchFamily="49" charset="0"/>
+              </a:rPr>
+              <a:t>return</a:t>
+            </a:r>
+            <a:r>
+              <a:rPr lang="en-IE" dirty="0">
+                <a:solidFill>
+                  <a:prstClr val="black"/>
+                </a:solidFill>
+                <a:latin typeface="Consolas" panose="020B0609020204030204" pitchFamily="49" charset="0"/>
+              </a:rPr>
+              <a:t> steeringForce;</a:t>
+            </a:r>
+          </a:p>
+          <a:p>
+            <a:pPr marL="0" indent="0">
+              <a:buNone/>
+            </a:pPr>
+            <a:r>
+              <a:rPr lang="en-IE" dirty="0">
+                <a:solidFill>
+                  <a:prstClr val="black"/>
+                </a:solidFill>
+                <a:latin typeface="Consolas" panose="020B0609020204030204" pitchFamily="49" charset="0"/>
+              </a:rPr>
+              <a:t>        }</a:t>
+            </a:r>
+          </a:p>
+          <a:p>
+            <a:pPr marL="0" indent="0">
+              <a:buNone/>
+            </a:pPr>
+            <a:endParaRPr lang="en-IE" dirty="0"/>
+          </a:p>
+        </p:txBody>
+      </p:sp>
+    </p:spTree>
+    <p:extLst>
+      <p:ext uri="{BB962C8B-B14F-4D97-AF65-F5344CB8AC3E}">
+        <p14:creationId xmlns:p14="http://schemas.microsoft.com/office/powerpoint/2010/main" val="1184201304"/>
+      </p:ext>
+    </p:extLst>
+  </p:cSld>
+  <p:clrMapOvr>
+    <a:masterClrMapping/>
+  </p:clrMapOvr>
+  <p:timing>
+    <p:tnLst>
+      <p:par>
+        <p:cTn id="1" dur="indefinite" restart="never" nodeType="tmRoot"/>
+      </p:par>
+    </p:tnLst>
+  </p:timing>
+</p:sld>
+</file>
+
+<file path=ppt/slides/slide38.xml><?xml version="1.0" encoding="utf-8"?>
+<p:sld xmlns:a="http://schemas.openxmlformats.org/drawingml/2006/main" xmlns:r="http://schemas.openxmlformats.org/officeDocument/2006/relationships" xmlns:p="http://schemas.openxmlformats.org/presentationml/2006/main">
+  <p:cSld>
+    <p:spTree>
+      <p:nvGrpSpPr>
+        <p:cNvPr id="1" name=""/>
+        <p:cNvGrpSpPr/>
+        <p:nvPr/>
+      </p:nvGrpSpPr>
+      <p:grpSpPr>
+        <a:xfrm>
+          <a:off x="0" y="0"/>
+          <a:ext cx="0" cy="0"/>
+          <a:chOff x="0" y="0"/>
+          <a:chExt cx="0" cy="0"/>
+        </a:xfrm>
+      </p:grpSpPr>
+      <p:sp>
+        <p:nvSpPr>
+          <p:cNvPr id="9218" name="Title 1"/>
+          <p:cNvSpPr>
+            <a:spLocks noGrp="1"/>
+          </p:cNvSpPr>
+          <p:nvPr>
+            <p:ph type="title"/>
+          </p:nvPr>
+        </p:nvSpPr>
+        <p:spPr/>
+        <p:txBody>
+          <a:bodyPr/>
+          <a:lstStyle/>
+          <a:p>
+            <a:r>
+              <a:rPr lang="en-IE" dirty="0" smtClean="0"/>
+              <a:t>Wander</a:t>
+            </a:r>
+          </a:p>
+        </p:txBody>
+      </p:sp>
+      <p:sp>
+        <p:nvSpPr>
+          <p:cNvPr id="9219" name="Text Placeholder 2" descr="Rectangle: Click to edit Master text styles&#10;Second level&#10;Third level&#10;Fourth level&#10;Fifth level"/>
+          <p:cNvSpPr>
+            <a:spLocks noGrp="1"/>
+          </p:cNvSpPr>
+          <p:nvPr>
+            <p:ph type="body" sz="half" idx="1"/>
+          </p:nvPr>
+        </p:nvSpPr>
+        <p:spPr>
+          <a:xfrm>
+            <a:off x="838200" y="1412776"/>
+            <a:ext cx="7696200" cy="4419600"/>
+          </a:xfrm>
+        </p:spPr>
+        <p:txBody>
+          <a:bodyPr>
+            <a:noAutofit/>
+          </a:bodyPr>
+          <a:lstStyle/>
+          <a:p>
+            <a:r>
+              <a:rPr lang="en-IE" sz="2400" dirty="0" smtClean="0"/>
+              <a:t>Produce a steering force that will give the impression of a random walk through the agent's environment</a:t>
+            </a:r>
+          </a:p>
+          <a:p>
+            <a:r>
+              <a:rPr lang="en-IE" sz="2400" dirty="0" smtClean="0"/>
+              <a:t>A naive approach is to calculate a random steering force each time step, but this produces jittery behavior with no ability to achieve long persistent turns</a:t>
+            </a:r>
+          </a:p>
+          <a:p>
+            <a:r>
+              <a:rPr lang="en-IE" sz="2400" dirty="0" smtClean="0"/>
+              <a:t>Solution: project a sphere in front of the vehicle and steer toward a target that is constrained to move along the perimeter. </a:t>
+            </a:r>
+          </a:p>
+          <a:p>
+            <a:r>
+              <a:rPr lang="en-IE" sz="2400" dirty="0" smtClean="0"/>
+              <a:t>Each time step, a small random displacement is added to this target, and over time it moves backward and forward along the circumference of the sphere</a:t>
+            </a:r>
+          </a:p>
+        </p:txBody>
+      </p:sp>
+    </p:spTree>
+    <p:extLst>
+      <p:ext uri="{BB962C8B-B14F-4D97-AF65-F5344CB8AC3E}">
+        <p14:creationId xmlns:p14="http://schemas.microsoft.com/office/powerpoint/2010/main" val="1885198911"/>
+      </p:ext>
+    </p:extLst>
+  </p:cSld>
+  <p:clrMapOvr>
+    <a:masterClrMapping/>
+  </p:clrMapOvr>
+  <p:timing>
+    <p:tnLst>
+      <p:par>
+        <p:cTn id="1" dur="indefinite" restart="never" nodeType="tmRoot"/>
+      </p:par>
+    </p:tnLst>
+  </p:timing>
+</p:sld>
+</file>
+
+<file path=ppt/slides/slide39.xml><?xml version="1.0" encoding="utf-8"?>
+<p:sld xmlns:a="http://schemas.openxmlformats.org/drawingml/2006/main" xmlns:r="http://schemas.openxmlformats.org/officeDocument/2006/relationships" xmlns:p="http://schemas.openxmlformats.org/presentationml/2006/main">
+  <p:cSld>
+    <p:spTree>
+      <p:nvGrpSpPr>
+        <p:cNvPr id="1" name=""/>
+        <p:cNvGrpSpPr/>
+        <p:nvPr/>
+      </p:nvGrpSpPr>
+      <p:grpSpPr>
+        <a:xfrm>
+          <a:off x="0" y="0"/>
+          <a:ext cx="0" cy="0"/>
+          <a:chOff x="0" y="0"/>
+          <a:chExt cx="0" cy="0"/>
+        </a:xfrm>
+      </p:grpSpPr>
+      <p:sp>
+        <p:nvSpPr>
+          <p:cNvPr id="10242" name="Title 1"/>
+          <p:cNvSpPr>
+            <a:spLocks noGrp="1"/>
+          </p:cNvSpPr>
+          <p:nvPr>
+            <p:ph type="title"/>
+          </p:nvPr>
+        </p:nvSpPr>
+        <p:spPr/>
+        <p:txBody>
+          <a:bodyPr/>
+          <a:lstStyle/>
+          <a:p>
+            <a:r>
+              <a:rPr lang="en-IE" smtClean="0"/>
+              <a:t>Wander</a:t>
+            </a:r>
+          </a:p>
+        </p:txBody>
+      </p:sp>
+      <p:sp>
+        <p:nvSpPr>
+          <p:cNvPr id="10243" name="Text Placeholder 2" descr="Rectangle: Click to edit Master text styles&#10;Second level&#10;Third level&#10;Fourth level&#10;Fifth level"/>
+          <p:cNvSpPr>
+            <a:spLocks noGrp="1"/>
+          </p:cNvSpPr>
+          <p:nvPr>
+            <p:ph type="body" sz="half" idx="1"/>
+          </p:nvPr>
+        </p:nvSpPr>
+        <p:spPr>
+          <a:xfrm>
+            <a:off x="971600" y="1700808"/>
+            <a:ext cx="4449688" cy="4419600"/>
+          </a:xfrm>
+        </p:spPr>
+        <p:txBody>
+          <a:bodyPr>
+            <a:normAutofit lnSpcReduction="10000"/>
+          </a:bodyPr>
+          <a:lstStyle/>
+          <a:p>
+            <a:r>
+              <a:rPr lang="en-IE" sz="2400" dirty="0" smtClean="0"/>
+              <a:t>By varying the wander distance and wander radius, different effects can be achieved</a:t>
+            </a:r>
+          </a:p>
+          <a:p>
+            <a:r>
+              <a:rPr lang="en-IE" sz="2400" dirty="0" smtClean="0"/>
+              <a:t>Very smooth undulating turns to...</a:t>
+            </a:r>
+          </a:p>
+          <a:p>
+            <a:r>
+              <a:rPr lang="en-IE" sz="2400" dirty="0" smtClean="0"/>
+              <a:t>Wild </a:t>
+            </a:r>
+            <a:r>
+              <a:rPr lang="en-IE" sz="2400" i="1" dirty="0" smtClean="0"/>
+              <a:t>Strictly Ballroom</a:t>
+            </a:r>
+            <a:r>
+              <a:rPr lang="en-IE" sz="2400" dirty="0" smtClean="0"/>
+              <a:t> type whirls  and pirouettes </a:t>
+            </a:r>
+          </a:p>
+          <a:p>
+            <a:r>
+              <a:rPr lang="en-IE" sz="2400" dirty="0" smtClean="0"/>
+              <a:t>Depending on the size of the circle, its distance from the vehicle, and the amount of random displacement each frame</a:t>
+            </a:r>
+          </a:p>
+          <a:p>
+            <a:pPr>
+              <a:buFont typeface="Wingdings" panose="05000000000000000000" pitchFamily="2" charset="2"/>
+              <a:buNone/>
+            </a:pPr>
+            <a:endParaRPr lang="en-IE" sz="2400" dirty="0" smtClean="0"/>
+          </a:p>
+        </p:txBody>
+      </p:sp>
+      <p:pic>
+        <p:nvPicPr>
+          <p:cNvPr id="10244" name="Picture 2"/>
+          <p:cNvPicPr>
+            <a:picLocks noChangeAspect="1" noChangeArrowheads="1"/>
+          </p:cNvPicPr>
+          <p:nvPr/>
+        </p:nvPicPr>
+        <p:blipFill>
+          <a:blip r:embed="rId3">
+            <a:extLst>
+              <a:ext uri="{28A0092B-C50C-407E-A947-70E740481C1C}">
+                <a14:useLocalDpi xmlns:a14="http://schemas.microsoft.com/office/drawing/2010/main" val="0"/>
+              </a:ext>
+            </a:extLst>
+          </a:blip>
+          <a:srcRect/>
+          <a:stretch>
+            <a:fillRect/>
+          </a:stretch>
+        </p:blipFill>
+        <p:spPr bwMode="auto">
+          <a:xfrm>
+            <a:off x="5652120" y="2564904"/>
+            <a:ext cx="3267075" cy="2371725"/>
+          </a:xfrm>
+          <a:prstGeom prst="rect">
+            <a:avLst/>
+          </a:prstGeom>
+          <a:noFill/>
+          <a:ln>
+            <a:noFill/>
+          </a:ln>
+          <a:extLst>
+            <a:ext uri="{909E8E84-426E-40DD-AFC4-6F175D3DCCD1}">
+              <a14:hiddenFill xmlns:a14="http://schemas.microsoft.com/office/drawing/2010/main">
+                <a:solidFill>
+                  <a:srgbClr val="FFFFFF"/>
+                </a:solidFill>
+              </a14:hiddenFill>
+            </a:ext>
+            <a:ext uri="{91240B29-F687-4F45-9708-019B960494DF}">
+              <a14:hiddenLine xmlns:a14="http://schemas.microsoft.com/office/drawing/2010/main" w="9525" algn="ctr">
+                <a:solidFill>
+                  <a:srgbClr val="000000"/>
+                </a:solidFill>
+                <a:miter lim="800000"/>
+                <a:headEnd/>
+                <a:tailEnd/>
+              </a14:hiddenLine>
+            </a:ext>
+          </a:extLst>
+        </p:spPr>
+      </p:pic>
+    </p:spTree>
+    <p:extLst>
+      <p:ext uri="{BB962C8B-B14F-4D97-AF65-F5344CB8AC3E}">
+        <p14:creationId xmlns:p14="http://schemas.microsoft.com/office/powerpoint/2010/main" val="3808435227"/>
+      </p:ext>
+    </p:extLst>
+  </p:cSld>
+  <p:clrMapOvr>
+    <a:masterClrMapping/>
+  </p:clrMapOvr>
+  <p:timing>
+    <p:tnLst>
+      <p:par>
+        <p:cTn id="1" dur="indefinite" restart="never" nodeType="tmRoot"/>
+      </p:par>
+    </p:tnLst>
+  </p:timing>
+</p:sld>
+</file>
+
 <file path=ppt/slides/slide4.xml><?xml version="1.0" encoding="utf-8"?>
 <p:sld xmlns:a="http://schemas.openxmlformats.org/drawingml/2006/main" xmlns:r="http://schemas.openxmlformats.org/officeDocument/2006/relationships" xmlns:p="http://schemas.openxmlformats.org/presentationml/2006/main">
   <p:cSld>
@@ -8848,6 +14564,644 @@
     <p:extLst>
       <p:ext uri="{BB962C8B-B14F-4D97-AF65-F5344CB8AC3E}">
         <p14:creationId xmlns:p14="http://schemas.microsoft.com/office/powerpoint/2010/main" val="1578703268"/>
+      </p:ext>
+    </p:extLst>
+  </p:cSld>
+  <p:clrMapOvr>
+    <a:masterClrMapping/>
+  </p:clrMapOvr>
+  <p:timing>
+    <p:tnLst>
+      <p:par>
+        <p:cTn id="1" dur="indefinite" restart="never" nodeType="tmRoot"/>
+      </p:par>
+    </p:tnLst>
+  </p:timing>
+</p:sld>
+</file>
+
+<file path=ppt/slides/slide40.xml><?xml version="1.0" encoding="utf-8"?>
+<p:sld xmlns:a="http://schemas.openxmlformats.org/drawingml/2006/main" xmlns:r="http://schemas.openxmlformats.org/officeDocument/2006/relationships" xmlns:p="http://schemas.openxmlformats.org/presentationml/2006/main">
+  <p:cSld>
+    <p:spTree>
+      <p:nvGrpSpPr>
+        <p:cNvPr id="1" name=""/>
+        <p:cNvGrpSpPr/>
+        <p:nvPr/>
+      </p:nvGrpSpPr>
+      <p:grpSpPr>
+        <a:xfrm>
+          <a:off x="0" y="0"/>
+          <a:ext cx="0" cy="0"/>
+          <a:chOff x="0" y="0"/>
+          <a:chExt cx="0" cy="0"/>
+        </a:xfrm>
+      </p:grpSpPr>
+      <p:sp>
+        <p:nvSpPr>
+          <p:cNvPr id="2" name="Title 1"/>
+          <p:cNvSpPr>
+            <a:spLocks noGrp="1"/>
+          </p:cNvSpPr>
+          <p:nvPr>
+            <p:ph type="title"/>
+          </p:nvPr>
+        </p:nvSpPr>
+        <p:spPr/>
+        <p:txBody>
+          <a:bodyPr/>
+          <a:lstStyle/>
+          <a:p>
+            <a:r>
+              <a:rPr lang="en-GB" dirty="0" smtClean="0"/>
+              <a:t>In Code</a:t>
+            </a:r>
+            <a:endParaRPr lang="en-IE" dirty="0"/>
+          </a:p>
+        </p:txBody>
+      </p:sp>
+      <p:sp>
+        <p:nvSpPr>
+          <p:cNvPr id="3" name="Content Placeholder 2"/>
+          <p:cNvSpPr>
+            <a:spLocks noGrp="1"/>
+          </p:cNvSpPr>
+          <p:nvPr>
+            <p:ph idx="1"/>
+          </p:nvPr>
+        </p:nvSpPr>
+        <p:spPr/>
+        <p:txBody>
+          <a:bodyPr>
+            <a:normAutofit fontScale="47500" lnSpcReduction="20000"/>
+          </a:bodyPr>
+          <a:lstStyle/>
+          <a:p>
+            <a:pPr marL="0" indent="0">
+              <a:buNone/>
+            </a:pPr>
+            <a:r>
+              <a:rPr lang="en-IE" sz="3600" dirty="0">
+                <a:solidFill>
+                  <a:srgbClr val="2B91AF"/>
+                </a:solidFill>
+                <a:latin typeface="Consolas" panose="020B0609020204030204" pitchFamily="49" charset="0"/>
+              </a:rPr>
+              <a:t>Vector3</a:t>
+            </a:r>
+            <a:r>
+              <a:rPr lang="en-IE" sz="3600" dirty="0">
+                <a:solidFill>
+                  <a:prstClr val="black"/>
+                </a:solidFill>
+                <a:latin typeface="Consolas" panose="020B0609020204030204" pitchFamily="49" charset="0"/>
+              </a:rPr>
+              <a:t> Wander()</a:t>
+            </a:r>
+          </a:p>
+          <a:p>
+            <a:pPr marL="0" indent="0">
+              <a:buNone/>
+            </a:pPr>
+            <a:r>
+              <a:rPr lang="en-IE" sz="3600" dirty="0">
+                <a:solidFill>
+                  <a:prstClr val="black"/>
+                </a:solidFill>
+                <a:latin typeface="Consolas" panose="020B0609020204030204" pitchFamily="49" charset="0"/>
+              </a:rPr>
+              <a:t>        {</a:t>
+            </a:r>
+          </a:p>
+          <a:p>
+            <a:pPr marL="0" indent="0">
+              <a:buNone/>
+            </a:pPr>
+            <a:r>
+              <a:rPr lang="en-IE" sz="3600" dirty="0">
+                <a:solidFill>
+                  <a:prstClr val="black"/>
+                </a:solidFill>
+                <a:latin typeface="Consolas" panose="020B0609020204030204" pitchFamily="49" charset="0"/>
+              </a:rPr>
+              <a:t>            </a:t>
+            </a:r>
+            <a:r>
+              <a:rPr lang="en-IE" sz="3600" dirty="0">
+                <a:solidFill>
+                  <a:srgbClr val="0000FF"/>
+                </a:solidFill>
+                <a:latin typeface="Consolas" panose="020B0609020204030204" pitchFamily="49" charset="0"/>
+              </a:rPr>
+              <a:t>float</a:t>
+            </a:r>
+            <a:r>
+              <a:rPr lang="en-IE" sz="3600" dirty="0">
+                <a:solidFill>
+                  <a:prstClr val="black"/>
+                </a:solidFill>
+                <a:latin typeface="Consolas" panose="020B0609020204030204" pitchFamily="49" charset="0"/>
+              </a:rPr>
+              <a:t> jitterTimeSlice = </a:t>
+            </a:r>
+            <a:r>
+              <a:rPr lang="en-IE" sz="3600" dirty="0">
+                <a:solidFill>
+                  <a:srgbClr val="2B91AF"/>
+                </a:solidFill>
+                <a:latin typeface="Consolas" panose="020B0609020204030204" pitchFamily="49" charset="0"/>
+              </a:rPr>
+              <a:t>Params</a:t>
+            </a:r>
+            <a:r>
+              <a:rPr lang="en-IE" sz="3600" dirty="0">
+                <a:solidFill>
+                  <a:prstClr val="black"/>
+                </a:solidFill>
+                <a:latin typeface="Consolas" panose="020B0609020204030204" pitchFamily="49" charset="0"/>
+              </a:rPr>
+              <a:t>.GetFloat(</a:t>
+            </a:r>
+            <a:r>
+              <a:rPr lang="en-IE" sz="3600" dirty="0">
+                <a:solidFill>
+                  <a:srgbClr val="A31515"/>
+                </a:solidFill>
+                <a:latin typeface="Consolas" panose="020B0609020204030204" pitchFamily="49" charset="0"/>
+              </a:rPr>
+              <a:t>"wander_jitter"</a:t>
+            </a:r>
+            <a:r>
+              <a:rPr lang="en-IE" sz="3600" dirty="0">
+                <a:solidFill>
+                  <a:prstClr val="black"/>
+                </a:solidFill>
+                <a:latin typeface="Consolas" panose="020B0609020204030204" pitchFamily="49" charset="0"/>
+              </a:rPr>
+              <a:t>) * timeDelta;</a:t>
+            </a:r>
+          </a:p>
+          <a:p>
+            <a:pPr marL="0" indent="0">
+              <a:buNone/>
+            </a:pPr>
+            <a:endParaRPr lang="en-IE" sz="3600" dirty="0">
+              <a:solidFill>
+                <a:prstClr val="black"/>
+              </a:solidFill>
+              <a:latin typeface="Consolas" panose="020B0609020204030204" pitchFamily="49" charset="0"/>
+            </a:endParaRPr>
+          </a:p>
+          <a:p>
+            <a:pPr marL="0" indent="0">
+              <a:buNone/>
+            </a:pPr>
+            <a:r>
+              <a:rPr lang="en-IE" sz="3600" dirty="0">
+                <a:solidFill>
+                  <a:prstClr val="black"/>
+                </a:solidFill>
+                <a:latin typeface="Consolas" panose="020B0609020204030204" pitchFamily="49" charset="0"/>
+              </a:rPr>
+              <a:t>            </a:t>
+            </a:r>
+            <a:r>
+              <a:rPr lang="en-IE" sz="3600" dirty="0">
+                <a:solidFill>
+                  <a:srgbClr val="2B91AF"/>
+                </a:solidFill>
+                <a:latin typeface="Consolas" panose="020B0609020204030204" pitchFamily="49" charset="0"/>
+              </a:rPr>
+              <a:t>Vector3</a:t>
+            </a:r>
+            <a:r>
+              <a:rPr lang="en-IE" sz="3600" dirty="0">
+                <a:solidFill>
+                  <a:prstClr val="black"/>
+                </a:solidFill>
+                <a:latin typeface="Consolas" panose="020B0609020204030204" pitchFamily="49" charset="0"/>
+              </a:rPr>
+              <a:t> toAdd = </a:t>
+            </a:r>
+            <a:r>
+              <a:rPr lang="en-IE" sz="3600" dirty="0">
+                <a:solidFill>
+                  <a:srgbClr val="0000FF"/>
+                </a:solidFill>
+                <a:latin typeface="Consolas" panose="020B0609020204030204" pitchFamily="49" charset="0"/>
+              </a:rPr>
+              <a:t>new</a:t>
+            </a:r>
+            <a:r>
+              <a:rPr lang="en-IE" sz="3600" dirty="0">
+                <a:solidFill>
+                  <a:prstClr val="black"/>
+                </a:solidFill>
+                <a:latin typeface="Consolas" panose="020B0609020204030204" pitchFamily="49" charset="0"/>
+              </a:rPr>
+              <a:t> </a:t>
+            </a:r>
+            <a:r>
+              <a:rPr lang="en-IE" sz="3600" dirty="0">
+                <a:solidFill>
+                  <a:srgbClr val="2B91AF"/>
+                </a:solidFill>
+                <a:latin typeface="Consolas" panose="020B0609020204030204" pitchFamily="49" charset="0"/>
+              </a:rPr>
+              <a:t>Vector3</a:t>
+            </a:r>
+            <a:r>
+              <a:rPr lang="en-IE" sz="3600" dirty="0">
+                <a:solidFill>
+                  <a:prstClr val="black"/>
+                </a:solidFill>
+                <a:latin typeface="Consolas" panose="020B0609020204030204" pitchFamily="49" charset="0"/>
+              </a:rPr>
+              <a:t>(</a:t>
+            </a:r>
+            <a:r>
+              <a:rPr lang="en-IE" sz="3600" dirty="0">
+                <a:solidFill>
+                  <a:srgbClr val="2B91AF"/>
+                </a:solidFill>
+                <a:latin typeface="Consolas" panose="020B0609020204030204" pitchFamily="49" charset="0"/>
+              </a:rPr>
+              <a:t>Utilities</a:t>
+            </a:r>
+            <a:r>
+              <a:rPr lang="en-IE" sz="3600" dirty="0">
+                <a:solidFill>
+                  <a:prstClr val="black"/>
+                </a:solidFill>
+                <a:latin typeface="Consolas" panose="020B0609020204030204" pitchFamily="49" charset="0"/>
+              </a:rPr>
+              <a:t>.RandomClamped(), </a:t>
+            </a:r>
+            <a:r>
+              <a:rPr lang="en-IE" sz="3600" dirty="0">
+                <a:solidFill>
+                  <a:srgbClr val="2B91AF"/>
+                </a:solidFill>
+                <a:latin typeface="Consolas" panose="020B0609020204030204" pitchFamily="49" charset="0"/>
+              </a:rPr>
+              <a:t>Utilities</a:t>
+            </a:r>
+            <a:r>
+              <a:rPr lang="en-IE" sz="3600" dirty="0">
+                <a:solidFill>
+                  <a:prstClr val="black"/>
+                </a:solidFill>
+                <a:latin typeface="Consolas" panose="020B0609020204030204" pitchFamily="49" charset="0"/>
+              </a:rPr>
+              <a:t>.RandomClamped(), </a:t>
+            </a:r>
+            <a:r>
+              <a:rPr lang="en-IE" sz="3600" dirty="0">
+                <a:solidFill>
+                  <a:srgbClr val="2B91AF"/>
+                </a:solidFill>
+                <a:latin typeface="Consolas" panose="020B0609020204030204" pitchFamily="49" charset="0"/>
+              </a:rPr>
+              <a:t>Utilities</a:t>
+            </a:r>
+            <a:r>
+              <a:rPr lang="en-IE" sz="3600" dirty="0">
+                <a:solidFill>
+                  <a:prstClr val="black"/>
+                </a:solidFill>
+                <a:latin typeface="Consolas" panose="020B0609020204030204" pitchFamily="49" charset="0"/>
+              </a:rPr>
+              <a:t>.RandomClamped()) * jitterTimeSlice;</a:t>
+            </a:r>
+          </a:p>
+          <a:p>
+            <a:pPr marL="0" indent="0">
+              <a:buNone/>
+            </a:pPr>
+            <a:r>
+              <a:rPr lang="en-IE" sz="3600" dirty="0">
+                <a:solidFill>
+                  <a:prstClr val="black"/>
+                </a:solidFill>
+                <a:latin typeface="Consolas" panose="020B0609020204030204" pitchFamily="49" charset="0"/>
+              </a:rPr>
+              <a:t>            wanderTargetPos += toAdd;</a:t>
+            </a:r>
+          </a:p>
+          <a:p>
+            <a:pPr marL="0" indent="0">
+              <a:buNone/>
+            </a:pPr>
+            <a:r>
+              <a:rPr lang="en-IE" sz="3600" dirty="0">
+                <a:solidFill>
+                  <a:prstClr val="black"/>
+                </a:solidFill>
+                <a:latin typeface="Consolas" panose="020B0609020204030204" pitchFamily="49" charset="0"/>
+              </a:rPr>
+              <a:t>            wanderTargetPos.Normalize();</a:t>
+            </a:r>
+          </a:p>
+          <a:p>
+            <a:pPr marL="0" indent="0">
+              <a:buNone/>
+            </a:pPr>
+            <a:r>
+              <a:rPr lang="en-IE" sz="3600" dirty="0">
+                <a:solidFill>
+                  <a:prstClr val="black"/>
+                </a:solidFill>
+                <a:latin typeface="Consolas" panose="020B0609020204030204" pitchFamily="49" charset="0"/>
+              </a:rPr>
+              <a:t>            wanderTargetPos *= </a:t>
+            </a:r>
+            <a:r>
+              <a:rPr lang="en-IE" sz="3600" dirty="0">
+                <a:solidFill>
+                  <a:srgbClr val="2B91AF"/>
+                </a:solidFill>
+                <a:latin typeface="Consolas" panose="020B0609020204030204" pitchFamily="49" charset="0"/>
+              </a:rPr>
+              <a:t>Params</a:t>
+            </a:r>
+            <a:r>
+              <a:rPr lang="en-IE" sz="3600" dirty="0">
+                <a:solidFill>
+                  <a:prstClr val="black"/>
+                </a:solidFill>
+                <a:latin typeface="Consolas" panose="020B0609020204030204" pitchFamily="49" charset="0"/>
+              </a:rPr>
+              <a:t>.GetFloat(</a:t>
+            </a:r>
+            <a:r>
+              <a:rPr lang="en-IE" sz="3600" dirty="0">
+                <a:solidFill>
+                  <a:srgbClr val="A31515"/>
+                </a:solidFill>
+                <a:latin typeface="Consolas" panose="020B0609020204030204" pitchFamily="49" charset="0"/>
+              </a:rPr>
+              <a:t>"wander_radius"</a:t>
+            </a:r>
+            <a:r>
+              <a:rPr lang="en-IE" sz="3600" dirty="0">
+                <a:solidFill>
+                  <a:prstClr val="black"/>
+                </a:solidFill>
+                <a:latin typeface="Consolas" panose="020B0609020204030204" pitchFamily="49" charset="0"/>
+              </a:rPr>
+              <a:t>);</a:t>
+            </a:r>
+          </a:p>
+          <a:p>
+            <a:pPr marL="0" indent="0">
+              <a:buNone/>
+            </a:pPr>
+            <a:endParaRPr lang="en-IE" sz="3600" dirty="0">
+              <a:solidFill>
+                <a:prstClr val="black"/>
+              </a:solidFill>
+              <a:latin typeface="Consolas" panose="020B0609020204030204" pitchFamily="49" charset="0"/>
+            </a:endParaRPr>
+          </a:p>
+          <a:p>
+            <a:pPr marL="0" indent="0">
+              <a:buNone/>
+            </a:pPr>
+            <a:r>
+              <a:rPr lang="en-IE" sz="3600" dirty="0">
+                <a:solidFill>
+                  <a:prstClr val="black"/>
+                </a:solidFill>
+                <a:latin typeface="Consolas" panose="020B0609020204030204" pitchFamily="49" charset="0"/>
+              </a:rPr>
+              <a:t>            </a:t>
+            </a:r>
+            <a:r>
+              <a:rPr lang="en-IE" sz="3600" dirty="0">
+                <a:solidFill>
+                  <a:srgbClr val="2B91AF"/>
+                </a:solidFill>
+                <a:latin typeface="Consolas" panose="020B0609020204030204" pitchFamily="49" charset="0"/>
+              </a:rPr>
+              <a:t>Vector3</a:t>
+            </a:r>
+            <a:r>
+              <a:rPr lang="en-IE" sz="3600" dirty="0">
+                <a:solidFill>
+                  <a:prstClr val="black"/>
+                </a:solidFill>
+                <a:latin typeface="Consolas" panose="020B0609020204030204" pitchFamily="49" charset="0"/>
+              </a:rPr>
+              <a:t> worldTarget = transform.TransformPoint(wanderTargetPos + (</a:t>
+            </a:r>
+            <a:r>
+              <a:rPr lang="en-IE" sz="3600" dirty="0">
+                <a:solidFill>
+                  <a:srgbClr val="2B91AF"/>
+                </a:solidFill>
+                <a:latin typeface="Consolas" panose="020B0609020204030204" pitchFamily="49" charset="0"/>
+              </a:rPr>
+              <a:t>Vector3</a:t>
+            </a:r>
+            <a:r>
+              <a:rPr lang="en-IE" sz="3600" dirty="0">
+                <a:solidFill>
+                  <a:prstClr val="black"/>
+                </a:solidFill>
+                <a:latin typeface="Consolas" panose="020B0609020204030204" pitchFamily="49" charset="0"/>
+              </a:rPr>
+              <a:t>.forward * </a:t>
+            </a:r>
+            <a:r>
+              <a:rPr lang="en-IE" sz="3600" dirty="0">
+                <a:solidFill>
+                  <a:srgbClr val="2B91AF"/>
+                </a:solidFill>
+                <a:latin typeface="Consolas" panose="020B0609020204030204" pitchFamily="49" charset="0"/>
+              </a:rPr>
+              <a:t>Params</a:t>
+            </a:r>
+            <a:r>
+              <a:rPr lang="en-IE" sz="3600" dirty="0">
+                <a:solidFill>
+                  <a:prstClr val="black"/>
+                </a:solidFill>
+                <a:latin typeface="Consolas" panose="020B0609020204030204" pitchFamily="49" charset="0"/>
+              </a:rPr>
+              <a:t>.GetFloat(</a:t>
+            </a:r>
+            <a:r>
+              <a:rPr lang="en-IE" sz="3600" dirty="0">
+                <a:solidFill>
+                  <a:srgbClr val="A31515"/>
+                </a:solidFill>
+                <a:latin typeface="Consolas" panose="020B0609020204030204" pitchFamily="49" charset="0"/>
+              </a:rPr>
+              <a:t>"wander_distance"</a:t>
+            </a:r>
+            <a:r>
+              <a:rPr lang="en-IE" sz="3600" dirty="0">
+                <a:solidFill>
+                  <a:prstClr val="black"/>
+                </a:solidFill>
+                <a:latin typeface="Consolas" panose="020B0609020204030204" pitchFamily="49" charset="0"/>
+              </a:rPr>
+              <a:t>)));</a:t>
+            </a:r>
+          </a:p>
+          <a:p>
+            <a:pPr marL="0" indent="0">
+              <a:buNone/>
+            </a:pPr>
+            <a:r>
+              <a:rPr lang="en-IE" sz="3600" dirty="0">
+                <a:solidFill>
+                  <a:prstClr val="black"/>
+                </a:solidFill>
+                <a:latin typeface="Consolas" panose="020B0609020204030204" pitchFamily="49" charset="0"/>
+              </a:rPr>
+              <a:t>            </a:t>
+            </a:r>
+            <a:r>
+              <a:rPr lang="en-IE" sz="3600" dirty="0">
+                <a:solidFill>
+                  <a:srgbClr val="0000FF"/>
+                </a:solidFill>
+                <a:latin typeface="Consolas" panose="020B0609020204030204" pitchFamily="49" charset="0"/>
+              </a:rPr>
+              <a:t>return</a:t>
+            </a:r>
+            <a:r>
+              <a:rPr lang="en-IE" sz="3600" dirty="0">
+                <a:solidFill>
+                  <a:prstClr val="black"/>
+                </a:solidFill>
+                <a:latin typeface="Consolas" panose="020B0609020204030204" pitchFamily="49" charset="0"/>
+              </a:rPr>
+              <a:t> (worldTarget - transform.position);</a:t>
+            </a:r>
+          </a:p>
+          <a:p>
+            <a:pPr marL="0" indent="0">
+              <a:buNone/>
+            </a:pPr>
+            <a:r>
+              <a:rPr lang="en-IE" sz="3600" dirty="0">
+                <a:solidFill>
+                  <a:prstClr val="black"/>
+                </a:solidFill>
+                <a:latin typeface="Consolas" panose="020B0609020204030204" pitchFamily="49" charset="0"/>
+              </a:rPr>
+              <a:t>        </a:t>
+            </a:r>
+            <a:r>
+              <a:rPr lang="en-IE" dirty="0">
+                <a:solidFill>
+                  <a:prstClr val="black"/>
+                </a:solidFill>
+                <a:latin typeface="Consolas" panose="020B0609020204030204" pitchFamily="49" charset="0"/>
+              </a:rPr>
+              <a:t>}</a:t>
+            </a:r>
+          </a:p>
+          <a:p>
+            <a:endParaRPr lang="en-IE" dirty="0"/>
+          </a:p>
+        </p:txBody>
+      </p:sp>
+    </p:spTree>
+    <p:extLst>
+      <p:ext uri="{BB962C8B-B14F-4D97-AF65-F5344CB8AC3E}">
+        <p14:creationId xmlns:p14="http://schemas.microsoft.com/office/powerpoint/2010/main" val="1866669464"/>
+      </p:ext>
+    </p:extLst>
+  </p:cSld>
+  <p:clrMapOvr>
+    <a:masterClrMapping/>
+  </p:clrMapOvr>
+  <p:timing>
+    <p:tnLst>
+      <p:par>
+        <p:cTn id="1" dur="indefinite" restart="never" nodeType="tmRoot"/>
+      </p:par>
+    </p:tnLst>
+  </p:timing>
+</p:sld>
+</file>
+
+<file path=ppt/slides/slide41.xml><?xml version="1.0" encoding="utf-8"?>
+<p:sld xmlns:a="http://schemas.openxmlformats.org/drawingml/2006/main" xmlns:r="http://schemas.openxmlformats.org/officeDocument/2006/relationships" xmlns:p="http://schemas.openxmlformats.org/presentationml/2006/main">
+  <p:cSld>
+    <p:spTree>
+      <p:nvGrpSpPr>
+        <p:cNvPr id="1" name=""/>
+        <p:cNvGrpSpPr/>
+        <p:nvPr/>
+      </p:nvGrpSpPr>
+      <p:grpSpPr>
+        <a:xfrm>
+          <a:off x="0" y="0"/>
+          <a:ext cx="0" cy="0"/>
+          <a:chOff x="0" y="0"/>
+          <a:chExt cx="0" cy="0"/>
+        </a:xfrm>
+      </p:grpSpPr>
+      <p:sp>
+        <p:nvSpPr>
+          <p:cNvPr id="2" name="Title 1"/>
+          <p:cNvSpPr>
+            <a:spLocks noGrp="1"/>
+          </p:cNvSpPr>
+          <p:nvPr>
+            <p:ph type="title"/>
+          </p:nvPr>
+        </p:nvSpPr>
+        <p:spPr/>
+        <p:txBody>
+          <a:bodyPr/>
+          <a:lstStyle/>
+          <a:p>
+            <a:r>
+              <a:rPr lang="en-GB" dirty="0" smtClean="0"/>
+              <a:t>Coming next...</a:t>
+            </a:r>
+            <a:endParaRPr lang="en-IE" dirty="0"/>
+          </a:p>
+        </p:txBody>
+      </p:sp>
+      <p:sp>
+        <p:nvSpPr>
+          <p:cNvPr id="3" name="Content Placeholder 2"/>
+          <p:cNvSpPr>
+            <a:spLocks noGrp="1"/>
+          </p:cNvSpPr>
+          <p:nvPr>
+            <p:ph idx="1"/>
+          </p:nvPr>
+        </p:nvSpPr>
+        <p:spPr/>
+        <p:txBody>
+          <a:bodyPr/>
+          <a:lstStyle/>
+          <a:p>
+            <a:r>
+              <a:rPr lang="en-GB" dirty="0" smtClean="0"/>
+              <a:t>The mother of all steering behaviours...</a:t>
+            </a:r>
+          </a:p>
+          <a:p>
+            <a:r>
+              <a:rPr lang="en-GB" dirty="0" smtClean="0"/>
+              <a:t>Obstacle Avoidance..</a:t>
+            </a:r>
+            <a:endParaRPr lang="en-IE" dirty="0"/>
+          </a:p>
+        </p:txBody>
+      </p:sp>
+    </p:spTree>
+    <p:extLst>
+      <p:ext uri="{BB962C8B-B14F-4D97-AF65-F5344CB8AC3E}">
+        <p14:creationId xmlns:p14="http://schemas.microsoft.com/office/powerpoint/2010/main" val="2767925173"/>
       </p:ext>
     </p:extLst>
   </p:cSld>

--- a/Lectures/Game AI 3.pptx
+++ b/Lectures/Game AI 3.pptx
@@ -248,7 +248,7 @@
           <a:p>
             <a:fld id="{8B5F6ADF-76BE-4E67-B3A7-E4E519D3E160}" type="datetimeFigureOut">
               <a:rPr lang="en-IE" smtClean="0"/>
-              <a:t>20/02/2014</a:t>
+              <a:t>24/03/2014</a:t>
             </a:fld>
             <a:endParaRPr lang="en-IE"/>
           </a:p>
@@ -1948,7 +1948,7 @@
           <a:p>
             <a:fld id="{6FA70D29-463A-43D6-BBEF-693D30580A1C}" type="datetimeFigureOut">
               <a:rPr lang="en-IE" smtClean="0"/>
-              <a:t>20/02/2014</a:t>
+              <a:t>24/03/2014</a:t>
             </a:fld>
             <a:endParaRPr lang="en-IE"/>
           </a:p>
@@ -2118,7 +2118,7 @@
           <a:p>
             <a:fld id="{6FA70D29-463A-43D6-BBEF-693D30580A1C}" type="datetimeFigureOut">
               <a:rPr lang="en-IE" smtClean="0"/>
-              <a:t>20/02/2014</a:t>
+              <a:t>24/03/2014</a:t>
             </a:fld>
             <a:endParaRPr lang="en-IE"/>
           </a:p>
@@ -2298,7 +2298,7 @@
           <a:p>
             <a:fld id="{6FA70D29-463A-43D6-BBEF-693D30580A1C}" type="datetimeFigureOut">
               <a:rPr lang="en-IE" smtClean="0"/>
-              <a:t>20/02/2014</a:t>
+              <a:t>24/03/2014</a:t>
             </a:fld>
             <a:endParaRPr lang="en-IE"/>
           </a:p>
@@ -2704,7 +2704,7 @@
           <a:p>
             <a:fld id="{6FA70D29-463A-43D6-BBEF-693D30580A1C}" type="datetimeFigureOut">
               <a:rPr lang="en-IE" smtClean="0"/>
-              <a:t>20/02/2014</a:t>
+              <a:t>24/03/2014</a:t>
             </a:fld>
             <a:endParaRPr lang="en-IE"/>
           </a:p>
@@ -2950,7 +2950,7 @@
           <a:p>
             <a:fld id="{6FA70D29-463A-43D6-BBEF-693D30580A1C}" type="datetimeFigureOut">
               <a:rPr lang="en-IE" smtClean="0"/>
-              <a:t>20/02/2014</a:t>
+              <a:t>24/03/2014</a:t>
             </a:fld>
             <a:endParaRPr lang="en-IE"/>
           </a:p>
@@ -3238,7 +3238,7 @@
           <a:p>
             <a:fld id="{6FA70D29-463A-43D6-BBEF-693D30580A1C}" type="datetimeFigureOut">
               <a:rPr lang="en-IE" smtClean="0"/>
-              <a:t>20/02/2014</a:t>
+              <a:t>24/03/2014</a:t>
             </a:fld>
             <a:endParaRPr lang="en-IE"/>
           </a:p>
@@ -3660,7 +3660,7 @@
           <a:p>
             <a:fld id="{6FA70D29-463A-43D6-BBEF-693D30580A1C}" type="datetimeFigureOut">
               <a:rPr lang="en-IE" smtClean="0"/>
-              <a:t>20/02/2014</a:t>
+              <a:t>24/03/2014</a:t>
             </a:fld>
             <a:endParaRPr lang="en-IE"/>
           </a:p>
@@ -3778,7 +3778,7 @@
           <a:p>
             <a:fld id="{6FA70D29-463A-43D6-BBEF-693D30580A1C}" type="datetimeFigureOut">
               <a:rPr lang="en-IE" smtClean="0"/>
-              <a:t>20/02/2014</a:t>
+              <a:t>24/03/2014</a:t>
             </a:fld>
             <a:endParaRPr lang="en-IE"/>
           </a:p>
@@ -3873,7 +3873,7 @@
           <a:p>
             <a:fld id="{6FA70D29-463A-43D6-BBEF-693D30580A1C}" type="datetimeFigureOut">
               <a:rPr lang="en-IE" smtClean="0"/>
-              <a:t>20/02/2014</a:t>
+              <a:t>24/03/2014</a:t>
             </a:fld>
             <a:endParaRPr lang="en-IE"/>
           </a:p>
@@ -4150,7 +4150,7 @@
           <a:p>
             <a:fld id="{6FA70D29-463A-43D6-BBEF-693D30580A1C}" type="datetimeFigureOut">
               <a:rPr lang="en-IE" smtClean="0"/>
-              <a:t>20/02/2014</a:t>
+              <a:t>24/03/2014</a:t>
             </a:fld>
             <a:endParaRPr lang="en-IE"/>
           </a:p>
@@ -4403,7 +4403,7 @@
           <a:p>
             <a:fld id="{6FA70D29-463A-43D6-BBEF-693D30580A1C}" type="datetimeFigureOut">
               <a:rPr lang="en-IE" smtClean="0"/>
-              <a:t>20/02/2014</a:t>
+              <a:t>24/03/2014</a:t>
             </a:fld>
             <a:endParaRPr lang="en-IE"/>
           </a:p>
@@ -4616,7 +4616,7 @@
           <a:p>
             <a:fld id="{6FA70D29-463A-43D6-BBEF-693D30580A1C}" type="datetimeFigureOut">
               <a:rPr lang="en-IE" smtClean="0"/>
-              <a:t>20/02/2014</a:t>
+              <a:t>24/03/2014</a:t>
             </a:fld>
             <a:endParaRPr lang="en-IE"/>
           </a:p>
@@ -5086,7 +5086,9 @@
         </p:nvSpPr>
         <p:spPr/>
         <p:txBody>
-          <a:bodyPr/>
+          <a:bodyPr>
+            <a:normAutofit fontScale="90000"/>
+          </a:bodyPr>
           <a:lstStyle/>
           <a:p>
             <a:r>
@@ -5098,7 +5100,18 @@
             </a:br>
             <a:r>
               <a:rPr lang="en-IE" dirty="0" smtClean="0"/>
-              <a:t>(Game Engines 2)</a:t>
+              <a:t>(Game Engines 2</a:t>
+            </a:r>
+            <a:r>
+              <a:rPr lang="en-IE" dirty="0" smtClean="0"/>
+              <a:t>)</a:t>
+            </a:r>
+            <a:br>
+              <a:rPr lang="en-IE" dirty="0" smtClean="0"/>
+            </a:br>
+            <a:r>
+              <a:rPr lang="en-IE" dirty="0" smtClean="0"/>
+              <a:t>Implementing the Behaviours in Unity3D</a:t>
             </a:r>
             <a:endParaRPr lang="en-IE" dirty="0"/>
           </a:p>

--- a/Lectures/Game AI 3.pptx
+++ b/Lectures/Game AI 3.pptx
@@ -248,7 +248,7 @@
           <a:p>
             <a:fld id="{8B5F6ADF-76BE-4E67-B3A7-E4E519D3E160}" type="datetimeFigureOut">
               <a:rPr lang="en-IE" smtClean="0"/>
-              <a:t>24/03/2014</a:t>
+              <a:t>26/03/2014</a:t>
             </a:fld>
             <a:endParaRPr lang="en-IE"/>
           </a:p>
@@ -1948,7 +1948,7 @@
           <a:p>
             <a:fld id="{6FA70D29-463A-43D6-BBEF-693D30580A1C}" type="datetimeFigureOut">
               <a:rPr lang="en-IE" smtClean="0"/>
-              <a:t>24/03/2014</a:t>
+              <a:t>26/03/2014</a:t>
             </a:fld>
             <a:endParaRPr lang="en-IE"/>
           </a:p>
@@ -2118,7 +2118,7 @@
           <a:p>
             <a:fld id="{6FA70D29-463A-43D6-BBEF-693D30580A1C}" type="datetimeFigureOut">
               <a:rPr lang="en-IE" smtClean="0"/>
-              <a:t>24/03/2014</a:t>
+              <a:t>26/03/2014</a:t>
             </a:fld>
             <a:endParaRPr lang="en-IE"/>
           </a:p>
@@ -2298,7 +2298,7 @@
           <a:p>
             <a:fld id="{6FA70D29-463A-43D6-BBEF-693D30580A1C}" type="datetimeFigureOut">
               <a:rPr lang="en-IE" smtClean="0"/>
-              <a:t>24/03/2014</a:t>
+              <a:t>26/03/2014</a:t>
             </a:fld>
             <a:endParaRPr lang="en-IE"/>
           </a:p>
@@ -2704,7 +2704,7 @@
           <a:p>
             <a:fld id="{6FA70D29-463A-43D6-BBEF-693D30580A1C}" type="datetimeFigureOut">
               <a:rPr lang="en-IE" smtClean="0"/>
-              <a:t>24/03/2014</a:t>
+              <a:t>26/03/2014</a:t>
             </a:fld>
             <a:endParaRPr lang="en-IE"/>
           </a:p>
@@ -2950,7 +2950,7 @@
           <a:p>
             <a:fld id="{6FA70D29-463A-43D6-BBEF-693D30580A1C}" type="datetimeFigureOut">
               <a:rPr lang="en-IE" smtClean="0"/>
-              <a:t>24/03/2014</a:t>
+              <a:t>26/03/2014</a:t>
             </a:fld>
             <a:endParaRPr lang="en-IE"/>
           </a:p>
@@ -3238,7 +3238,7 @@
           <a:p>
             <a:fld id="{6FA70D29-463A-43D6-BBEF-693D30580A1C}" type="datetimeFigureOut">
               <a:rPr lang="en-IE" smtClean="0"/>
-              <a:t>24/03/2014</a:t>
+              <a:t>26/03/2014</a:t>
             </a:fld>
             <a:endParaRPr lang="en-IE"/>
           </a:p>
@@ -3660,7 +3660,7 @@
           <a:p>
             <a:fld id="{6FA70D29-463A-43D6-BBEF-693D30580A1C}" type="datetimeFigureOut">
               <a:rPr lang="en-IE" smtClean="0"/>
-              <a:t>24/03/2014</a:t>
+              <a:t>26/03/2014</a:t>
             </a:fld>
             <a:endParaRPr lang="en-IE"/>
           </a:p>
@@ -3778,7 +3778,7 @@
           <a:p>
             <a:fld id="{6FA70D29-463A-43D6-BBEF-693D30580A1C}" type="datetimeFigureOut">
               <a:rPr lang="en-IE" smtClean="0"/>
-              <a:t>24/03/2014</a:t>
+              <a:t>26/03/2014</a:t>
             </a:fld>
             <a:endParaRPr lang="en-IE"/>
           </a:p>
@@ -3873,7 +3873,7 @@
           <a:p>
             <a:fld id="{6FA70D29-463A-43D6-BBEF-693D30580A1C}" type="datetimeFigureOut">
               <a:rPr lang="en-IE" smtClean="0"/>
-              <a:t>24/03/2014</a:t>
+              <a:t>26/03/2014</a:t>
             </a:fld>
             <a:endParaRPr lang="en-IE"/>
           </a:p>
@@ -4150,7 +4150,7 @@
           <a:p>
             <a:fld id="{6FA70D29-463A-43D6-BBEF-693D30580A1C}" type="datetimeFigureOut">
               <a:rPr lang="en-IE" smtClean="0"/>
-              <a:t>24/03/2014</a:t>
+              <a:t>26/03/2014</a:t>
             </a:fld>
             <a:endParaRPr lang="en-IE"/>
           </a:p>
@@ -4403,7 +4403,7 @@
           <a:p>
             <a:fld id="{6FA70D29-463A-43D6-BBEF-693D30580A1C}" type="datetimeFigureOut">
               <a:rPr lang="en-IE" smtClean="0"/>
-              <a:t>24/03/2014</a:t>
+              <a:t>26/03/2014</a:t>
             </a:fld>
             <a:endParaRPr lang="en-IE"/>
           </a:p>
@@ -4616,7 +4616,7 @@
           <a:p>
             <a:fld id="{6FA70D29-463A-43D6-BBEF-693D30580A1C}" type="datetimeFigureOut">
               <a:rPr lang="en-IE" smtClean="0"/>
-              <a:t>24/03/2014</a:t>
+              <a:t>26/03/2014</a:t>
             </a:fld>
             <a:endParaRPr lang="en-IE"/>
           </a:p>
@@ -5093,18 +5093,31 @@
           <a:p>
             <a:r>
               <a:rPr lang="en-IE" dirty="0" smtClean="0"/>
-              <a:t>Game AI</a:t>
-            </a:r>
-            <a:br>
-              <a:rPr lang="en-IE" dirty="0" smtClean="0"/>
-            </a:br>
-            <a:r>
-              <a:rPr lang="en-IE" dirty="0" smtClean="0"/>
-              <a:t>(Game Engines 2</a:t>
-            </a:r>
-            <a:r>
-              <a:rPr lang="en-IE" dirty="0" smtClean="0"/>
-              <a:t>)</a:t>
+              <a:t>Game </a:t>
+            </a:r>
+            <a:r>
+              <a:rPr lang="en-IE" dirty="0" smtClean="0"/>
+              <a:t>AI</a:t>
+            </a:r>
+            <a:r>
+              <a:rPr lang="en-IE" dirty="0"/>
+              <a:t>/</a:t>
+            </a:r>
+            <a:r>
+              <a:rPr lang="en-IE" dirty="0" smtClean="0"/>
+              <a:t>Game </a:t>
+            </a:r>
+            <a:r>
+              <a:rPr lang="en-IE" dirty="0" smtClean="0"/>
+              <a:t>Engines </a:t>
+            </a:r>
+            <a:r>
+              <a:rPr lang="en-IE" dirty="0" smtClean="0"/>
+              <a:t>2</a:t>
+            </a:r>
+            <a:r>
+              <a:rPr lang="en-IE" dirty="0" smtClean="0"/>
+              <a:t/>
             </a:r>
             <a:br>
               <a:rPr lang="en-IE" dirty="0" smtClean="0"/>
